--- a/leading technical debt/gogo keynote - data-driven leadership to solve technical debt.pptx
+++ b/leading technical debt/gogo keynote - data-driven leadership to solve technical debt.pptx
@@ -4,39 +4,53 @@
   <p:sldMasterIdLst>
     <p:sldMasterId id="2147483648" r:id="rId1"/>
   </p:sldMasterIdLst>
+  <p:notesMasterIdLst>
+    <p:notesMasterId r:id="rId45"/>
+  </p:notesMasterIdLst>
   <p:sldIdLst>
     <p:sldId id="256" r:id="rId2"/>
     <p:sldId id="257" r:id="rId3"/>
     <p:sldId id="258" r:id="rId4"/>
     <p:sldId id="259" r:id="rId5"/>
     <p:sldId id="260" r:id="rId6"/>
-    <p:sldId id="261" r:id="rId7"/>
-    <p:sldId id="262" r:id="rId8"/>
+    <p:sldId id="262" r:id="rId7"/>
+    <p:sldId id="289" r:id="rId8"/>
     <p:sldId id="263" r:id="rId9"/>
     <p:sldId id="264" r:id="rId10"/>
-    <p:sldId id="265" r:id="rId11"/>
-    <p:sldId id="266" r:id="rId12"/>
-    <p:sldId id="267" r:id="rId13"/>
-    <p:sldId id="268" r:id="rId14"/>
-    <p:sldId id="269" r:id="rId15"/>
-    <p:sldId id="271" r:id="rId16"/>
-    <p:sldId id="270" r:id="rId17"/>
-    <p:sldId id="272" r:id="rId18"/>
-    <p:sldId id="273" r:id="rId19"/>
-    <p:sldId id="274" r:id="rId20"/>
-    <p:sldId id="275" r:id="rId21"/>
-    <p:sldId id="276" r:id="rId22"/>
-    <p:sldId id="277" r:id="rId23"/>
-    <p:sldId id="278" r:id="rId24"/>
-    <p:sldId id="279" r:id="rId25"/>
-    <p:sldId id="280" r:id="rId26"/>
-    <p:sldId id="281" r:id="rId27"/>
-    <p:sldId id="282" r:id="rId28"/>
-    <p:sldId id="283" r:id="rId29"/>
-    <p:sldId id="284" r:id="rId30"/>
-    <p:sldId id="285" r:id="rId31"/>
-    <p:sldId id="286" r:id="rId32"/>
-    <p:sldId id="287" r:id="rId33"/>
+    <p:sldId id="288" r:id="rId11"/>
+    <p:sldId id="261" r:id="rId12"/>
+    <p:sldId id="266" r:id="rId13"/>
+    <p:sldId id="267" r:id="rId14"/>
+    <p:sldId id="265" r:id="rId15"/>
+    <p:sldId id="268" r:id="rId16"/>
+    <p:sldId id="291" r:id="rId17"/>
+    <p:sldId id="290" r:id="rId18"/>
+    <p:sldId id="269" r:id="rId19"/>
+    <p:sldId id="271" r:id="rId20"/>
+    <p:sldId id="292" r:id="rId21"/>
+    <p:sldId id="270" r:id="rId22"/>
+    <p:sldId id="293" r:id="rId23"/>
+    <p:sldId id="294" r:id="rId24"/>
+    <p:sldId id="296" r:id="rId25"/>
+    <p:sldId id="297" r:id="rId26"/>
+    <p:sldId id="298" r:id="rId27"/>
+    <p:sldId id="295" r:id="rId28"/>
+    <p:sldId id="273" r:id="rId29"/>
+    <p:sldId id="300" r:id="rId30"/>
+    <p:sldId id="299" r:id="rId31"/>
+    <p:sldId id="277" r:id="rId32"/>
+    <p:sldId id="278" r:id="rId33"/>
+    <p:sldId id="279" r:id="rId34"/>
+    <p:sldId id="301" r:id="rId35"/>
+    <p:sldId id="280" r:id="rId36"/>
+    <p:sldId id="281" r:id="rId37"/>
+    <p:sldId id="282" r:id="rId38"/>
+    <p:sldId id="302" r:id="rId39"/>
+    <p:sldId id="283" r:id="rId40"/>
+    <p:sldId id="284" r:id="rId41"/>
+    <p:sldId id="285" r:id="rId42"/>
+    <p:sldId id="286" r:id="rId43"/>
+    <p:sldId id="287" r:id="rId44"/>
   </p:sldIdLst>
   <p:sldSz cx="12192000" cy="6858000"/>
   <p:notesSz cx="6858000" cy="9144000"/>
@@ -135,7 +149,2001 @@
       </a:defRPr>
     </a:lvl9pPr>
   </p:defaultTextStyle>
+  <p:extLst>
+    <p:ext uri="{EFAFB233-063F-42B5-8137-9DF3F51BA10A}">
+      <p15:sldGuideLst xmlns:p15="http://schemas.microsoft.com/office/powerpoint/2012/main"/>
+    </p:ext>
+  </p:extLst>
 </p:presentation>
+</file>
+
+<file path=ppt/notesMasters/notesMaster1.xml><?xml version="1.0" encoding="utf-8"?>
+<p:notesMaster xmlns:a="http://schemas.openxmlformats.org/drawingml/2006/main" xmlns:r="http://schemas.openxmlformats.org/officeDocument/2006/relationships" xmlns:p="http://schemas.openxmlformats.org/presentationml/2006/main">
+  <p:cSld>
+    <p:bg>
+      <p:bgRef idx="1001">
+        <a:schemeClr val="bg1"/>
+      </p:bgRef>
+    </p:bg>
+    <p:spTree>
+      <p:nvGrpSpPr>
+        <p:cNvPr id="1" name=""/>
+        <p:cNvGrpSpPr/>
+        <p:nvPr/>
+      </p:nvGrpSpPr>
+      <p:grpSpPr>
+        <a:xfrm>
+          <a:off x="0" y="0"/>
+          <a:ext cx="0" cy="0"/>
+          <a:chOff x="0" y="0"/>
+          <a:chExt cx="0" cy="0"/>
+        </a:xfrm>
+      </p:grpSpPr>
+      <p:sp>
+        <p:nvSpPr>
+          <p:cNvPr id="2" name="Header Placeholder 1"/>
+          <p:cNvSpPr>
+            <a:spLocks noGrp="1"/>
+          </p:cNvSpPr>
+          <p:nvPr>
+            <p:ph type="hdr" sz="quarter"/>
+          </p:nvPr>
+        </p:nvSpPr>
+        <p:spPr>
+          <a:xfrm>
+            <a:off x="0" y="0"/>
+            <a:ext cx="2971800" cy="458788"/>
+          </a:xfrm>
+          <a:prstGeom prst="rect">
+            <a:avLst/>
+          </a:prstGeom>
+        </p:spPr>
+        <p:txBody>
+          <a:bodyPr vert="horz" lIns="91440" tIns="45720" rIns="91440" bIns="45720" rtlCol="0"/>
+          <a:lstStyle>
+            <a:lvl1pPr algn="l">
+              <a:defRPr sz="1200"/>
+            </a:lvl1pPr>
+          </a:lstStyle>
+          <a:p>
+            <a:endParaRPr lang="en-US"/>
+          </a:p>
+        </p:txBody>
+      </p:sp>
+      <p:sp>
+        <p:nvSpPr>
+          <p:cNvPr id="3" name="Date Placeholder 2"/>
+          <p:cNvSpPr>
+            <a:spLocks noGrp="1"/>
+          </p:cNvSpPr>
+          <p:nvPr>
+            <p:ph type="dt" idx="1"/>
+          </p:nvPr>
+        </p:nvSpPr>
+        <p:spPr>
+          <a:xfrm>
+            <a:off x="3884613" y="0"/>
+            <a:ext cx="2971800" cy="458788"/>
+          </a:xfrm>
+          <a:prstGeom prst="rect">
+            <a:avLst/>
+          </a:prstGeom>
+        </p:spPr>
+        <p:txBody>
+          <a:bodyPr vert="horz" lIns="91440" tIns="45720" rIns="91440" bIns="45720" rtlCol="0"/>
+          <a:lstStyle>
+            <a:lvl1pPr algn="r">
+              <a:defRPr sz="1200"/>
+            </a:lvl1pPr>
+          </a:lstStyle>
+          <a:p>
+            <a:fld id="{9145D725-E27F-4BDC-952B-6F12C3FAB913}" type="datetimeFigureOut">
+              <a:rPr lang="en-US" smtClean="0"/>
+              <a:t>08-Apr-19</a:t>
+            </a:fld>
+            <a:endParaRPr lang="en-US"/>
+          </a:p>
+        </p:txBody>
+      </p:sp>
+      <p:sp>
+        <p:nvSpPr>
+          <p:cNvPr id="4" name="Slide Image Placeholder 3"/>
+          <p:cNvSpPr>
+            <a:spLocks noGrp="1" noRot="1" noChangeAspect="1"/>
+          </p:cNvSpPr>
+          <p:nvPr>
+            <p:ph type="sldImg" idx="2"/>
+          </p:nvPr>
+        </p:nvSpPr>
+        <p:spPr>
+          <a:xfrm>
+            <a:off x="685800" y="1143000"/>
+            <a:ext cx="5486400" cy="3086100"/>
+          </a:xfrm>
+          <a:prstGeom prst="rect">
+            <a:avLst/>
+          </a:prstGeom>
+          <a:noFill/>
+          <a:ln w="12700">
+            <a:solidFill>
+              <a:prstClr val="black"/>
+            </a:solidFill>
+          </a:ln>
+        </p:spPr>
+        <p:txBody>
+          <a:bodyPr vert="horz" lIns="91440" tIns="45720" rIns="91440" bIns="45720" rtlCol="0" anchor="ctr"/>
+          <a:lstStyle/>
+          <a:p>
+            <a:endParaRPr lang="en-US"/>
+          </a:p>
+        </p:txBody>
+      </p:sp>
+      <p:sp>
+        <p:nvSpPr>
+          <p:cNvPr id="5" name="Notes Placeholder 4"/>
+          <p:cNvSpPr>
+            <a:spLocks noGrp="1"/>
+          </p:cNvSpPr>
+          <p:nvPr>
+            <p:ph type="body" sz="quarter" idx="3"/>
+          </p:nvPr>
+        </p:nvSpPr>
+        <p:spPr>
+          <a:xfrm>
+            <a:off x="685800" y="4400550"/>
+            <a:ext cx="5486400" cy="3600450"/>
+          </a:xfrm>
+          <a:prstGeom prst="rect">
+            <a:avLst/>
+          </a:prstGeom>
+        </p:spPr>
+        <p:txBody>
+          <a:bodyPr vert="horz" lIns="91440" tIns="45720" rIns="91440" bIns="45720" rtlCol="0"/>
+          <a:lstStyle/>
+          <a:p>
+            <a:pPr lvl="0"/>
+            <a:r>
+              <a:rPr lang="en-US"/>
+              <a:t>Click to edit Master text styles</a:t>
+            </a:r>
+          </a:p>
+          <a:p>
+            <a:pPr lvl="1"/>
+            <a:r>
+              <a:rPr lang="en-US"/>
+              <a:t>Second level</a:t>
+            </a:r>
+          </a:p>
+          <a:p>
+            <a:pPr lvl="2"/>
+            <a:r>
+              <a:rPr lang="en-US"/>
+              <a:t>Third level</a:t>
+            </a:r>
+          </a:p>
+          <a:p>
+            <a:pPr lvl="3"/>
+            <a:r>
+              <a:rPr lang="en-US"/>
+              <a:t>Fourth level</a:t>
+            </a:r>
+          </a:p>
+          <a:p>
+            <a:pPr lvl="4"/>
+            <a:r>
+              <a:rPr lang="en-US"/>
+              <a:t>Fifth level</a:t>
+            </a:r>
+          </a:p>
+        </p:txBody>
+      </p:sp>
+      <p:sp>
+        <p:nvSpPr>
+          <p:cNvPr id="6" name="Footer Placeholder 5"/>
+          <p:cNvSpPr>
+            <a:spLocks noGrp="1"/>
+          </p:cNvSpPr>
+          <p:nvPr>
+            <p:ph type="ftr" sz="quarter" idx="4"/>
+          </p:nvPr>
+        </p:nvSpPr>
+        <p:spPr>
+          <a:xfrm>
+            <a:off x="0" y="8685213"/>
+            <a:ext cx="2971800" cy="458787"/>
+          </a:xfrm>
+          <a:prstGeom prst="rect">
+            <a:avLst/>
+          </a:prstGeom>
+        </p:spPr>
+        <p:txBody>
+          <a:bodyPr vert="horz" lIns="91440" tIns="45720" rIns="91440" bIns="45720" rtlCol="0" anchor="b"/>
+          <a:lstStyle>
+            <a:lvl1pPr algn="l">
+              <a:defRPr sz="1200"/>
+            </a:lvl1pPr>
+          </a:lstStyle>
+          <a:p>
+            <a:endParaRPr lang="en-US"/>
+          </a:p>
+        </p:txBody>
+      </p:sp>
+      <p:sp>
+        <p:nvSpPr>
+          <p:cNvPr id="7" name="Slide Number Placeholder 6"/>
+          <p:cNvSpPr>
+            <a:spLocks noGrp="1"/>
+          </p:cNvSpPr>
+          <p:nvPr>
+            <p:ph type="sldNum" sz="quarter" idx="5"/>
+          </p:nvPr>
+        </p:nvSpPr>
+        <p:spPr>
+          <a:xfrm>
+            <a:off x="3884613" y="8685213"/>
+            <a:ext cx="2971800" cy="458787"/>
+          </a:xfrm>
+          <a:prstGeom prst="rect">
+            <a:avLst/>
+          </a:prstGeom>
+        </p:spPr>
+        <p:txBody>
+          <a:bodyPr vert="horz" lIns="91440" tIns="45720" rIns="91440" bIns="45720" rtlCol="0" anchor="b"/>
+          <a:lstStyle>
+            <a:lvl1pPr algn="r">
+              <a:defRPr sz="1200"/>
+            </a:lvl1pPr>
+          </a:lstStyle>
+          <a:p>
+            <a:fld id="{9B7FE9FA-6C9D-4D34-A513-E1A47B0ABA56}" type="slidenum">
+              <a:rPr lang="en-US" smtClean="0"/>
+              <a:t>‹#›</a:t>
+            </a:fld>
+            <a:endParaRPr lang="en-US"/>
+          </a:p>
+        </p:txBody>
+      </p:sp>
+    </p:spTree>
+    <p:extLst>
+      <p:ext uri="{BB962C8B-B14F-4D97-AF65-F5344CB8AC3E}">
+        <p14:creationId xmlns:p14="http://schemas.microsoft.com/office/powerpoint/2010/main" val="1195654588"/>
+      </p:ext>
+    </p:extLst>
+  </p:cSld>
+  <p:clrMap bg1="lt1" tx1="dk1" bg2="lt2" tx2="dk2" accent1="accent1" accent2="accent2" accent3="accent3" accent4="accent4" accent5="accent5" accent6="accent6" hlink="hlink" folHlink="folHlink"/>
+  <p:notesStyle>
+    <a:lvl1pPr marL="0" algn="l" defTabSz="914400" rtl="0" eaLnBrk="1" latinLnBrk="0" hangingPunct="1">
+      <a:defRPr sz="1200" kern="1200">
+        <a:solidFill>
+          <a:schemeClr val="tx1"/>
+        </a:solidFill>
+        <a:latin typeface="+mn-lt"/>
+        <a:ea typeface="+mn-ea"/>
+        <a:cs typeface="+mn-cs"/>
+      </a:defRPr>
+    </a:lvl1pPr>
+    <a:lvl2pPr marL="457200" algn="l" defTabSz="914400" rtl="0" eaLnBrk="1" latinLnBrk="0" hangingPunct="1">
+      <a:defRPr sz="1200" kern="1200">
+        <a:solidFill>
+          <a:schemeClr val="tx1"/>
+        </a:solidFill>
+        <a:latin typeface="+mn-lt"/>
+        <a:ea typeface="+mn-ea"/>
+        <a:cs typeface="+mn-cs"/>
+      </a:defRPr>
+    </a:lvl2pPr>
+    <a:lvl3pPr marL="914400" algn="l" defTabSz="914400" rtl="0" eaLnBrk="1" latinLnBrk="0" hangingPunct="1">
+      <a:defRPr sz="1200" kern="1200">
+        <a:solidFill>
+          <a:schemeClr val="tx1"/>
+        </a:solidFill>
+        <a:latin typeface="+mn-lt"/>
+        <a:ea typeface="+mn-ea"/>
+        <a:cs typeface="+mn-cs"/>
+      </a:defRPr>
+    </a:lvl3pPr>
+    <a:lvl4pPr marL="1371600" algn="l" defTabSz="914400" rtl="0" eaLnBrk="1" latinLnBrk="0" hangingPunct="1">
+      <a:defRPr sz="1200" kern="1200">
+        <a:solidFill>
+          <a:schemeClr val="tx1"/>
+        </a:solidFill>
+        <a:latin typeface="+mn-lt"/>
+        <a:ea typeface="+mn-ea"/>
+        <a:cs typeface="+mn-cs"/>
+      </a:defRPr>
+    </a:lvl4pPr>
+    <a:lvl5pPr marL="1828800" algn="l" defTabSz="914400" rtl="0" eaLnBrk="1" latinLnBrk="0" hangingPunct="1">
+      <a:defRPr sz="1200" kern="1200">
+        <a:solidFill>
+          <a:schemeClr val="tx1"/>
+        </a:solidFill>
+        <a:latin typeface="+mn-lt"/>
+        <a:ea typeface="+mn-ea"/>
+        <a:cs typeface="+mn-cs"/>
+      </a:defRPr>
+    </a:lvl5pPr>
+    <a:lvl6pPr marL="2286000" algn="l" defTabSz="914400" rtl="0" eaLnBrk="1" latinLnBrk="0" hangingPunct="1">
+      <a:defRPr sz="1200" kern="1200">
+        <a:solidFill>
+          <a:schemeClr val="tx1"/>
+        </a:solidFill>
+        <a:latin typeface="+mn-lt"/>
+        <a:ea typeface="+mn-ea"/>
+        <a:cs typeface="+mn-cs"/>
+      </a:defRPr>
+    </a:lvl6pPr>
+    <a:lvl7pPr marL="2743200" algn="l" defTabSz="914400" rtl="0" eaLnBrk="1" latinLnBrk="0" hangingPunct="1">
+      <a:defRPr sz="1200" kern="1200">
+        <a:solidFill>
+          <a:schemeClr val="tx1"/>
+        </a:solidFill>
+        <a:latin typeface="+mn-lt"/>
+        <a:ea typeface="+mn-ea"/>
+        <a:cs typeface="+mn-cs"/>
+      </a:defRPr>
+    </a:lvl7pPr>
+    <a:lvl8pPr marL="3200400" algn="l" defTabSz="914400" rtl="0" eaLnBrk="1" latinLnBrk="0" hangingPunct="1">
+      <a:defRPr sz="1200" kern="1200">
+        <a:solidFill>
+          <a:schemeClr val="tx1"/>
+        </a:solidFill>
+        <a:latin typeface="+mn-lt"/>
+        <a:ea typeface="+mn-ea"/>
+        <a:cs typeface="+mn-cs"/>
+      </a:defRPr>
+    </a:lvl8pPr>
+    <a:lvl9pPr marL="3657600" algn="l" defTabSz="914400" rtl="0" eaLnBrk="1" latinLnBrk="0" hangingPunct="1">
+      <a:defRPr sz="1200" kern="1200">
+        <a:solidFill>
+          <a:schemeClr val="tx1"/>
+        </a:solidFill>
+        <a:latin typeface="+mn-lt"/>
+        <a:ea typeface="+mn-ea"/>
+        <a:cs typeface="+mn-cs"/>
+      </a:defRPr>
+    </a:lvl9pPr>
+  </p:notesStyle>
+</p:notesMaster>
+</file>
+
+<file path=ppt/notesSlides/notesSlide1.xml><?xml version="1.0" encoding="utf-8"?>
+<p:notes xmlns:a="http://schemas.openxmlformats.org/drawingml/2006/main" xmlns:r="http://schemas.openxmlformats.org/officeDocument/2006/relationships" xmlns:p="http://schemas.openxmlformats.org/presentationml/2006/main">
+  <p:cSld>
+    <p:spTree>
+      <p:nvGrpSpPr>
+        <p:cNvPr id="1" name=""/>
+        <p:cNvGrpSpPr/>
+        <p:nvPr/>
+      </p:nvGrpSpPr>
+      <p:grpSpPr>
+        <a:xfrm>
+          <a:off x="0" y="0"/>
+          <a:ext cx="0" cy="0"/>
+          <a:chOff x="0" y="0"/>
+          <a:chExt cx="0" cy="0"/>
+        </a:xfrm>
+      </p:grpSpPr>
+      <p:sp>
+        <p:nvSpPr>
+          <p:cNvPr id="2" name="Slide Image Placeholder 1"/>
+          <p:cNvSpPr>
+            <a:spLocks noGrp="1" noRot="1" noChangeAspect="1"/>
+          </p:cNvSpPr>
+          <p:nvPr>
+            <p:ph type="sldImg"/>
+          </p:nvPr>
+        </p:nvSpPr>
+        <p:spPr/>
+      </p:sp>
+      <p:sp>
+        <p:nvSpPr>
+          <p:cNvPr id="3" name="Notes Placeholder 2"/>
+          <p:cNvSpPr>
+            <a:spLocks noGrp="1"/>
+          </p:cNvSpPr>
+          <p:nvPr>
+            <p:ph type="body" idx="1"/>
+          </p:nvPr>
+        </p:nvSpPr>
+        <p:spPr/>
+        <p:txBody>
+          <a:bodyPr/>
+          <a:lstStyle/>
+          <a:p>
+            <a:r>
+              <a:rPr lang="en-US" dirty="0"/>
+              <a:t>SHARP</a:t>
+            </a:r>
+          </a:p>
+        </p:txBody>
+      </p:sp>
+      <p:sp>
+        <p:nvSpPr>
+          <p:cNvPr id="4" name="Slide Number Placeholder 3"/>
+          <p:cNvSpPr>
+            <a:spLocks noGrp="1"/>
+          </p:cNvSpPr>
+          <p:nvPr>
+            <p:ph type="sldNum" sz="quarter" idx="5"/>
+          </p:nvPr>
+        </p:nvSpPr>
+        <p:spPr/>
+        <p:txBody>
+          <a:bodyPr/>
+          <a:lstStyle/>
+          <a:p>
+            <a:fld id="{9B7FE9FA-6C9D-4D34-A513-E1A47B0ABA56}" type="slidenum">
+              <a:rPr lang="en-US" smtClean="0"/>
+              <a:t>2</a:t>
+            </a:fld>
+            <a:endParaRPr lang="en-US"/>
+          </a:p>
+        </p:txBody>
+      </p:sp>
+    </p:spTree>
+    <p:extLst>
+      <p:ext uri="{BB962C8B-B14F-4D97-AF65-F5344CB8AC3E}">
+        <p14:creationId xmlns:p14="http://schemas.microsoft.com/office/powerpoint/2010/main" val="956046340"/>
+      </p:ext>
+    </p:extLst>
+  </p:cSld>
+  <p:clrMapOvr>
+    <a:masterClrMapping/>
+  </p:clrMapOvr>
+</p:notes>
+</file>
+
+<file path=ppt/notesSlides/notesSlide10.xml><?xml version="1.0" encoding="utf-8"?>
+<p:notes xmlns:a="http://schemas.openxmlformats.org/drawingml/2006/main" xmlns:r="http://schemas.openxmlformats.org/officeDocument/2006/relationships" xmlns:p="http://schemas.openxmlformats.org/presentationml/2006/main">
+  <p:cSld>
+    <p:spTree>
+      <p:nvGrpSpPr>
+        <p:cNvPr id="1" name=""/>
+        <p:cNvGrpSpPr/>
+        <p:nvPr/>
+      </p:nvGrpSpPr>
+      <p:grpSpPr>
+        <a:xfrm>
+          <a:off x="0" y="0"/>
+          <a:ext cx="0" cy="0"/>
+          <a:chOff x="0" y="0"/>
+          <a:chExt cx="0" cy="0"/>
+        </a:xfrm>
+      </p:grpSpPr>
+      <p:sp>
+        <p:nvSpPr>
+          <p:cNvPr id="2" name="Slide Image Placeholder 1"/>
+          <p:cNvSpPr>
+            <a:spLocks noGrp="1" noRot="1" noChangeAspect="1"/>
+          </p:cNvSpPr>
+          <p:nvPr>
+            <p:ph type="sldImg"/>
+          </p:nvPr>
+        </p:nvSpPr>
+        <p:spPr/>
+      </p:sp>
+      <p:sp>
+        <p:nvSpPr>
+          <p:cNvPr id="3" name="Notes Placeholder 2"/>
+          <p:cNvSpPr>
+            <a:spLocks noGrp="1"/>
+          </p:cNvSpPr>
+          <p:nvPr>
+            <p:ph type="body" idx="1"/>
+          </p:nvPr>
+        </p:nvSpPr>
+        <p:spPr/>
+        <p:txBody>
+          <a:bodyPr/>
+          <a:lstStyle/>
+          <a:p>
+            <a:r>
+              <a:rPr lang="en-US" dirty="0"/>
+              <a:t>Update from Slide 6’s breakdown of leadership</a:t>
+            </a:r>
+          </a:p>
+        </p:txBody>
+      </p:sp>
+      <p:sp>
+        <p:nvSpPr>
+          <p:cNvPr id="4" name="Slide Number Placeholder 3"/>
+          <p:cNvSpPr>
+            <a:spLocks noGrp="1"/>
+          </p:cNvSpPr>
+          <p:nvPr>
+            <p:ph type="sldNum" sz="quarter" idx="5"/>
+          </p:nvPr>
+        </p:nvSpPr>
+        <p:spPr/>
+        <p:txBody>
+          <a:bodyPr/>
+          <a:lstStyle/>
+          <a:p>
+            <a:fld id="{9B7FE9FA-6C9D-4D34-A513-E1A47B0ABA56}" type="slidenum">
+              <a:rPr lang="en-US" smtClean="0"/>
+              <a:t>13</a:t>
+            </a:fld>
+            <a:endParaRPr lang="en-US"/>
+          </a:p>
+        </p:txBody>
+      </p:sp>
+    </p:spTree>
+    <p:extLst>
+      <p:ext uri="{BB962C8B-B14F-4D97-AF65-F5344CB8AC3E}">
+        <p14:creationId xmlns:p14="http://schemas.microsoft.com/office/powerpoint/2010/main" val="2730729831"/>
+      </p:ext>
+    </p:extLst>
+  </p:cSld>
+  <p:clrMapOvr>
+    <a:masterClrMapping/>
+  </p:clrMapOvr>
+</p:notes>
+</file>
+
+<file path=ppt/notesSlides/notesSlide11.xml><?xml version="1.0" encoding="utf-8"?>
+<p:notes xmlns:a="http://schemas.openxmlformats.org/drawingml/2006/main" xmlns:r="http://schemas.openxmlformats.org/officeDocument/2006/relationships" xmlns:p="http://schemas.openxmlformats.org/presentationml/2006/main">
+  <p:cSld>
+    <p:spTree>
+      <p:nvGrpSpPr>
+        <p:cNvPr id="1" name=""/>
+        <p:cNvGrpSpPr/>
+        <p:nvPr/>
+      </p:nvGrpSpPr>
+      <p:grpSpPr>
+        <a:xfrm>
+          <a:off x="0" y="0"/>
+          <a:ext cx="0" cy="0"/>
+          <a:chOff x="0" y="0"/>
+          <a:chExt cx="0" cy="0"/>
+        </a:xfrm>
+      </p:grpSpPr>
+      <p:sp>
+        <p:nvSpPr>
+          <p:cNvPr id="2" name="Slide Image Placeholder 1"/>
+          <p:cNvSpPr>
+            <a:spLocks noGrp="1" noRot="1" noChangeAspect="1"/>
+          </p:cNvSpPr>
+          <p:nvPr>
+            <p:ph type="sldImg"/>
+          </p:nvPr>
+        </p:nvSpPr>
+        <p:spPr/>
+      </p:sp>
+      <p:sp>
+        <p:nvSpPr>
+          <p:cNvPr id="3" name="Notes Placeholder 2"/>
+          <p:cNvSpPr>
+            <a:spLocks noGrp="1"/>
+          </p:cNvSpPr>
+          <p:nvPr>
+            <p:ph type="body" idx="1"/>
+          </p:nvPr>
+        </p:nvSpPr>
+        <p:spPr/>
+        <p:txBody>
+          <a:bodyPr/>
+          <a:lstStyle/>
+          <a:p>
+            <a:endParaRPr lang="en-US" dirty="0"/>
+          </a:p>
+        </p:txBody>
+      </p:sp>
+      <p:sp>
+        <p:nvSpPr>
+          <p:cNvPr id="4" name="Slide Number Placeholder 3"/>
+          <p:cNvSpPr>
+            <a:spLocks noGrp="1"/>
+          </p:cNvSpPr>
+          <p:nvPr>
+            <p:ph type="sldNum" sz="quarter" idx="5"/>
+          </p:nvPr>
+        </p:nvSpPr>
+        <p:spPr/>
+        <p:txBody>
+          <a:bodyPr/>
+          <a:lstStyle/>
+          <a:p>
+            <a:fld id="{9B7FE9FA-6C9D-4D34-A513-E1A47B0ABA56}" type="slidenum">
+              <a:rPr lang="en-US" smtClean="0"/>
+              <a:t>14</a:t>
+            </a:fld>
+            <a:endParaRPr lang="en-US"/>
+          </a:p>
+        </p:txBody>
+      </p:sp>
+    </p:spTree>
+    <p:extLst>
+      <p:ext uri="{BB962C8B-B14F-4D97-AF65-F5344CB8AC3E}">
+        <p14:creationId xmlns:p14="http://schemas.microsoft.com/office/powerpoint/2010/main" val="1183912179"/>
+      </p:ext>
+    </p:extLst>
+  </p:cSld>
+  <p:clrMapOvr>
+    <a:masterClrMapping/>
+  </p:clrMapOvr>
+</p:notes>
+</file>
+
+<file path=ppt/notesSlides/notesSlide12.xml><?xml version="1.0" encoding="utf-8"?>
+<p:notes xmlns:a="http://schemas.openxmlformats.org/drawingml/2006/main" xmlns:r="http://schemas.openxmlformats.org/officeDocument/2006/relationships" xmlns:p="http://schemas.openxmlformats.org/presentationml/2006/main">
+  <p:cSld>
+    <p:spTree>
+      <p:nvGrpSpPr>
+        <p:cNvPr id="1" name=""/>
+        <p:cNvGrpSpPr/>
+        <p:nvPr/>
+      </p:nvGrpSpPr>
+      <p:grpSpPr>
+        <a:xfrm>
+          <a:off x="0" y="0"/>
+          <a:ext cx="0" cy="0"/>
+          <a:chOff x="0" y="0"/>
+          <a:chExt cx="0" cy="0"/>
+        </a:xfrm>
+      </p:grpSpPr>
+      <p:sp>
+        <p:nvSpPr>
+          <p:cNvPr id="2" name="Slide Image Placeholder 1"/>
+          <p:cNvSpPr>
+            <a:spLocks noGrp="1" noRot="1" noChangeAspect="1"/>
+          </p:cNvSpPr>
+          <p:nvPr>
+            <p:ph type="sldImg"/>
+          </p:nvPr>
+        </p:nvSpPr>
+        <p:spPr/>
+      </p:sp>
+      <p:sp>
+        <p:nvSpPr>
+          <p:cNvPr id="3" name="Notes Placeholder 2"/>
+          <p:cNvSpPr>
+            <a:spLocks noGrp="1"/>
+          </p:cNvSpPr>
+          <p:nvPr>
+            <p:ph type="body" idx="1"/>
+          </p:nvPr>
+        </p:nvSpPr>
+        <p:spPr/>
+        <p:txBody>
+          <a:bodyPr/>
+          <a:lstStyle/>
+          <a:p>
+            <a:endParaRPr lang="en-US" dirty="0"/>
+          </a:p>
+        </p:txBody>
+      </p:sp>
+      <p:sp>
+        <p:nvSpPr>
+          <p:cNvPr id="4" name="Slide Number Placeholder 3"/>
+          <p:cNvSpPr>
+            <a:spLocks noGrp="1"/>
+          </p:cNvSpPr>
+          <p:nvPr>
+            <p:ph type="sldNum" sz="quarter" idx="5"/>
+          </p:nvPr>
+        </p:nvSpPr>
+        <p:spPr/>
+        <p:txBody>
+          <a:bodyPr/>
+          <a:lstStyle/>
+          <a:p>
+            <a:fld id="{9B7FE9FA-6C9D-4D34-A513-E1A47B0ABA56}" type="slidenum">
+              <a:rPr lang="en-US" smtClean="0"/>
+              <a:t>15</a:t>
+            </a:fld>
+            <a:endParaRPr lang="en-US"/>
+          </a:p>
+        </p:txBody>
+      </p:sp>
+    </p:spTree>
+    <p:extLst>
+      <p:ext uri="{BB962C8B-B14F-4D97-AF65-F5344CB8AC3E}">
+        <p14:creationId xmlns:p14="http://schemas.microsoft.com/office/powerpoint/2010/main" val="883075667"/>
+      </p:ext>
+    </p:extLst>
+  </p:cSld>
+  <p:clrMapOvr>
+    <a:masterClrMapping/>
+  </p:clrMapOvr>
+</p:notes>
+</file>
+
+<file path=ppt/notesSlides/notesSlide13.xml><?xml version="1.0" encoding="utf-8"?>
+<p:notes xmlns:a="http://schemas.openxmlformats.org/drawingml/2006/main" xmlns:r="http://schemas.openxmlformats.org/officeDocument/2006/relationships" xmlns:p="http://schemas.openxmlformats.org/presentationml/2006/main">
+  <p:cSld>
+    <p:spTree>
+      <p:nvGrpSpPr>
+        <p:cNvPr id="1" name=""/>
+        <p:cNvGrpSpPr/>
+        <p:nvPr/>
+      </p:nvGrpSpPr>
+      <p:grpSpPr>
+        <a:xfrm>
+          <a:off x="0" y="0"/>
+          <a:ext cx="0" cy="0"/>
+          <a:chOff x="0" y="0"/>
+          <a:chExt cx="0" cy="0"/>
+        </a:xfrm>
+      </p:grpSpPr>
+      <p:sp>
+        <p:nvSpPr>
+          <p:cNvPr id="2" name="Slide Image Placeholder 1"/>
+          <p:cNvSpPr>
+            <a:spLocks noGrp="1" noRot="1" noChangeAspect="1"/>
+          </p:cNvSpPr>
+          <p:nvPr>
+            <p:ph type="sldImg"/>
+          </p:nvPr>
+        </p:nvSpPr>
+        <p:spPr/>
+      </p:sp>
+      <p:sp>
+        <p:nvSpPr>
+          <p:cNvPr id="3" name="Notes Placeholder 2"/>
+          <p:cNvSpPr>
+            <a:spLocks noGrp="1"/>
+          </p:cNvSpPr>
+          <p:nvPr>
+            <p:ph type="body" idx="1"/>
+          </p:nvPr>
+        </p:nvSpPr>
+        <p:spPr/>
+        <p:txBody>
+          <a:bodyPr/>
+          <a:lstStyle/>
+          <a:p>
+            <a:endParaRPr lang="en-US" dirty="0"/>
+          </a:p>
+        </p:txBody>
+      </p:sp>
+      <p:sp>
+        <p:nvSpPr>
+          <p:cNvPr id="4" name="Slide Number Placeholder 3"/>
+          <p:cNvSpPr>
+            <a:spLocks noGrp="1"/>
+          </p:cNvSpPr>
+          <p:nvPr>
+            <p:ph type="sldNum" sz="quarter" idx="5"/>
+          </p:nvPr>
+        </p:nvSpPr>
+        <p:spPr/>
+        <p:txBody>
+          <a:bodyPr/>
+          <a:lstStyle/>
+          <a:p>
+            <a:fld id="{9B7FE9FA-6C9D-4D34-A513-E1A47B0ABA56}" type="slidenum">
+              <a:rPr lang="en-US" smtClean="0"/>
+              <a:t>16</a:t>
+            </a:fld>
+            <a:endParaRPr lang="en-US"/>
+          </a:p>
+        </p:txBody>
+      </p:sp>
+    </p:spTree>
+    <p:extLst>
+      <p:ext uri="{BB962C8B-B14F-4D97-AF65-F5344CB8AC3E}">
+        <p14:creationId xmlns:p14="http://schemas.microsoft.com/office/powerpoint/2010/main" val="630035552"/>
+      </p:ext>
+    </p:extLst>
+  </p:cSld>
+  <p:clrMapOvr>
+    <a:masterClrMapping/>
+  </p:clrMapOvr>
+</p:notes>
+</file>
+
+<file path=ppt/notesSlides/notesSlide14.xml><?xml version="1.0" encoding="utf-8"?>
+<p:notes xmlns:a="http://schemas.openxmlformats.org/drawingml/2006/main" xmlns:r="http://schemas.openxmlformats.org/officeDocument/2006/relationships" xmlns:p="http://schemas.openxmlformats.org/presentationml/2006/main">
+  <p:cSld>
+    <p:spTree>
+      <p:nvGrpSpPr>
+        <p:cNvPr id="1" name=""/>
+        <p:cNvGrpSpPr/>
+        <p:nvPr/>
+      </p:nvGrpSpPr>
+      <p:grpSpPr>
+        <a:xfrm>
+          <a:off x="0" y="0"/>
+          <a:ext cx="0" cy="0"/>
+          <a:chOff x="0" y="0"/>
+          <a:chExt cx="0" cy="0"/>
+        </a:xfrm>
+      </p:grpSpPr>
+      <p:sp>
+        <p:nvSpPr>
+          <p:cNvPr id="2" name="Slide Image Placeholder 1"/>
+          <p:cNvSpPr>
+            <a:spLocks noGrp="1" noRot="1" noChangeAspect="1"/>
+          </p:cNvSpPr>
+          <p:nvPr>
+            <p:ph type="sldImg"/>
+          </p:nvPr>
+        </p:nvSpPr>
+        <p:spPr/>
+      </p:sp>
+      <p:sp>
+        <p:nvSpPr>
+          <p:cNvPr id="3" name="Notes Placeholder 2"/>
+          <p:cNvSpPr>
+            <a:spLocks noGrp="1"/>
+          </p:cNvSpPr>
+          <p:nvPr>
+            <p:ph type="body" idx="1"/>
+          </p:nvPr>
+        </p:nvSpPr>
+        <p:spPr/>
+        <p:txBody>
+          <a:bodyPr/>
+          <a:lstStyle/>
+          <a:p>
+            <a:endParaRPr lang="en-US" dirty="0"/>
+          </a:p>
+        </p:txBody>
+      </p:sp>
+      <p:sp>
+        <p:nvSpPr>
+          <p:cNvPr id="4" name="Slide Number Placeholder 3"/>
+          <p:cNvSpPr>
+            <a:spLocks noGrp="1"/>
+          </p:cNvSpPr>
+          <p:nvPr>
+            <p:ph type="sldNum" sz="quarter" idx="5"/>
+          </p:nvPr>
+        </p:nvSpPr>
+        <p:spPr/>
+        <p:txBody>
+          <a:bodyPr/>
+          <a:lstStyle/>
+          <a:p>
+            <a:fld id="{9B7FE9FA-6C9D-4D34-A513-E1A47B0ABA56}" type="slidenum">
+              <a:rPr lang="en-US" smtClean="0"/>
+              <a:t>17</a:t>
+            </a:fld>
+            <a:endParaRPr lang="en-US"/>
+          </a:p>
+        </p:txBody>
+      </p:sp>
+    </p:spTree>
+    <p:extLst>
+      <p:ext uri="{BB962C8B-B14F-4D97-AF65-F5344CB8AC3E}">
+        <p14:creationId xmlns:p14="http://schemas.microsoft.com/office/powerpoint/2010/main" val="1577749723"/>
+      </p:ext>
+    </p:extLst>
+  </p:cSld>
+  <p:clrMapOvr>
+    <a:masterClrMapping/>
+  </p:clrMapOvr>
+</p:notes>
+</file>
+
+<file path=ppt/notesSlides/notesSlide15.xml><?xml version="1.0" encoding="utf-8"?>
+<p:notes xmlns:a="http://schemas.openxmlformats.org/drawingml/2006/main" xmlns:r="http://schemas.openxmlformats.org/officeDocument/2006/relationships" xmlns:p="http://schemas.openxmlformats.org/presentationml/2006/main">
+  <p:cSld>
+    <p:spTree>
+      <p:nvGrpSpPr>
+        <p:cNvPr id="1" name=""/>
+        <p:cNvGrpSpPr/>
+        <p:nvPr/>
+      </p:nvGrpSpPr>
+      <p:grpSpPr>
+        <a:xfrm>
+          <a:off x="0" y="0"/>
+          <a:ext cx="0" cy="0"/>
+          <a:chOff x="0" y="0"/>
+          <a:chExt cx="0" cy="0"/>
+        </a:xfrm>
+      </p:grpSpPr>
+      <p:sp>
+        <p:nvSpPr>
+          <p:cNvPr id="2" name="Slide Image Placeholder 1"/>
+          <p:cNvSpPr>
+            <a:spLocks noGrp="1" noRot="1" noChangeAspect="1"/>
+          </p:cNvSpPr>
+          <p:nvPr>
+            <p:ph type="sldImg"/>
+          </p:nvPr>
+        </p:nvSpPr>
+        <p:spPr/>
+      </p:sp>
+      <p:sp>
+        <p:nvSpPr>
+          <p:cNvPr id="3" name="Notes Placeholder 2"/>
+          <p:cNvSpPr>
+            <a:spLocks noGrp="1"/>
+          </p:cNvSpPr>
+          <p:nvPr>
+            <p:ph type="body" idx="1"/>
+          </p:nvPr>
+        </p:nvSpPr>
+        <p:spPr/>
+        <p:txBody>
+          <a:bodyPr/>
+          <a:lstStyle/>
+          <a:p>
+            <a:endParaRPr lang="en-US" dirty="0"/>
+          </a:p>
+        </p:txBody>
+      </p:sp>
+      <p:sp>
+        <p:nvSpPr>
+          <p:cNvPr id="4" name="Slide Number Placeholder 3"/>
+          <p:cNvSpPr>
+            <a:spLocks noGrp="1"/>
+          </p:cNvSpPr>
+          <p:nvPr>
+            <p:ph type="sldNum" sz="quarter" idx="5"/>
+          </p:nvPr>
+        </p:nvSpPr>
+        <p:spPr/>
+        <p:txBody>
+          <a:bodyPr/>
+          <a:lstStyle/>
+          <a:p>
+            <a:fld id="{9B7FE9FA-6C9D-4D34-A513-E1A47B0ABA56}" type="slidenum">
+              <a:rPr lang="en-US" smtClean="0"/>
+              <a:t>27</a:t>
+            </a:fld>
+            <a:endParaRPr lang="en-US"/>
+          </a:p>
+        </p:txBody>
+      </p:sp>
+    </p:spTree>
+    <p:extLst>
+      <p:ext uri="{BB962C8B-B14F-4D97-AF65-F5344CB8AC3E}">
+        <p14:creationId xmlns:p14="http://schemas.microsoft.com/office/powerpoint/2010/main" val="709674624"/>
+      </p:ext>
+    </p:extLst>
+  </p:cSld>
+  <p:clrMapOvr>
+    <a:masterClrMapping/>
+  </p:clrMapOvr>
+</p:notes>
+</file>
+
+<file path=ppt/notesSlides/notesSlide16.xml><?xml version="1.0" encoding="utf-8"?>
+<p:notes xmlns:a="http://schemas.openxmlformats.org/drawingml/2006/main" xmlns:r="http://schemas.openxmlformats.org/officeDocument/2006/relationships" xmlns:p="http://schemas.openxmlformats.org/presentationml/2006/main">
+  <p:cSld>
+    <p:spTree>
+      <p:nvGrpSpPr>
+        <p:cNvPr id="1" name=""/>
+        <p:cNvGrpSpPr/>
+        <p:nvPr/>
+      </p:nvGrpSpPr>
+      <p:grpSpPr>
+        <a:xfrm>
+          <a:off x="0" y="0"/>
+          <a:ext cx="0" cy="0"/>
+          <a:chOff x="0" y="0"/>
+          <a:chExt cx="0" cy="0"/>
+        </a:xfrm>
+      </p:grpSpPr>
+      <p:sp>
+        <p:nvSpPr>
+          <p:cNvPr id="2" name="Slide Image Placeholder 1"/>
+          <p:cNvSpPr>
+            <a:spLocks noGrp="1" noRot="1" noChangeAspect="1"/>
+          </p:cNvSpPr>
+          <p:nvPr>
+            <p:ph type="sldImg"/>
+          </p:nvPr>
+        </p:nvSpPr>
+        <p:spPr/>
+      </p:sp>
+      <p:sp>
+        <p:nvSpPr>
+          <p:cNvPr id="3" name="Notes Placeholder 2"/>
+          <p:cNvSpPr>
+            <a:spLocks noGrp="1"/>
+          </p:cNvSpPr>
+          <p:nvPr>
+            <p:ph type="body" idx="1"/>
+          </p:nvPr>
+        </p:nvSpPr>
+        <p:spPr/>
+        <p:txBody>
+          <a:bodyPr/>
+          <a:lstStyle/>
+          <a:p>
+            <a:endParaRPr lang="en-US" dirty="0"/>
+          </a:p>
+        </p:txBody>
+      </p:sp>
+      <p:sp>
+        <p:nvSpPr>
+          <p:cNvPr id="4" name="Slide Number Placeholder 3"/>
+          <p:cNvSpPr>
+            <a:spLocks noGrp="1"/>
+          </p:cNvSpPr>
+          <p:nvPr>
+            <p:ph type="sldNum" sz="quarter" idx="5"/>
+          </p:nvPr>
+        </p:nvSpPr>
+        <p:spPr/>
+        <p:txBody>
+          <a:bodyPr/>
+          <a:lstStyle/>
+          <a:p>
+            <a:fld id="{9B7FE9FA-6C9D-4D34-A513-E1A47B0ABA56}" type="slidenum">
+              <a:rPr lang="en-US" smtClean="0"/>
+              <a:t>28</a:t>
+            </a:fld>
+            <a:endParaRPr lang="en-US"/>
+          </a:p>
+        </p:txBody>
+      </p:sp>
+    </p:spTree>
+    <p:extLst>
+      <p:ext uri="{BB962C8B-B14F-4D97-AF65-F5344CB8AC3E}">
+        <p14:creationId xmlns:p14="http://schemas.microsoft.com/office/powerpoint/2010/main" val="4139163054"/>
+      </p:ext>
+    </p:extLst>
+  </p:cSld>
+  <p:clrMapOvr>
+    <a:masterClrMapping/>
+  </p:clrMapOvr>
+</p:notes>
+</file>
+
+<file path=ppt/notesSlides/notesSlide17.xml><?xml version="1.0" encoding="utf-8"?>
+<p:notes xmlns:a="http://schemas.openxmlformats.org/drawingml/2006/main" xmlns:r="http://schemas.openxmlformats.org/officeDocument/2006/relationships" xmlns:p="http://schemas.openxmlformats.org/presentationml/2006/main">
+  <p:cSld>
+    <p:spTree>
+      <p:nvGrpSpPr>
+        <p:cNvPr id="1" name=""/>
+        <p:cNvGrpSpPr/>
+        <p:nvPr/>
+      </p:nvGrpSpPr>
+      <p:grpSpPr>
+        <a:xfrm>
+          <a:off x="0" y="0"/>
+          <a:ext cx="0" cy="0"/>
+          <a:chOff x="0" y="0"/>
+          <a:chExt cx="0" cy="0"/>
+        </a:xfrm>
+      </p:grpSpPr>
+      <p:sp>
+        <p:nvSpPr>
+          <p:cNvPr id="2" name="Slide Image Placeholder 1"/>
+          <p:cNvSpPr>
+            <a:spLocks noGrp="1" noRot="1" noChangeAspect="1"/>
+          </p:cNvSpPr>
+          <p:nvPr>
+            <p:ph type="sldImg"/>
+          </p:nvPr>
+        </p:nvSpPr>
+        <p:spPr/>
+      </p:sp>
+      <p:sp>
+        <p:nvSpPr>
+          <p:cNvPr id="3" name="Notes Placeholder 2"/>
+          <p:cNvSpPr>
+            <a:spLocks noGrp="1"/>
+          </p:cNvSpPr>
+          <p:nvPr>
+            <p:ph type="body" idx="1"/>
+          </p:nvPr>
+        </p:nvSpPr>
+        <p:spPr/>
+        <p:txBody>
+          <a:bodyPr/>
+          <a:lstStyle/>
+          <a:p>
+            <a:endParaRPr lang="en-US" dirty="0"/>
+          </a:p>
+        </p:txBody>
+      </p:sp>
+      <p:sp>
+        <p:nvSpPr>
+          <p:cNvPr id="4" name="Slide Number Placeholder 3"/>
+          <p:cNvSpPr>
+            <a:spLocks noGrp="1"/>
+          </p:cNvSpPr>
+          <p:nvPr>
+            <p:ph type="sldNum" sz="quarter" idx="5"/>
+          </p:nvPr>
+        </p:nvSpPr>
+        <p:spPr/>
+        <p:txBody>
+          <a:bodyPr/>
+          <a:lstStyle/>
+          <a:p>
+            <a:fld id="{9B7FE9FA-6C9D-4D34-A513-E1A47B0ABA56}" type="slidenum">
+              <a:rPr lang="en-US" smtClean="0"/>
+              <a:t>30</a:t>
+            </a:fld>
+            <a:endParaRPr lang="en-US"/>
+          </a:p>
+        </p:txBody>
+      </p:sp>
+    </p:spTree>
+    <p:extLst>
+      <p:ext uri="{BB962C8B-B14F-4D97-AF65-F5344CB8AC3E}">
+        <p14:creationId xmlns:p14="http://schemas.microsoft.com/office/powerpoint/2010/main" val="2565025918"/>
+      </p:ext>
+    </p:extLst>
+  </p:cSld>
+  <p:clrMapOvr>
+    <a:masterClrMapping/>
+  </p:clrMapOvr>
+</p:notes>
+</file>
+
+<file path=ppt/notesSlides/notesSlide18.xml><?xml version="1.0" encoding="utf-8"?>
+<p:notes xmlns:a="http://schemas.openxmlformats.org/drawingml/2006/main" xmlns:r="http://schemas.openxmlformats.org/officeDocument/2006/relationships" xmlns:p="http://schemas.openxmlformats.org/presentationml/2006/main">
+  <p:cSld>
+    <p:spTree>
+      <p:nvGrpSpPr>
+        <p:cNvPr id="1" name=""/>
+        <p:cNvGrpSpPr/>
+        <p:nvPr/>
+      </p:nvGrpSpPr>
+      <p:grpSpPr>
+        <a:xfrm>
+          <a:off x="0" y="0"/>
+          <a:ext cx="0" cy="0"/>
+          <a:chOff x="0" y="0"/>
+          <a:chExt cx="0" cy="0"/>
+        </a:xfrm>
+      </p:grpSpPr>
+      <p:sp>
+        <p:nvSpPr>
+          <p:cNvPr id="2" name="Slide Image Placeholder 1"/>
+          <p:cNvSpPr>
+            <a:spLocks noGrp="1" noRot="1" noChangeAspect="1"/>
+          </p:cNvSpPr>
+          <p:nvPr>
+            <p:ph type="sldImg"/>
+          </p:nvPr>
+        </p:nvSpPr>
+        <p:spPr/>
+      </p:sp>
+      <p:sp>
+        <p:nvSpPr>
+          <p:cNvPr id="3" name="Notes Placeholder 2"/>
+          <p:cNvSpPr>
+            <a:spLocks noGrp="1"/>
+          </p:cNvSpPr>
+          <p:nvPr>
+            <p:ph type="body" idx="1"/>
+          </p:nvPr>
+        </p:nvSpPr>
+        <p:spPr/>
+        <p:txBody>
+          <a:bodyPr/>
+          <a:lstStyle/>
+          <a:p>
+            <a:endParaRPr lang="en-US" dirty="0"/>
+          </a:p>
+        </p:txBody>
+      </p:sp>
+      <p:sp>
+        <p:nvSpPr>
+          <p:cNvPr id="4" name="Slide Number Placeholder 3"/>
+          <p:cNvSpPr>
+            <a:spLocks noGrp="1"/>
+          </p:cNvSpPr>
+          <p:nvPr>
+            <p:ph type="sldNum" sz="quarter" idx="5"/>
+          </p:nvPr>
+        </p:nvSpPr>
+        <p:spPr/>
+        <p:txBody>
+          <a:bodyPr/>
+          <a:lstStyle/>
+          <a:p>
+            <a:fld id="{9B7FE9FA-6C9D-4D34-A513-E1A47B0ABA56}" type="slidenum">
+              <a:rPr lang="en-US" smtClean="0"/>
+              <a:t>32</a:t>
+            </a:fld>
+            <a:endParaRPr lang="en-US"/>
+          </a:p>
+        </p:txBody>
+      </p:sp>
+    </p:spTree>
+    <p:extLst>
+      <p:ext uri="{BB962C8B-B14F-4D97-AF65-F5344CB8AC3E}">
+        <p14:creationId xmlns:p14="http://schemas.microsoft.com/office/powerpoint/2010/main" val="2664419150"/>
+      </p:ext>
+    </p:extLst>
+  </p:cSld>
+  <p:clrMapOvr>
+    <a:masterClrMapping/>
+  </p:clrMapOvr>
+</p:notes>
+</file>
+
+<file path=ppt/notesSlides/notesSlide19.xml><?xml version="1.0" encoding="utf-8"?>
+<p:notes xmlns:a="http://schemas.openxmlformats.org/drawingml/2006/main" xmlns:r="http://schemas.openxmlformats.org/officeDocument/2006/relationships" xmlns:p="http://schemas.openxmlformats.org/presentationml/2006/main">
+  <p:cSld>
+    <p:spTree>
+      <p:nvGrpSpPr>
+        <p:cNvPr id="1" name=""/>
+        <p:cNvGrpSpPr/>
+        <p:nvPr/>
+      </p:nvGrpSpPr>
+      <p:grpSpPr>
+        <a:xfrm>
+          <a:off x="0" y="0"/>
+          <a:ext cx="0" cy="0"/>
+          <a:chOff x="0" y="0"/>
+          <a:chExt cx="0" cy="0"/>
+        </a:xfrm>
+      </p:grpSpPr>
+      <p:sp>
+        <p:nvSpPr>
+          <p:cNvPr id="2" name="Slide Image Placeholder 1"/>
+          <p:cNvSpPr>
+            <a:spLocks noGrp="1" noRot="1" noChangeAspect="1"/>
+          </p:cNvSpPr>
+          <p:nvPr>
+            <p:ph type="sldImg"/>
+          </p:nvPr>
+        </p:nvSpPr>
+        <p:spPr/>
+      </p:sp>
+      <p:sp>
+        <p:nvSpPr>
+          <p:cNvPr id="3" name="Notes Placeholder 2"/>
+          <p:cNvSpPr>
+            <a:spLocks noGrp="1"/>
+          </p:cNvSpPr>
+          <p:nvPr>
+            <p:ph type="body" idx="1"/>
+          </p:nvPr>
+        </p:nvSpPr>
+        <p:spPr/>
+        <p:txBody>
+          <a:bodyPr/>
+          <a:lstStyle/>
+          <a:p>
+            <a:endParaRPr lang="en-US" dirty="0"/>
+          </a:p>
+        </p:txBody>
+      </p:sp>
+      <p:sp>
+        <p:nvSpPr>
+          <p:cNvPr id="4" name="Slide Number Placeholder 3"/>
+          <p:cNvSpPr>
+            <a:spLocks noGrp="1"/>
+          </p:cNvSpPr>
+          <p:nvPr>
+            <p:ph type="sldNum" sz="quarter" idx="5"/>
+          </p:nvPr>
+        </p:nvSpPr>
+        <p:spPr/>
+        <p:txBody>
+          <a:bodyPr/>
+          <a:lstStyle/>
+          <a:p>
+            <a:fld id="{9B7FE9FA-6C9D-4D34-A513-E1A47B0ABA56}" type="slidenum">
+              <a:rPr lang="en-US" smtClean="0"/>
+              <a:t>35</a:t>
+            </a:fld>
+            <a:endParaRPr lang="en-US"/>
+          </a:p>
+        </p:txBody>
+      </p:sp>
+    </p:spTree>
+    <p:extLst>
+      <p:ext uri="{BB962C8B-B14F-4D97-AF65-F5344CB8AC3E}">
+        <p14:creationId xmlns:p14="http://schemas.microsoft.com/office/powerpoint/2010/main" val="4274513299"/>
+      </p:ext>
+    </p:extLst>
+  </p:cSld>
+  <p:clrMapOvr>
+    <a:masterClrMapping/>
+  </p:clrMapOvr>
+</p:notes>
+</file>
+
+<file path=ppt/notesSlides/notesSlide2.xml><?xml version="1.0" encoding="utf-8"?>
+<p:notes xmlns:a="http://schemas.openxmlformats.org/drawingml/2006/main" xmlns:r="http://schemas.openxmlformats.org/officeDocument/2006/relationships" xmlns:p="http://schemas.openxmlformats.org/presentationml/2006/main">
+  <p:cSld>
+    <p:spTree>
+      <p:nvGrpSpPr>
+        <p:cNvPr id="1" name=""/>
+        <p:cNvGrpSpPr/>
+        <p:nvPr/>
+      </p:nvGrpSpPr>
+      <p:grpSpPr>
+        <a:xfrm>
+          <a:off x="0" y="0"/>
+          <a:ext cx="0" cy="0"/>
+          <a:chOff x="0" y="0"/>
+          <a:chExt cx="0" cy="0"/>
+        </a:xfrm>
+      </p:grpSpPr>
+      <p:sp>
+        <p:nvSpPr>
+          <p:cNvPr id="2" name="Slide Image Placeholder 1"/>
+          <p:cNvSpPr>
+            <a:spLocks noGrp="1" noRot="1" noChangeAspect="1"/>
+          </p:cNvSpPr>
+          <p:nvPr>
+            <p:ph type="sldImg"/>
+          </p:nvPr>
+        </p:nvSpPr>
+        <p:spPr/>
+      </p:sp>
+      <p:sp>
+        <p:nvSpPr>
+          <p:cNvPr id="3" name="Notes Placeholder 2"/>
+          <p:cNvSpPr>
+            <a:spLocks noGrp="1"/>
+          </p:cNvSpPr>
+          <p:nvPr>
+            <p:ph type="body" idx="1"/>
+          </p:nvPr>
+        </p:nvSpPr>
+        <p:spPr/>
+        <p:txBody>
+          <a:bodyPr/>
+          <a:lstStyle/>
+          <a:p>
+            <a:r>
+              <a:rPr lang="en-US" dirty="0"/>
+              <a:t>SHARP</a:t>
+            </a:r>
+          </a:p>
+        </p:txBody>
+      </p:sp>
+      <p:sp>
+        <p:nvSpPr>
+          <p:cNvPr id="4" name="Slide Number Placeholder 3"/>
+          <p:cNvSpPr>
+            <a:spLocks noGrp="1"/>
+          </p:cNvSpPr>
+          <p:nvPr>
+            <p:ph type="sldNum" sz="quarter" idx="5"/>
+          </p:nvPr>
+        </p:nvSpPr>
+        <p:spPr/>
+        <p:txBody>
+          <a:bodyPr/>
+          <a:lstStyle/>
+          <a:p>
+            <a:fld id="{9B7FE9FA-6C9D-4D34-A513-E1A47B0ABA56}" type="slidenum">
+              <a:rPr lang="en-US" smtClean="0"/>
+              <a:t>3</a:t>
+            </a:fld>
+            <a:endParaRPr lang="en-US"/>
+          </a:p>
+        </p:txBody>
+      </p:sp>
+    </p:spTree>
+    <p:extLst>
+      <p:ext uri="{BB962C8B-B14F-4D97-AF65-F5344CB8AC3E}">
+        <p14:creationId xmlns:p14="http://schemas.microsoft.com/office/powerpoint/2010/main" val="2256236389"/>
+      </p:ext>
+    </p:extLst>
+  </p:cSld>
+  <p:clrMapOvr>
+    <a:masterClrMapping/>
+  </p:clrMapOvr>
+</p:notes>
+</file>
+
+<file path=ppt/notesSlides/notesSlide3.xml><?xml version="1.0" encoding="utf-8"?>
+<p:notes xmlns:a="http://schemas.openxmlformats.org/drawingml/2006/main" xmlns:r="http://schemas.openxmlformats.org/officeDocument/2006/relationships" xmlns:p="http://schemas.openxmlformats.org/presentationml/2006/main">
+  <p:cSld>
+    <p:spTree>
+      <p:nvGrpSpPr>
+        <p:cNvPr id="1" name=""/>
+        <p:cNvGrpSpPr/>
+        <p:nvPr/>
+      </p:nvGrpSpPr>
+      <p:grpSpPr>
+        <a:xfrm>
+          <a:off x="0" y="0"/>
+          <a:ext cx="0" cy="0"/>
+          <a:chOff x="0" y="0"/>
+          <a:chExt cx="0" cy="0"/>
+        </a:xfrm>
+      </p:grpSpPr>
+      <p:sp>
+        <p:nvSpPr>
+          <p:cNvPr id="2" name="Slide Image Placeholder 1"/>
+          <p:cNvSpPr>
+            <a:spLocks noGrp="1" noRot="1" noChangeAspect="1"/>
+          </p:cNvSpPr>
+          <p:nvPr>
+            <p:ph type="sldImg"/>
+          </p:nvPr>
+        </p:nvSpPr>
+        <p:spPr/>
+      </p:sp>
+      <p:sp>
+        <p:nvSpPr>
+          <p:cNvPr id="3" name="Notes Placeholder 2"/>
+          <p:cNvSpPr>
+            <a:spLocks noGrp="1"/>
+          </p:cNvSpPr>
+          <p:nvPr>
+            <p:ph type="body" idx="1"/>
+          </p:nvPr>
+        </p:nvSpPr>
+        <p:spPr/>
+        <p:txBody>
+          <a:bodyPr/>
+          <a:lstStyle/>
+          <a:p>
+            <a:r>
+              <a:rPr lang="en-US" dirty="0"/>
+              <a:t>POV</a:t>
+            </a:r>
+          </a:p>
+        </p:txBody>
+      </p:sp>
+      <p:sp>
+        <p:nvSpPr>
+          <p:cNvPr id="4" name="Slide Number Placeholder 3"/>
+          <p:cNvSpPr>
+            <a:spLocks noGrp="1"/>
+          </p:cNvSpPr>
+          <p:nvPr>
+            <p:ph type="sldNum" sz="quarter" idx="5"/>
+          </p:nvPr>
+        </p:nvSpPr>
+        <p:spPr/>
+        <p:txBody>
+          <a:bodyPr/>
+          <a:lstStyle/>
+          <a:p>
+            <a:fld id="{9B7FE9FA-6C9D-4D34-A513-E1A47B0ABA56}" type="slidenum">
+              <a:rPr lang="en-US" smtClean="0"/>
+              <a:t>4</a:t>
+            </a:fld>
+            <a:endParaRPr lang="en-US"/>
+          </a:p>
+        </p:txBody>
+      </p:sp>
+    </p:spTree>
+    <p:extLst>
+      <p:ext uri="{BB962C8B-B14F-4D97-AF65-F5344CB8AC3E}">
+        <p14:creationId xmlns:p14="http://schemas.microsoft.com/office/powerpoint/2010/main" val="3480029804"/>
+      </p:ext>
+    </p:extLst>
+  </p:cSld>
+  <p:clrMapOvr>
+    <a:masterClrMapping/>
+  </p:clrMapOvr>
+</p:notes>
+</file>
+
+<file path=ppt/notesSlides/notesSlide4.xml><?xml version="1.0" encoding="utf-8"?>
+<p:notes xmlns:a="http://schemas.openxmlformats.org/drawingml/2006/main" xmlns:r="http://schemas.openxmlformats.org/officeDocument/2006/relationships" xmlns:p="http://schemas.openxmlformats.org/presentationml/2006/main">
+  <p:cSld>
+    <p:spTree>
+      <p:nvGrpSpPr>
+        <p:cNvPr id="1" name=""/>
+        <p:cNvGrpSpPr/>
+        <p:nvPr/>
+      </p:nvGrpSpPr>
+      <p:grpSpPr>
+        <a:xfrm>
+          <a:off x="0" y="0"/>
+          <a:ext cx="0" cy="0"/>
+          <a:chOff x="0" y="0"/>
+          <a:chExt cx="0" cy="0"/>
+        </a:xfrm>
+      </p:grpSpPr>
+      <p:sp>
+        <p:nvSpPr>
+          <p:cNvPr id="2" name="Slide Image Placeholder 1"/>
+          <p:cNvSpPr>
+            <a:spLocks noGrp="1" noRot="1" noChangeAspect="1"/>
+          </p:cNvSpPr>
+          <p:nvPr>
+            <p:ph type="sldImg"/>
+          </p:nvPr>
+        </p:nvSpPr>
+        <p:spPr/>
+      </p:sp>
+      <p:sp>
+        <p:nvSpPr>
+          <p:cNvPr id="3" name="Notes Placeholder 2"/>
+          <p:cNvSpPr>
+            <a:spLocks noGrp="1"/>
+          </p:cNvSpPr>
+          <p:nvPr>
+            <p:ph type="body" idx="1"/>
+          </p:nvPr>
+        </p:nvSpPr>
+        <p:spPr/>
+        <p:txBody>
+          <a:bodyPr/>
+          <a:lstStyle/>
+          <a:p>
+            <a:r>
+              <a:rPr lang="en-US" dirty="0"/>
+              <a:t>POV</a:t>
+            </a:r>
+          </a:p>
+        </p:txBody>
+      </p:sp>
+      <p:sp>
+        <p:nvSpPr>
+          <p:cNvPr id="4" name="Slide Number Placeholder 3"/>
+          <p:cNvSpPr>
+            <a:spLocks noGrp="1"/>
+          </p:cNvSpPr>
+          <p:nvPr>
+            <p:ph type="sldNum" sz="quarter" idx="5"/>
+          </p:nvPr>
+        </p:nvSpPr>
+        <p:spPr/>
+        <p:txBody>
+          <a:bodyPr/>
+          <a:lstStyle/>
+          <a:p>
+            <a:fld id="{9B7FE9FA-6C9D-4D34-A513-E1A47B0ABA56}" type="slidenum">
+              <a:rPr lang="en-US" smtClean="0"/>
+              <a:t>5</a:t>
+            </a:fld>
+            <a:endParaRPr lang="en-US"/>
+          </a:p>
+        </p:txBody>
+      </p:sp>
+    </p:spTree>
+    <p:extLst>
+      <p:ext uri="{BB962C8B-B14F-4D97-AF65-F5344CB8AC3E}">
+        <p14:creationId xmlns:p14="http://schemas.microsoft.com/office/powerpoint/2010/main" val="1435886159"/>
+      </p:ext>
+    </p:extLst>
+  </p:cSld>
+  <p:clrMapOvr>
+    <a:masterClrMapping/>
+  </p:clrMapOvr>
+</p:notes>
+</file>
+
+<file path=ppt/notesSlides/notesSlide5.xml><?xml version="1.0" encoding="utf-8"?>
+<p:notes xmlns:a="http://schemas.openxmlformats.org/drawingml/2006/main" xmlns:r="http://schemas.openxmlformats.org/officeDocument/2006/relationships" xmlns:p="http://schemas.openxmlformats.org/presentationml/2006/main">
+  <p:cSld>
+    <p:spTree>
+      <p:nvGrpSpPr>
+        <p:cNvPr id="1" name=""/>
+        <p:cNvGrpSpPr/>
+        <p:nvPr/>
+      </p:nvGrpSpPr>
+      <p:grpSpPr>
+        <a:xfrm>
+          <a:off x="0" y="0"/>
+          <a:ext cx="0" cy="0"/>
+          <a:chOff x="0" y="0"/>
+          <a:chExt cx="0" cy="0"/>
+        </a:xfrm>
+      </p:grpSpPr>
+      <p:sp>
+        <p:nvSpPr>
+          <p:cNvPr id="2" name="Slide Image Placeholder 1"/>
+          <p:cNvSpPr>
+            <a:spLocks noGrp="1" noRot="1" noChangeAspect="1"/>
+          </p:cNvSpPr>
+          <p:nvPr>
+            <p:ph type="sldImg"/>
+          </p:nvPr>
+        </p:nvSpPr>
+        <p:spPr/>
+      </p:sp>
+      <p:sp>
+        <p:nvSpPr>
+          <p:cNvPr id="3" name="Notes Placeholder 2"/>
+          <p:cNvSpPr>
+            <a:spLocks noGrp="1"/>
+          </p:cNvSpPr>
+          <p:nvPr>
+            <p:ph type="body" idx="1"/>
+          </p:nvPr>
+        </p:nvSpPr>
+        <p:spPr/>
+        <p:txBody>
+          <a:bodyPr/>
+          <a:lstStyle/>
+          <a:p>
+            <a:r>
+              <a:rPr lang="en-US" dirty="0"/>
+              <a:t>GAS – mindset shift – just accountability</a:t>
+            </a:r>
+          </a:p>
+        </p:txBody>
+      </p:sp>
+      <p:sp>
+        <p:nvSpPr>
+          <p:cNvPr id="4" name="Slide Number Placeholder 3"/>
+          <p:cNvSpPr>
+            <a:spLocks noGrp="1"/>
+          </p:cNvSpPr>
+          <p:nvPr>
+            <p:ph type="sldNum" sz="quarter" idx="5"/>
+          </p:nvPr>
+        </p:nvSpPr>
+        <p:spPr/>
+        <p:txBody>
+          <a:bodyPr/>
+          <a:lstStyle/>
+          <a:p>
+            <a:fld id="{9B7FE9FA-6C9D-4D34-A513-E1A47B0ABA56}" type="slidenum">
+              <a:rPr lang="en-US" smtClean="0"/>
+              <a:t>6</a:t>
+            </a:fld>
+            <a:endParaRPr lang="en-US"/>
+          </a:p>
+        </p:txBody>
+      </p:sp>
+    </p:spTree>
+    <p:extLst>
+      <p:ext uri="{BB962C8B-B14F-4D97-AF65-F5344CB8AC3E}">
+        <p14:creationId xmlns:p14="http://schemas.microsoft.com/office/powerpoint/2010/main" val="2340551342"/>
+      </p:ext>
+    </p:extLst>
+  </p:cSld>
+  <p:clrMapOvr>
+    <a:masterClrMapping/>
+  </p:clrMapOvr>
+</p:notes>
+</file>
+
+<file path=ppt/notesSlides/notesSlide6.xml><?xml version="1.0" encoding="utf-8"?>
+<p:notes xmlns:a="http://schemas.openxmlformats.org/drawingml/2006/main" xmlns:r="http://schemas.openxmlformats.org/officeDocument/2006/relationships" xmlns:p="http://schemas.openxmlformats.org/presentationml/2006/main">
+  <p:cSld>
+    <p:spTree>
+      <p:nvGrpSpPr>
+        <p:cNvPr id="1" name=""/>
+        <p:cNvGrpSpPr/>
+        <p:nvPr/>
+      </p:nvGrpSpPr>
+      <p:grpSpPr>
+        <a:xfrm>
+          <a:off x="0" y="0"/>
+          <a:ext cx="0" cy="0"/>
+          <a:chOff x="0" y="0"/>
+          <a:chExt cx="0" cy="0"/>
+        </a:xfrm>
+      </p:grpSpPr>
+      <p:sp>
+        <p:nvSpPr>
+          <p:cNvPr id="2" name="Slide Image Placeholder 1"/>
+          <p:cNvSpPr>
+            <a:spLocks noGrp="1" noRot="1" noChangeAspect="1"/>
+          </p:cNvSpPr>
+          <p:nvPr>
+            <p:ph type="sldImg"/>
+          </p:nvPr>
+        </p:nvSpPr>
+        <p:spPr/>
+      </p:sp>
+      <p:sp>
+        <p:nvSpPr>
+          <p:cNvPr id="3" name="Notes Placeholder 2"/>
+          <p:cNvSpPr>
+            <a:spLocks noGrp="1"/>
+          </p:cNvSpPr>
+          <p:nvPr>
+            <p:ph type="body" idx="1"/>
+          </p:nvPr>
+        </p:nvSpPr>
+        <p:spPr/>
+        <p:txBody>
+          <a:bodyPr/>
+          <a:lstStyle/>
+          <a:p>
+            <a:endParaRPr lang="en-US" dirty="0"/>
+          </a:p>
+        </p:txBody>
+      </p:sp>
+      <p:sp>
+        <p:nvSpPr>
+          <p:cNvPr id="4" name="Slide Number Placeholder 3"/>
+          <p:cNvSpPr>
+            <a:spLocks noGrp="1"/>
+          </p:cNvSpPr>
+          <p:nvPr>
+            <p:ph type="sldNum" sz="quarter" idx="5"/>
+          </p:nvPr>
+        </p:nvSpPr>
+        <p:spPr/>
+        <p:txBody>
+          <a:bodyPr/>
+          <a:lstStyle/>
+          <a:p>
+            <a:fld id="{9B7FE9FA-6C9D-4D34-A513-E1A47B0ABA56}" type="slidenum">
+              <a:rPr lang="en-US" smtClean="0"/>
+              <a:t>7</a:t>
+            </a:fld>
+            <a:endParaRPr lang="en-US"/>
+          </a:p>
+        </p:txBody>
+      </p:sp>
+    </p:spTree>
+    <p:extLst>
+      <p:ext uri="{BB962C8B-B14F-4D97-AF65-F5344CB8AC3E}">
+        <p14:creationId xmlns:p14="http://schemas.microsoft.com/office/powerpoint/2010/main" val="111148801"/>
+      </p:ext>
+    </p:extLst>
+  </p:cSld>
+  <p:clrMapOvr>
+    <a:masterClrMapping/>
+  </p:clrMapOvr>
+</p:notes>
+</file>
+
+<file path=ppt/notesSlides/notesSlide7.xml><?xml version="1.0" encoding="utf-8"?>
+<p:notes xmlns:a="http://schemas.openxmlformats.org/drawingml/2006/main" xmlns:r="http://schemas.openxmlformats.org/officeDocument/2006/relationships" xmlns:p="http://schemas.openxmlformats.org/presentationml/2006/main">
+  <p:cSld>
+    <p:spTree>
+      <p:nvGrpSpPr>
+        <p:cNvPr id="1" name=""/>
+        <p:cNvGrpSpPr/>
+        <p:nvPr/>
+      </p:nvGrpSpPr>
+      <p:grpSpPr>
+        <a:xfrm>
+          <a:off x="0" y="0"/>
+          <a:ext cx="0" cy="0"/>
+          <a:chOff x="0" y="0"/>
+          <a:chExt cx="0" cy="0"/>
+        </a:xfrm>
+      </p:grpSpPr>
+      <p:sp>
+        <p:nvSpPr>
+          <p:cNvPr id="2" name="Slide Image Placeholder 1"/>
+          <p:cNvSpPr>
+            <a:spLocks noGrp="1" noRot="1" noChangeAspect="1"/>
+          </p:cNvSpPr>
+          <p:nvPr>
+            <p:ph type="sldImg"/>
+          </p:nvPr>
+        </p:nvSpPr>
+        <p:spPr/>
+      </p:sp>
+      <p:sp>
+        <p:nvSpPr>
+          <p:cNvPr id="3" name="Notes Placeholder 2"/>
+          <p:cNvSpPr>
+            <a:spLocks noGrp="1"/>
+          </p:cNvSpPr>
+          <p:nvPr>
+            <p:ph type="body" idx="1"/>
+          </p:nvPr>
+        </p:nvSpPr>
+        <p:spPr/>
+        <p:txBody>
+          <a:bodyPr/>
+          <a:lstStyle/>
+          <a:p>
+            <a:r>
+              <a:rPr lang="en-US" dirty="0"/>
+              <a:t>GAS – mindset shift – accountability + ownership</a:t>
+            </a:r>
+          </a:p>
+        </p:txBody>
+      </p:sp>
+      <p:sp>
+        <p:nvSpPr>
+          <p:cNvPr id="4" name="Slide Number Placeholder 3"/>
+          <p:cNvSpPr>
+            <a:spLocks noGrp="1"/>
+          </p:cNvSpPr>
+          <p:nvPr>
+            <p:ph type="sldNum" sz="quarter" idx="5"/>
+          </p:nvPr>
+        </p:nvSpPr>
+        <p:spPr/>
+        <p:txBody>
+          <a:bodyPr/>
+          <a:lstStyle/>
+          <a:p>
+            <a:fld id="{9B7FE9FA-6C9D-4D34-A513-E1A47B0ABA56}" type="slidenum">
+              <a:rPr lang="en-US" smtClean="0"/>
+              <a:t>8</a:t>
+            </a:fld>
+            <a:endParaRPr lang="en-US"/>
+          </a:p>
+        </p:txBody>
+      </p:sp>
+    </p:spTree>
+    <p:extLst>
+      <p:ext uri="{BB962C8B-B14F-4D97-AF65-F5344CB8AC3E}">
+        <p14:creationId xmlns:p14="http://schemas.microsoft.com/office/powerpoint/2010/main" val="3228017919"/>
+      </p:ext>
+    </p:extLst>
+  </p:cSld>
+  <p:clrMapOvr>
+    <a:masterClrMapping/>
+  </p:clrMapOvr>
+</p:notes>
+</file>
+
+<file path=ppt/notesSlides/notesSlide8.xml><?xml version="1.0" encoding="utf-8"?>
+<p:notes xmlns:a="http://schemas.openxmlformats.org/drawingml/2006/main" xmlns:r="http://schemas.openxmlformats.org/officeDocument/2006/relationships" xmlns:p="http://schemas.openxmlformats.org/presentationml/2006/main">
+  <p:cSld>
+    <p:spTree>
+      <p:nvGrpSpPr>
+        <p:cNvPr id="1" name=""/>
+        <p:cNvGrpSpPr/>
+        <p:nvPr/>
+      </p:nvGrpSpPr>
+      <p:grpSpPr>
+        <a:xfrm>
+          <a:off x="0" y="0"/>
+          <a:ext cx="0" cy="0"/>
+          <a:chOff x="0" y="0"/>
+          <a:chExt cx="0" cy="0"/>
+        </a:xfrm>
+      </p:grpSpPr>
+      <p:sp>
+        <p:nvSpPr>
+          <p:cNvPr id="2" name="Slide Image Placeholder 1"/>
+          <p:cNvSpPr>
+            <a:spLocks noGrp="1" noRot="1" noChangeAspect="1"/>
+          </p:cNvSpPr>
+          <p:nvPr>
+            <p:ph type="sldImg"/>
+          </p:nvPr>
+        </p:nvSpPr>
+        <p:spPr/>
+      </p:sp>
+      <p:sp>
+        <p:nvSpPr>
+          <p:cNvPr id="3" name="Notes Placeholder 2"/>
+          <p:cNvSpPr>
+            <a:spLocks noGrp="1"/>
+          </p:cNvSpPr>
+          <p:nvPr>
+            <p:ph type="body" idx="1"/>
+          </p:nvPr>
+        </p:nvSpPr>
+        <p:spPr/>
+        <p:txBody>
+          <a:bodyPr/>
+          <a:lstStyle/>
+          <a:p>
+            <a:pPr marL="0" marR="0" lvl="0" indent="0" algn="l" defTabSz="914400" rtl="0" eaLnBrk="1" fontAlgn="auto" latinLnBrk="0" hangingPunct="1">
+              <a:lnSpc>
+                <a:spcPct val="100000"/>
+              </a:lnSpc>
+              <a:spcBef>
+                <a:spcPts val="0"/>
+              </a:spcBef>
+              <a:spcAft>
+                <a:spcPts val="0"/>
+              </a:spcAft>
+              <a:buClrTx/>
+              <a:buSzTx/>
+              <a:buFontTx/>
+              <a:buNone/>
+              <a:tabLst/>
+              <a:defRPr/>
+            </a:pPr>
+            <a:r>
+              <a:rPr lang="en-US" dirty="0"/>
+              <a:t>GAS – mindset shift – just ownership</a:t>
+            </a:r>
+          </a:p>
+          <a:p>
+            <a:endParaRPr lang="en-US" dirty="0"/>
+          </a:p>
+        </p:txBody>
+      </p:sp>
+      <p:sp>
+        <p:nvSpPr>
+          <p:cNvPr id="4" name="Slide Number Placeholder 3"/>
+          <p:cNvSpPr>
+            <a:spLocks noGrp="1"/>
+          </p:cNvSpPr>
+          <p:nvPr>
+            <p:ph type="sldNum" sz="quarter" idx="5"/>
+          </p:nvPr>
+        </p:nvSpPr>
+        <p:spPr/>
+        <p:txBody>
+          <a:bodyPr/>
+          <a:lstStyle/>
+          <a:p>
+            <a:fld id="{9B7FE9FA-6C9D-4D34-A513-E1A47B0ABA56}" type="slidenum">
+              <a:rPr lang="en-US" smtClean="0"/>
+              <a:t>9</a:t>
+            </a:fld>
+            <a:endParaRPr lang="en-US"/>
+          </a:p>
+        </p:txBody>
+      </p:sp>
+    </p:spTree>
+    <p:extLst>
+      <p:ext uri="{BB962C8B-B14F-4D97-AF65-F5344CB8AC3E}">
+        <p14:creationId xmlns:p14="http://schemas.microsoft.com/office/powerpoint/2010/main" val="3796808295"/>
+      </p:ext>
+    </p:extLst>
+  </p:cSld>
+  <p:clrMapOvr>
+    <a:masterClrMapping/>
+  </p:clrMapOvr>
+</p:notes>
+</file>
+
+<file path=ppt/notesSlides/notesSlide9.xml><?xml version="1.0" encoding="utf-8"?>
+<p:notes xmlns:a="http://schemas.openxmlformats.org/drawingml/2006/main" xmlns:r="http://schemas.openxmlformats.org/officeDocument/2006/relationships" xmlns:p="http://schemas.openxmlformats.org/presentationml/2006/main">
+  <p:cSld>
+    <p:spTree>
+      <p:nvGrpSpPr>
+        <p:cNvPr id="1" name=""/>
+        <p:cNvGrpSpPr/>
+        <p:nvPr/>
+      </p:nvGrpSpPr>
+      <p:grpSpPr>
+        <a:xfrm>
+          <a:off x="0" y="0"/>
+          <a:ext cx="0" cy="0"/>
+          <a:chOff x="0" y="0"/>
+          <a:chExt cx="0" cy="0"/>
+        </a:xfrm>
+      </p:grpSpPr>
+      <p:sp>
+        <p:nvSpPr>
+          <p:cNvPr id="2" name="Slide Image Placeholder 1"/>
+          <p:cNvSpPr>
+            <a:spLocks noGrp="1" noRot="1" noChangeAspect="1"/>
+          </p:cNvSpPr>
+          <p:nvPr>
+            <p:ph type="sldImg"/>
+          </p:nvPr>
+        </p:nvSpPr>
+        <p:spPr/>
+      </p:sp>
+      <p:sp>
+        <p:nvSpPr>
+          <p:cNvPr id="3" name="Notes Placeholder 2"/>
+          <p:cNvSpPr>
+            <a:spLocks noGrp="1"/>
+          </p:cNvSpPr>
+          <p:nvPr>
+            <p:ph type="body" idx="1"/>
+          </p:nvPr>
+        </p:nvSpPr>
+        <p:spPr/>
+        <p:txBody>
+          <a:bodyPr/>
+          <a:lstStyle/>
+          <a:p>
+            <a:endParaRPr lang="en-US" dirty="0"/>
+          </a:p>
+        </p:txBody>
+      </p:sp>
+      <p:sp>
+        <p:nvSpPr>
+          <p:cNvPr id="4" name="Slide Number Placeholder 3"/>
+          <p:cNvSpPr>
+            <a:spLocks noGrp="1"/>
+          </p:cNvSpPr>
+          <p:nvPr>
+            <p:ph type="sldNum" sz="quarter" idx="5"/>
+          </p:nvPr>
+        </p:nvSpPr>
+        <p:spPr/>
+        <p:txBody>
+          <a:bodyPr/>
+          <a:lstStyle/>
+          <a:p>
+            <a:fld id="{9B7FE9FA-6C9D-4D34-A513-E1A47B0ABA56}" type="slidenum">
+              <a:rPr lang="en-US" smtClean="0"/>
+              <a:t>11</a:t>
+            </a:fld>
+            <a:endParaRPr lang="en-US"/>
+          </a:p>
+        </p:txBody>
+      </p:sp>
+    </p:spTree>
+    <p:extLst>
+      <p:ext uri="{BB962C8B-B14F-4D97-AF65-F5344CB8AC3E}">
+        <p14:creationId xmlns:p14="http://schemas.microsoft.com/office/powerpoint/2010/main" val="3418769574"/>
+      </p:ext>
+    </p:extLst>
+  </p:cSld>
+  <p:clrMapOvr>
+    <a:masterClrMapping/>
+  </p:clrMapOvr>
+</p:notes>
 </file>
 
 <file path=ppt/slideLayouts/slideLayout1.xml><?xml version="1.0" encoding="utf-8"?>
@@ -285,7 +2293,7 @@
           <a:p>
             <a:fld id="{EBAA21FC-F3CB-41C2-AF46-91977F01228E}" type="datetimeFigureOut">
               <a:rPr lang="en-US" smtClean="0"/>
-              <a:t>4/5/2019</a:t>
+              <a:t>08-Apr-19</a:t>
             </a:fld>
             <a:endParaRPr lang="en-US"/>
           </a:p>
@@ -483,7 +2491,7 @@
           <a:p>
             <a:fld id="{EBAA21FC-F3CB-41C2-AF46-91977F01228E}" type="datetimeFigureOut">
               <a:rPr lang="en-US" smtClean="0"/>
-              <a:t>4/5/2019</a:t>
+              <a:t>08-Apr-19</a:t>
             </a:fld>
             <a:endParaRPr lang="en-US"/>
           </a:p>
@@ -691,7 +2699,7 @@
           <a:p>
             <a:fld id="{EBAA21FC-F3CB-41C2-AF46-91977F01228E}" type="datetimeFigureOut">
               <a:rPr lang="en-US" smtClean="0"/>
-              <a:t>4/5/2019</a:t>
+              <a:t>08-Apr-19</a:t>
             </a:fld>
             <a:endParaRPr lang="en-US"/>
           </a:p>
@@ -889,7 +2897,7 @@
           <a:p>
             <a:fld id="{EBAA21FC-F3CB-41C2-AF46-91977F01228E}" type="datetimeFigureOut">
               <a:rPr lang="en-US" smtClean="0"/>
-              <a:t>4/5/2019</a:t>
+              <a:t>08-Apr-19</a:t>
             </a:fld>
             <a:endParaRPr lang="en-US"/>
           </a:p>
@@ -1164,7 +3172,7 @@
           <a:p>
             <a:fld id="{EBAA21FC-F3CB-41C2-AF46-91977F01228E}" type="datetimeFigureOut">
               <a:rPr lang="en-US" smtClean="0"/>
-              <a:t>4/5/2019</a:t>
+              <a:t>08-Apr-19</a:t>
             </a:fld>
             <a:endParaRPr lang="en-US"/>
           </a:p>
@@ -1429,7 +3437,7 @@
           <a:p>
             <a:fld id="{EBAA21FC-F3CB-41C2-AF46-91977F01228E}" type="datetimeFigureOut">
               <a:rPr lang="en-US" smtClean="0"/>
-              <a:t>4/5/2019</a:t>
+              <a:t>08-Apr-19</a:t>
             </a:fld>
             <a:endParaRPr lang="en-US"/>
           </a:p>
@@ -1841,7 +3849,7 @@
           <a:p>
             <a:fld id="{EBAA21FC-F3CB-41C2-AF46-91977F01228E}" type="datetimeFigureOut">
               <a:rPr lang="en-US" smtClean="0"/>
-              <a:t>4/5/2019</a:t>
+              <a:t>08-Apr-19</a:t>
             </a:fld>
             <a:endParaRPr lang="en-US"/>
           </a:p>
@@ -1982,7 +3990,7 @@
           <a:p>
             <a:fld id="{EBAA21FC-F3CB-41C2-AF46-91977F01228E}" type="datetimeFigureOut">
               <a:rPr lang="en-US" smtClean="0"/>
-              <a:t>4/5/2019</a:t>
+              <a:t>08-Apr-19</a:t>
             </a:fld>
             <a:endParaRPr lang="en-US"/>
           </a:p>
@@ -2095,7 +4103,7 @@
           <a:p>
             <a:fld id="{EBAA21FC-F3CB-41C2-AF46-91977F01228E}" type="datetimeFigureOut">
               <a:rPr lang="en-US" smtClean="0"/>
-              <a:t>4/5/2019</a:t>
+              <a:t>08-Apr-19</a:t>
             </a:fld>
             <a:endParaRPr lang="en-US"/>
           </a:p>
@@ -2406,7 +4414,7 @@
           <a:p>
             <a:fld id="{EBAA21FC-F3CB-41C2-AF46-91977F01228E}" type="datetimeFigureOut">
               <a:rPr lang="en-US" smtClean="0"/>
-              <a:t>4/5/2019</a:t>
+              <a:t>08-Apr-19</a:t>
             </a:fld>
             <a:endParaRPr lang="en-US"/>
           </a:p>
@@ -2694,7 +4702,7 @@
           <a:p>
             <a:fld id="{EBAA21FC-F3CB-41C2-AF46-91977F01228E}" type="datetimeFigureOut">
               <a:rPr lang="en-US" smtClean="0"/>
-              <a:t>4/5/2019</a:t>
+              <a:t>08-Apr-19</a:t>
             </a:fld>
             <a:endParaRPr lang="en-US"/>
           </a:p>
@@ -2935,7 +4943,7 @@
           <a:p>
             <a:fld id="{EBAA21FC-F3CB-41C2-AF46-91977F01228E}" type="datetimeFigureOut">
               <a:rPr lang="en-US" smtClean="0"/>
-              <a:t>4/5/2019</a:t>
+              <a:t>08-Apr-19</a:t>
             </a:fld>
             <a:endParaRPr lang="en-US"/>
           </a:p>
@@ -3443,7 +5451,7 @@
           <p:cNvPr id="2" name="Title 1">
             <a:extLst>
               <a:ext uri="{FF2B5EF4-FFF2-40B4-BE49-F238E27FC236}">
-                <a16:creationId xmlns:a16="http://schemas.microsoft.com/office/drawing/2014/main" id="{86109ECE-E507-40FE-B5A4-BBFF409F922D}"/>
+                <a16:creationId xmlns:a16="http://schemas.microsoft.com/office/drawing/2014/main" id="{94BD2E39-976D-4914-8689-081C30C326EB}"/>
               </a:ext>
             </a:extLst>
           </p:cNvPr>
@@ -3461,7 +5469,7 @@
           <a:p>
             <a:r>
               <a:rPr lang="en-US" dirty="0"/>
-              <a:t>Great Theory…Now How Do We Do It?</a:t>
+              <a:t>Impact on Technical Debt</a:t>
             </a:r>
           </a:p>
         </p:txBody>
@@ -3471,7 +5479,7 @@
           <p:cNvPr id="3" name="Content Placeholder 2">
             <a:extLst>
               <a:ext uri="{FF2B5EF4-FFF2-40B4-BE49-F238E27FC236}">
-                <a16:creationId xmlns:a16="http://schemas.microsoft.com/office/drawing/2014/main" id="{0C3C3143-AF69-4F64-8A71-C3FF8801A3EB}"/>
+                <a16:creationId xmlns:a16="http://schemas.microsoft.com/office/drawing/2014/main" id="{23F32CFA-DCEF-4DD3-87E0-9484FF944315}"/>
               </a:ext>
             </a:extLst>
           </p:cNvPr>
@@ -3489,7 +5497,13 @@
           <a:p>
             <a:r>
               <a:rPr lang="en-US" dirty="0"/>
-              <a:t>{big picture for DDL goes here}</a:t>
+              <a:t>Ownership solves it!</a:t>
+            </a:r>
+          </a:p>
+          <a:p>
+            <a:r>
+              <a:rPr lang="en-US" dirty="0"/>
+              <a:t>Example from Tableau</a:t>
             </a:r>
           </a:p>
         </p:txBody>
@@ -3497,7 +5511,7 @@
     </p:spTree>
     <p:extLst>
       <p:ext uri="{BB962C8B-B14F-4D97-AF65-F5344CB8AC3E}">
-        <p14:creationId xmlns:p14="http://schemas.microsoft.com/office/powerpoint/2010/main" val="553079348"/>
+        <p14:creationId xmlns:p14="http://schemas.microsoft.com/office/powerpoint/2010/main" val="3380768522"/>
       </p:ext>
     </p:extLst>
   </p:cSld>
@@ -3529,7 +5543,7 @@
           <p:cNvPr id="2" name="Title 1">
             <a:extLst>
               <a:ext uri="{FF2B5EF4-FFF2-40B4-BE49-F238E27FC236}">
-                <a16:creationId xmlns:a16="http://schemas.microsoft.com/office/drawing/2014/main" id="{9F65589D-FB41-405E-B106-AEF6F135D09B}"/>
+                <a16:creationId xmlns:a16="http://schemas.microsoft.com/office/drawing/2014/main" id="{94D82C43-5195-4206-8B21-DECC584185BB}"/>
               </a:ext>
             </a:extLst>
           </p:cNvPr>
@@ -3547,7 +5561,7 @@
           <a:p>
             <a:r>
               <a:rPr lang="en-US" dirty="0"/>
-              <a:t>DDL Structures Support</a:t>
+              <a:t>Except that Breaks Leaders</a:t>
             </a:r>
           </a:p>
         </p:txBody>
@@ -3557,7 +5571,7 @@
           <p:cNvPr id="3" name="Content Placeholder 2">
             <a:extLst>
               <a:ext uri="{FF2B5EF4-FFF2-40B4-BE49-F238E27FC236}">
-                <a16:creationId xmlns:a16="http://schemas.microsoft.com/office/drawing/2014/main" id="{3AD769D7-9714-4B75-9911-4B06FDFEB2A2}"/>
+                <a16:creationId xmlns:a16="http://schemas.microsoft.com/office/drawing/2014/main" id="{634D93A1-16BA-4F1D-8AAE-4663FAE6108B}"/>
               </a:ext>
             </a:extLst>
           </p:cNvPr>
@@ -3575,25 +5589,40 @@
           <a:p>
             <a:r>
               <a:rPr lang="en-US" dirty="0"/>
-              <a:t>Breaks habit of looking to leader for direction</a:t>
-            </a:r>
-          </a:p>
-          <a:p>
-            <a:r>
-              <a:rPr lang="en-US" dirty="0"/>
-              <a:t>Team + leader can see how each team is doing</a:t>
-            </a:r>
-          </a:p>
-          <a:p>
-            <a:r>
-              <a:rPr lang="en-US" dirty="0"/>
-              <a:t>Leaders have clear opportunities to help improve team decision-making, without needing to be in the loop on decisions</a:t>
-            </a:r>
-          </a:p>
-          <a:p>
-            <a:r>
-              <a:rPr lang="en-US" dirty="0"/>
-              <a:t>Rewards teams for taking action, for making healthy mistakes, and for learning.</a:t>
+              <a:t>Gather Disparate Info</a:t>
+            </a:r>
+          </a:p>
+          <a:p>
+            <a:r>
+              <a:rPr lang="en-US" dirty="0"/>
+              <a:t>Gain Alignment on a Direction</a:t>
+            </a:r>
+          </a:p>
+          <a:p>
+            <a:r>
+              <a:rPr lang="en-US" dirty="0"/>
+              <a:t>Ensure Work Gets Done</a:t>
+            </a:r>
+          </a:p>
+          <a:p>
+            <a:r>
+              <a:rPr lang="en-US" dirty="0"/>
+              <a:t>Help Teams See What They Do Well (And Poorly)</a:t>
+            </a:r>
+          </a:p>
+          <a:p>
+            <a:r>
+              <a:rPr lang="en-US" dirty="0"/>
+              <a:t>Supply Opportunities to Improve</a:t>
+            </a:r>
+          </a:p>
+          <a:p>
+            <a:endParaRPr lang="en-US" dirty="0"/>
+          </a:p>
+          <a:p>
+            <a:r>
+              <a:rPr lang="en-US" dirty="0"/>
+              <a:t>{Need to tie back to this later, when talking about the parts}</a:t>
             </a:r>
           </a:p>
         </p:txBody>
@@ -3601,7 +5630,7 @@
     </p:spTree>
     <p:extLst>
       <p:ext uri="{BB962C8B-B14F-4D97-AF65-F5344CB8AC3E}">
-        <p14:creationId xmlns:p14="http://schemas.microsoft.com/office/powerpoint/2010/main" val="1572174260"/>
+        <p14:creationId xmlns:p14="http://schemas.microsoft.com/office/powerpoint/2010/main" val="2212830467"/>
       </p:ext>
     </p:extLst>
   </p:cSld>
@@ -3633,7 +5662,7 @@
           <p:cNvPr id="2" name="Title 1">
             <a:extLst>
               <a:ext uri="{FF2B5EF4-FFF2-40B4-BE49-F238E27FC236}">
-                <a16:creationId xmlns:a16="http://schemas.microsoft.com/office/drawing/2014/main" id="{2F8A2070-35CE-4E9B-A187-CD36B63D5586}"/>
+                <a16:creationId xmlns:a16="http://schemas.microsoft.com/office/drawing/2014/main" id="{9F65589D-FB41-405E-B106-AEF6F135D09B}"/>
               </a:ext>
             </a:extLst>
           </p:cNvPr>
@@ -3651,7 +5680,7 @@
           <a:p>
             <a:r>
               <a:rPr lang="en-US" dirty="0"/>
-              <a:t>DDL Accomplishes</a:t>
+              <a:t>How to not break leaders and not have technical debt</a:t>
             </a:r>
           </a:p>
         </p:txBody>
@@ -3661,7 +5690,7 @@
           <p:cNvPr id="3" name="Content Placeholder 2">
             <a:extLst>
               <a:ext uri="{FF2B5EF4-FFF2-40B4-BE49-F238E27FC236}">
-                <a16:creationId xmlns:a16="http://schemas.microsoft.com/office/drawing/2014/main" id="{B9419FD7-0A9C-44DB-839F-A96ADACA5052}"/>
+                <a16:creationId xmlns:a16="http://schemas.microsoft.com/office/drawing/2014/main" id="{3AD769D7-9714-4B75-9911-4B06FDFEB2A2}"/>
               </a:ext>
             </a:extLst>
           </p:cNvPr>
@@ -3679,19 +5708,25 @@
           <a:p>
             <a:r>
               <a:rPr lang="en-US" dirty="0"/>
-              <a:t>Balance team autonomy with responsibility. Autonomy doesn’t go wild; leaders don’t stifle action.</a:t>
-            </a:r>
-          </a:p>
-          <a:p>
-            <a:endParaRPr lang="en-US" dirty="0"/>
-          </a:p>
-          <a:p>
-            <a:endParaRPr lang="en-US" dirty="0"/>
-          </a:p>
-          <a:p>
-            <a:r>
-              <a:rPr lang="en-US" dirty="0"/>
-              <a:t>And this allows local alignment and action, without requiring global alignment. Exactly what we need in order to solve Technical Debt.</a:t>
+              <a:t>Breaks habit of looking to leader for direction</a:t>
+            </a:r>
+          </a:p>
+          <a:p>
+            <a:r>
+              <a:rPr lang="en-US" dirty="0"/>
+              <a:t>Team + leader can see how each team is doing</a:t>
+            </a:r>
+          </a:p>
+          <a:p>
+            <a:r>
+              <a:rPr lang="en-US" dirty="0"/>
+              <a:t>Leaders have clear opportunities to help improve team decision-making, without needing to be in the loop on decisions</a:t>
+            </a:r>
+          </a:p>
+          <a:p>
+            <a:r>
+              <a:rPr lang="en-US" dirty="0"/>
+              <a:t>Rewards teams for taking action, for making healthy mistakes, and for learning.</a:t>
             </a:r>
           </a:p>
         </p:txBody>
@@ -3699,7 +5734,7 @@
     </p:spTree>
     <p:extLst>
       <p:ext uri="{BB962C8B-B14F-4D97-AF65-F5344CB8AC3E}">
-        <p14:creationId xmlns:p14="http://schemas.microsoft.com/office/powerpoint/2010/main" val="1920422717"/>
+        <p14:creationId xmlns:p14="http://schemas.microsoft.com/office/powerpoint/2010/main" val="1572174260"/>
       </p:ext>
     </p:extLst>
   </p:cSld>
@@ -3728,10 +5763,10 @@
       </p:grpSpPr>
       <p:sp>
         <p:nvSpPr>
-          <p:cNvPr id="4" name="Title 3">
-            <a:extLst>
-              <a:ext uri="{FF2B5EF4-FFF2-40B4-BE49-F238E27FC236}">
-                <a16:creationId xmlns:a16="http://schemas.microsoft.com/office/drawing/2014/main" id="{182536E7-9035-4F61-9BA3-23626DC06D38}"/>
+          <p:cNvPr id="2" name="Title 1">
+            <a:extLst>
+              <a:ext uri="{FF2B5EF4-FFF2-40B4-BE49-F238E27FC236}">
+                <a16:creationId xmlns:a16="http://schemas.microsoft.com/office/drawing/2014/main" id="{2F8A2070-35CE-4E9B-A187-CD36B63D5586}"/>
               </a:ext>
             </a:extLst>
           </p:cNvPr>
@@ -3749,40 +5784,55 @@
           <a:p>
             <a:r>
               <a:rPr lang="en-US" dirty="0"/>
-              <a:t>Let’s Break Down DDL</a:t>
-            </a:r>
-          </a:p>
-        </p:txBody>
-      </p:sp>
-      <p:sp>
-        <p:nvSpPr>
-          <p:cNvPr id="5" name="Text Placeholder 4">
-            <a:extLst>
-              <a:ext uri="{FF2B5EF4-FFF2-40B4-BE49-F238E27FC236}">
-                <a16:creationId xmlns:a16="http://schemas.microsoft.com/office/drawing/2014/main" id="{5D1E0F8A-AE68-4932-A73A-67091C02EDD8}"/>
-              </a:ext>
-            </a:extLst>
-          </p:cNvPr>
-          <p:cNvSpPr>
-            <a:spLocks noGrp="1"/>
-          </p:cNvSpPr>
-          <p:nvPr>
-            <p:ph type="body" idx="1"/>
-          </p:nvPr>
-        </p:nvSpPr>
-        <p:spPr/>
-        <p:txBody>
-          <a:bodyPr/>
-          <a:lstStyle/>
-          <a:p>
-            <a:endParaRPr lang="en-US"/>
+              <a:t>If we succeed implementing those?</a:t>
+            </a:r>
+          </a:p>
+        </p:txBody>
+      </p:sp>
+      <p:sp>
+        <p:nvSpPr>
+          <p:cNvPr id="3" name="Content Placeholder 2">
+            <a:extLst>
+              <a:ext uri="{FF2B5EF4-FFF2-40B4-BE49-F238E27FC236}">
+                <a16:creationId xmlns:a16="http://schemas.microsoft.com/office/drawing/2014/main" id="{B9419FD7-0A9C-44DB-839F-A96ADACA5052}"/>
+              </a:ext>
+            </a:extLst>
+          </p:cNvPr>
+          <p:cNvSpPr>
+            <a:spLocks noGrp="1"/>
+          </p:cNvSpPr>
+          <p:nvPr>
+            <p:ph idx="1"/>
+          </p:nvPr>
+        </p:nvSpPr>
+        <p:spPr/>
+        <p:txBody>
+          <a:bodyPr/>
+          <a:lstStyle/>
+          <a:p>
+            <a:r>
+              <a:rPr lang="en-US" dirty="0"/>
+              <a:t>Balance team autonomy with responsibility. Autonomy doesn’t go wild; leaders don’t stifle action.</a:t>
+            </a:r>
+          </a:p>
+          <a:p>
+            <a:endParaRPr lang="en-US" dirty="0"/>
+          </a:p>
+          <a:p>
+            <a:endParaRPr lang="en-US" dirty="0"/>
+          </a:p>
+          <a:p>
+            <a:r>
+              <a:rPr lang="en-US" dirty="0"/>
+              <a:t>And this allows local alignment and action, without requiring global alignment. Exactly what we need in order to solve Technical Debt.</a:t>
+            </a:r>
           </a:p>
         </p:txBody>
       </p:sp>
     </p:spTree>
     <p:extLst>
       <p:ext uri="{BB962C8B-B14F-4D97-AF65-F5344CB8AC3E}">
-        <p14:creationId xmlns:p14="http://schemas.microsoft.com/office/powerpoint/2010/main" val="1086986293"/>
+        <p14:creationId xmlns:p14="http://schemas.microsoft.com/office/powerpoint/2010/main" val="1920422717"/>
       </p:ext>
     </p:extLst>
   </p:cSld>
@@ -3814,7 +5864,7 @@
           <p:cNvPr id="2" name="Title 1">
             <a:extLst>
               <a:ext uri="{FF2B5EF4-FFF2-40B4-BE49-F238E27FC236}">
-                <a16:creationId xmlns:a16="http://schemas.microsoft.com/office/drawing/2014/main" id="{52D76755-48C3-450E-8733-EC08EC20B649}"/>
+                <a16:creationId xmlns:a16="http://schemas.microsoft.com/office/drawing/2014/main" id="{86109ECE-E507-40FE-B5A4-BBFF409F922D}"/>
               </a:ext>
             </a:extLst>
           </p:cNvPr>
@@ -3832,7 +5882,7 @@
           <a:p>
             <a:r>
               <a:rPr lang="en-US" dirty="0"/>
-              <a:t>Part 1: Planning Experiments</a:t>
+              <a:t>Great Theory…Now How Do We Do It?</a:t>
             </a:r>
           </a:p>
         </p:txBody>
@@ -3842,7 +5892,7 @@
           <p:cNvPr id="3" name="Content Placeholder 2">
             <a:extLst>
               <a:ext uri="{FF2B5EF4-FFF2-40B4-BE49-F238E27FC236}">
-                <a16:creationId xmlns:a16="http://schemas.microsoft.com/office/drawing/2014/main" id="{C51A8DBB-3336-4149-9A50-7F964FD49D91}"/>
+                <a16:creationId xmlns:a16="http://schemas.microsoft.com/office/drawing/2014/main" id="{0C3C3143-AF69-4F64-8A71-C3FF8801A3EB}"/>
               </a:ext>
             </a:extLst>
           </p:cNvPr>
@@ -3861,77 +5911,14 @@
             <a:pPr marL="0" indent="0">
               <a:buNone/>
             </a:pPr>
-            <a:r>
-              <a:rPr lang="en-US" dirty="0"/>
-              <a:t>Each sprint:</a:t>
-            </a:r>
-          </a:p>
-          <a:p>
-            <a:pPr marL="514350" indent="-514350">
-              <a:buFont typeface="+mj-lt"/>
-              <a:buAutoNum type="arabicPeriod"/>
-            </a:pPr>
-            <a:r>
-              <a:rPr lang="en-US" dirty="0"/>
-              <a:t>Review your pain</a:t>
-            </a:r>
-          </a:p>
-          <a:p>
-            <a:pPr marL="514350" indent="-514350">
-              <a:buFont typeface="+mj-lt"/>
-              <a:buAutoNum type="arabicPeriod"/>
-            </a:pPr>
-            <a:r>
-              <a:rPr lang="en-US" dirty="0"/>
-              <a:t>Agree what hurts most</a:t>
-            </a:r>
-          </a:p>
-          <a:p>
-            <a:pPr marL="514350" indent="-514350">
-              <a:buFont typeface="+mj-lt"/>
-              <a:buAutoNum type="arabicPeriod"/>
-            </a:pPr>
-            <a:r>
-              <a:rPr lang="en-US" dirty="0"/>
-              <a:t>Decide how to measure progress at pain reduction</a:t>
-            </a:r>
-          </a:p>
-          <a:p>
-            <a:pPr marL="514350" indent="-514350">
-              <a:buFont typeface="+mj-lt"/>
-              <a:buAutoNum type="arabicPeriod"/>
-            </a:pPr>
-            <a:r>
-              <a:rPr lang="en-US" dirty="0"/>
-              <a:t>Define how you will measure that</a:t>
-            </a:r>
-          </a:p>
-          <a:p>
-            <a:pPr marL="514350" indent="-514350">
-              <a:buFont typeface="+mj-lt"/>
-              <a:buAutoNum type="arabicPeriod"/>
-            </a:pPr>
-            <a:r>
-              <a:rPr lang="en-US" dirty="0"/>
-              <a:t>Define some experiments to try</a:t>
-            </a:r>
-          </a:p>
-          <a:p>
-            <a:pPr marL="514350" indent="-514350">
-              <a:buFont typeface="+mj-lt"/>
-              <a:buAutoNum type="arabicPeriod"/>
-            </a:pPr>
-            <a:r>
-              <a:rPr lang="en-US" dirty="0"/>
-              <a:t>If there are any experiments you’ve already tried, define some improvements based on their results</a:t>
-            </a:r>
+            <a:endParaRPr lang="en-US" dirty="0"/>
           </a:p>
         </p:txBody>
       </p:sp>
     </p:spTree>
     <p:extLst>
       <p:ext uri="{BB962C8B-B14F-4D97-AF65-F5344CB8AC3E}">
-        <p14:creationId xmlns:p14="http://schemas.microsoft.com/office/powerpoint/2010/main" val="1318886380"/>
+        <p14:creationId xmlns:p14="http://schemas.microsoft.com/office/powerpoint/2010/main" val="553079348"/>
       </p:ext>
     </p:extLst>
   </p:cSld>
@@ -3960,10 +5947,10 @@
       </p:grpSpPr>
       <p:sp>
         <p:nvSpPr>
-          <p:cNvPr id="2" name="Title 1">
-            <a:extLst>
-              <a:ext uri="{FF2B5EF4-FFF2-40B4-BE49-F238E27FC236}">
-                <a16:creationId xmlns:a16="http://schemas.microsoft.com/office/drawing/2014/main" id="{7368ABDB-C151-4C35-A562-A3A80E333CD7}"/>
+          <p:cNvPr id="4" name="Title 3">
+            <a:extLst>
+              <a:ext uri="{FF2B5EF4-FFF2-40B4-BE49-F238E27FC236}">
+                <a16:creationId xmlns:a16="http://schemas.microsoft.com/office/drawing/2014/main" id="{182536E7-9035-4F61-9BA3-23626DC06D38}"/>
               </a:ext>
             </a:extLst>
           </p:cNvPr>
@@ -3981,55 +5968,46 @@
           <a:p>
             <a:r>
               <a:rPr lang="en-US" dirty="0"/>
-              <a:t>Planning Experiments - Examples</a:t>
-            </a:r>
-          </a:p>
-        </p:txBody>
-      </p:sp>
-      <p:sp>
-        <p:nvSpPr>
-          <p:cNvPr id="3" name="Content Placeholder 2">
-            <a:extLst>
-              <a:ext uri="{FF2B5EF4-FFF2-40B4-BE49-F238E27FC236}">
-                <a16:creationId xmlns:a16="http://schemas.microsoft.com/office/drawing/2014/main" id="{4E2F8BA5-BC4F-4884-AFF7-62083B3594A4}"/>
-              </a:ext>
-            </a:extLst>
-          </p:cNvPr>
-          <p:cNvSpPr>
-            <a:spLocks noGrp="1"/>
-          </p:cNvSpPr>
-          <p:nvPr>
-            <p:ph idx="1"/>
-          </p:nvPr>
-        </p:nvSpPr>
-        <p:spPr/>
-        <p:txBody>
-          <a:bodyPr/>
-          <a:lstStyle/>
-          <a:p>
-            <a:r>
-              <a:rPr lang="en-US" dirty="0"/>
-              <a:t>Pain = Untestable Code</a:t>
-            </a:r>
-          </a:p>
-          <a:p>
-            <a:r>
-              <a:rPr lang="en-US" dirty="0"/>
-              <a:t>Pain = Blocking on Specialties</a:t>
-            </a:r>
-          </a:p>
-          <a:p>
-            <a:r>
-              <a:rPr lang="en-US" dirty="0"/>
-              <a:t>Pain = Bugs Bounce and Hard to Diagnose</a:t>
-            </a:r>
+              <a:t>Let’s Break Down DDL</a:t>
+            </a:r>
+          </a:p>
+        </p:txBody>
+      </p:sp>
+      <p:sp>
+        <p:nvSpPr>
+          <p:cNvPr id="5" name="Text Placeholder 4">
+            <a:extLst>
+              <a:ext uri="{FF2B5EF4-FFF2-40B4-BE49-F238E27FC236}">
+                <a16:creationId xmlns:a16="http://schemas.microsoft.com/office/drawing/2014/main" id="{5D1E0F8A-AE68-4932-A73A-67091C02EDD8}"/>
+              </a:ext>
+            </a:extLst>
+          </p:cNvPr>
+          <p:cNvSpPr>
+            <a:spLocks noGrp="1"/>
+          </p:cNvSpPr>
+          <p:nvPr>
+            <p:ph type="body" idx="1"/>
+          </p:nvPr>
+        </p:nvSpPr>
+        <p:spPr/>
+        <p:txBody>
+          <a:bodyPr/>
+          <a:lstStyle/>
+          <a:p>
+            <a:r>
+              <a:rPr lang="en-US" dirty="0"/>
+              <a:t>{big picture for DDL goes here}</a:t>
+            </a:r>
+          </a:p>
+          <a:p>
+            <a:endParaRPr lang="en-US" dirty="0"/>
           </a:p>
         </p:txBody>
       </p:sp>
     </p:spTree>
     <p:extLst>
       <p:ext uri="{BB962C8B-B14F-4D97-AF65-F5344CB8AC3E}">
-        <p14:creationId xmlns:p14="http://schemas.microsoft.com/office/powerpoint/2010/main" val="1858148081"/>
+        <p14:creationId xmlns:p14="http://schemas.microsoft.com/office/powerpoint/2010/main" val="1086986293"/>
       </p:ext>
     </p:extLst>
   </p:cSld>
@@ -4061,7 +6039,7 @@
           <p:cNvPr id="2" name="Title 1">
             <a:extLst>
               <a:ext uri="{FF2B5EF4-FFF2-40B4-BE49-F238E27FC236}">
-                <a16:creationId xmlns:a16="http://schemas.microsoft.com/office/drawing/2014/main" id="{04880A77-BC0F-4EC4-87BD-854DD29681D5}"/>
+                <a16:creationId xmlns:a16="http://schemas.microsoft.com/office/drawing/2014/main" id="{52D76755-48C3-450E-8733-EC08EC20B649}"/>
               </a:ext>
             </a:extLst>
           </p:cNvPr>
@@ -4079,7 +6057,7 @@
           <a:p>
             <a:r>
               <a:rPr lang="en-US" dirty="0"/>
-              <a:t>Part 2: Measuring Outcomes</a:t>
+              <a:t>What will this change?</a:t>
             </a:r>
           </a:p>
         </p:txBody>
@@ -4089,7 +6067,7 @@
           <p:cNvPr id="3" name="Content Placeholder 2">
             <a:extLst>
               <a:ext uri="{FF2B5EF4-FFF2-40B4-BE49-F238E27FC236}">
-                <a16:creationId xmlns:a16="http://schemas.microsoft.com/office/drawing/2014/main" id="{0918D4B9-2931-48F6-879D-DFF268C6DD95}"/>
+                <a16:creationId xmlns:a16="http://schemas.microsoft.com/office/drawing/2014/main" id="{C51A8DBB-3336-4149-9A50-7F964FD49D91}"/>
               </a:ext>
             </a:extLst>
           </p:cNvPr>
@@ -4107,52 +6085,42 @@
           <a:p>
             <a:r>
               <a:rPr lang="en-US" dirty="0"/>
-              <a:t>During planning, decide:</a:t>
-            </a:r>
-          </a:p>
-          <a:p>
-            <a:pPr lvl="1"/>
-            <a:r>
-              <a:rPr lang="en-US" dirty="0"/>
-              <a:t>Improvement vs Experiment</a:t>
-            </a:r>
-          </a:p>
-          <a:p>
-            <a:pPr lvl="1"/>
-            <a:r>
-              <a:rPr lang="en-US" dirty="0"/>
-              <a:t>Anticipated result (Metric) – replaces Acceptance Criteria with a Hypothesis</a:t>
+              <a:t>Adjusts your planning game where you plan different work</a:t>
+            </a:r>
+          </a:p>
+          <a:p>
+            <a:r>
+              <a:rPr lang="en-US" dirty="0"/>
+              <a:t>Adjusts your sprint where you do and track work differently</a:t>
+            </a:r>
+          </a:p>
+          <a:p>
+            <a:r>
+              <a:rPr lang="en-US" dirty="0"/>
+              <a:t>Adds an ownership event where leaders help teams build ownership</a:t>
+            </a:r>
+          </a:p>
+          <a:p>
+            <a:r>
+              <a:rPr lang="en-US" dirty="0"/>
+              <a:t>Adjusts how ownership is assessed</a:t>
+            </a:r>
+          </a:p>
+          <a:p>
+            <a:r>
+              <a:rPr lang="en-US" dirty="0"/>
+              <a:t>Adjusts your demo where talk about success differently</a:t>
             </a:r>
           </a:p>
           <a:p>
             <a:endParaRPr lang="en-US" dirty="0"/>
-          </a:p>
-          <a:p>
-            <a:r>
-              <a:rPr lang="en-US" dirty="0"/>
-              <a:t>In tracking, note:</a:t>
-            </a:r>
-          </a:p>
-          <a:p>
-            <a:pPr lvl="1"/>
-            <a:r>
-              <a:rPr lang="en-US" dirty="0"/>
-              <a:t>Did we finish the work?</a:t>
-            </a:r>
-          </a:p>
-          <a:p>
-            <a:pPr lvl="1"/>
-            <a:r>
-              <a:rPr lang="en-US" dirty="0"/>
-              <a:t>Did the hypothesis come true? What did happen to the measures?</a:t>
-            </a:r>
           </a:p>
         </p:txBody>
       </p:sp>
     </p:spTree>
     <p:extLst>
       <p:ext uri="{BB962C8B-B14F-4D97-AF65-F5344CB8AC3E}">
-        <p14:creationId xmlns:p14="http://schemas.microsoft.com/office/powerpoint/2010/main" val="4233174564"/>
+        <p14:creationId xmlns:p14="http://schemas.microsoft.com/office/powerpoint/2010/main" val="1357627666"/>
       </p:ext>
     </p:extLst>
   </p:cSld>
@@ -4184,7 +6152,7 @@
           <p:cNvPr id="2" name="Title 1">
             <a:extLst>
               <a:ext uri="{FF2B5EF4-FFF2-40B4-BE49-F238E27FC236}">
-                <a16:creationId xmlns:a16="http://schemas.microsoft.com/office/drawing/2014/main" id="{3F84157F-01DC-4F31-AB8D-B5CC2BCAD902}"/>
+                <a16:creationId xmlns:a16="http://schemas.microsoft.com/office/drawing/2014/main" id="{52D76755-48C3-450E-8733-EC08EC20B649}"/>
               </a:ext>
             </a:extLst>
           </p:cNvPr>
@@ -4202,7 +6170,7 @@
           <a:p>
             <a:r>
               <a:rPr lang="en-US" dirty="0"/>
-              <a:t>Measuring Outcomes – Example</a:t>
+              <a:t>Part 1: Planning Experiments</a:t>
             </a:r>
           </a:p>
         </p:txBody>
@@ -4212,7 +6180,7 @@
           <p:cNvPr id="3" name="Content Placeholder 2">
             <a:extLst>
               <a:ext uri="{FF2B5EF4-FFF2-40B4-BE49-F238E27FC236}">
-                <a16:creationId xmlns:a16="http://schemas.microsoft.com/office/drawing/2014/main" id="{1FF160A8-7B70-4137-9554-9EE0321D8335}"/>
+                <a16:creationId xmlns:a16="http://schemas.microsoft.com/office/drawing/2014/main" id="{C51A8DBB-3336-4149-9A50-7F964FD49D91}"/>
               </a:ext>
             </a:extLst>
           </p:cNvPr>
@@ -4228,55 +6196,27 @@
           <a:bodyPr/>
           <a:lstStyle/>
           <a:p>
-            <a:r>
-              <a:rPr lang="en-US" dirty="0"/>
-              <a:t>Story: Try full-team mobbing for 2 hours each day.</a:t>
-            </a:r>
-          </a:p>
-          <a:p>
-            <a:pPr lvl="1"/>
-            <a:r>
-              <a:rPr lang="en-US" dirty="0"/>
-              <a:t>Experiment</a:t>
-            </a:r>
-          </a:p>
-          <a:p>
-            <a:pPr lvl="1"/>
-            <a:r>
-              <a:rPr lang="en-US" dirty="0"/>
-              <a:t>Hypothesis: 1. will decrease non-mob-time interrupts by 50%. 2. Mob will deliver stories at </a:t>
-            </a:r>
-            <a:r>
-              <a:rPr lang="en-US" dirty="0" err="1"/>
-              <a:t>at</a:t>
-            </a:r>
-            <a:r>
-              <a:rPr lang="en-US" dirty="0"/>
-              <a:t> least 50% of velocity of solos. 3. Experts will report fewer times they are surprised and need to get someone to change something after on mobbed stories vs non-mobbed stories.</a:t>
-            </a:r>
-          </a:p>
-          <a:p>
-            <a:pPr lvl="1"/>
+            <a:pPr marL="0" indent="0">
+              <a:buNone/>
+            </a:pPr>
+            <a:r>
+              <a:rPr lang="en-US" dirty="0"/>
+              <a:t>Individual teams identify and agree upon metrics and experiments that they locally need.</a:t>
+            </a:r>
+          </a:p>
+          <a:p>
+            <a:pPr marL="0" indent="0">
+              <a:buNone/>
+            </a:pPr>
             <a:endParaRPr lang="en-US" dirty="0"/>
           </a:p>
           <a:p>
-            <a:r>
-              <a:rPr lang="en-US" dirty="0"/>
-              <a:t>Story: Break apart whatever long methods we come across</a:t>
-            </a:r>
-          </a:p>
-          <a:p>
-            <a:pPr lvl="1"/>
-            <a:r>
-              <a:rPr lang="en-US" dirty="0"/>
-              <a:t>Improvement</a:t>
-            </a:r>
-          </a:p>
-          <a:p>
-            <a:pPr lvl="1"/>
-            <a:r>
-              <a:rPr lang="en-US" dirty="0"/>
-              <a:t>Hypothesis: 1. will be easier (faster) to implement the story than if we hadn’t. 2. Fewer bugs will be found in dev &amp; QA.</a:t>
+            <a:pPr marL="0" indent="0">
+              <a:buNone/>
+            </a:pPr>
+            <a:r>
+              <a:rPr lang="en-US" dirty="0"/>
+              <a:t>NEW CONCEPT: experimentation versus improvement</a:t>
             </a:r>
           </a:p>
         </p:txBody>
@@ -4284,7 +6224,7 @@
     </p:spTree>
     <p:extLst>
       <p:ext uri="{BB962C8B-B14F-4D97-AF65-F5344CB8AC3E}">
-        <p14:creationId xmlns:p14="http://schemas.microsoft.com/office/powerpoint/2010/main" val="1490593280"/>
+        <p14:creationId xmlns:p14="http://schemas.microsoft.com/office/powerpoint/2010/main" val="3423944065"/>
       </p:ext>
     </p:extLst>
   </p:cSld>
@@ -4316,7 +6256,7 @@
           <p:cNvPr id="2" name="Title 1">
             <a:extLst>
               <a:ext uri="{FF2B5EF4-FFF2-40B4-BE49-F238E27FC236}">
-                <a16:creationId xmlns:a16="http://schemas.microsoft.com/office/drawing/2014/main" id="{2B6F1FD2-1E4F-4AFA-90E8-462E1C6A94B9}"/>
+                <a16:creationId xmlns:a16="http://schemas.microsoft.com/office/drawing/2014/main" id="{52D76755-48C3-450E-8733-EC08EC20B649}"/>
               </a:ext>
             </a:extLst>
           </p:cNvPr>
@@ -4334,15 +6274,7 @@
           <a:p>
             <a:r>
               <a:rPr lang="en-US" dirty="0"/>
-              <a:t>Part 3: Ownership-</a:t>
-            </a:r>
-            <a:r>
-              <a:rPr lang="en-US" dirty="0" err="1"/>
-              <a:t>spective</a:t>
-            </a:r>
-            <a:r>
-              <a:rPr lang="en-US" dirty="0"/>
-              <a:t> {needs a better name}</a:t>
+              <a:t>Planning Experiments - How</a:t>
             </a:r>
           </a:p>
         </p:txBody>
@@ -4352,7 +6284,7 @@
           <p:cNvPr id="3" name="Content Placeholder 2">
             <a:extLst>
               <a:ext uri="{FF2B5EF4-FFF2-40B4-BE49-F238E27FC236}">
-                <a16:creationId xmlns:a16="http://schemas.microsoft.com/office/drawing/2014/main" id="{BF74CB31-D053-4643-A45D-1515E27250AA}"/>
+                <a16:creationId xmlns:a16="http://schemas.microsoft.com/office/drawing/2014/main" id="{C51A8DBB-3336-4149-9A50-7F964FD49D91}"/>
               </a:ext>
             </a:extLst>
           </p:cNvPr>
@@ -4365,74 +6297,75 @@
         </p:nvSpPr>
         <p:spPr/>
         <p:txBody>
-          <a:bodyPr>
-            <a:normAutofit fontScale="92500" lnSpcReduction="10000"/>
-          </a:bodyPr>
-          <a:lstStyle/>
-          <a:p>
-            <a:r>
-              <a:rPr lang="en-US" dirty="0"/>
-              <a:t>Meet weekly, for 7 min</a:t>
-            </a:r>
-          </a:p>
-          <a:p>
-            <a:r>
-              <a:rPr lang="en-US" dirty="0"/>
-              <a:t>Attendees: exec + team</a:t>
-            </a:r>
-          </a:p>
-          <a:p>
-            <a:pPr lvl="1"/>
-            <a:r>
-              <a:rPr lang="en-US" dirty="0"/>
-              <a:t>Optional: other teams that report to the exec</a:t>
-            </a:r>
-          </a:p>
-          <a:p>
-            <a:r>
-              <a:rPr lang="en-US" dirty="0"/>
-              <a:t>Agenda:</a:t>
-            </a:r>
-          </a:p>
-          <a:p>
-            <a:pPr lvl="1"/>
-            <a:r>
-              <a:rPr lang="en-US" dirty="0"/>
-              <a:t>Team: Show current data</a:t>
-            </a:r>
-          </a:p>
-          <a:p>
-            <a:pPr lvl="1"/>
-            <a:r>
-              <a:rPr lang="en-US" dirty="0"/>
-              <a:t>Team: What was learned since last time?</a:t>
-            </a:r>
-          </a:p>
-          <a:p>
-            <a:pPr lvl="1"/>
-            <a:r>
-              <a:rPr lang="en-US" dirty="0"/>
-              <a:t>Team: How did that insight change what we measure?</a:t>
-            </a:r>
-          </a:p>
-          <a:p>
-            <a:pPr lvl="1"/>
-            <a:r>
-              <a:rPr lang="en-US" dirty="0"/>
-              <a:t>Team: Any overall changes in technical strategy</a:t>
-            </a:r>
-          </a:p>
-          <a:p>
-            <a:pPr lvl="1"/>
-            <a:r>
-              <a:rPr lang="en-US" dirty="0"/>
-              <a:t>Team: Any resources we need, and on what timeline?</a:t>
-            </a:r>
-          </a:p>
-          <a:p>
-            <a:r>
-              <a:rPr lang="en-US" dirty="0"/>
-              <a:t>Exec is Mentor and Challenger with respect to Ownership – In the above, how is / isn’t the team demonstrating their ownership of the problem?</a:t>
+          <a:bodyPr/>
+          <a:lstStyle/>
+          <a:p>
+            <a:pPr marL="0" indent="0">
+              <a:buNone/>
+            </a:pPr>
+            <a:r>
+              <a:rPr lang="en-US" dirty="0"/>
+              <a:t>Each sprint:</a:t>
+            </a:r>
+          </a:p>
+          <a:p>
+            <a:pPr marL="514350" indent="-514350">
+              <a:buFont typeface="+mj-lt"/>
+              <a:buAutoNum type="arabicPeriod"/>
+            </a:pPr>
+            <a:r>
+              <a:rPr lang="en-US" dirty="0"/>
+              <a:t>Review your pain</a:t>
+            </a:r>
+          </a:p>
+          <a:p>
+            <a:pPr marL="514350" indent="-514350">
+              <a:buFont typeface="+mj-lt"/>
+              <a:buAutoNum type="arabicPeriod"/>
+            </a:pPr>
+            <a:r>
+              <a:rPr lang="en-US" dirty="0"/>
+              <a:t>Agree what hurts most</a:t>
+            </a:r>
+          </a:p>
+          <a:p>
+            <a:pPr marL="514350" indent="-514350">
+              <a:buFont typeface="+mj-lt"/>
+              <a:buAutoNum type="arabicPeriod"/>
+            </a:pPr>
+            <a:r>
+              <a:rPr lang="en-US" dirty="0"/>
+              <a:t>Decide how to measure progress at pain reduction</a:t>
+            </a:r>
+          </a:p>
+          <a:p>
+            <a:pPr marL="514350" indent="-514350">
+              <a:buFont typeface="+mj-lt"/>
+              <a:buAutoNum type="arabicPeriod"/>
+            </a:pPr>
+            <a:r>
+              <a:rPr lang="en-US" dirty="0"/>
+              <a:t>Define how you will measure that</a:t>
+            </a:r>
+          </a:p>
+          <a:p>
+            <a:pPr marL="514350" indent="-514350">
+              <a:buFont typeface="+mj-lt"/>
+              <a:buAutoNum type="arabicPeriod"/>
+            </a:pPr>
+            <a:r>
+              <a:rPr lang="en-US" dirty="0"/>
+              <a:t>Define some experiments to try</a:t>
+            </a:r>
+          </a:p>
+          <a:p>
+            <a:pPr marL="514350" indent="-514350">
+              <a:buFont typeface="+mj-lt"/>
+              <a:buAutoNum type="arabicPeriod"/>
+            </a:pPr>
+            <a:r>
+              <a:rPr lang="en-US" dirty="0"/>
+              <a:t>If there are any experiments you’ve already tried, define some improvements based on their results</a:t>
             </a:r>
           </a:p>
         </p:txBody>
@@ -4440,7 +6373,7 @@
     </p:spTree>
     <p:extLst>
       <p:ext uri="{BB962C8B-B14F-4D97-AF65-F5344CB8AC3E}">
-        <p14:creationId xmlns:p14="http://schemas.microsoft.com/office/powerpoint/2010/main" val="1773029553"/>
+        <p14:creationId xmlns:p14="http://schemas.microsoft.com/office/powerpoint/2010/main" val="1318886380"/>
       </p:ext>
     </p:extLst>
   </p:cSld>
@@ -4472,7 +6405,7 @@
           <p:cNvPr id="2" name="Title 1">
             <a:extLst>
               <a:ext uri="{FF2B5EF4-FFF2-40B4-BE49-F238E27FC236}">
-                <a16:creationId xmlns:a16="http://schemas.microsoft.com/office/drawing/2014/main" id="{CAE08B45-8AAC-4256-9CBD-A3010335B0A0}"/>
+                <a16:creationId xmlns:a16="http://schemas.microsoft.com/office/drawing/2014/main" id="{7368ABDB-C151-4C35-A562-A3A80E333CD7}"/>
               </a:ext>
             </a:extLst>
           </p:cNvPr>
@@ -4490,15 +6423,7 @@
           <a:p>
             <a:r>
               <a:rPr lang="en-US" dirty="0"/>
-              <a:t>Ownership-</a:t>
-            </a:r>
-            <a:r>
-              <a:rPr lang="en-US" dirty="0" err="1"/>
-              <a:t>spective</a:t>
-            </a:r>
-            <a:r>
-              <a:rPr lang="en-US" dirty="0"/>
-              <a:t> as an Executive</a:t>
+              <a:t>Planning Experiments - Examples</a:t>
             </a:r>
           </a:p>
         </p:txBody>
@@ -4508,7 +6433,7 @@
           <p:cNvPr id="3" name="Content Placeholder 2">
             <a:extLst>
               <a:ext uri="{FF2B5EF4-FFF2-40B4-BE49-F238E27FC236}">
-                <a16:creationId xmlns:a16="http://schemas.microsoft.com/office/drawing/2014/main" id="{28CC7A6A-7E22-4259-A56F-21176DFBBAE8}"/>
+                <a16:creationId xmlns:a16="http://schemas.microsoft.com/office/drawing/2014/main" id="{4E2F8BA5-BC4F-4884-AFF7-62083B3594A4}"/>
               </a:ext>
             </a:extLst>
           </p:cNvPr>
@@ -4524,14 +6449,29 @@
           <a:bodyPr/>
           <a:lstStyle/>
           <a:p>
-            <a:endParaRPr lang="en-US"/>
+            <a:r>
+              <a:rPr lang="en-US" dirty="0"/>
+              <a:t>Pain = Untestable Code</a:t>
+            </a:r>
+          </a:p>
+          <a:p>
+            <a:r>
+              <a:rPr lang="en-US" dirty="0"/>
+              <a:t>Pain = Blocking on Specialties</a:t>
+            </a:r>
+          </a:p>
+          <a:p>
+            <a:r>
+              <a:rPr lang="en-US" dirty="0"/>
+              <a:t>Pain = Bugs Bounce and Hard to Diagnose</a:t>
+            </a:r>
           </a:p>
         </p:txBody>
       </p:sp>
     </p:spTree>
     <p:extLst>
       <p:ext uri="{BB962C8B-B14F-4D97-AF65-F5344CB8AC3E}">
-        <p14:creationId xmlns:p14="http://schemas.microsoft.com/office/powerpoint/2010/main" val="850856605"/>
+        <p14:creationId xmlns:p14="http://schemas.microsoft.com/office/powerpoint/2010/main" val="1858148081"/>
       </p:ext>
     </p:extLst>
   </p:cSld>
@@ -4667,7 +6607,7 @@
           <p:cNvPr id="2" name="Title 1">
             <a:extLst>
               <a:ext uri="{FF2B5EF4-FFF2-40B4-BE49-F238E27FC236}">
-                <a16:creationId xmlns:a16="http://schemas.microsoft.com/office/drawing/2014/main" id="{07A3B546-C666-46FA-90CB-E3A1898306FB}"/>
+                <a16:creationId xmlns:a16="http://schemas.microsoft.com/office/drawing/2014/main" id="{04880A77-BC0F-4EC4-87BD-854DD29681D5}"/>
               </a:ext>
             </a:extLst>
           </p:cNvPr>
@@ -4685,15 +6625,7 @@
           <a:p>
             <a:r>
               <a:rPr lang="en-US" dirty="0"/>
-              <a:t>Ownership-</a:t>
-            </a:r>
-            <a:r>
-              <a:rPr lang="en-US" dirty="0" err="1"/>
-              <a:t>spective</a:t>
-            </a:r>
-            <a:r>
-              <a:rPr lang="en-US" dirty="0"/>
-              <a:t> as an Individual Doer</a:t>
+              <a:t>Part 2: Running Experiments</a:t>
             </a:r>
           </a:p>
         </p:txBody>
@@ -4703,7 +6635,7 @@
           <p:cNvPr id="3" name="Content Placeholder 2">
             <a:extLst>
               <a:ext uri="{FF2B5EF4-FFF2-40B4-BE49-F238E27FC236}">
-                <a16:creationId xmlns:a16="http://schemas.microsoft.com/office/drawing/2014/main" id="{31E2B54C-C347-44B0-846D-4A2F8E96584C}"/>
+                <a16:creationId xmlns:a16="http://schemas.microsoft.com/office/drawing/2014/main" id="{0918D4B9-2931-48F6-879D-DFF268C6DD95}"/>
               </a:ext>
             </a:extLst>
           </p:cNvPr>
@@ -4719,14 +6651,35 @@
           <a:bodyPr/>
           <a:lstStyle/>
           <a:p>
-            <a:endParaRPr lang="en-US"/>
+            <a:pPr marL="0" indent="0">
+              <a:buNone/>
+            </a:pPr>
+            <a:r>
+              <a:rPr lang="en-US" dirty="0"/>
+              <a:t>Tracking measurements and experiments throughout sprint.</a:t>
+            </a:r>
+          </a:p>
+          <a:p>
+            <a:pPr marL="0" indent="0">
+              <a:buNone/>
+            </a:pPr>
+            <a:endParaRPr lang="en-US" dirty="0"/>
+          </a:p>
+          <a:p>
+            <a:pPr marL="0" indent="0">
+              <a:buNone/>
+            </a:pPr>
+            <a:r>
+              <a:rPr lang="en-US" dirty="0"/>
+              <a:t>NEW CONCEPT: none</a:t>
+            </a:r>
           </a:p>
         </p:txBody>
       </p:sp>
     </p:spTree>
     <p:extLst>
       <p:ext uri="{BB962C8B-B14F-4D97-AF65-F5344CB8AC3E}">
-        <p14:creationId xmlns:p14="http://schemas.microsoft.com/office/powerpoint/2010/main" val="1255649011"/>
+        <p14:creationId xmlns:p14="http://schemas.microsoft.com/office/powerpoint/2010/main" val="3771187056"/>
       </p:ext>
     </p:extLst>
   </p:cSld>
@@ -4758,7 +6711,7 @@
           <p:cNvPr id="2" name="Title 1">
             <a:extLst>
               <a:ext uri="{FF2B5EF4-FFF2-40B4-BE49-F238E27FC236}">
-                <a16:creationId xmlns:a16="http://schemas.microsoft.com/office/drawing/2014/main" id="{47B082B1-5828-4510-B1B4-2D98F21039FF}"/>
+                <a16:creationId xmlns:a16="http://schemas.microsoft.com/office/drawing/2014/main" id="{04880A77-BC0F-4EC4-87BD-854DD29681D5}"/>
               </a:ext>
             </a:extLst>
           </p:cNvPr>
@@ -4776,15 +6729,7 @@
           <a:p>
             <a:r>
               <a:rPr lang="en-US" dirty="0"/>
-              <a:t>Ownership-</a:t>
-            </a:r>
-            <a:r>
-              <a:rPr lang="en-US" dirty="0" err="1"/>
-              <a:t>spective</a:t>
-            </a:r>
-            <a:r>
-              <a:rPr lang="en-US" dirty="0"/>
-              <a:t> – Example</a:t>
+              <a:t>Running Experiments - How</a:t>
             </a:r>
           </a:p>
         </p:txBody>
@@ -4794,7 +6739,7 @@
           <p:cNvPr id="3" name="Content Placeholder 2">
             <a:extLst>
               <a:ext uri="{FF2B5EF4-FFF2-40B4-BE49-F238E27FC236}">
-                <a16:creationId xmlns:a16="http://schemas.microsoft.com/office/drawing/2014/main" id="{918E8C55-17DD-4388-8208-5F3A78E1D255}"/>
+                <a16:creationId xmlns:a16="http://schemas.microsoft.com/office/drawing/2014/main" id="{0918D4B9-2931-48F6-879D-DFF268C6DD95}"/>
               </a:ext>
             </a:extLst>
           </p:cNvPr>
@@ -4810,14 +6755,54 @@
           <a:bodyPr/>
           <a:lstStyle/>
           <a:p>
-            <a:endParaRPr lang="en-US"/>
+            <a:r>
+              <a:rPr lang="en-US" dirty="0"/>
+              <a:t>During planning, decide:</a:t>
+            </a:r>
+          </a:p>
+          <a:p>
+            <a:pPr lvl="1"/>
+            <a:r>
+              <a:rPr lang="en-US" dirty="0"/>
+              <a:t>Improvement vs Experiment</a:t>
+            </a:r>
+          </a:p>
+          <a:p>
+            <a:pPr lvl="1"/>
+            <a:r>
+              <a:rPr lang="en-US" dirty="0"/>
+              <a:t>Anticipated result (Metric) – replaces Acceptance Criteria with a Hypothesis</a:t>
+            </a:r>
+          </a:p>
+          <a:p>
+            <a:endParaRPr lang="en-US" dirty="0"/>
+          </a:p>
+          <a:p>
+            <a:r>
+              <a:rPr lang="en-US" dirty="0"/>
+              <a:t>In tracking, note:</a:t>
+            </a:r>
+          </a:p>
+          <a:p>
+            <a:pPr lvl="1"/>
+            <a:r>
+              <a:rPr lang="en-US" dirty="0"/>
+              <a:t>Did we finish the work?</a:t>
+            </a:r>
+          </a:p>
+          <a:p>
+            <a:pPr lvl="1"/>
+            <a:r>
+              <a:rPr lang="en-US" dirty="0"/>
+              <a:t>Did the hypothesis come true? What did happen to the measures?</a:t>
+            </a:r>
           </a:p>
         </p:txBody>
       </p:sp>
     </p:spTree>
     <p:extLst>
       <p:ext uri="{BB962C8B-B14F-4D97-AF65-F5344CB8AC3E}">
-        <p14:creationId xmlns:p14="http://schemas.microsoft.com/office/powerpoint/2010/main" val="1716323054"/>
+        <p14:creationId xmlns:p14="http://schemas.microsoft.com/office/powerpoint/2010/main" val="4233174564"/>
       </p:ext>
     </p:extLst>
   </p:cSld>
@@ -4849,7 +6834,7 @@
           <p:cNvPr id="2" name="Title 1">
             <a:extLst>
               <a:ext uri="{FF2B5EF4-FFF2-40B4-BE49-F238E27FC236}">
-                <a16:creationId xmlns:a16="http://schemas.microsoft.com/office/drawing/2014/main" id="{E551391C-1CC2-4EF8-BE4F-53EF995F6B78}"/>
+                <a16:creationId xmlns:a16="http://schemas.microsoft.com/office/drawing/2014/main" id="{3F84157F-01DC-4F31-AB8D-B5CC2BCAD902}"/>
               </a:ext>
             </a:extLst>
           </p:cNvPr>
@@ -4867,7 +6852,7 @@
           <a:p>
             <a:r>
               <a:rPr lang="en-US" dirty="0"/>
-              <a:t>Part 4: Team (Self-) Assessment</a:t>
+              <a:t>Running Experiments – Example</a:t>
             </a:r>
           </a:p>
         </p:txBody>
@@ -4877,7 +6862,7 @@
           <p:cNvPr id="3" name="Content Placeholder 2">
             <a:extLst>
               <a:ext uri="{FF2B5EF4-FFF2-40B4-BE49-F238E27FC236}">
-                <a16:creationId xmlns:a16="http://schemas.microsoft.com/office/drawing/2014/main" id="{80EE4438-7AFC-412A-9354-4FF64C52CF85}"/>
+                <a16:creationId xmlns:a16="http://schemas.microsoft.com/office/drawing/2014/main" id="{1FF160A8-7B70-4137-9554-9EE0321D8335}"/>
               </a:ext>
             </a:extLst>
           </p:cNvPr>
@@ -4895,42 +6880,61 @@
           <a:p>
             <a:r>
               <a:rPr lang="en-US" dirty="0"/>
-              <a:t>Purpose: Leader needs to answer key questions to ensure teams run well.</a:t>
-            </a:r>
-          </a:p>
-          <a:p>
+              <a:t>Story: Try full-team mobbing for 2 hours each day.</a:t>
+            </a:r>
+          </a:p>
+          <a:p>
+            <a:pPr lvl="1"/>
+            <a:r>
+              <a:rPr lang="en-US" dirty="0"/>
+              <a:t>Experiment</a:t>
+            </a:r>
+          </a:p>
+          <a:p>
+            <a:pPr lvl="1"/>
+            <a:r>
+              <a:rPr lang="en-US" dirty="0"/>
+              <a:t>Hypothesis: 1. will decrease non-mob-time interrupts by 50%. 2. Mob will deliver stories at </a:t>
+            </a:r>
+            <a:r>
+              <a:rPr lang="en-US" dirty="0" err="1"/>
+              <a:t>at</a:t>
+            </a:r>
+            <a:r>
+              <a:rPr lang="en-US" dirty="0"/>
+              <a:t> least 50% of velocity of solos. 3. Experts will report fewer times they are surprised and need to get someone to change something after on mobbed stories vs non-mobbed stories.</a:t>
+            </a:r>
+          </a:p>
+          <a:p>
+            <a:pPr lvl="1"/>
             <a:endParaRPr lang="en-US" dirty="0"/>
           </a:p>
           <a:p>
-            <a:pPr fontAlgn="ctr"/>
-            <a:r>
-              <a:rPr lang="en-US" dirty="0"/>
-              <a:t>Which teams need my help? Which teams should be left alone?</a:t>
-            </a:r>
-          </a:p>
-          <a:p>
-            <a:pPr fontAlgn="ctr"/>
-            <a:r>
-              <a:rPr lang="en-US" dirty="0"/>
-              <a:t>What kind of help do teams need in order to think strategically with data?</a:t>
-            </a:r>
-          </a:p>
-          <a:p>
-            <a:pPr fontAlgn="ctr"/>
-            <a:r>
-              <a:rPr lang="en-US" dirty="0"/>
-              <a:t>Which teams need help with owning their strategy?</a:t>
-            </a:r>
-          </a:p>
-          <a:p>
-            <a:endParaRPr lang="en-US" dirty="0"/>
+            <a:r>
+              <a:rPr lang="en-US" dirty="0"/>
+              <a:t>Story: Break apart whatever long methods we come across</a:t>
+            </a:r>
+          </a:p>
+          <a:p>
+            <a:pPr lvl="1"/>
+            <a:r>
+              <a:rPr lang="en-US" dirty="0"/>
+              <a:t>Improvement</a:t>
+            </a:r>
+          </a:p>
+          <a:p>
+            <a:pPr lvl="1"/>
+            <a:r>
+              <a:rPr lang="en-US" dirty="0"/>
+              <a:t>Hypothesis: 1. will be easier (faster) to implement the story than if we hadn’t. 2. Fewer bugs will be found in dev &amp; QA.</a:t>
+            </a:r>
           </a:p>
         </p:txBody>
       </p:sp>
     </p:spTree>
     <p:extLst>
       <p:ext uri="{BB962C8B-B14F-4D97-AF65-F5344CB8AC3E}">
-        <p14:creationId xmlns:p14="http://schemas.microsoft.com/office/powerpoint/2010/main" val="463423041"/>
+        <p14:creationId xmlns:p14="http://schemas.microsoft.com/office/powerpoint/2010/main" val="1160647374"/>
       </p:ext>
     </p:extLst>
   </p:cSld>
@@ -4962,7 +6966,7 @@
           <p:cNvPr id="2" name="Title 1">
             <a:extLst>
               <a:ext uri="{FF2B5EF4-FFF2-40B4-BE49-F238E27FC236}">
-                <a16:creationId xmlns:a16="http://schemas.microsoft.com/office/drawing/2014/main" id="{AD2A89E4-0A49-429F-9870-6F8360729D86}"/>
+                <a16:creationId xmlns:a16="http://schemas.microsoft.com/office/drawing/2014/main" id="{2B6F1FD2-1E4F-4AFA-90E8-462E1C6A94B9}"/>
               </a:ext>
             </a:extLst>
           </p:cNvPr>
@@ -4980,7 +6984,7 @@
           <a:p>
             <a:r>
               <a:rPr lang="en-US" dirty="0"/>
-              <a:t>Team Assessment</a:t>
+              <a:t>Part 3: Leading Ownership</a:t>
             </a:r>
           </a:p>
         </p:txBody>
@@ -4990,7 +6994,7 @@
           <p:cNvPr id="3" name="Content Placeholder 2">
             <a:extLst>
               <a:ext uri="{FF2B5EF4-FFF2-40B4-BE49-F238E27FC236}">
-                <a16:creationId xmlns:a16="http://schemas.microsoft.com/office/drawing/2014/main" id="{85033FEA-65CE-4248-98D0-B68FED2D0689}"/>
+                <a16:creationId xmlns:a16="http://schemas.microsoft.com/office/drawing/2014/main" id="{BF74CB31-D053-4643-A45D-1515E27250AA}"/>
               </a:ext>
             </a:extLst>
           </p:cNvPr>
@@ -5008,76 +7012,35 @@
           </a:bodyPr>
           <a:lstStyle/>
           <a:p>
-            <a:r>
-              <a:rPr lang="en-US" dirty="0"/>
-              <a:t>Core metrics</a:t>
-            </a:r>
-          </a:p>
-          <a:p>
+            <a:pPr marL="0" indent="0">
+              <a:buNone/>
+            </a:pPr>
+            <a:r>
+              <a:rPr lang="en-US" dirty="0"/>
+              <a:t>Creating a regular structure for leaders supporting teams achieving greater and greater ownership over time.</a:t>
+            </a:r>
+          </a:p>
+          <a:p>
+            <a:pPr marL="0" indent="0">
+              <a:buNone/>
+            </a:pPr>
             <a:endParaRPr lang="en-US" dirty="0"/>
           </a:p>
           <a:p>
-            <a:r>
-              <a:rPr lang="en-US" dirty="0"/>
-              <a:t>Experiment Completion Rate</a:t>
-            </a:r>
-          </a:p>
-          <a:p>
-            <a:pPr lvl="1"/>
-            <a:r>
-              <a:rPr lang="en-US" dirty="0"/>
-              <a:t>Equal to Improvement Completion rate</a:t>
-            </a:r>
-          </a:p>
-          <a:p>
-            <a:pPr lvl="1"/>
-            <a:r>
-              <a:rPr lang="en-US" dirty="0"/>
-              <a:t>95% or more</a:t>
-            </a:r>
-          </a:p>
-          <a:p>
-            <a:r>
-              <a:rPr lang="en-US" dirty="0"/>
-              <a:t>Experiment Disprove Rate</a:t>
-            </a:r>
-          </a:p>
-          <a:p>
-            <a:pPr lvl="1"/>
-            <a:r>
-              <a:rPr lang="en-US" dirty="0"/>
-              <a:t>50%-</a:t>
-            </a:r>
-            <a:r>
-              <a:rPr lang="en-US" dirty="0" err="1"/>
-              <a:t>ish</a:t>
-            </a:r>
-            <a:endParaRPr lang="en-US" dirty="0"/>
-          </a:p>
-          <a:p>
-            <a:r>
-              <a:rPr lang="en-US" dirty="0"/>
-              <a:t>Improvement Disprove Rate</a:t>
-            </a:r>
-          </a:p>
-          <a:p>
-            <a:pPr lvl="1"/>
-            <a:r>
-              <a:rPr lang="en-US" dirty="0"/>
-              <a:t>5%-</a:t>
-            </a:r>
-            <a:r>
-              <a:rPr lang="en-US" dirty="0" err="1"/>
-              <a:t>ish</a:t>
-            </a:r>
-            <a:endParaRPr lang="en-US" dirty="0"/>
+            <a:pPr marL="0" indent="0">
+              <a:buNone/>
+            </a:pPr>
+            <a:r>
+              <a:rPr lang="en-US" dirty="0"/>
+              <a:t>NEW CONCEPT: stances to how leadership and teams show up</a:t>
+            </a:r>
           </a:p>
         </p:txBody>
       </p:sp>
     </p:spTree>
     <p:extLst>
       <p:ext uri="{BB962C8B-B14F-4D97-AF65-F5344CB8AC3E}">
-        <p14:creationId xmlns:p14="http://schemas.microsoft.com/office/powerpoint/2010/main" val="1972035238"/>
+        <p14:creationId xmlns:p14="http://schemas.microsoft.com/office/powerpoint/2010/main" val="2083750612"/>
       </p:ext>
     </p:extLst>
   </p:cSld>
@@ -5109,7 +7072,7 @@
           <p:cNvPr id="2" name="Title 1">
             <a:extLst>
               <a:ext uri="{FF2B5EF4-FFF2-40B4-BE49-F238E27FC236}">
-                <a16:creationId xmlns:a16="http://schemas.microsoft.com/office/drawing/2014/main" id="{A78BEB9D-45E3-4637-8777-32B043BB4F13}"/>
+                <a16:creationId xmlns:a16="http://schemas.microsoft.com/office/drawing/2014/main" id="{33FAB5BF-B363-4356-996B-0D484693D0DF}"/>
               </a:ext>
             </a:extLst>
           </p:cNvPr>
@@ -5127,7 +7090,7 @@
           <a:p>
             <a:r>
               <a:rPr lang="en-US" dirty="0"/>
-              <a:t>Team Assessment Example</a:t>
+              <a:t>Shifting from task to mindset</a:t>
             </a:r>
           </a:p>
         </p:txBody>
@@ -5137,7 +7100,7 @@
           <p:cNvPr id="3" name="Content Placeholder 2">
             <a:extLst>
               <a:ext uri="{FF2B5EF4-FFF2-40B4-BE49-F238E27FC236}">
-                <a16:creationId xmlns:a16="http://schemas.microsoft.com/office/drawing/2014/main" id="{AB5759EA-D663-4630-A8DB-8A6DF8F01973}"/>
+                <a16:creationId xmlns:a16="http://schemas.microsoft.com/office/drawing/2014/main" id="{16C7E745-13A2-4F9F-BF27-DAE4DDDFF7CE}"/>
               </a:ext>
             </a:extLst>
           </p:cNvPr>
@@ -5153,9 +7116,12 @@
           <a:bodyPr/>
           <a:lstStyle/>
           <a:p>
-            <a:r>
-              <a:rPr lang="en-US" dirty="0"/>
-              <a:t>{graph: Which teams need what}</a:t>
+            <a:pPr marL="0" indent="0">
+              <a:buNone/>
+            </a:pPr>
+            <a:r>
+              <a:rPr lang="en-US" dirty="0"/>
+              <a:t>Tableau story</a:t>
             </a:r>
           </a:p>
         </p:txBody>
@@ -5163,7 +7129,7 @@
     </p:spTree>
     <p:extLst>
       <p:ext uri="{BB962C8B-B14F-4D97-AF65-F5344CB8AC3E}">
-        <p14:creationId xmlns:p14="http://schemas.microsoft.com/office/powerpoint/2010/main" val="3280685921"/>
+        <p14:creationId xmlns:p14="http://schemas.microsoft.com/office/powerpoint/2010/main" val="1947796675"/>
       </p:ext>
     </p:extLst>
   </p:cSld>
@@ -5195,7 +7161,7 @@
           <p:cNvPr id="2" name="Title 1">
             <a:extLst>
               <a:ext uri="{FF2B5EF4-FFF2-40B4-BE49-F238E27FC236}">
-                <a16:creationId xmlns:a16="http://schemas.microsoft.com/office/drawing/2014/main" id="{77F4796B-D056-46FD-B537-8DD09AED8A54}"/>
+                <a16:creationId xmlns:a16="http://schemas.microsoft.com/office/drawing/2014/main" id="{33FAB5BF-B363-4356-996B-0D484693D0DF}"/>
               </a:ext>
             </a:extLst>
           </p:cNvPr>
@@ -5213,7 +7179,7 @@
           <a:p>
             <a:r>
               <a:rPr lang="en-US" dirty="0"/>
-              <a:t>Part 5 Show Improvement</a:t>
+              <a:t>Leadership stance</a:t>
             </a:r>
           </a:p>
         </p:txBody>
@@ -5223,7 +7189,7 @@
           <p:cNvPr id="3" name="Content Placeholder 2">
             <a:extLst>
               <a:ext uri="{FF2B5EF4-FFF2-40B4-BE49-F238E27FC236}">
-                <a16:creationId xmlns:a16="http://schemas.microsoft.com/office/drawing/2014/main" id="{6F4466A7-6EE0-40E8-88B3-5111741A7441}"/>
+                <a16:creationId xmlns:a16="http://schemas.microsoft.com/office/drawing/2014/main" id="{16C7E745-13A2-4F9F-BF27-DAE4DDDFF7CE}"/>
               </a:ext>
             </a:extLst>
           </p:cNvPr>
@@ -5236,57 +7202,42 @@
         </p:nvSpPr>
         <p:spPr/>
         <p:txBody>
-          <a:bodyPr>
-            <a:normAutofit fontScale="92500" lnSpcReduction="10000"/>
-          </a:bodyPr>
-          <a:lstStyle/>
-          <a:p>
-            <a:r>
-              <a:rPr lang="en-US" dirty="0"/>
-              <a:t>At demo, to customers</a:t>
-            </a:r>
-          </a:p>
-          <a:p>
-            <a:endParaRPr lang="en-US" dirty="0"/>
-          </a:p>
-          <a:p>
-            <a:r>
-              <a:rPr lang="en-US" dirty="0"/>
-              <a:t>Show the measures and how they shifted, presenting the specific experiments you ran for this team and this sprint</a:t>
-            </a:r>
-          </a:p>
-          <a:p>
-            <a:endParaRPr lang="en-US" dirty="0"/>
-          </a:p>
-          <a:p>
-            <a:pPr fontAlgn="ctr"/>
-            <a:r>
-              <a:rPr lang="en-US" dirty="0"/>
-              <a:t>Target measure</a:t>
-            </a:r>
-          </a:p>
-          <a:p>
-            <a:pPr fontAlgn="ctr"/>
-            <a:r>
-              <a:rPr lang="en-US" dirty="0"/>
-              <a:t>Experiments run</a:t>
-            </a:r>
-          </a:p>
-          <a:p>
-            <a:pPr fontAlgn="ctr"/>
-            <a:r>
-              <a:rPr lang="en-US" dirty="0"/>
-              <a:t>Results</a:t>
-            </a:r>
-          </a:p>
-          <a:p>
-            <a:pPr fontAlgn="ctr"/>
-            <a:r>
-              <a:rPr lang="en-US" dirty="0"/>
-              <a:t>Any strategy shifts (measure or experiments) for next week. Can be a discussion, depending on audience.</a:t>
-            </a:r>
-          </a:p>
-          <a:p>
+          <a:bodyPr/>
+          <a:lstStyle/>
+          <a:p>
+            <a:r>
+              <a:rPr lang="en-US" dirty="0"/>
+              <a:t>Yes: mentor</a:t>
+            </a:r>
+          </a:p>
+          <a:p>
+            <a:r>
+              <a:rPr lang="en-US" dirty="0"/>
+              <a:t>Yes: challenge</a:t>
+            </a:r>
+          </a:p>
+          <a:p>
+            <a:r>
+              <a:rPr lang="en-US" dirty="0"/>
+              <a:t>No: strategize</a:t>
+            </a:r>
+          </a:p>
+          <a:p>
+            <a:r>
+              <a:rPr lang="en-US" dirty="0"/>
+              <a:t>Yes: assess their ability to strategize</a:t>
+            </a:r>
+          </a:p>
+          <a:p>
+            <a:r>
+              <a:rPr lang="en-US" dirty="0"/>
+              <a:t>No: assess their strategy</a:t>
+            </a:r>
+          </a:p>
+          <a:p>
+            <a:pPr marL="0" indent="0">
+              <a:buNone/>
+            </a:pPr>
             <a:endParaRPr lang="en-US" dirty="0"/>
           </a:p>
         </p:txBody>
@@ -5294,7 +7245,7 @@
     </p:spTree>
     <p:extLst>
       <p:ext uri="{BB962C8B-B14F-4D97-AF65-F5344CB8AC3E}">
-        <p14:creationId xmlns:p14="http://schemas.microsoft.com/office/powerpoint/2010/main" val="3392446610"/>
+        <p14:creationId xmlns:p14="http://schemas.microsoft.com/office/powerpoint/2010/main" val="3357114051"/>
       </p:ext>
     </p:extLst>
   </p:cSld>
@@ -5326,7 +7277,7 @@
           <p:cNvPr id="2" name="Title 1">
             <a:extLst>
               <a:ext uri="{FF2B5EF4-FFF2-40B4-BE49-F238E27FC236}">
-                <a16:creationId xmlns:a16="http://schemas.microsoft.com/office/drawing/2014/main" id="{38306321-0CEB-42B3-9215-7CA26CE102C0}"/>
+                <a16:creationId xmlns:a16="http://schemas.microsoft.com/office/drawing/2014/main" id="{33FAB5BF-B363-4356-996B-0D484693D0DF}"/>
               </a:ext>
             </a:extLst>
           </p:cNvPr>
@@ -5344,7 +7295,7 @@
           <a:p>
             <a:r>
               <a:rPr lang="en-US" dirty="0"/>
-              <a:t>Showing Improvement – Example</a:t>
+              <a:t>Team stance</a:t>
             </a:r>
           </a:p>
         </p:txBody>
@@ -5354,7 +7305,7 @@
           <p:cNvPr id="3" name="Content Placeholder 2">
             <a:extLst>
               <a:ext uri="{FF2B5EF4-FFF2-40B4-BE49-F238E27FC236}">
-                <a16:creationId xmlns:a16="http://schemas.microsoft.com/office/drawing/2014/main" id="{A10D164D-5EBE-4C4F-B04C-877AD93FEBB2}"/>
+                <a16:creationId xmlns:a16="http://schemas.microsoft.com/office/drawing/2014/main" id="{16C7E745-13A2-4F9F-BF27-DAE4DDDFF7CE}"/>
               </a:ext>
             </a:extLst>
           </p:cNvPr>
@@ -5370,14 +7321,41 @@
           <a:bodyPr/>
           <a:lstStyle/>
           <a:p>
-            <a:endParaRPr lang="en-US"/>
+            <a:r>
+              <a:rPr lang="en-US" dirty="0"/>
+              <a:t>Yes: present strategy &amp; delta from last time</a:t>
+            </a:r>
+          </a:p>
+          <a:p>
+            <a:r>
+              <a:rPr lang="en-US" dirty="0"/>
+              <a:t>Yes: present why made changes  / what you learned</a:t>
+            </a:r>
+          </a:p>
+          <a:p>
+            <a:r>
+              <a:rPr lang="en-US" dirty="0"/>
+              <a:t>Yes: ask for resources you need</a:t>
+            </a:r>
+          </a:p>
+          <a:p>
+            <a:r>
+              <a:rPr lang="en-US" dirty="0"/>
+              <a:t>No: ask leader what you should do</a:t>
+            </a:r>
+          </a:p>
+          <a:p>
+            <a:pPr marL="0" indent="0">
+              <a:buNone/>
+            </a:pPr>
+            <a:endParaRPr lang="en-US" dirty="0"/>
           </a:p>
         </p:txBody>
       </p:sp>
     </p:spTree>
     <p:extLst>
       <p:ext uri="{BB962C8B-B14F-4D97-AF65-F5344CB8AC3E}">
-        <p14:creationId xmlns:p14="http://schemas.microsoft.com/office/powerpoint/2010/main" val="3201254585"/>
+        <p14:creationId xmlns:p14="http://schemas.microsoft.com/office/powerpoint/2010/main" val="3504199034"/>
       </p:ext>
     </p:extLst>
   </p:cSld>
@@ -5409,7 +7387,7 @@
           <p:cNvPr id="2" name="Title 1">
             <a:extLst>
               <a:ext uri="{FF2B5EF4-FFF2-40B4-BE49-F238E27FC236}">
-                <a16:creationId xmlns:a16="http://schemas.microsoft.com/office/drawing/2014/main" id="{4A97BB75-D033-44D1-898F-C12EAB966ACE}"/>
+                <a16:creationId xmlns:a16="http://schemas.microsoft.com/office/drawing/2014/main" id="{2B6F1FD2-1E4F-4AFA-90E8-462E1C6A94B9}"/>
               </a:ext>
             </a:extLst>
           </p:cNvPr>
@@ -5427,7 +7405,7 @@
           <a:p>
             <a:r>
               <a:rPr lang="en-US" dirty="0"/>
-              <a:t>Key Point</a:t>
+              <a:t>Leading Ownership - How</a:t>
             </a:r>
           </a:p>
         </p:txBody>
@@ -5437,7 +7415,7 @@
           <p:cNvPr id="3" name="Content Placeholder 2">
             <a:extLst>
               <a:ext uri="{FF2B5EF4-FFF2-40B4-BE49-F238E27FC236}">
-                <a16:creationId xmlns:a16="http://schemas.microsoft.com/office/drawing/2014/main" id="{F2792195-B755-4991-B70C-164CED01759B}"/>
+                <a16:creationId xmlns:a16="http://schemas.microsoft.com/office/drawing/2014/main" id="{BF74CB31-D053-4643-A45D-1515E27250AA}"/>
               </a:ext>
             </a:extLst>
           </p:cNvPr>
@@ -5450,40 +7428,42 @@
         </p:nvSpPr>
         <p:spPr/>
         <p:txBody>
-          <a:bodyPr/>
-          <a:lstStyle/>
-          <a:p>
-            <a:r>
-              <a:rPr lang="en-US" dirty="0"/>
-              <a:t>This kind of leadership requires different behavior out of </a:t>
-            </a:r>
-            <a:r>
-              <a:rPr lang="en-US" i="1" dirty="0"/>
-              <a:t>everybody</a:t>
-            </a:r>
+          <a:bodyPr>
+            <a:normAutofit/>
+          </a:bodyPr>
+          <a:lstStyle/>
+          <a:p>
+            <a:r>
+              <a:rPr lang="en-US" dirty="0"/>
+              <a:t>Set up recurring meetings where the teams </a:t>
+            </a:r>
+            <a:r>
+              <a:rPr lang="en-US" b="1" dirty="0"/>
+              <a:t>present:</a:t>
+            </a:r>
+            <a:r>
+              <a:rPr lang="en-US" dirty="0"/>
+              <a:t> 1) good measurements 2) decision making </a:t>
+            </a:r>
+          </a:p>
+          <a:p>
+            <a:pPr marL="0" indent="0">
+              <a:buNone/>
+            </a:pPr>
             <a:endParaRPr lang="en-US" dirty="0"/>
           </a:p>
           <a:p>
-            <a:endParaRPr lang="en-US" dirty="0"/>
-          </a:p>
-          <a:p>
-            <a:r>
-              <a:rPr lang="en-US" dirty="0"/>
-              <a:t>But that means that it can be started by </a:t>
-            </a:r>
-            <a:r>
-              <a:rPr lang="en-US" i="1" dirty="0"/>
-              <a:t>anybody</a:t>
-            </a:r>
-            <a:endParaRPr lang="en-US" dirty="0"/>
-          </a:p>
-          <a:p>
-            <a:endParaRPr lang="en-US" dirty="0"/>
-          </a:p>
-          <a:p>
-            <a:r>
-              <a:rPr lang="en-US" dirty="0"/>
-              <a:t>Change how you participate, and you invite others to change to match</a:t>
+            <a:r>
+              <a:rPr lang="en-US" dirty="0"/>
+              <a:t>where management </a:t>
+            </a:r>
+            <a:r>
+              <a:rPr lang="en-US" b="1" dirty="0"/>
+              <a:t>reflects </a:t>
+            </a:r>
+            <a:r>
+              <a:rPr lang="en-US" dirty="0"/>
+              <a:t>1) what aspects teams own well and owns  poorly</a:t>
             </a:r>
           </a:p>
         </p:txBody>
@@ -5491,7 +7471,7 @@
     </p:spTree>
     <p:extLst>
       <p:ext uri="{BB962C8B-B14F-4D97-AF65-F5344CB8AC3E}">
-        <p14:creationId xmlns:p14="http://schemas.microsoft.com/office/powerpoint/2010/main" val="1188375446"/>
+        <p14:creationId xmlns:p14="http://schemas.microsoft.com/office/powerpoint/2010/main" val="136045751"/>
       </p:ext>
     </p:extLst>
   </p:cSld>
@@ -5523,7 +7503,7 @@
           <p:cNvPr id="2" name="Title 1">
             <a:extLst>
               <a:ext uri="{FF2B5EF4-FFF2-40B4-BE49-F238E27FC236}">
-                <a16:creationId xmlns:a16="http://schemas.microsoft.com/office/drawing/2014/main" id="{5989E088-939C-4299-832A-80F7F984EF91}"/>
+                <a16:creationId xmlns:a16="http://schemas.microsoft.com/office/drawing/2014/main" id="{2B6F1FD2-1E4F-4AFA-90E8-462E1C6A94B9}"/>
               </a:ext>
             </a:extLst>
           </p:cNvPr>
@@ -5541,7 +7521,7 @@
           <a:p>
             <a:r>
               <a:rPr lang="en-US" dirty="0"/>
-              <a:t>How to Start – Product Owner</a:t>
+              <a:t>Leading Ownership - How</a:t>
             </a:r>
           </a:p>
         </p:txBody>
@@ -5551,7 +7531,7 @@
           <p:cNvPr id="3" name="Content Placeholder 2">
             <a:extLst>
               <a:ext uri="{FF2B5EF4-FFF2-40B4-BE49-F238E27FC236}">
-                <a16:creationId xmlns:a16="http://schemas.microsoft.com/office/drawing/2014/main" id="{4055E0AF-84DD-4AF2-9348-9C9DEF78D7FA}"/>
+                <a16:creationId xmlns:a16="http://schemas.microsoft.com/office/drawing/2014/main" id="{BF74CB31-D053-4643-A45D-1515E27250AA}"/>
               </a:ext>
             </a:extLst>
           </p:cNvPr>
@@ -5564,25 +7544,82 @@
         </p:nvSpPr>
         <p:spPr/>
         <p:txBody>
-          <a:bodyPr/>
-          <a:lstStyle/>
-          <a:p>
-            <a:r>
-              <a:rPr lang="en-US" dirty="0"/>
-              <a:t>demand at demo that tech debt plan is shared.</a:t>
-            </a:r>
-          </a:p>
-          <a:p>
-            <a:r>
-              <a:rPr lang="en-US" dirty="0"/>
-              <a:t>Don't assume tech debt is unsolvable.</a:t>
+          <a:bodyPr>
+            <a:normAutofit fontScale="92500" lnSpcReduction="10000"/>
+          </a:bodyPr>
+          <a:lstStyle/>
+          <a:p>
+            <a:r>
+              <a:rPr lang="en-US" dirty="0"/>
+              <a:t>Meet weekly, for 7 min</a:t>
+            </a:r>
+          </a:p>
+          <a:p>
+            <a:r>
+              <a:rPr lang="en-US" dirty="0"/>
+              <a:t>Attendees: exec + team</a:t>
             </a:r>
           </a:p>
           <a:p>
             <a:pPr lvl="1"/>
             <a:r>
               <a:rPr lang="en-US" dirty="0"/>
-              <a:t>Accept it as a reason that X can’t happen, and then ask for a plan how they will change it so that X can happen later.</a:t>
+              <a:t>Optional: other teams that report to the exec</a:t>
+            </a:r>
+          </a:p>
+          <a:p>
+            <a:r>
+              <a:rPr lang="en-US" dirty="0"/>
+              <a:t>Agenda:</a:t>
+            </a:r>
+          </a:p>
+          <a:p>
+            <a:pPr lvl="1"/>
+            <a:r>
+              <a:rPr lang="en-US" dirty="0"/>
+              <a:t>Team: Show current data</a:t>
+            </a:r>
+          </a:p>
+          <a:p>
+            <a:pPr lvl="1"/>
+            <a:r>
+              <a:rPr lang="en-US" dirty="0"/>
+              <a:t>Team: What was learned since last time?</a:t>
+            </a:r>
+          </a:p>
+          <a:p>
+            <a:pPr lvl="1"/>
+            <a:r>
+              <a:rPr lang="en-US" dirty="0"/>
+              <a:t>Team: How did that insight change what we measure?</a:t>
+            </a:r>
+          </a:p>
+          <a:p>
+            <a:pPr lvl="1"/>
+            <a:r>
+              <a:rPr lang="en-US" dirty="0"/>
+              <a:t>Team: Any overall changes in technical strategy</a:t>
+            </a:r>
+          </a:p>
+          <a:p>
+            <a:pPr lvl="1"/>
+            <a:r>
+              <a:rPr lang="en-US" dirty="0"/>
+              <a:t>Team: Any resources we need, and on what timeline?</a:t>
+            </a:r>
+          </a:p>
+          <a:p>
+            <a:pPr lvl="1"/>
+            <a:r>
+              <a:rPr lang="en-US" dirty="0"/>
+              <a:t>Exec: ask what informed any specific decision</a:t>
+            </a:r>
+          </a:p>
+          <a:p>
+            <a:pPr lvl="1"/>
+            <a:r>
+              <a:rPr lang="en-US" dirty="0"/>
+              <a:t>Exec: observe and express examples of successful or non-successful ownership throughout presentation</a:t>
             </a:r>
           </a:p>
         </p:txBody>
@@ -5590,7 +7627,7 @@
     </p:spTree>
     <p:extLst>
       <p:ext uri="{BB962C8B-B14F-4D97-AF65-F5344CB8AC3E}">
-        <p14:creationId xmlns:p14="http://schemas.microsoft.com/office/powerpoint/2010/main" val="2258995555"/>
+        <p14:creationId xmlns:p14="http://schemas.microsoft.com/office/powerpoint/2010/main" val="1773029553"/>
       </p:ext>
     </p:extLst>
   </p:cSld>
@@ -5622,7 +7659,7 @@
           <p:cNvPr id="2" name="Title 1">
             <a:extLst>
               <a:ext uri="{FF2B5EF4-FFF2-40B4-BE49-F238E27FC236}">
-                <a16:creationId xmlns:a16="http://schemas.microsoft.com/office/drawing/2014/main" id="{BD22A665-CD40-4361-824B-F3736F7D26DE}"/>
+                <a16:creationId xmlns:a16="http://schemas.microsoft.com/office/drawing/2014/main" id="{3F84157F-01DC-4F31-AB8D-B5CC2BCAD902}"/>
               </a:ext>
             </a:extLst>
           </p:cNvPr>
@@ -5640,7 +7677,7 @@
           <a:p>
             <a:r>
               <a:rPr lang="en-US" dirty="0"/>
-              <a:t>How to Start – Team Manager / Lead</a:t>
+              <a:t>Leading Ownership – Skills Required</a:t>
             </a:r>
           </a:p>
         </p:txBody>
@@ -5650,7 +7687,7 @@
           <p:cNvPr id="3" name="Content Placeholder 2">
             <a:extLst>
               <a:ext uri="{FF2B5EF4-FFF2-40B4-BE49-F238E27FC236}">
-                <a16:creationId xmlns:a16="http://schemas.microsoft.com/office/drawing/2014/main" id="{C8842DE9-AA74-408C-9C80-737108C260BE}"/>
+                <a16:creationId xmlns:a16="http://schemas.microsoft.com/office/drawing/2014/main" id="{1FF160A8-7B70-4137-9554-9EE0321D8335}"/>
               </a:ext>
             </a:extLst>
           </p:cNvPr>
@@ -5668,19 +7705,19 @@
           <a:p>
             <a:r>
               <a:rPr lang="en-US" dirty="0"/>
-              <a:t>Designate a team IC to be a data champion (tech debt owner) and support that person.</a:t>
-            </a:r>
-          </a:p>
-          <a:p>
-            <a:r>
-              <a:rPr lang="en-US" dirty="0"/>
-              <a:t>Play the role of exec initially.</a:t>
-            </a:r>
-          </a:p>
-          <a:p>
-            <a:r>
-              <a:rPr lang="en-US" dirty="0"/>
-              <a:t>Request that your exec take over the exec role.</a:t>
+              <a:t>It just takes practice and intentional awareness</a:t>
+            </a:r>
+          </a:p>
+          <a:p>
+            <a:r>
+              <a:rPr lang="en-US" dirty="0"/>
+              <a:t>Pair split experiment (leader vs doer)</a:t>
+            </a:r>
+          </a:p>
+          <a:p>
+            <a:r>
+              <a:rPr lang="en-US" dirty="0"/>
+              <a:t>Yeah. It’s hard. I do offer workshops. /innocent/</a:t>
             </a:r>
           </a:p>
         </p:txBody>
@@ -5688,7 +7725,7 @@
     </p:spTree>
     <p:extLst>
       <p:ext uri="{BB962C8B-B14F-4D97-AF65-F5344CB8AC3E}">
-        <p14:creationId xmlns:p14="http://schemas.microsoft.com/office/powerpoint/2010/main" val="3106305619"/>
+        <p14:creationId xmlns:p14="http://schemas.microsoft.com/office/powerpoint/2010/main" val="181682941"/>
       </p:ext>
     </p:extLst>
   </p:cSld>
@@ -5839,7 +7876,7 @@
           <p:cNvPr id="2" name="Title 1">
             <a:extLst>
               <a:ext uri="{FF2B5EF4-FFF2-40B4-BE49-F238E27FC236}">
-                <a16:creationId xmlns:a16="http://schemas.microsoft.com/office/drawing/2014/main" id="{6E6372A7-F762-4400-8BAE-E0250062C2F3}"/>
+                <a16:creationId xmlns:a16="http://schemas.microsoft.com/office/drawing/2014/main" id="{E551391C-1CC2-4EF8-BE4F-53EF995F6B78}"/>
               </a:ext>
             </a:extLst>
           </p:cNvPr>
@@ -5857,7 +7894,7 @@
           <a:p>
             <a:r>
               <a:rPr lang="en-US" dirty="0"/>
-              <a:t>How to Start – Any Individual Contributor</a:t>
+              <a:t>Part 4: Assessing Ownership</a:t>
             </a:r>
           </a:p>
         </p:txBody>
@@ -5867,7 +7904,7 @@
           <p:cNvPr id="3" name="Content Placeholder 2">
             <a:extLst>
               <a:ext uri="{FF2B5EF4-FFF2-40B4-BE49-F238E27FC236}">
-                <a16:creationId xmlns:a16="http://schemas.microsoft.com/office/drawing/2014/main" id="{8C28341B-163B-44D3-B4C3-960EEE1DEB9B}"/>
+                <a16:creationId xmlns:a16="http://schemas.microsoft.com/office/drawing/2014/main" id="{80EE4438-7AFC-412A-9354-4FF64C52CF85}"/>
               </a:ext>
             </a:extLst>
           </p:cNvPr>
@@ -5883,27 +7920,27 @@
           <a:bodyPr/>
           <a:lstStyle/>
           <a:p>
-            <a:r>
-              <a:rPr lang="en-US" dirty="0"/>
-              <a:t>Get agreement from team and simply BE the tech debt data owner</a:t>
-            </a:r>
-          </a:p>
-          <a:p>
-            <a:r>
-              <a:rPr lang="en-US" dirty="0"/>
-              <a:t>Start presenting differently at demos</a:t>
-            </a:r>
-          </a:p>
-          <a:p>
-            <a:r>
-              <a:rPr lang="en-US" dirty="0"/>
-              <a:t>Define the tech debt improvements / experiments, work with the PO to get them to quality (small, understandable), and bring them to the planning game for real</a:t>
-            </a:r>
-          </a:p>
-          <a:p>
-            <a:r>
-              <a:rPr lang="en-US" dirty="0"/>
-              <a:t>Start doing Disciplined Refactoring</a:t>
+            <a:pPr marL="0" indent="0">
+              <a:buNone/>
+            </a:pPr>
+            <a:r>
+              <a:rPr lang="en-US" dirty="0"/>
+              <a:t>Finding the really clear picture of where every team is and what is possible</a:t>
+            </a:r>
+          </a:p>
+          <a:p>
+            <a:pPr marL="0" indent="0">
+              <a:buNone/>
+            </a:pPr>
+            <a:endParaRPr lang="en-US" dirty="0"/>
+          </a:p>
+          <a:p>
+            <a:pPr marL="0" indent="0">
+              <a:buNone/>
+            </a:pPr>
+            <a:r>
+              <a:rPr lang="en-US" dirty="0"/>
+              <a:t>NEW CONCEPT: a reflection of moving from accountability to ownership</a:t>
             </a:r>
           </a:p>
         </p:txBody>
@@ -5911,7 +7948,7 @@
     </p:spTree>
     <p:extLst>
       <p:ext uri="{BB962C8B-B14F-4D97-AF65-F5344CB8AC3E}">
-        <p14:creationId xmlns:p14="http://schemas.microsoft.com/office/powerpoint/2010/main" val="581897009"/>
+        <p14:creationId xmlns:p14="http://schemas.microsoft.com/office/powerpoint/2010/main" val="4043435972"/>
       </p:ext>
     </p:extLst>
   </p:cSld>
@@ -5943,7 +7980,7 @@
           <p:cNvPr id="2" name="Title 1">
             <a:extLst>
               <a:ext uri="{FF2B5EF4-FFF2-40B4-BE49-F238E27FC236}">
-                <a16:creationId xmlns:a16="http://schemas.microsoft.com/office/drawing/2014/main" id="{075352F9-37DD-46AE-98AF-0B1A3EDF4CFD}"/>
+                <a16:creationId xmlns:a16="http://schemas.microsoft.com/office/drawing/2014/main" id="{E551391C-1CC2-4EF8-BE4F-53EF995F6B78}"/>
               </a:ext>
             </a:extLst>
           </p:cNvPr>
@@ -5961,7 +7998,7 @@
           <a:p>
             <a:r>
               <a:rPr lang="en-US" dirty="0"/>
-              <a:t>How to Start – Exec</a:t>
+              <a:t>Assessing Ownership - How</a:t>
             </a:r>
           </a:p>
         </p:txBody>
@@ -5971,7 +8008,7 @@
           <p:cNvPr id="3" name="Content Placeholder 2">
             <a:extLst>
               <a:ext uri="{FF2B5EF4-FFF2-40B4-BE49-F238E27FC236}">
-                <a16:creationId xmlns:a16="http://schemas.microsoft.com/office/drawing/2014/main" id="{6FE0B3F5-501C-43F0-AE21-0B0E13B8F048}"/>
+                <a16:creationId xmlns:a16="http://schemas.microsoft.com/office/drawing/2014/main" id="{80EE4438-7AFC-412A-9354-4FF64C52CF85}"/>
               </a:ext>
             </a:extLst>
           </p:cNvPr>
@@ -5989,42 +8026,42 @@
           <a:p>
             <a:r>
               <a:rPr lang="en-US" dirty="0"/>
-              <a:t>Understand Accountability cycle &amp; Ownership cycle. Present it (frequently) to the team.</a:t>
-            </a:r>
-          </a:p>
-          <a:p>
-            <a:r>
-              <a:rPr lang="en-US" dirty="0"/>
-              <a:t>Start the tech debt ownership-</a:t>
-            </a:r>
-            <a:r>
-              <a:rPr lang="en-US" dirty="0" err="1"/>
-              <a:t>spectives</a:t>
-            </a:r>
-            <a:r>
-              <a:rPr lang="en-US" dirty="0"/>
-              <a:t> and assume the proper leadership stances</a:t>
-            </a:r>
-          </a:p>
-          <a:p>
-            <a:r>
-              <a:rPr lang="en-US" dirty="0"/>
-              <a:t>Start looking for places where you are supporting accountability, and ask what you could do instead to support ownership.</a:t>
-            </a:r>
-          </a:p>
-          <a:p>
-            <a:pPr lvl="1"/>
-            <a:r>
-              <a:rPr lang="en-US" dirty="0"/>
-              <a:t>Yes, you can literally ask the team</a:t>
-            </a:r>
+              <a:t>Purpose: Leader needs to answer key questions to ensure teams run well.</a:t>
+            </a:r>
+          </a:p>
+          <a:p>
+            <a:endParaRPr lang="en-US" dirty="0"/>
+          </a:p>
+          <a:p>
+            <a:pPr fontAlgn="ctr"/>
+            <a:r>
+              <a:rPr lang="en-US" dirty="0"/>
+              <a:t>Which teams need my help? Which teams should be left alone?</a:t>
+            </a:r>
+          </a:p>
+          <a:p>
+            <a:pPr fontAlgn="ctr"/>
+            <a:r>
+              <a:rPr lang="en-US" dirty="0"/>
+              <a:t>What kind of help do teams need in order to think strategically with data?</a:t>
+            </a:r>
+          </a:p>
+          <a:p>
+            <a:pPr fontAlgn="ctr"/>
+            <a:r>
+              <a:rPr lang="en-US" dirty="0"/>
+              <a:t>Which teams need help with owning their strategy?</a:t>
+            </a:r>
+          </a:p>
+          <a:p>
+            <a:endParaRPr lang="en-US" dirty="0"/>
           </a:p>
         </p:txBody>
       </p:sp>
     </p:spTree>
     <p:extLst>
       <p:ext uri="{BB962C8B-B14F-4D97-AF65-F5344CB8AC3E}">
-        <p14:creationId xmlns:p14="http://schemas.microsoft.com/office/powerpoint/2010/main" val="398383171"/>
+        <p14:creationId xmlns:p14="http://schemas.microsoft.com/office/powerpoint/2010/main" val="463423041"/>
       </p:ext>
     </p:extLst>
   </p:cSld>
@@ -6056,7 +8093,7 @@
           <p:cNvPr id="2" name="Title 1">
             <a:extLst>
               <a:ext uri="{FF2B5EF4-FFF2-40B4-BE49-F238E27FC236}">
-                <a16:creationId xmlns:a16="http://schemas.microsoft.com/office/drawing/2014/main" id="{A0EC34DA-BD91-4F22-B504-9DD2C43EA444}"/>
+                <a16:creationId xmlns:a16="http://schemas.microsoft.com/office/drawing/2014/main" id="{AD2A89E4-0A49-429F-9870-6F8360729D86}"/>
               </a:ext>
             </a:extLst>
           </p:cNvPr>
@@ -6074,7 +8111,7 @@
           <a:p>
             <a:r>
               <a:rPr lang="en-US" dirty="0"/>
-              <a:t>The Choice is Yours; the Reward is Simple</a:t>
+              <a:t>Assessing Ownership – Core Metrics</a:t>
             </a:r>
           </a:p>
         </p:txBody>
@@ -6084,7 +8121,7 @@
           <p:cNvPr id="3" name="Content Placeholder 2">
             <a:extLst>
               <a:ext uri="{FF2B5EF4-FFF2-40B4-BE49-F238E27FC236}">
-                <a16:creationId xmlns:a16="http://schemas.microsoft.com/office/drawing/2014/main" id="{8E2CF082-CA50-4A09-A9AF-F0C881CFD917}"/>
+                <a16:creationId xmlns:a16="http://schemas.microsoft.com/office/drawing/2014/main" id="{85033FEA-65CE-4248-98D0-B68FED2D0689}"/>
               </a:ext>
             </a:extLst>
           </p:cNvPr>
@@ -6097,28 +8134,818 @@
         </p:nvSpPr>
         <p:spPr/>
         <p:txBody>
-          <a:bodyPr/>
-          <a:lstStyle/>
-          <a:p>
-            <a:r>
-              <a:rPr lang="en-US" dirty="0"/>
-              <a:t>You get to start fixing technical debt and feel supported in doing so …. </a:t>
-            </a:r>
-            <a:r>
-              <a:rPr lang="en-US" i="1" dirty="0"/>
-              <a:t>Tomorrow</a:t>
-            </a:r>
-            <a:r>
-              <a:rPr lang="en-US" dirty="0"/>
-              <a:t>.</a:t>
-            </a:r>
+          <a:bodyPr>
+            <a:normAutofit/>
+          </a:bodyPr>
+          <a:lstStyle/>
+          <a:p>
+            <a:endParaRPr lang="en-US" dirty="0"/>
+          </a:p>
+          <a:p>
+            <a:r>
+              <a:rPr lang="en-US" dirty="0"/>
+              <a:t>Experiment Completion Rate</a:t>
+            </a:r>
+          </a:p>
+          <a:p>
+            <a:pPr lvl="1"/>
+            <a:r>
+              <a:rPr lang="en-US" dirty="0"/>
+              <a:t>Equal to Improvement Completion rate</a:t>
+            </a:r>
+          </a:p>
+          <a:p>
+            <a:pPr lvl="1"/>
+            <a:r>
+              <a:rPr lang="en-US" dirty="0"/>
+              <a:t>95% or more</a:t>
+            </a:r>
+          </a:p>
+          <a:p>
+            <a:r>
+              <a:rPr lang="en-US" dirty="0"/>
+              <a:t>Experiment Disprove Rate</a:t>
+            </a:r>
+          </a:p>
+          <a:p>
+            <a:pPr lvl="1"/>
+            <a:r>
+              <a:rPr lang="en-US" dirty="0"/>
+              <a:t>50%-</a:t>
+            </a:r>
+            <a:r>
+              <a:rPr lang="en-US" dirty="0" err="1"/>
+              <a:t>ish</a:t>
+            </a:r>
+            <a:endParaRPr lang="en-US" dirty="0"/>
+          </a:p>
+          <a:p>
+            <a:r>
+              <a:rPr lang="en-US" dirty="0"/>
+              <a:t>Improvement Disprove Rate</a:t>
+            </a:r>
+          </a:p>
+          <a:p>
+            <a:pPr lvl="1"/>
+            <a:r>
+              <a:rPr lang="en-US" dirty="0"/>
+              <a:t>5%-</a:t>
+            </a:r>
+            <a:r>
+              <a:rPr lang="en-US" dirty="0" err="1"/>
+              <a:t>ish</a:t>
+            </a:r>
+            <a:endParaRPr lang="en-US" dirty="0"/>
           </a:p>
         </p:txBody>
       </p:sp>
     </p:spTree>
     <p:extLst>
       <p:ext uri="{BB962C8B-B14F-4D97-AF65-F5344CB8AC3E}">
-        <p14:creationId xmlns:p14="http://schemas.microsoft.com/office/powerpoint/2010/main" val="2666848076"/>
+        <p14:creationId xmlns:p14="http://schemas.microsoft.com/office/powerpoint/2010/main" val="1972035238"/>
+      </p:ext>
+    </p:extLst>
+  </p:cSld>
+  <p:clrMapOvr>
+    <a:masterClrMapping/>
+  </p:clrMapOvr>
+</p:sld>
+</file>
+
+<file path=ppt/slides/slide33.xml><?xml version="1.0" encoding="utf-8"?>
+<p:sld xmlns:a="http://schemas.openxmlformats.org/drawingml/2006/main" xmlns:r="http://schemas.openxmlformats.org/officeDocument/2006/relationships" xmlns:p="http://schemas.openxmlformats.org/presentationml/2006/main">
+  <p:cSld>
+    <p:spTree>
+      <p:nvGrpSpPr>
+        <p:cNvPr id="1" name=""/>
+        <p:cNvGrpSpPr/>
+        <p:nvPr/>
+      </p:nvGrpSpPr>
+      <p:grpSpPr>
+        <a:xfrm>
+          <a:off x="0" y="0"/>
+          <a:ext cx="0" cy="0"/>
+          <a:chOff x="0" y="0"/>
+          <a:chExt cx="0" cy="0"/>
+        </a:xfrm>
+      </p:grpSpPr>
+      <p:sp>
+        <p:nvSpPr>
+          <p:cNvPr id="2" name="Title 1">
+            <a:extLst>
+              <a:ext uri="{FF2B5EF4-FFF2-40B4-BE49-F238E27FC236}">
+                <a16:creationId xmlns:a16="http://schemas.microsoft.com/office/drawing/2014/main" id="{A78BEB9D-45E3-4637-8777-32B043BB4F13}"/>
+              </a:ext>
+            </a:extLst>
+          </p:cNvPr>
+          <p:cNvSpPr>
+            <a:spLocks noGrp="1"/>
+          </p:cNvSpPr>
+          <p:nvPr>
+            <p:ph type="title"/>
+          </p:nvPr>
+        </p:nvSpPr>
+        <p:spPr/>
+        <p:txBody>
+          <a:bodyPr/>
+          <a:lstStyle/>
+          <a:p>
+            <a:r>
+              <a:rPr lang="en-US" dirty="0"/>
+              <a:t>Assessing Ownership - Example</a:t>
+            </a:r>
+          </a:p>
+        </p:txBody>
+      </p:sp>
+      <p:sp>
+        <p:nvSpPr>
+          <p:cNvPr id="3" name="Content Placeholder 2">
+            <a:extLst>
+              <a:ext uri="{FF2B5EF4-FFF2-40B4-BE49-F238E27FC236}">
+                <a16:creationId xmlns:a16="http://schemas.microsoft.com/office/drawing/2014/main" id="{AB5759EA-D663-4630-A8DB-8A6DF8F01973}"/>
+              </a:ext>
+            </a:extLst>
+          </p:cNvPr>
+          <p:cNvSpPr>
+            <a:spLocks noGrp="1"/>
+          </p:cNvSpPr>
+          <p:nvPr>
+            <p:ph idx="1"/>
+          </p:nvPr>
+        </p:nvSpPr>
+        <p:spPr/>
+        <p:txBody>
+          <a:bodyPr/>
+          <a:lstStyle/>
+          <a:p>
+            <a:r>
+              <a:rPr lang="en-US" dirty="0"/>
+              <a:t>{graph: Which teams need what}</a:t>
+            </a:r>
+          </a:p>
+        </p:txBody>
+      </p:sp>
+    </p:spTree>
+    <p:extLst>
+      <p:ext uri="{BB962C8B-B14F-4D97-AF65-F5344CB8AC3E}">
+        <p14:creationId xmlns:p14="http://schemas.microsoft.com/office/powerpoint/2010/main" val="3280685921"/>
+      </p:ext>
+    </p:extLst>
+  </p:cSld>
+  <p:clrMapOvr>
+    <a:masterClrMapping/>
+  </p:clrMapOvr>
+</p:sld>
+</file>
+
+<file path=ppt/slides/slide34.xml><?xml version="1.0" encoding="utf-8"?>
+<p:sld xmlns:a="http://schemas.openxmlformats.org/drawingml/2006/main" xmlns:r="http://schemas.openxmlformats.org/officeDocument/2006/relationships" xmlns:p="http://schemas.openxmlformats.org/presentationml/2006/main">
+  <p:cSld>
+    <p:spTree>
+      <p:nvGrpSpPr>
+        <p:cNvPr id="1" name=""/>
+        <p:cNvGrpSpPr/>
+        <p:nvPr/>
+      </p:nvGrpSpPr>
+      <p:grpSpPr>
+        <a:xfrm>
+          <a:off x="0" y="0"/>
+          <a:ext cx="0" cy="0"/>
+          <a:chOff x="0" y="0"/>
+          <a:chExt cx="0" cy="0"/>
+        </a:xfrm>
+      </p:grpSpPr>
+      <p:sp>
+        <p:nvSpPr>
+          <p:cNvPr id="2" name="Title 1">
+            <a:extLst>
+              <a:ext uri="{FF2B5EF4-FFF2-40B4-BE49-F238E27FC236}">
+                <a16:creationId xmlns:a16="http://schemas.microsoft.com/office/drawing/2014/main" id="{77F4796B-D056-46FD-B537-8DD09AED8A54}"/>
+              </a:ext>
+            </a:extLst>
+          </p:cNvPr>
+          <p:cNvSpPr>
+            <a:spLocks noGrp="1"/>
+          </p:cNvSpPr>
+          <p:nvPr>
+            <p:ph type="title"/>
+          </p:nvPr>
+        </p:nvSpPr>
+        <p:spPr/>
+        <p:txBody>
+          <a:bodyPr/>
+          <a:lstStyle/>
+          <a:p>
+            <a:r>
+              <a:rPr lang="en-US" dirty="0"/>
+              <a:t>Part 5: Showing Improvement</a:t>
+            </a:r>
+          </a:p>
+        </p:txBody>
+      </p:sp>
+      <p:sp>
+        <p:nvSpPr>
+          <p:cNvPr id="3" name="Content Placeholder 2">
+            <a:extLst>
+              <a:ext uri="{FF2B5EF4-FFF2-40B4-BE49-F238E27FC236}">
+                <a16:creationId xmlns:a16="http://schemas.microsoft.com/office/drawing/2014/main" id="{6F4466A7-6EE0-40E8-88B3-5111741A7441}"/>
+              </a:ext>
+            </a:extLst>
+          </p:cNvPr>
+          <p:cNvSpPr>
+            <a:spLocks noGrp="1"/>
+          </p:cNvSpPr>
+          <p:nvPr>
+            <p:ph idx="1"/>
+          </p:nvPr>
+        </p:nvSpPr>
+        <p:spPr/>
+        <p:txBody>
+          <a:bodyPr>
+            <a:normAutofit/>
+          </a:bodyPr>
+          <a:lstStyle/>
+          <a:p>
+            <a:pPr marL="0" indent="0">
+              <a:buNone/>
+            </a:pPr>
+            <a:r>
+              <a:rPr lang="en-US" dirty="0"/>
+              <a:t>Demo turns into product </a:t>
+            </a:r>
+            <a:r>
+              <a:rPr lang="en-US" b="1" dirty="0"/>
+              <a:t>and</a:t>
+            </a:r>
+            <a:r>
+              <a:rPr lang="en-US" dirty="0"/>
+              <a:t> improvement demo</a:t>
+            </a:r>
+          </a:p>
+          <a:p>
+            <a:pPr marL="0" indent="0">
+              <a:buNone/>
+            </a:pPr>
+            <a:endParaRPr lang="en-US" dirty="0"/>
+          </a:p>
+          <a:p>
+            <a:pPr marL="0" indent="0">
+              <a:buNone/>
+            </a:pPr>
+            <a:r>
+              <a:rPr lang="en-US" dirty="0"/>
+              <a:t>Audience: team + customers</a:t>
+            </a:r>
+          </a:p>
+          <a:p>
+            <a:pPr marL="0" indent="0">
+              <a:buNone/>
+            </a:pPr>
+            <a:endParaRPr lang="en-US" dirty="0"/>
+          </a:p>
+          <a:p>
+            <a:pPr marL="0" indent="0">
+              <a:buNone/>
+            </a:pPr>
+            <a:r>
+              <a:rPr lang="en-US" dirty="0"/>
+              <a:t>NEW CONCEPT: experiment versus improvement</a:t>
+            </a:r>
+          </a:p>
+        </p:txBody>
+      </p:sp>
+    </p:spTree>
+    <p:extLst>
+      <p:ext uri="{BB962C8B-B14F-4D97-AF65-F5344CB8AC3E}">
+        <p14:creationId xmlns:p14="http://schemas.microsoft.com/office/powerpoint/2010/main" val="4186555958"/>
+      </p:ext>
+    </p:extLst>
+  </p:cSld>
+  <p:clrMapOvr>
+    <a:masterClrMapping/>
+  </p:clrMapOvr>
+</p:sld>
+</file>
+
+<file path=ppt/slides/slide35.xml><?xml version="1.0" encoding="utf-8"?>
+<p:sld xmlns:a="http://schemas.openxmlformats.org/drawingml/2006/main" xmlns:r="http://schemas.openxmlformats.org/officeDocument/2006/relationships" xmlns:p="http://schemas.openxmlformats.org/presentationml/2006/main">
+  <p:cSld>
+    <p:spTree>
+      <p:nvGrpSpPr>
+        <p:cNvPr id="1" name=""/>
+        <p:cNvGrpSpPr/>
+        <p:nvPr/>
+      </p:nvGrpSpPr>
+      <p:grpSpPr>
+        <a:xfrm>
+          <a:off x="0" y="0"/>
+          <a:ext cx="0" cy="0"/>
+          <a:chOff x="0" y="0"/>
+          <a:chExt cx="0" cy="0"/>
+        </a:xfrm>
+      </p:grpSpPr>
+      <p:sp>
+        <p:nvSpPr>
+          <p:cNvPr id="2" name="Title 1">
+            <a:extLst>
+              <a:ext uri="{FF2B5EF4-FFF2-40B4-BE49-F238E27FC236}">
+                <a16:creationId xmlns:a16="http://schemas.microsoft.com/office/drawing/2014/main" id="{77F4796B-D056-46FD-B537-8DD09AED8A54}"/>
+              </a:ext>
+            </a:extLst>
+          </p:cNvPr>
+          <p:cNvSpPr>
+            <a:spLocks noGrp="1"/>
+          </p:cNvSpPr>
+          <p:nvPr>
+            <p:ph type="title"/>
+          </p:nvPr>
+        </p:nvSpPr>
+        <p:spPr/>
+        <p:txBody>
+          <a:bodyPr/>
+          <a:lstStyle/>
+          <a:p>
+            <a:r>
+              <a:rPr lang="en-US" dirty="0"/>
+              <a:t>Showing Improvement - How</a:t>
+            </a:r>
+          </a:p>
+        </p:txBody>
+      </p:sp>
+      <p:sp>
+        <p:nvSpPr>
+          <p:cNvPr id="3" name="Content Placeholder 2">
+            <a:extLst>
+              <a:ext uri="{FF2B5EF4-FFF2-40B4-BE49-F238E27FC236}">
+                <a16:creationId xmlns:a16="http://schemas.microsoft.com/office/drawing/2014/main" id="{6F4466A7-6EE0-40E8-88B3-5111741A7441}"/>
+              </a:ext>
+            </a:extLst>
+          </p:cNvPr>
+          <p:cNvSpPr>
+            <a:spLocks noGrp="1"/>
+          </p:cNvSpPr>
+          <p:nvPr>
+            <p:ph idx="1"/>
+          </p:nvPr>
+        </p:nvSpPr>
+        <p:spPr/>
+        <p:txBody>
+          <a:bodyPr>
+            <a:normAutofit fontScale="92500" lnSpcReduction="10000"/>
+          </a:bodyPr>
+          <a:lstStyle/>
+          <a:p>
+            <a:pPr marL="0" indent="0">
+              <a:buNone/>
+            </a:pPr>
+            <a:r>
+              <a:rPr lang="en-US" dirty="0"/>
+              <a:t>At demo, to customers</a:t>
+            </a:r>
+          </a:p>
+          <a:p>
+            <a:endParaRPr lang="en-US" dirty="0"/>
+          </a:p>
+          <a:p>
+            <a:pPr marL="0" indent="0">
+              <a:buNone/>
+            </a:pPr>
+            <a:r>
+              <a:rPr lang="en-US" dirty="0"/>
+              <a:t>Show the measures and how they shifted, presenting the specific experiments you ran for this team and this sprint</a:t>
+            </a:r>
+          </a:p>
+          <a:p>
+            <a:endParaRPr lang="en-US" dirty="0"/>
+          </a:p>
+          <a:p>
+            <a:pPr marL="514350" indent="-514350" fontAlgn="ctr">
+              <a:buFont typeface="+mj-lt"/>
+              <a:buAutoNum type="arabicPeriod"/>
+            </a:pPr>
+            <a:r>
+              <a:rPr lang="en-US" dirty="0"/>
+              <a:t>Target measure</a:t>
+            </a:r>
+          </a:p>
+          <a:p>
+            <a:pPr marL="514350" indent="-514350" fontAlgn="ctr">
+              <a:buFont typeface="+mj-lt"/>
+              <a:buAutoNum type="arabicPeriod"/>
+            </a:pPr>
+            <a:r>
+              <a:rPr lang="en-US" dirty="0"/>
+              <a:t>Experiments run</a:t>
+            </a:r>
+          </a:p>
+          <a:p>
+            <a:pPr marL="514350" indent="-514350" fontAlgn="ctr">
+              <a:buFont typeface="+mj-lt"/>
+              <a:buAutoNum type="arabicPeriod"/>
+            </a:pPr>
+            <a:r>
+              <a:rPr lang="en-US" dirty="0"/>
+              <a:t>Results</a:t>
+            </a:r>
+          </a:p>
+          <a:p>
+            <a:pPr marL="514350" indent="-514350" fontAlgn="ctr">
+              <a:buFont typeface="+mj-lt"/>
+              <a:buAutoNum type="arabicPeriod"/>
+            </a:pPr>
+            <a:r>
+              <a:rPr lang="en-US" dirty="0"/>
+              <a:t>Any strategy shifts (measure or experiments) for next week. Can be a discussion, depending on audience.</a:t>
+            </a:r>
+          </a:p>
+          <a:p>
+            <a:endParaRPr lang="en-US" dirty="0"/>
+          </a:p>
+        </p:txBody>
+      </p:sp>
+    </p:spTree>
+    <p:extLst>
+      <p:ext uri="{BB962C8B-B14F-4D97-AF65-F5344CB8AC3E}">
+        <p14:creationId xmlns:p14="http://schemas.microsoft.com/office/powerpoint/2010/main" val="3392446610"/>
+      </p:ext>
+    </p:extLst>
+  </p:cSld>
+  <p:clrMapOvr>
+    <a:masterClrMapping/>
+  </p:clrMapOvr>
+</p:sld>
+</file>
+
+<file path=ppt/slides/slide36.xml><?xml version="1.0" encoding="utf-8"?>
+<p:sld xmlns:a="http://schemas.openxmlformats.org/drawingml/2006/main" xmlns:r="http://schemas.openxmlformats.org/officeDocument/2006/relationships" xmlns:p="http://schemas.openxmlformats.org/presentationml/2006/main">
+  <p:cSld>
+    <p:spTree>
+      <p:nvGrpSpPr>
+        <p:cNvPr id="1" name=""/>
+        <p:cNvGrpSpPr/>
+        <p:nvPr/>
+      </p:nvGrpSpPr>
+      <p:grpSpPr>
+        <a:xfrm>
+          <a:off x="0" y="0"/>
+          <a:ext cx="0" cy="0"/>
+          <a:chOff x="0" y="0"/>
+          <a:chExt cx="0" cy="0"/>
+        </a:xfrm>
+      </p:grpSpPr>
+      <p:sp>
+        <p:nvSpPr>
+          <p:cNvPr id="2" name="Title 1">
+            <a:extLst>
+              <a:ext uri="{FF2B5EF4-FFF2-40B4-BE49-F238E27FC236}">
+                <a16:creationId xmlns:a16="http://schemas.microsoft.com/office/drawing/2014/main" id="{38306321-0CEB-42B3-9215-7CA26CE102C0}"/>
+              </a:ext>
+            </a:extLst>
+          </p:cNvPr>
+          <p:cNvSpPr>
+            <a:spLocks noGrp="1"/>
+          </p:cNvSpPr>
+          <p:nvPr>
+            <p:ph type="title"/>
+          </p:nvPr>
+        </p:nvSpPr>
+        <p:spPr/>
+        <p:txBody>
+          <a:bodyPr/>
+          <a:lstStyle/>
+          <a:p>
+            <a:r>
+              <a:rPr lang="en-US" dirty="0"/>
+              <a:t>Showing Improvement – Example</a:t>
+            </a:r>
+          </a:p>
+        </p:txBody>
+      </p:sp>
+      <p:sp>
+        <p:nvSpPr>
+          <p:cNvPr id="3" name="Content Placeholder 2">
+            <a:extLst>
+              <a:ext uri="{FF2B5EF4-FFF2-40B4-BE49-F238E27FC236}">
+                <a16:creationId xmlns:a16="http://schemas.microsoft.com/office/drawing/2014/main" id="{A10D164D-5EBE-4C4F-B04C-877AD93FEBB2}"/>
+              </a:ext>
+            </a:extLst>
+          </p:cNvPr>
+          <p:cNvSpPr>
+            <a:spLocks noGrp="1"/>
+          </p:cNvSpPr>
+          <p:nvPr>
+            <p:ph idx="1"/>
+          </p:nvPr>
+        </p:nvSpPr>
+        <p:spPr/>
+        <p:txBody>
+          <a:bodyPr/>
+          <a:lstStyle/>
+          <a:p>
+            <a:endParaRPr lang="en-US"/>
+          </a:p>
+        </p:txBody>
+      </p:sp>
+    </p:spTree>
+    <p:extLst>
+      <p:ext uri="{BB962C8B-B14F-4D97-AF65-F5344CB8AC3E}">
+        <p14:creationId xmlns:p14="http://schemas.microsoft.com/office/powerpoint/2010/main" val="3201254585"/>
+      </p:ext>
+    </p:extLst>
+  </p:cSld>
+  <p:clrMapOvr>
+    <a:masterClrMapping/>
+  </p:clrMapOvr>
+</p:sld>
+</file>
+
+<file path=ppt/slides/slide37.xml><?xml version="1.0" encoding="utf-8"?>
+<p:sld xmlns:a="http://schemas.openxmlformats.org/drawingml/2006/main" xmlns:r="http://schemas.openxmlformats.org/officeDocument/2006/relationships" xmlns:p="http://schemas.openxmlformats.org/presentationml/2006/main">
+  <p:cSld>
+    <p:spTree>
+      <p:nvGrpSpPr>
+        <p:cNvPr id="1" name=""/>
+        <p:cNvGrpSpPr/>
+        <p:nvPr/>
+      </p:nvGrpSpPr>
+      <p:grpSpPr>
+        <a:xfrm>
+          <a:off x="0" y="0"/>
+          <a:ext cx="0" cy="0"/>
+          <a:chOff x="0" y="0"/>
+          <a:chExt cx="0" cy="0"/>
+        </a:xfrm>
+      </p:grpSpPr>
+      <p:sp>
+        <p:nvSpPr>
+          <p:cNvPr id="2" name="Title 1">
+            <a:extLst>
+              <a:ext uri="{FF2B5EF4-FFF2-40B4-BE49-F238E27FC236}">
+                <a16:creationId xmlns:a16="http://schemas.microsoft.com/office/drawing/2014/main" id="{4A97BB75-D033-44D1-898F-C12EAB966ACE}"/>
+              </a:ext>
+            </a:extLst>
+          </p:cNvPr>
+          <p:cNvSpPr>
+            <a:spLocks noGrp="1"/>
+          </p:cNvSpPr>
+          <p:nvPr>
+            <p:ph type="title"/>
+          </p:nvPr>
+        </p:nvSpPr>
+        <p:spPr/>
+        <p:txBody>
+          <a:bodyPr/>
+          <a:lstStyle/>
+          <a:p>
+            <a:r>
+              <a:rPr lang="en-US" dirty="0"/>
+              <a:t>Key Point</a:t>
+            </a:r>
+          </a:p>
+        </p:txBody>
+      </p:sp>
+      <p:sp>
+        <p:nvSpPr>
+          <p:cNvPr id="3" name="Content Placeholder 2">
+            <a:extLst>
+              <a:ext uri="{FF2B5EF4-FFF2-40B4-BE49-F238E27FC236}">
+                <a16:creationId xmlns:a16="http://schemas.microsoft.com/office/drawing/2014/main" id="{F2792195-B755-4991-B70C-164CED01759B}"/>
+              </a:ext>
+            </a:extLst>
+          </p:cNvPr>
+          <p:cNvSpPr>
+            <a:spLocks noGrp="1"/>
+          </p:cNvSpPr>
+          <p:nvPr>
+            <p:ph idx="1"/>
+          </p:nvPr>
+        </p:nvSpPr>
+        <p:spPr/>
+        <p:txBody>
+          <a:bodyPr/>
+          <a:lstStyle/>
+          <a:p>
+            <a:r>
+              <a:rPr lang="en-US" dirty="0"/>
+              <a:t>This kind of leadership requires different behavior out of </a:t>
+            </a:r>
+            <a:r>
+              <a:rPr lang="en-US" i="1" dirty="0"/>
+              <a:t>everybody</a:t>
+            </a:r>
+            <a:endParaRPr lang="en-US" dirty="0"/>
+          </a:p>
+          <a:p>
+            <a:endParaRPr lang="en-US" dirty="0"/>
+          </a:p>
+          <a:p>
+            <a:r>
+              <a:rPr lang="en-US" dirty="0"/>
+              <a:t>But that means that it can be started by </a:t>
+            </a:r>
+            <a:r>
+              <a:rPr lang="en-US" i="1" dirty="0"/>
+              <a:t>anybody</a:t>
+            </a:r>
+            <a:endParaRPr lang="en-US" dirty="0"/>
+          </a:p>
+          <a:p>
+            <a:pPr marL="0" indent="0">
+              <a:buNone/>
+            </a:pPr>
+            <a:endParaRPr lang="en-US" dirty="0"/>
+          </a:p>
+        </p:txBody>
+      </p:sp>
+    </p:spTree>
+    <p:extLst>
+      <p:ext uri="{BB962C8B-B14F-4D97-AF65-F5344CB8AC3E}">
+        <p14:creationId xmlns:p14="http://schemas.microsoft.com/office/powerpoint/2010/main" val="1188375446"/>
+      </p:ext>
+    </p:extLst>
+  </p:cSld>
+  <p:clrMapOvr>
+    <a:masterClrMapping/>
+  </p:clrMapOvr>
+</p:sld>
+</file>
+
+<file path=ppt/slides/slide38.xml><?xml version="1.0" encoding="utf-8"?>
+<p:sld xmlns:a="http://schemas.openxmlformats.org/drawingml/2006/main" xmlns:r="http://schemas.openxmlformats.org/officeDocument/2006/relationships" xmlns:p="http://schemas.openxmlformats.org/presentationml/2006/main">
+  <p:cSld>
+    <p:spTree>
+      <p:nvGrpSpPr>
+        <p:cNvPr id="1" name=""/>
+        <p:cNvGrpSpPr/>
+        <p:nvPr/>
+      </p:nvGrpSpPr>
+      <p:grpSpPr>
+        <a:xfrm>
+          <a:off x="0" y="0"/>
+          <a:ext cx="0" cy="0"/>
+          <a:chOff x="0" y="0"/>
+          <a:chExt cx="0" cy="0"/>
+        </a:xfrm>
+      </p:grpSpPr>
+      <p:sp>
+        <p:nvSpPr>
+          <p:cNvPr id="2" name="Title 1">
+            <a:extLst>
+              <a:ext uri="{FF2B5EF4-FFF2-40B4-BE49-F238E27FC236}">
+                <a16:creationId xmlns:a16="http://schemas.microsoft.com/office/drawing/2014/main" id="{4A97BB75-D033-44D1-898F-C12EAB966ACE}"/>
+              </a:ext>
+            </a:extLst>
+          </p:cNvPr>
+          <p:cNvSpPr>
+            <a:spLocks noGrp="1"/>
+          </p:cNvSpPr>
+          <p:nvPr>
+            <p:ph type="title"/>
+          </p:nvPr>
+        </p:nvSpPr>
+        <p:spPr/>
+        <p:txBody>
+          <a:bodyPr/>
+          <a:lstStyle/>
+          <a:p>
+            <a:r>
+              <a:rPr lang="en-US" dirty="0"/>
+              <a:t>Change how you participate…</a:t>
+            </a:r>
+          </a:p>
+        </p:txBody>
+      </p:sp>
+      <p:sp>
+        <p:nvSpPr>
+          <p:cNvPr id="3" name="Content Placeholder 2">
+            <a:extLst>
+              <a:ext uri="{FF2B5EF4-FFF2-40B4-BE49-F238E27FC236}">
+                <a16:creationId xmlns:a16="http://schemas.microsoft.com/office/drawing/2014/main" id="{F2792195-B755-4991-B70C-164CED01759B}"/>
+              </a:ext>
+            </a:extLst>
+          </p:cNvPr>
+          <p:cNvSpPr>
+            <a:spLocks noGrp="1"/>
+          </p:cNvSpPr>
+          <p:nvPr>
+            <p:ph idx="1"/>
+          </p:nvPr>
+        </p:nvSpPr>
+        <p:spPr/>
+        <p:txBody>
+          <a:bodyPr/>
+          <a:lstStyle/>
+          <a:p>
+            <a:r>
+              <a:rPr lang="en-US" dirty="0"/>
+              <a:t>Whether you’re a PO, M1, IC, or exec</a:t>
+            </a:r>
+          </a:p>
+        </p:txBody>
+      </p:sp>
+    </p:spTree>
+    <p:extLst>
+      <p:ext uri="{BB962C8B-B14F-4D97-AF65-F5344CB8AC3E}">
+        <p14:creationId xmlns:p14="http://schemas.microsoft.com/office/powerpoint/2010/main" val="2314936996"/>
+      </p:ext>
+    </p:extLst>
+  </p:cSld>
+  <p:clrMapOvr>
+    <a:masterClrMapping/>
+  </p:clrMapOvr>
+</p:sld>
+</file>
+
+<file path=ppt/slides/slide39.xml><?xml version="1.0" encoding="utf-8"?>
+<p:sld xmlns:a="http://schemas.openxmlformats.org/drawingml/2006/main" xmlns:r="http://schemas.openxmlformats.org/officeDocument/2006/relationships" xmlns:p="http://schemas.openxmlformats.org/presentationml/2006/main">
+  <p:cSld>
+    <p:spTree>
+      <p:nvGrpSpPr>
+        <p:cNvPr id="1" name=""/>
+        <p:cNvGrpSpPr/>
+        <p:nvPr/>
+      </p:nvGrpSpPr>
+      <p:grpSpPr>
+        <a:xfrm>
+          <a:off x="0" y="0"/>
+          <a:ext cx="0" cy="0"/>
+          <a:chOff x="0" y="0"/>
+          <a:chExt cx="0" cy="0"/>
+        </a:xfrm>
+      </p:grpSpPr>
+      <p:sp>
+        <p:nvSpPr>
+          <p:cNvPr id="2" name="Title 1">
+            <a:extLst>
+              <a:ext uri="{FF2B5EF4-FFF2-40B4-BE49-F238E27FC236}">
+                <a16:creationId xmlns:a16="http://schemas.microsoft.com/office/drawing/2014/main" id="{5989E088-939C-4299-832A-80F7F984EF91}"/>
+              </a:ext>
+            </a:extLst>
+          </p:cNvPr>
+          <p:cNvSpPr>
+            <a:spLocks noGrp="1"/>
+          </p:cNvSpPr>
+          <p:nvPr>
+            <p:ph type="title"/>
+          </p:nvPr>
+        </p:nvSpPr>
+        <p:spPr/>
+        <p:txBody>
+          <a:bodyPr/>
+          <a:lstStyle/>
+          <a:p>
+            <a:r>
+              <a:rPr lang="en-US" dirty="0"/>
+              <a:t>How to Start – Product Owner</a:t>
+            </a:r>
+          </a:p>
+        </p:txBody>
+      </p:sp>
+      <p:sp>
+        <p:nvSpPr>
+          <p:cNvPr id="3" name="Content Placeholder 2">
+            <a:extLst>
+              <a:ext uri="{FF2B5EF4-FFF2-40B4-BE49-F238E27FC236}">
+                <a16:creationId xmlns:a16="http://schemas.microsoft.com/office/drawing/2014/main" id="{4055E0AF-84DD-4AF2-9348-9C9DEF78D7FA}"/>
+              </a:ext>
+            </a:extLst>
+          </p:cNvPr>
+          <p:cNvSpPr>
+            <a:spLocks noGrp="1"/>
+          </p:cNvSpPr>
+          <p:nvPr>
+            <p:ph idx="1"/>
+          </p:nvPr>
+        </p:nvSpPr>
+        <p:spPr/>
+        <p:txBody>
+          <a:bodyPr/>
+          <a:lstStyle/>
+          <a:p>
+            <a:r>
+              <a:rPr lang="en-US" dirty="0"/>
+              <a:t>demand at demo that tech debt plan is shared.</a:t>
+            </a:r>
+          </a:p>
+          <a:p>
+            <a:r>
+              <a:rPr lang="en-US" dirty="0"/>
+              <a:t>Don't assume tech debt is unsolvable.</a:t>
+            </a:r>
+          </a:p>
+          <a:p>
+            <a:pPr lvl="1"/>
+            <a:r>
+              <a:rPr lang="en-US" dirty="0"/>
+              <a:t>Accept it as a reason that X can’t happen, and then ask for a plan how they will change it so that X can happen later.</a:t>
+            </a:r>
+          </a:p>
+        </p:txBody>
+      </p:sp>
+    </p:spTree>
+    <p:extLst>
+      <p:ext uri="{BB962C8B-B14F-4D97-AF65-F5344CB8AC3E}">
+        <p14:creationId xmlns:p14="http://schemas.microsoft.com/office/powerpoint/2010/main" val="2258995555"/>
       </p:ext>
     </p:extLst>
   </p:cSld>
@@ -6214,6 +9041,415 @@
     <p:extLst>
       <p:ext uri="{BB962C8B-B14F-4D97-AF65-F5344CB8AC3E}">
         <p14:creationId xmlns:p14="http://schemas.microsoft.com/office/powerpoint/2010/main" val="250562756"/>
+      </p:ext>
+    </p:extLst>
+  </p:cSld>
+  <p:clrMapOvr>
+    <a:masterClrMapping/>
+  </p:clrMapOvr>
+</p:sld>
+</file>
+
+<file path=ppt/slides/slide40.xml><?xml version="1.0" encoding="utf-8"?>
+<p:sld xmlns:a="http://schemas.openxmlformats.org/drawingml/2006/main" xmlns:r="http://schemas.openxmlformats.org/officeDocument/2006/relationships" xmlns:p="http://schemas.openxmlformats.org/presentationml/2006/main">
+  <p:cSld>
+    <p:spTree>
+      <p:nvGrpSpPr>
+        <p:cNvPr id="1" name=""/>
+        <p:cNvGrpSpPr/>
+        <p:nvPr/>
+      </p:nvGrpSpPr>
+      <p:grpSpPr>
+        <a:xfrm>
+          <a:off x="0" y="0"/>
+          <a:ext cx="0" cy="0"/>
+          <a:chOff x="0" y="0"/>
+          <a:chExt cx="0" cy="0"/>
+        </a:xfrm>
+      </p:grpSpPr>
+      <p:sp>
+        <p:nvSpPr>
+          <p:cNvPr id="2" name="Title 1">
+            <a:extLst>
+              <a:ext uri="{FF2B5EF4-FFF2-40B4-BE49-F238E27FC236}">
+                <a16:creationId xmlns:a16="http://schemas.microsoft.com/office/drawing/2014/main" id="{BD22A665-CD40-4361-824B-F3736F7D26DE}"/>
+              </a:ext>
+            </a:extLst>
+          </p:cNvPr>
+          <p:cNvSpPr>
+            <a:spLocks noGrp="1"/>
+          </p:cNvSpPr>
+          <p:nvPr>
+            <p:ph type="title"/>
+          </p:nvPr>
+        </p:nvSpPr>
+        <p:spPr/>
+        <p:txBody>
+          <a:bodyPr/>
+          <a:lstStyle/>
+          <a:p>
+            <a:r>
+              <a:rPr lang="en-US" dirty="0"/>
+              <a:t>How to Start – Team Manager / Lead</a:t>
+            </a:r>
+          </a:p>
+        </p:txBody>
+      </p:sp>
+      <p:sp>
+        <p:nvSpPr>
+          <p:cNvPr id="3" name="Content Placeholder 2">
+            <a:extLst>
+              <a:ext uri="{FF2B5EF4-FFF2-40B4-BE49-F238E27FC236}">
+                <a16:creationId xmlns:a16="http://schemas.microsoft.com/office/drawing/2014/main" id="{C8842DE9-AA74-408C-9C80-737108C260BE}"/>
+              </a:ext>
+            </a:extLst>
+          </p:cNvPr>
+          <p:cNvSpPr>
+            <a:spLocks noGrp="1"/>
+          </p:cNvSpPr>
+          <p:nvPr>
+            <p:ph idx="1"/>
+          </p:nvPr>
+        </p:nvSpPr>
+        <p:spPr/>
+        <p:txBody>
+          <a:bodyPr/>
+          <a:lstStyle/>
+          <a:p>
+            <a:r>
+              <a:rPr lang="en-US" dirty="0"/>
+              <a:t>Designate a team IC to be a data champion (tech debt owner) and support that person.</a:t>
+            </a:r>
+          </a:p>
+          <a:p>
+            <a:r>
+              <a:rPr lang="en-US" dirty="0"/>
+              <a:t>Play the role of exec initially.</a:t>
+            </a:r>
+          </a:p>
+          <a:p>
+            <a:r>
+              <a:rPr lang="en-US" dirty="0"/>
+              <a:t>Request that your exec take over the exec role.</a:t>
+            </a:r>
+          </a:p>
+        </p:txBody>
+      </p:sp>
+    </p:spTree>
+    <p:extLst>
+      <p:ext uri="{BB962C8B-B14F-4D97-AF65-F5344CB8AC3E}">
+        <p14:creationId xmlns:p14="http://schemas.microsoft.com/office/powerpoint/2010/main" val="3106305619"/>
+      </p:ext>
+    </p:extLst>
+  </p:cSld>
+  <p:clrMapOvr>
+    <a:masterClrMapping/>
+  </p:clrMapOvr>
+</p:sld>
+</file>
+
+<file path=ppt/slides/slide41.xml><?xml version="1.0" encoding="utf-8"?>
+<p:sld xmlns:a="http://schemas.openxmlformats.org/drawingml/2006/main" xmlns:r="http://schemas.openxmlformats.org/officeDocument/2006/relationships" xmlns:p="http://schemas.openxmlformats.org/presentationml/2006/main">
+  <p:cSld>
+    <p:spTree>
+      <p:nvGrpSpPr>
+        <p:cNvPr id="1" name=""/>
+        <p:cNvGrpSpPr/>
+        <p:nvPr/>
+      </p:nvGrpSpPr>
+      <p:grpSpPr>
+        <a:xfrm>
+          <a:off x="0" y="0"/>
+          <a:ext cx="0" cy="0"/>
+          <a:chOff x="0" y="0"/>
+          <a:chExt cx="0" cy="0"/>
+        </a:xfrm>
+      </p:grpSpPr>
+      <p:sp>
+        <p:nvSpPr>
+          <p:cNvPr id="2" name="Title 1">
+            <a:extLst>
+              <a:ext uri="{FF2B5EF4-FFF2-40B4-BE49-F238E27FC236}">
+                <a16:creationId xmlns:a16="http://schemas.microsoft.com/office/drawing/2014/main" id="{6E6372A7-F762-4400-8BAE-E0250062C2F3}"/>
+              </a:ext>
+            </a:extLst>
+          </p:cNvPr>
+          <p:cNvSpPr>
+            <a:spLocks noGrp="1"/>
+          </p:cNvSpPr>
+          <p:nvPr>
+            <p:ph type="title"/>
+          </p:nvPr>
+        </p:nvSpPr>
+        <p:spPr/>
+        <p:txBody>
+          <a:bodyPr/>
+          <a:lstStyle/>
+          <a:p>
+            <a:r>
+              <a:rPr lang="en-US" dirty="0"/>
+              <a:t>How to Start – Any Individual Contributor</a:t>
+            </a:r>
+          </a:p>
+        </p:txBody>
+      </p:sp>
+      <p:sp>
+        <p:nvSpPr>
+          <p:cNvPr id="3" name="Content Placeholder 2">
+            <a:extLst>
+              <a:ext uri="{FF2B5EF4-FFF2-40B4-BE49-F238E27FC236}">
+                <a16:creationId xmlns:a16="http://schemas.microsoft.com/office/drawing/2014/main" id="{8C28341B-163B-44D3-B4C3-960EEE1DEB9B}"/>
+              </a:ext>
+            </a:extLst>
+          </p:cNvPr>
+          <p:cNvSpPr>
+            <a:spLocks noGrp="1"/>
+          </p:cNvSpPr>
+          <p:nvPr>
+            <p:ph idx="1"/>
+          </p:nvPr>
+        </p:nvSpPr>
+        <p:spPr/>
+        <p:txBody>
+          <a:bodyPr/>
+          <a:lstStyle/>
+          <a:p>
+            <a:r>
+              <a:rPr lang="en-US" dirty="0"/>
+              <a:t>Get agreement from team and simply BE the tech debt data owner</a:t>
+            </a:r>
+          </a:p>
+          <a:p>
+            <a:r>
+              <a:rPr lang="en-US" dirty="0"/>
+              <a:t>Start presenting differently at demos</a:t>
+            </a:r>
+          </a:p>
+          <a:p>
+            <a:r>
+              <a:rPr lang="en-US" dirty="0"/>
+              <a:t>Define the tech debt improvements / experiments, work with the PO to get them to quality (small, understandable), and bring them to the planning game for real</a:t>
+            </a:r>
+          </a:p>
+          <a:p>
+            <a:r>
+              <a:rPr lang="en-US" dirty="0"/>
+              <a:t>Start doing Disciplined Refactoring</a:t>
+            </a:r>
+          </a:p>
+        </p:txBody>
+      </p:sp>
+    </p:spTree>
+    <p:extLst>
+      <p:ext uri="{BB962C8B-B14F-4D97-AF65-F5344CB8AC3E}">
+        <p14:creationId xmlns:p14="http://schemas.microsoft.com/office/powerpoint/2010/main" val="581897009"/>
+      </p:ext>
+    </p:extLst>
+  </p:cSld>
+  <p:clrMapOvr>
+    <a:masterClrMapping/>
+  </p:clrMapOvr>
+</p:sld>
+</file>
+
+<file path=ppt/slides/slide42.xml><?xml version="1.0" encoding="utf-8"?>
+<p:sld xmlns:a="http://schemas.openxmlformats.org/drawingml/2006/main" xmlns:r="http://schemas.openxmlformats.org/officeDocument/2006/relationships" xmlns:p="http://schemas.openxmlformats.org/presentationml/2006/main">
+  <p:cSld>
+    <p:spTree>
+      <p:nvGrpSpPr>
+        <p:cNvPr id="1" name=""/>
+        <p:cNvGrpSpPr/>
+        <p:nvPr/>
+      </p:nvGrpSpPr>
+      <p:grpSpPr>
+        <a:xfrm>
+          <a:off x="0" y="0"/>
+          <a:ext cx="0" cy="0"/>
+          <a:chOff x="0" y="0"/>
+          <a:chExt cx="0" cy="0"/>
+        </a:xfrm>
+      </p:grpSpPr>
+      <p:sp>
+        <p:nvSpPr>
+          <p:cNvPr id="2" name="Title 1">
+            <a:extLst>
+              <a:ext uri="{FF2B5EF4-FFF2-40B4-BE49-F238E27FC236}">
+                <a16:creationId xmlns:a16="http://schemas.microsoft.com/office/drawing/2014/main" id="{075352F9-37DD-46AE-98AF-0B1A3EDF4CFD}"/>
+              </a:ext>
+            </a:extLst>
+          </p:cNvPr>
+          <p:cNvSpPr>
+            <a:spLocks noGrp="1"/>
+          </p:cNvSpPr>
+          <p:nvPr>
+            <p:ph type="title"/>
+          </p:nvPr>
+        </p:nvSpPr>
+        <p:spPr/>
+        <p:txBody>
+          <a:bodyPr/>
+          <a:lstStyle/>
+          <a:p>
+            <a:r>
+              <a:rPr lang="en-US" dirty="0"/>
+              <a:t>How to Start – Exec</a:t>
+            </a:r>
+          </a:p>
+        </p:txBody>
+      </p:sp>
+      <p:sp>
+        <p:nvSpPr>
+          <p:cNvPr id="3" name="Content Placeholder 2">
+            <a:extLst>
+              <a:ext uri="{FF2B5EF4-FFF2-40B4-BE49-F238E27FC236}">
+                <a16:creationId xmlns:a16="http://schemas.microsoft.com/office/drawing/2014/main" id="{6FE0B3F5-501C-43F0-AE21-0B0E13B8F048}"/>
+              </a:ext>
+            </a:extLst>
+          </p:cNvPr>
+          <p:cNvSpPr>
+            <a:spLocks noGrp="1"/>
+          </p:cNvSpPr>
+          <p:nvPr>
+            <p:ph idx="1"/>
+          </p:nvPr>
+        </p:nvSpPr>
+        <p:spPr/>
+        <p:txBody>
+          <a:bodyPr/>
+          <a:lstStyle/>
+          <a:p>
+            <a:r>
+              <a:rPr lang="en-US" dirty="0"/>
+              <a:t>Understand Accountability cycle &amp; Ownership cycle. Present it (frequently) to the team.</a:t>
+            </a:r>
+          </a:p>
+          <a:p>
+            <a:r>
+              <a:rPr lang="en-US" dirty="0"/>
+              <a:t>Start the tech debt ownership-</a:t>
+            </a:r>
+            <a:r>
+              <a:rPr lang="en-US" dirty="0" err="1"/>
+              <a:t>spectives</a:t>
+            </a:r>
+            <a:r>
+              <a:rPr lang="en-US" dirty="0"/>
+              <a:t> and assume the proper leadership stances</a:t>
+            </a:r>
+          </a:p>
+          <a:p>
+            <a:r>
+              <a:rPr lang="en-US" dirty="0"/>
+              <a:t>Start looking for places where you are supporting accountability, and ask what you could do instead to support ownership.</a:t>
+            </a:r>
+          </a:p>
+          <a:p>
+            <a:pPr lvl="1"/>
+            <a:r>
+              <a:rPr lang="en-US" dirty="0"/>
+              <a:t>Yes, you can literally ask the team</a:t>
+            </a:r>
+          </a:p>
+        </p:txBody>
+      </p:sp>
+    </p:spTree>
+    <p:extLst>
+      <p:ext uri="{BB962C8B-B14F-4D97-AF65-F5344CB8AC3E}">
+        <p14:creationId xmlns:p14="http://schemas.microsoft.com/office/powerpoint/2010/main" val="398383171"/>
+      </p:ext>
+    </p:extLst>
+  </p:cSld>
+  <p:clrMapOvr>
+    <a:masterClrMapping/>
+  </p:clrMapOvr>
+</p:sld>
+</file>
+
+<file path=ppt/slides/slide43.xml><?xml version="1.0" encoding="utf-8"?>
+<p:sld xmlns:a="http://schemas.openxmlformats.org/drawingml/2006/main" xmlns:r="http://schemas.openxmlformats.org/officeDocument/2006/relationships" xmlns:p="http://schemas.openxmlformats.org/presentationml/2006/main">
+  <p:cSld>
+    <p:spTree>
+      <p:nvGrpSpPr>
+        <p:cNvPr id="1" name=""/>
+        <p:cNvGrpSpPr/>
+        <p:nvPr/>
+      </p:nvGrpSpPr>
+      <p:grpSpPr>
+        <a:xfrm>
+          <a:off x="0" y="0"/>
+          <a:ext cx="0" cy="0"/>
+          <a:chOff x="0" y="0"/>
+          <a:chExt cx="0" cy="0"/>
+        </a:xfrm>
+      </p:grpSpPr>
+      <p:sp>
+        <p:nvSpPr>
+          <p:cNvPr id="2" name="Title 1">
+            <a:extLst>
+              <a:ext uri="{FF2B5EF4-FFF2-40B4-BE49-F238E27FC236}">
+                <a16:creationId xmlns:a16="http://schemas.microsoft.com/office/drawing/2014/main" id="{A0EC34DA-BD91-4F22-B504-9DD2C43EA444}"/>
+              </a:ext>
+            </a:extLst>
+          </p:cNvPr>
+          <p:cNvSpPr>
+            <a:spLocks noGrp="1"/>
+          </p:cNvSpPr>
+          <p:nvPr>
+            <p:ph type="title"/>
+          </p:nvPr>
+        </p:nvSpPr>
+        <p:spPr/>
+        <p:txBody>
+          <a:bodyPr/>
+          <a:lstStyle/>
+          <a:p>
+            <a:r>
+              <a:rPr lang="en-US" dirty="0"/>
+              <a:t>The Choice is Yours; the Reward is Simple</a:t>
+            </a:r>
+          </a:p>
+        </p:txBody>
+      </p:sp>
+      <p:sp>
+        <p:nvSpPr>
+          <p:cNvPr id="3" name="Content Placeholder 2">
+            <a:extLst>
+              <a:ext uri="{FF2B5EF4-FFF2-40B4-BE49-F238E27FC236}">
+                <a16:creationId xmlns:a16="http://schemas.microsoft.com/office/drawing/2014/main" id="{8E2CF082-CA50-4A09-A9AF-F0C881CFD917}"/>
+              </a:ext>
+            </a:extLst>
+          </p:cNvPr>
+          <p:cNvSpPr>
+            <a:spLocks noGrp="1"/>
+          </p:cNvSpPr>
+          <p:nvPr>
+            <p:ph idx="1"/>
+          </p:nvPr>
+        </p:nvSpPr>
+        <p:spPr/>
+        <p:txBody>
+          <a:bodyPr/>
+          <a:lstStyle/>
+          <a:p>
+            <a:r>
+              <a:rPr lang="en-US" dirty="0"/>
+              <a:t>You get to start fixing technical debt and feel supported in doing so …. </a:t>
+            </a:r>
+            <a:r>
+              <a:rPr lang="en-US" i="1" dirty="0"/>
+              <a:t>Tomorrow</a:t>
+            </a:r>
+            <a:r>
+              <a:rPr lang="en-US" dirty="0"/>
+              <a:t>.</a:t>
+            </a:r>
+          </a:p>
+        </p:txBody>
+      </p:sp>
+    </p:spTree>
+    <p:extLst>
+      <p:ext uri="{BB962C8B-B14F-4D97-AF65-F5344CB8AC3E}">
+        <p14:creationId xmlns:p14="http://schemas.microsoft.com/office/powerpoint/2010/main" val="2666848076"/>
       </p:ext>
     </p:extLst>
   </p:cSld>
@@ -6340,7 +9576,7 @@
           <p:cNvPr id="2" name="Title 1">
             <a:extLst>
               <a:ext uri="{FF2B5EF4-FFF2-40B4-BE49-F238E27FC236}">
-                <a16:creationId xmlns:a16="http://schemas.microsoft.com/office/drawing/2014/main" id="{94D82C43-5195-4206-8B21-DECC584185BB}"/>
+                <a16:creationId xmlns:a16="http://schemas.microsoft.com/office/drawing/2014/main" id="{29F164C2-E46B-48CF-9A14-A82459FCD930}"/>
               </a:ext>
             </a:extLst>
           </p:cNvPr>
@@ -6358,7 +9594,7 @@
           <a:p>
             <a:r>
               <a:rPr lang="en-US" dirty="0"/>
-              <a:t>Breaking Down Leadership</a:t>
+              <a:t>The Traditional Approach: Accountability</a:t>
             </a:r>
           </a:p>
         </p:txBody>
@@ -6368,7 +9604,7 @@
           <p:cNvPr id="3" name="Content Placeholder 2">
             <a:extLst>
               <a:ext uri="{FF2B5EF4-FFF2-40B4-BE49-F238E27FC236}">
-                <a16:creationId xmlns:a16="http://schemas.microsoft.com/office/drawing/2014/main" id="{634D93A1-16BA-4F1D-8AAE-4663FAE6108B}"/>
+                <a16:creationId xmlns:a16="http://schemas.microsoft.com/office/drawing/2014/main" id="{C61BC914-6122-43DD-BB43-E6016E43206B}"/>
               </a:ext>
             </a:extLst>
           </p:cNvPr>
@@ -6386,40 +9622,7 @@
           <a:p>
             <a:r>
               <a:rPr lang="en-US" dirty="0"/>
-              <a:t>Gather Disparate Info</a:t>
-            </a:r>
-          </a:p>
-          <a:p>
-            <a:r>
-              <a:rPr lang="en-US" dirty="0"/>
-              <a:t>Gain Alignment on a Direction</a:t>
-            </a:r>
-          </a:p>
-          <a:p>
-            <a:r>
-              <a:rPr lang="en-US" dirty="0"/>
-              <a:t>Ensure Work Gets Done</a:t>
-            </a:r>
-          </a:p>
-          <a:p>
-            <a:r>
-              <a:rPr lang="en-US" dirty="0"/>
-              <a:t>Help Teams See What They Do Well (And Poorly)</a:t>
-            </a:r>
-          </a:p>
-          <a:p>
-            <a:r>
-              <a:rPr lang="en-US" dirty="0"/>
-              <a:t>Supply Opportunities to Improve</a:t>
-            </a:r>
-          </a:p>
-          <a:p>
-            <a:endParaRPr lang="en-US" dirty="0"/>
-          </a:p>
-          <a:p>
-            <a:r>
-              <a:rPr lang="en-US" dirty="0"/>
-              <a:t>{Need to tie back to this later, when talking about the parts}</a:t>
+              <a:t>Show Accountability Cycle &amp; Walk through it</a:t>
             </a:r>
           </a:p>
         </p:txBody>
@@ -6427,7 +9630,7 @@
     </p:spTree>
     <p:extLst>
       <p:ext uri="{BB962C8B-B14F-4D97-AF65-F5344CB8AC3E}">
-        <p14:creationId xmlns:p14="http://schemas.microsoft.com/office/powerpoint/2010/main" val="2212830467"/>
+        <p14:creationId xmlns:p14="http://schemas.microsoft.com/office/powerpoint/2010/main" val="454566563"/>
       </p:ext>
     </p:extLst>
   </p:cSld>
@@ -6459,7 +9662,7 @@
           <p:cNvPr id="2" name="Title 1">
             <a:extLst>
               <a:ext uri="{FF2B5EF4-FFF2-40B4-BE49-F238E27FC236}">
-                <a16:creationId xmlns:a16="http://schemas.microsoft.com/office/drawing/2014/main" id="{29F164C2-E46B-48CF-9A14-A82459FCD930}"/>
+                <a16:creationId xmlns:a16="http://schemas.microsoft.com/office/drawing/2014/main" id="{94BD2E39-976D-4914-8689-081C30C326EB}"/>
               </a:ext>
             </a:extLst>
           </p:cNvPr>
@@ -6477,7 +9680,7 @@
           <a:p>
             <a:r>
               <a:rPr lang="en-US" dirty="0"/>
-              <a:t>The Traditional Approach: Accountability</a:t>
+              <a:t>Impact on Technical Debt</a:t>
             </a:r>
           </a:p>
         </p:txBody>
@@ -6487,7 +9690,7 @@
           <p:cNvPr id="3" name="Content Placeholder 2">
             <a:extLst>
               <a:ext uri="{FF2B5EF4-FFF2-40B4-BE49-F238E27FC236}">
-                <a16:creationId xmlns:a16="http://schemas.microsoft.com/office/drawing/2014/main" id="{C61BC914-6122-43DD-BB43-E6016E43206B}"/>
+                <a16:creationId xmlns:a16="http://schemas.microsoft.com/office/drawing/2014/main" id="{23F32CFA-DCEF-4DD3-87E0-9484FF944315}"/>
               </a:ext>
             </a:extLst>
           </p:cNvPr>
@@ -6505,7 +9708,13 @@
           <a:p>
             <a:r>
               <a:rPr lang="en-US" dirty="0"/>
-              <a:t>Show Accountability Cycle &amp; Walk through it</a:t>
+              <a:t>Doesn’t work</a:t>
+            </a:r>
+          </a:p>
+          <a:p>
+            <a:r>
+              <a:rPr lang="en-US" dirty="0"/>
+              <a:t>Example</a:t>
             </a:r>
           </a:p>
         </p:txBody>
@@ -6513,7 +9722,7 @@
     </p:spTree>
     <p:extLst>
       <p:ext uri="{BB962C8B-B14F-4D97-AF65-F5344CB8AC3E}">
-        <p14:creationId xmlns:p14="http://schemas.microsoft.com/office/powerpoint/2010/main" val="454566563"/>
+        <p14:creationId xmlns:p14="http://schemas.microsoft.com/office/powerpoint/2010/main" val="2693235004"/>
       </p:ext>
     </p:extLst>
   </p:cSld>
@@ -6988,4 +10197,299 @@
     </a:ext>
   </a:extLst>
 </a:theme>
+</file>
+
+<file path=ppt/theme/theme2.xml><?xml version="1.0" encoding="utf-8"?>
+<a:theme xmlns:a="http://schemas.openxmlformats.org/drawingml/2006/main" name="Office Theme">
+  <a:themeElements>
+    <a:clrScheme name="Office">
+      <a:dk1>
+        <a:sysClr val="windowText" lastClr="000000"/>
+      </a:dk1>
+      <a:lt1>
+        <a:sysClr val="window" lastClr="FFFFFF"/>
+      </a:lt1>
+      <a:dk2>
+        <a:srgbClr val="44546A"/>
+      </a:dk2>
+      <a:lt2>
+        <a:srgbClr val="E7E6E6"/>
+      </a:lt2>
+      <a:accent1>
+        <a:srgbClr val="4472C4"/>
+      </a:accent1>
+      <a:accent2>
+        <a:srgbClr val="ED7D31"/>
+      </a:accent2>
+      <a:accent3>
+        <a:srgbClr val="A5A5A5"/>
+      </a:accent3>
+      <a:accent4>
+        <a:srgbClr val="FFC000"/>
+      </a:accent4>
+      <a:accent5>
+        <a:srgbClr val="5B9BD5"/>
+      </a:accent5>
+      <a:accent6>
+        <a:srgbClr val="70AD47"/>
+      </a:accent6>
+      <a:hlink>
+        <a:srgbClr val="0563C1"/>
+      </a:hlink>
+      <a:folHlink>
+        <a:srgbClr val="954F72"/>
+      </a:folHlink>
+    </a:clrScheme>
+    <a:fontScheme name="Office">
+      <a:majorFont>
+        <a:latin typeface="Calibri Light" panose="020F0302020204030204"/>
+        <a:ea typeface=""/>
+        <a:cs typeface=""/>
+        <a:font script="Jpan" typeface="游ゴシック Light"/>
+        <a:font script="Hang" typeface="맑은 고딕"/>
+        <a:font script="Hans" typeface="等线 Light"/>
+        <a:font script="Hant" typeface="新細明體"/>
+        <a:font script="Arab" typeface="Times New Roman"/>
+        <a:font script="Hebr" typeface="Times New Roman"/>
+        <a:font script="Thai" typeface="Angsana New"/>
+        <a:font script="Ethi" typeface="Nyala"/>
+        <a:font script="Beng" typeface="Vrinda"/>
+        <a:font script="Gujr" typeface="Shruti"/>
+        <a:font script="Khmr" typeface="MoolBoran"/>
+        <a:font script="Knda" typeface="Tunga"/>
+        <a:font script="Guru" typeface="Raavi"/>
+        <a:font script="Cans" typeface="Euphemia"/>
+        <a:font script="Cher" typeface="Plantagenet Cherokee"/>
+        <a:font script="Yiii" typeface="Microsoft Yi Baiti"/>
+        <a:font script="Tibt" typeface="Microsoft Himalaya"/>
+        <a:font script="Thaa" typeface="MV Boli"/>
+        <a:font script="Deva" typeface="Mangal"/>
+        <a:font script="Telu" typeface="Gautami"/>
+        <a:font script="Taml" typeface="Latha"/>
+        <a:font script="Syrc" typeface="Estrangelo Edessa"/>
+        <a:font script="Orya" typeface="Kalinga"/>
+        <a:font script="Mlym" typeface="Kartika"/>
+        <a:font script="Laoo" typeface="DokChampa"/>
+        <a:font script="Sinh" typeface="Iskoola Pota"/>
+        <a:font script="Mong" typeface="Mongolian Baiti"/>
+        <a:font script="Viet" typeface="Times New Roman"/>
+        <a:font script="Uigh" typeface="Microsoft Uighur"/>
+        <a:font script="Geor" typeface="Sylfaen"/>
+        <a:font script="Armn" typeface="Arial"/>
+        <a:font script="Bugi" typeface="Leelawadee UI"/>
+        <a:font script="Bopo" typeface="Microsoft JhengHei"/>
+        <a:font script="Java" typeface="Javanese Text"/>
+        <a:font script="Lisu" typeface="Segoe UI"/>
+        <a:font script="Mymr" typeface="Myanmar Text"/>
+        <a:font script="Nkoo" typeface="Ebrima"/>
+        <a:font script="Olck" typeface="Nirmala UI"/>
+        <a:font script="Osma" typeface="Ebrima"/>
+        <a:font script="Phag" typeface="Phagspa"/>
+        <a:font script="Syrn" typeface="Estrangelo Edessa"/>
+        <a:font script="Syrj" typeface="Estrangelo Edessa"/>
+        <a:font script="Syre" typeface="Estrangelo Edessa"/>
+        <a:font script="Sora" typeface="Nirmala UI"/>
+        <a:font script="Tale" typeface="Microsoft Tai Le"/>
+        <a:font script="Talu" typeface="Microsoft New Tai Lue"/>
+        <a:font script="Tfng" typeface="Ebrima"/>
+      </a:majorFont>
+      <a:minorFont>
+        <a:latin typeface="Calibri" panose="020F0502020204030204"/>
+        <a:ea typeface=""/>
+        <a:cs typeface=""/>
+        <a:font script="Jpan" typeface="游ゴシック"/>
+        <a:font script="Hang" typeface="맑은 고딕"/>
+        <a:font script="Hans" typeface="等线"/>
+        <a:font script="Hant" typeface="新細明體"/>
+        <a:font script="Arab" typeface="Arial"/>
+        <a:font script="Hebr" typeface="Arial"/>
+        <a:font script="Thai" typeface="Cordia New"/>
+        <a:font script="Ethi" typeface="Nyala"/>
+        <a:font script="Beng" typeface="Vrinda"/>
+        <a:font script="Gujr" typeface="Shruti"/>
+        <a:font script="Khmr" typeface="DaunPenh"/>
+        <a:font script="Knda" typeface="Tunga"/>
+        <a:font script="Guru" typeface="Raavi"/>
+        <a:font script="Cans" typeface="Euphemia"/>
+        <a:font script="Cher" typeface="Plantagenet Cherokee"/>
+        <a:font script="Yiii" typeface="Microsoft Yi Baiti"/>
+        <a:font script="Tibt" typeface="Microsoft Himalaya"/>
+        <a:font script="Thaa" typeface="MV Boli"/>
+        <a:font script="Deva" typeface="Mangal"/>
+        <a:font script="Telu" typeface="Gautami"/>
+        <a:font script="Taml" typeface="Latha"/>
+        <a:font script="Syrc" typeface="Estrangelo Edessa"/>
+        <a:font script="Orya" typeface="Kalinga"/>
+        <a:font script="Mlym" typeface="Kartika"/>
+        <a:font script="Laoo" typeface="DokChampa"/>
+        <a:font script="Sinh" typeface="Iskoola Pota"/>
+        <a:font script="Mong" typeface="Mongolian Baiti"/>
+        <a:font script="Viet" typeface="Arial"/>
+        <a:font script="Uigh" typeface="Microsoft Uighur"/>
+        <a:font script="Geor" typeface="Sylfaen"/>
+        <a:font script="Armn" typeface="Arial"/>
+        <a:font script="Bugi" typeface="Leelawadee UI"/>
+        <a:font script="Bopo" typeface="Microsoft JhengHei"/>
+        <a:font script="Java" typeface="Javanese Text"/>
+        <a:font script="Lisu" typeface="Segoe UI"/>
+        <a:font script="Mymr" typeface="Myanmar Text"/>
+        <a:font script="Nkoo" typeface="Ebrima"/>
+        <a:font script="Olck" typeface="Nirmala UI"/>
+        <a:font script="Osma" typeface="Ebrima"/>
+        <a:font script="Phag" typeface="Phagspa"/>
+        <a:font script="Syrn" typeface="Estrangelo Edessa"/>
+        <a:font script="Syrj" typeface="Estrangelo Edessa"/>
+        <a:font script="Syre" typeface="Estrangelo Edessa"/>
+        <a:font script="Sora" typeface="Nirmala UI"/>
+        <a:font script="Tale" typeface="Microsoft Tai Le"/>
+        <a:font script="Talu" typeface="Microsoft New Tai Lue"/>
+        <a:font script="Tfng" typeface="Ebrima"/>
+      </a:minorFont>
+    </a:fontScheme>
+    <a:fmtScheme name="Office">
+      <a:fillStyleLst>
+        <a:solidFill>
+          <a:schemeClr val="phClr"/>
+        </a:solidFill>
+        <a:gradFill rotWithShape="1">
+          <a:gsLst>
+            <a:gs pos="0">
+              <a:schemeClr val="phClr">
+                <a:lumMod val="110000"/>
+                <a:satMod val="105000"/>
+                <a:tint val="67000"/>
+              </a:schemeClr>
+            </a:gs>
+            <a:gs pos="50000">
+              <a:schemeClr val="phClr">
+                <a:lumMod val="105000"/>
+                <a:satMod val="103000"/>
+                <a:tint val="73000"/>
+              </a:schemeClr>
+            </a:gs>
+            <a:gs pos="100000">
+              <a:schemeClr val="phClr">
+                <a:lumMod val="105000"/>
+                <a:satMod val="109000"/>
+                <a:tint val="81000"/>
+              </a:schemeClr>
+            </a:gs>
+          </a:gsLst>
+          <a:lin ang="5400000" scaled="0"/>
+        </a:gradFill>
+        <a:gradFill rotWithShape="1">
+          <a:gsLst>
+            <a:gs pos="0">
+              <a:schemeClr val="phClr">
+                <a:satMod val="103000"/>
+                <a:lumMod val="102000"/>
+                <a:tint val="94000"/>
+              </a:schemeClr>
+            </a:gs>
+            <a:gs pos="50000">
+              <a:schemeClr val="phClr">
+                <a:satMod val="110000"/>
+                <a:lumMod val="100000"/>
+                <a:shade val="100000"/>
+              </a:schemeClr>
+            </a:gs>
+            <a:gs pos="100000">
+              <a:schemeClr val="phClr">
+                <a:lumMod val="99000"/>
+                <a:satMod val="120000"/>
+                <a:shade val="78000"/>
+              </a:schemeClr>
+            </a:gs>
+          </a:gsLst>
+          <a:lin ang="5400000" scaled="0"/>
+        </a:gradFill>
+      </a:fillStyleLst>
+      <a:lnStyleLst>
+        <a:ln w="6350" cap="flat" cmpd="sng" algn="ctr">
+          <a:solidFill>
+            <a:schemeClr val="phClr"/>
+          </a:solidFill>
+          <a:prstDash val="solid"/>
+          <a:miter lim="800000"/>
+        </a:ln>
+        <a:ln w="12700" cap="flat" cmpd="sng" algn="ctr">
+          <a:solidFill>
+            <a:schemeClr val="phClr"/>
+          </a:solidFill>
+          <a:prstDash val="solid"/>
+          <a:miter lim="800000"/>
+        </a:ln>
+        <a:ln w="19050" cap="flat" cmpd="sng" algn="ctr">
+          <a:solidFill>
+            <a:schemeClr val="phClr"/>
+          </a:solidFill>
+          <a:prstDash val="solid"/>
+          <a:miter lim="800000"/>
+        </a:ln>
+      </a:lnStyleLst>
+      <a:effectStyleLst>
+        <a:effectStyle>
+          <a:effectLst/>
+        </a:effectStyle>
+        <a:effectStyle>
+          <a:effectLst/>
+        </a:effectStyle>
+        <a:effectStyle>
+          <a:effectLst>
+            <a:outerShdw blurRad="57150" dist="19050" dir="5400000" algn="ctr" rotWithShape="0">
+              <a:srgbClr val="000000">
+                <a:alpha val="63000"/>
+              </a:srgbClr>
+            </a:outerShdw>
+          </a:effectLst>
+        </a:effectStyle>
+      </a:effectStyleLst>
+      <a:bgFillStyleLst>
+        <a:solidFill>
+          <a:schemeClr val="phClr"/>
+        </a:solidFill>
+        <a:solidFill>
+          <a:schemeClr val="phClr">
+            <a:tint val="95000"/>
+            <a:satMod val="170000"/>
+          </a:schemeClr>
+        </a:solidFill>
+        <a:gradFill rotWithShape="1">
+          <a:gsLst>
+            <a:gs pos="0">
+              <a:schemeClr val="phClr">
+                <a:tint val="93000"/>
+                <a:satMod val="150000"/>
+                <a:shade val="98000"/>
+                <a:lumMod val="102000"/>
+              </a:schemeClr>
+            </a:gs>
+            <a:gs pos="50000">
+              <a:schemeClr val="phClr">
+                <a:tint val="98000"/>
+                <a:satMod val="130000"/>
+                <a:shade val="90000"/>
+                <a:lumMod val="103000"/>
+              </a:schemeClr>
+            </a:gs>
+            <a:gs pos="100000">
+              <a:schemeClr val="phClr">
+                <a:shade val="63000"/>
+                <a:satMod val="120000"/>
+              </a:schemeClr>
+            </a:gs>
+          </a:gsLst>
+          <a:lin ang="5400000" scaled="0"/>
+        </a:gradFill>
+      </a:bgFillStyleLst>
+    </a:fmtScheme>
+  </a:themeElements>
+  <a:objectDefaults/>
+  <a:extraClrSchemeLst/>
+  <a:extLst>
+    <a:ext uri="{05A4C25C-085E-4340-85A3-A5531E510DB2}">
+      <thm15:themeFamily xmlns:thm15="http://schemas.microsoft.com/office/thememl/2012/main" name="Office Theme" id="{62F939B6-93AF-4DB8-9C6B-D6C7DFDC589F}" vid="{4A3C46E8-61CC-4603-A589-7422A47A8E4A}"/>
+    </a:ext>
+  </a:extLst>
+</a:theme>
 </file>
--- a/leading technical debt/gogo keynote - data-driven leadership to solve technical debt.pptx
+++ b/leading technical debt/gogo keynote - data-driven leadership to solve technical debt.pptx
@@ -5,7 +5,7 @@
     <p:sldMasterId id="2147483648" r:id="rId1"/>
   </p:sldMasterIdLst>
   <p:notesMasterIdLst>
-    <p:notesMasterId r:id="rId45"/>
+    <p:notesMasterId r:id="rId41"/>
   </p:notesMasterIdLst>
   <p:sldIdLst>
     <p:sldId id="256" r:id="rId2"/>
@@ -25,32 +25,28 @@
     <p:sldId id="268" r:id="rId16"/>
     <p:sldId id="291" r:id="rId17"/>
     <p:sldId id="290" r:id="rId18"/>
-    <p:sldId id="269" r:id="rId19"/>
-    <p:sldId id="271" r:id="rId20"/>
-    <p:sldId id="292" r:id="rId21"/>
-    <p:sldId id="270" r:id="rId22"/>
-    <p:sldId id="293" r:id="rId23"/>
-    <p:sldId id="294" r:id="rId24"/>
+    <p:sldId id="292" r:id="rId19"/>
+    <p:sldId id="294" r:id="rId20"/>
+    <p:sldId id="299" r:id="rId21"/>
+    <p:sldId id="301" r:id="rId22"/>
+    <p:sldId id="303" r:id="rId23"/>
+    <p:sldId id="304" r:id="rId24"/>
     <p:sldId id="296" r:id="rId25"/>
     <p:sldId id="297" r:id="rId26"/>
     <p:sldId id="298" r:id="rId27"/>
-    <p:sldId id="295" r:id="rId28"/>
-    <p:sldId id="273" r:id="rId29"/>
-    <p:sldId id="300" r:id="rId30"/>
-    <p:sldId id="299" r:id="rId31"/>
-    <p:sldId id="277" r:id="rId32"/>
-    <p:sldId id="278" r:id="rId33"/>
-    <p:sldId id="279" r:id="rId34"/>
-    <p:sldId id="301" r:id="rId35"/>
-    <p:sldId id="280" r:id="rId36"/>
-    <p:sldId id="281" r:id="rId37"/>
-    <p:sldId id="282" r:id="rId38"/>
-    <p:sldId id="302" r:id="rId39"/>
-    <p:sldId id="283" r:id="rId40"/>
-    <p:sldId id="284" r:id="rId41"/>
-    <p:sldId id="285" r:id="rId42"/>
-    <p:sldId id="286" r:id="rId43"/>
-    <p:sldId id="287" r:id="rId44"/>
+    <p:sldId id="300" r:id="rId28"/>
+    <p:sldId id="295" r:id="rId29"/>
+    <p:sldId id="273" r:id="rId30"/>
+    <p:sldId id="282" r:id="rId31"/>
+    <p:sldId id="302" r:id="rId32"/>
+    <p:sldId id="283" r:id="rId33"/>
+    <p:sldId id="284" r:id="rId34"/>
+    <p:sldId id="285" r:id="rId35"/>
+    <p:sldId id="286" r:id="rId36"/>
+    <p:sldId id="287" r:id="rId37"/>
+    <p:sldId id="305" r:id="rId38"/>
+    <p:sldId id="306" r:id="rId39"/>
+    <p:sldId id="307" r:id="rId40"/>
   </p:sldIdLst>
   <p:sldSz cx="12192000" cy="6858000"/>
   <p:notesSz cx="6858000" cy="9144000"/>
@@ -150,6 +146,57 @@
     </a:lvl9pPr>
   </p:defaultTextStyle>
   <p:extLst>
+    <p:ext uri="{521415D9-36F7-43E2-AB2F-B90AF26B5E84}">
+      <p14:sectionLst xmlns:p14="http://schemas.microsoft.com/office/powerpoint/2010/main">
+        <p14:section name="Default Section" id="{7E692EAF-3F59-40C8-AEC5-3D733E646D84}">
+          <p14:sldIdLst>
+            <p14:sldId id="256"/>
+            <p14:sldId id="257"/>
+            <p14:sldId id="258"/>
+            <p14:sldId id="259"/>
+            <p14:sldId id="260"/>
+            <p14:sldId id="262"/>
+            <p14:sldId id="289"/>
+            <p14:sldId id="263"/>
+            <p14:sldId id="264"/>
+            <p14:sldId id="288"/>
+            <p14:sldId id="261"/>
+            <p14:sldId id="266"/>
+            <p14:sldId id="267"/>
+            <p14:sldId id="265"/>
+            <p14:sldId id="268"/>
+            <p14:sldId id="291"/>
+            <p14:sldId id="290"/>
+            <p14:sldId id="292"/>
+            <p14:sldId id="294"/>
+            <p14:sldId id="299"/>
+            <p14:sldId id="301"/>
+            <p14:sldId id="303"/>
+            <p14:sldId id="304"/>
+            <p14:sldId id="296"/>
+            <p14:sldId id="297"/>
+            <p14:sldId id="298"/>
+            <p14:sldId id="300"/>
+            <p14:sldId id="295"/>
+            <p14:sldId id="273"/>
+            <p14:sldId id="282"/>
+            <p14:sldId id="302"/>
+            <p14:sldId id="283"/>
+            <p14:sldId id="284"/>
+            <p14:sldId id="285"/>
+            <p14:sldId id="286"/>
+            <p14:sldId id="287"/>
+          </p14:sldIdLst>
+        </p14:section>
+        <p14:section name="Don't know where these go" id="{D91CE0E6-73E2-42DE-AFF4-97A6FBBE29FC}">
+          <p14:sldIdLst>
+            <p14:sldId id="305"/>
+            <p14:sldId id="306"/>
+            <p14:sldId id="307"/>
+          </p14:sldIdLst>
+        </p14:section>
+      </p14:sectionLst>
+    </p:ext>
     <p:ext uri="{EFAFB233-063F-42B5-8137-9DF3F51BA10A}">
       <p15:sldGuideLst xmlns:p15="http://schemas.microsoft.com/office/powerpoint/2012/main"/>
     </p:ext>
@@ -552,7 +599,7 @@
           <a:p>
             <a:r>
               <a:rPr lang="en-US" dirty="0"/>
-              <a:t>SHARP</a:t>
+              <a:t>2m</a:t>
             </a:r>
           </a:p>
         </p:txBody>
@@ -639,7 +686,7 @@
           <a:p>
             <a:r>
               <a:rPr lang="en-US" dirty="0"/>
-              <a:t>Update from Slide 6’s breakdown of leadership</a:t>
+              <a:t>.5m</a:t>
             </a:r>
           </a:p>
         </p:txBody>
@@ -661,7 +708,7 @@
           <a:p>
             <a:fld id="{9B7FE9FA-6C9D-4D34-A513-E1A47B0ABA56}" type="slidenum">
               <a:rPr lang="en-US" smtClean="0"/>
-              <a:t>13</a:t>
+              <a:t>11</a:t>
             </a:fld>
             <a:endParaRPr lang="en-US"/>
           </a:p>
@@ -670,7 +717,7 @@
     </p:spTree>
     <p:extLst>
       <p:ext uri="{BB962C8B-B14F-4D97-AF65-F5344CB8AC3E}">
-        <p14:creationId xmlns:p14="http://schemas.microsoft.com/office/powerpoint/2010/main" val="2730729831"/>
+        <p14:creationId xmlns:p14="http://schemas.microsoft.com/office/powerpoint/2010/main" val="3418769574"/>
       </p:ext>
     </p:extLst>
   </p:cSld>
@@ -724,7 +771,10 @@
           <a:bodyPr/>
           <a:lstStyle/>
           <a:p>
-            <a:endParaRPr lang="en-US" dirty="0"/>
+            <a:r>
+              <a:rPr lang="en-US" dirty="0"/>
+              <a:t>1m</a:t>
+            </a:r>
           </a:p>
         </p:txBody>
       </p:sp>
@@ -745,7 +795,7 @@
           <a:p>
             <a:fld id="{9B7FE9FA-6C9D-4D34-A513-E1A47B0ABA56}" type="slidenum">
               <a:rPr lang="en-US" smtClean="0"/>
-              <a:t>14</a:t>
+              <a:t>12</a:t>
             </a:fld>
             <a:endParaRPr lang="en-US"/>
           </a:p>
@@ -754,7 +804,7 @@
     </p:spTree>
     <p:extLst>
       <p:ext uri="{BB962C8B-B14F-4D97-AF65-F5344CB8AC3E}">
-        <p14:creationId xmlns:p14="http://schemas.microsoft.com/office/powerpoint/2010/main" val="1183912179"/>
+        <p14:creationId xmlns:p14="http://schemas.microsoft.com/office/powerpoint/2010/main" val="1256956146"/>
       </p:ext>
     </p:extLst>
   </p:cSld>
@@ -808,7 +858,10 @@
           <a:bodyPr/>
           <a:lstStyle/>
           <a:p>
-            <a:endParaRPr lang="en-US" dirty="0"/>
+            <a:r>
+              <a:rPr lang="en-US" dirty="0"/>
+              <a:t>.5m</a:t>
+            </a:r>
           </a:p>
         </p:txBody>
       </p:sp>
@@ -829,7 +882,7 @@
           <a:p>
             <a:fld id="{9B7FE9FA-6C9D-4D34-A513-E1A47B0ABA56}" type="slidenum">
               <a:rPr lang="en-US" smtClean="0"/>
-              <a:t>15</a:t>
+              <a:t>13</a:t>
             </a:fld>
             <a:endParaRPr lang="en-US"/>
           </a:p>
@@ -838,7 +891,7 @@
     </p:spTree>
     <p:extLst>
       <p:ext uri="{BB962C8B-B14F-4D97-AF65-F5344CB8AC3E}">
-        <p14:creationId xmlns:p14="http://schemas.microsoft.com/office/powerpoint/2010/main" val="883075667"/>
+        <p14:creationId xmlns:p14="http://schemas.microsoft.com/office/powerpoint/2010/main" val="2730729831"/>
       </p:ext>
     </p:extLst>
   </p:cSld>
@@ -892,7 +945,10 @@
           <a:bodyPr/>
           <a:lstStyle/>
           <a:p>
-            <a:endParaRPr lang="en-US" dirty="0"/>
+            <a:r>
+              <a:rPr lang="en-US" dirty="0"/>
+              <a:t>.25m</a:t>
+            </a:r>
           </a:p>
         </p:txBody>
       </p:sp>
@@ -913,7 +969,7 @@
           <a:p>
             <a:fld id="{9B7FE9FA-6C9D-4D34-A513-E1A47B0ABA56}" type="slidenum">
               <a:rPr lang="en-US" smtClean="0"/>
-              <a:t>16</a:t>
+              <a:t>14</a:t>
             </a:fld>
             <a:endParaRPr lang="en-US"/>
           </a:p>
@@ -922,7 +978,7 @@
     </p:spTree>
     <p:extLst>
       <p:ext uri="{BB962C8B-B14F-4D97-AF65-F5344CB8AC3E}">
-        <p14:creationId xmlns:p14="http://schemas.microsoft.com/office/powerpoint/2010/main" val="630035552"/>
+        <p14:creationId xmlns:p14="http://schemas.microsoft.com/office/powerpoint/2010/main" val="1183912179"/>
       </p:ext>
     </p:extLst>
   </p:cSld>
@@ -976,7 +1032,10 @@
           <a:bodyPr/>
           <a:lstStyle/>
           <a:p>
-            <a:endParaRPr lang="en-US" dirty="0"/>
+            <a:r>
+              <a:rPr lang="en-US" dirty="0"/>
+              <a:t>.25m</a:t>
+            </a:r>
           </a:p>
         </p:txBody>
       </p:sp>
@@ -997,7 +1056,7 @@
           <a:p>
             <a:fld id="{9B7FE9FA-6C9D-4D34-A513-E1A47B0ABA56}" type="slidenum">
               <a:rPr lang="en-US" smtClean="0"/>
-              <a:t>17</a:t>
+              <a:t>15</a:t>
             </a:fld>
             <a:endParaRPr lang="en-US"/>
           </a:p>
@@ -1006,7 +1065,7 @@
     </p:spTree>
     <p:extLst>
       <p:ext uri="{BB962C8B-B14F-4D97-AF65-F5344CB8AC3E}">
-        <p14:creationId xmlns:p14="http://schemas.microsoft.com/office/powerpoint/2010/main" val="1577749723"/>
+        <p14:creationId xmlns:p14="http://schemas.microsoft.com/office/powerpoint/2010/main" val="883075667"/>
       </p:ext>
     </p:extLst>
   </p:cSld>
@@ -1060,7 +1119,10 @@
           <a:bodyPr/>
           <a:lstStyle/>
           <a:p>
-            <a:endParaRPr lang="en-US" dirty="0"/>
+            <a:r>
+              <a:rPr lang="en-US" dirty="0"/>
+              <a:t>1m</a:t>
+            </a:r>
           </a:p>
         </p:txBody>
       </p:sp>
@@ -1081,7 +1143,7 @@
           <a:p>
             <a:fld id="{9B7FE9FA-6C9D-4D34-A513-E1A47B0ABA56}" type="slidenum">
               <a:rPr lang="en-US" smtClean="0"/>
-              <a:t>27</a:t>
+              <a:t>16</a:t>
             </a:fld>
             <a:endParaRPr lang="en-US"/>
           </a:p>
@@ -1090,7 +1152,7 @@
     </p:spTree>
     <p:extLst>
       <p:ext uri="{BB962C8B-B14F-4D97-AF65-F5344CB8AC3E}">
-        <p14:creationId xmlns:p14="http://schemas.microsoft.com/office/powerpoint/2010/main" val="709674624"/>
+        <p14:creationId xmlns:p14="http://schemas.microsoft.com/office/powerpoint/2010/main" val="630035552"/>
       </p:ext>
     </p:extLst>
   </p:cSld>
@@ -1144,7 +1206,10 @@
           <a:bodyPr/>
           <a:lstStyle/>
           <a:p>
-            <a:endParaRPr lang="en-US" dirty="0"/>
+            <a:r>
+              <a:rPr lang="en-US" dirty="0"/>
+              <a:t>.5m</a:t>
+            </a:r>
           </a:p>
         </p:txBody>
       </p:sp>
@@ -1165,7 +1230,7 @@
           <a:p>
             <a:fld id="{9B7FE9FA-6C9D-4D34-A513-E1A47B0ABA56}" type="slidenum">
               <a:rPr lang="en-US" smtClean="0"/>
-              <a:t>28</a:t>
+              <a:t>17</a:t>
             </a:fld>
             <a:endParaRPr lang="en-US"/>
           </a:p>
@@ -1174,7 +1239,7 @@
     </p:spTree>
     <p:extLst>
       <p:ext uri="{BB962C8B-B14F-4D97-AF65-F5344CB8AC3E}">
-        <p14:creationId xmlns:p14="http://schemas.microsoft.com/office/powerpoint/2010/main" val="4139163054"/>
+        <p14:creationId xmlns:p14="http://schemas.microsoft.com/office/powerpoint/2010/main" val="1577749723"/>
       </p:ext>
     </p:extLst>
   </p:cSld>
@@ -1228,7 +1293,10 @@
           <a:bodyPr/>
           <a:lstStyle/>
           <a:p>
-            <a:endParaRPr lang="en-US" dirty="0"/>
+            <a:r>
+              <a:rPr lang="en-US" dirty="0"/>
+              <a:t>.25m</a:t>
+            </a:r>
           </a:p>
         </p:txBody>
       </p:sp>
@@ -1249,7 +1317,7 @@
           <a:p>
             <a:fld id="{9B7FE9FA-6C9D-4D34-A513-E1A47B0ABA56}" type="slidenum">
               <a:rPr lang="en-US" smtClean="0"/>
-              <a:t>30</a:t>
+              <a:t>18</a:t>
             </a:fld>
             <a:endParaRPr lang="en-US"/>
           </a:p>
@@ -1258,7 +1326,7 @@
     </p:spTree>
     <p:extLst>
       <p:ext uri="{BB962C8B-B14F-4D97-AF65-F5344CB8AC3E}">
-        <p14:creationId xmlns:p14="http://schemas.microsoft.com/office/powerpoint/2010/main" val="2565025918"/>
+        <p14:creationId xmlns:p14="http://schemas.microsoft.com/office/powerpoint/2010/main" val="293447769"/>
       </p:ext>
     </p:extLst>
   </p:cSld>
@@ -1312,7 +1380,10 @@
           <a:bodyPr/>
           <a:lstStyle/>
           <a:p>
-            <a:endParaRPr lang="en-US" dirty="0"/>
+            <a:r>
+              <a:rPr lang="en-US" dirty="0"/>
+              <a:t>.5m</a:t>
+            </a:r>
           </a:p>
         </p:txBody>
       </p:sp>
@@ -1333,7 +1404,7 @@
           <a:p>
             <a:fld id="{9B7FE9FA-6C9D-4D34-A513-E1A47B0ABA56}" type="slidenum">
               <a:rPr lang="en-US" smtClean="0"/>
-              <a:t>32</a:t>
+              <a:t>19</a:t>
             </a:fld>
             <a:endParaRPr lang="en-US"/>
           </a:p>
@@ -1342,7 +1413,7 @@
     </p:spTree>
     <p:extLst>
       <p:ext uri="{BB962C8B-B14F-4D97-AF65-F5344CB8AC3E}">
-        <p14:creationId xmlns:p14="http://schemas.microsoft.com/office/powerpoint/2010/main" val="2664419150"/>
+        <p14:creationId xmlns:p14="http://schemas.microsoft.com/office/powerpoint/2010/main" val="478470969"/>
       </p:ext>
     </p:extLst>
   </p:cSld>
@@ -1396,7 +1467,10 @@
           <a:bodyPr/>
           <a:lstStyle/>
           <a:p>
-            <a:endParaRPr lang="en-US" dirty="0"/>
+            <a:r>
+              <a:rPr lang="en-US" dirty="0"/>
+              <a:t>.25m</a:t>
+            </a:r>
           </a:p>
         </p:txBody>
       </p:sp>
@@ -1417,7 +1491,7 @@
           <a:p>
             <a:fld id="{9B7FE9FA-6C9D-4D34-A513-E1A47B0ABA56}" type="slidenum">
               <a:rPr lang="en-US" smtClean="0"/>
-              <a:t>35</a:t>
+              <a:t>20</a:t>
             </a:fld>
             <a:endParaRPr lang="en-US"/>
           </a:p>
@@ -1426,7 +1500,7 @@
     </p:spTree>
     <p:extLst>
       <p:ext uri="{BB962C8B-B14F-4D97-AF65-F5344CB8AC3E}">
-        <p14:creationId xmlns:p14="http://schemas.microsoft.com/office/powerpoint/2010/main" val="4274513299"/>
+        <p14:creationId xmlns:p14="http://schemas.microsoft.com/office/powerpoint/2010/main" val="3160666122"/>
       </p:ext>
     </p:extLst>
   </p:cSld>
@@ -1482,7 +1556,7 @@
           <a:p>
             <a:r>
               <a:rPr lang="en-US" dirty="0"/>
-              <a:t>SHARP</a:t>
+              <a:t>.5m</a:t>
             </a:r>
           </a:p>
         </p:txBody>
@@ -1514,6 +1588,982 @@
     <p:extLst>
       <p:ext uri="{BB962C8B-B14F-4D97-AF65-F5344CB8AC3E}">
         <p14:creationId xmlns:p14="http://schemas.microsoft.com/office/powerpoint/2010/main" val="2256236389"/>
+      </p:ext>
+    </p:extLst>
+  </p:cSld>
+  <p:clrMapOvr>
+    <a:masterClrMapping/>
+  </p:clrMapOvr>
+</p:notes>
+</file>
+
+<file path=ppt/notesSlides/notesSlide20.xml><?xml version="1.0" encoding="utf-8"?>
+<p:notes xmlns:a="http://schemas.openxmlformats.org/drawingml/2006/main" xmlns:r="http://schemas.openxmlformats.org/officeDocument/2006/relationships" xmlns:p="http://schemas.openxmlformats.org/presentationml/2006/main">
+  <p:cSld>
+    <p:spTree>
+      <p:nvGrpSpPr>
+        <p:cNvPr id="1" name=""/>
+        <p:cNvGrpSpPr/>
+        <p:nvPr/>
+      </p:nvGrpSpPr>
+      <p:grpSpPr>
+        <a:xfrm>
+          <a:off x="0" y="0"/>
+          <a:ext cx="0" cy="0"/>
+          <a:chOff x="0" y="0"/>
+          <a:chExt cx="0" cy="0"/>
+        </a:xfrm>
+      </p:grpSpPr>
+      <p:sp>
+        <p:nvSpPr>
+          <p:cNvPr id="2" name="Slide Image Placeholder 1"/>
+          <p:cNvSpPr>
+            <a:spLocks noGrp="1" noRot="1" noChangeAspect="1"/>
+          </p:cNvSpPr>
+          <p:nvPr>
+            <p:ph type="sldImg"/>
+          </p:nvPr>
+        </p:nvSpPr>
+        <p:spPr/>
+      </p:sp>
+      <p:sp>
+        <p:nvSpPr>
+          <p:cNvPr id="3" name="Notes Placeholder 2"/>
+          <p:cNvSpPr>
+            <a:spLocks noGrp="1"/>
+          </p:cNvSpPr>
+          <p:nvPr>
+            <p:ph type="body" idx="1"/>
+          </p:nvPr>
+        </p:nvSpPr>
+        <p:spPr/>
+        <p:txBody>
+          <a:bodyPr/>
+          <a:lstStyle/>
+          <a:p>
+            <a:r>
+              <a:rPr lang="en-US" dirty="0"/>
+              <a:t>.5m</a:t>
+            </a:r>
+          </a:p>
+        </p:txBody>
+      </p:sp>
+      <p:sp>
+        <p:nvSpPr>
+          <p:cNvPr id="4" name="Slide Number Placeholder 3"/>
+          <p:cNvSpPr>
+            <a:spLocks noGrp="1"/>
+          </p:cNvSpPr>
+          <p:nvPr>
+            <p:ph type="sldNum" sz="quarter" idx="5"/>
+          </p:nvPr>
+        </p:nvSpPr>
+        <p:spPr/>
+        <p:txBody>
+          <a:bodyPr/>
+          <a:lstStyle/>
+          <a:p>
+            <a:fld id="{9B7FE9FA-6C9D-4D34-A513-E1A47B0ABA56}" type="slidenum">
+              <a:rPr lang="en-US" smtClean="0"/>
+              <a:t>21</a:t>
+            </a:fld>
+            <a:endParaRPr lang="en-US"/>
+          </a:p>
+        </p:txBody>
+      </p:sp>
+    </p:spTree>
+    <p:extLst>
+      <p:ext uri="{BB962C8B-B14F-4D97-AF65-F5344CB8AC3E}">
+        <p14:creationId xmlns:p14="http://schemas.microsoft.com/office/powerpoint/2010/main" val="3640467335"/>
+      </p:ext>
+    </p:extLst>
+  </p:cSld>
+  <p:clrMapOvr>
+    <a:masterClrMapping/>
+  </p:clrMapOvr>
+</p:notes>
+</file>
+
+<file path=ppt/notesSlides/notesSlide21.xml><?xml version="1.0" encoding="utf-8"?>
+<p:notes xmlns:a="http://schemas.openxmlformats.org/drawingml/2006/main" xmlns:r="http://schemas.openxmlformats.org/officeDocument/2006/relationships" xmlns:p="http://schemas.openxmlformats.org/presentationml/2006/main">
+  <p:cSld>
+    <p:spTree>
+      <p:nvGrpSpPr>
+        <p:cNvPr id="1" name=""/>
+        <p:cNvGrpSpPr/>
+        <p:nvPr/>
+      </p:nvGrpSpPr>
+      <p:grpSpPr>
+        <a:xfrm>
+          <a:off x="0" y="0"/>
+          <a:ext cx="0" cy="0"/>
+          <a:chOff x="0" y="0"/>
+          <a:chExt cx="0" cy="0"/>
+        </a:xfrm>
+      </p:grpSpPr>
+      <p:sp>
+        <p:nvSpPr>
+          <p:cNvPr id="2" name="Slide Image Placeholder 1"/>
+          <p:cNvSpPr>
+            <a:spLocks noGrp="1" noRot="1" noChangeAspect="1"/>
+          </p:cNvSpPr>
+          <p:nvPr>
+            <p:ph type="sldImg"/>
+          </p:nvPr>
+        </p:nvSpPr>
+        <p:spPr/>
+      </p:sp>
+      <p:sp>
+        <p:nvSpPr>
+          <p:cNvPr id="3" name="Notes Placeholder 2"/>
+          <p:cNvSpPr>
+            <a:spLocks noGrp="1"/>
+          </p:cNvSpPr>
+          <p:nvPr>
+            <p:ph type="body" idx="1"/>
+          </p:nvPr>
+        </p:nvSpPr>
+        <p:spPr/>
+        <p:txBody>
+          <a:bodyPr/>
+          <a:lstStyle/>
+          <a:p>
+            <a:r>
+              <a:rPr lang="en-US" dirty="0"/>
+              <a:t>.25m</a:t>
+            </a:r>
+          </a:p>
+        </p:txBody>
+      </p:sp>
+      <p:sp>
+        <p:nvSpPr>
+          <p:cNvPr id="4" name="Slide Number Placeholder 3"/>
+          <p:cNvSpPr>
+            <a:spLocks noGrp="1"/>
+          </p:cNvSpPr>
+          <p:nvPr>
+            <p:ph type="sldNum" sz="quarter" idx="5"/>
+          </p:nvPr>
+        </p:nvSpPr>
+        <p:spPr/>
+        <p:txBody>
+          <a:bodyPr/>
+          <a:lstStyle/>
+          <a:p>
+            <a:fld id="{9B7FE9FA-6C9D-4D34-A513-E1A47B0ABA56}" type="slidenum">
+              <a:rPr lang="en-US" smtClean="0"/>
+              <a:t>22</a:t>
+            </a:fld>
+            <a:endParaRPr lang="en-US"/>
+          </a:p>
+        </p:txBody>
+      </p:sp>
+    </p:spTree>
+    <p:extLst>
+      <p:ext uri="{BB962C8B-B14F-4D97-AF65-F5344CB8AC3E}">
+        <p14:creationId xmlns:p14="http://schemas.microsoft.com/office/powerpoint/2010/main" val="1415270206"/>
+      </p:ext>
+    </p:extLst>
+  </p:cSld>
+  <p:clrMapOvr>
+    <a:masterClrMapping/>
+  </p:clrMapOvr>
+</p:notes>
+</file>
+
+<file path=ppt/notesSlides/notesSlide22.xml><?xml version="1.0" encoding="utf-8"?>
+<p:notes xmlns:a="http://schemas.openxmlformats.org/drawingml/2006/main" xmlns:r="http://schemas.openxmlformats.org/officeDocument/2006/relationships" xmlns:p="http://schemas.openxmlformats.org/presentationml/2006/main">
+  <p:cSld>
+    <p:spTree>
+      <p:nvGrpSpPr>
+        <p:cNvPr id="1" name=""/>
+        <p:cNvGrpSpPr/>
+        <p:nvPr/>
+      </p:nvGrpSpPr>
+      <p:grpSpPr>
+        <a:xfrm>
+          <a:off x="0" y="0"/>
+          <a:ext cx="0" cy="0"/>
+          <a:chOff x="0" y="0"/>
+          <a:chExt cx="0" cy="0"/>
+        </a:xfrm>
+      </p:grpSpPr>
+      <p:sp>
+        <p:nvSpPr>
+          <p:cNvPr id="2" name="Slide Image Placeholder 1"/>
+          <p:cNvSpPr>
+            <a:spLocks noGrp="1" noRot="1" noChangeAspect="1"/>
+          </p:cNvSpPr>
+          <p:nvPr>
+            <p:ph type="sldImg"/>
+          </p:nvPr>
+        </p:nvSpPr>
+        <p:spPr/>
+      </p:sp>
+      <p:sp>
+        <p:nvSpPr>
+          <p:cNvPr id="3" name="Notes Placeholder 2"/>
+          <p:cNvSpPr>
+            <a:spLocks noGrp="1"/>
+          </p:cNvSpPr>
+          <p:nvPr>
+            <p:ph type="body" idx="1"/>
+          </p:nvPr>
+        </p:nvSpPr>
+        <p:spPr/>
+        <p:txBody>
+          <a:bodyPr/>
+          <a:lstStyle/>
+          <a:p>
+            <a:r>
+              <a:rPr lang="en-US" dirty="0"/>
+              <a:t>2m</a:t>
+            </a:r>
+          </a:p>
+          <a:p>
+            <a:endParaRPr lang="en-US" dirty="0"/>
+          </a:p>
+          <a:p>
+            <a:pPr marL="0" indent="0">
+              <a:buNone/>
+            </a:pPr>
+            <a:r>
+              <a:rPr lang="en-US" dirty="0"/>
+              <a:t>Experiment vs improvement</a:t>
+            </a:r>
+          </a:p>
+          <a:p>
+            <a:pPr marL="0" indent="0">
+              <a:buNone/>
+            </a:pPr>
+            <a:endParaRPr lang="en-US" dirty="0"/>
+          </a:p>
+          <a:p>
+            <a:r>
+              <a:rPr lang="en-US" dirty="0"/>
+              <a:t>The purpose of an </a:t>
+            </a:r>
+            <a:r>
+              <a:rPr lang="en-US" b="1" dirty="0"/>
+              <a:t>improvement</a:t>
+            </a:r>
+            <a:r>
+              <a:rPr lang="en-US" dirty="0"/>
+              <a:t> is to directly reduce debt – you know your ROI</a:t>
+            </a:r>
+          </a:p>
+          <a:p>
+            <a:endParaRPr lang="en-US" dirty="0"/>
+          </a:p>
+          <a:p>
+            <a:r>
+              <a:rPr lang="en-US" dirty="0"/>
+              <a:t>The purpose of an </a:t>
+            </a:r>
+            <a:r>
+              <a:rPr lang="en-US" b="1" dirty="0"/>
+              <a:t>experiment</a:t>
+            </a:r>
+            <a:r>
+              <a:rPr lang="en-US" dirty="0"/>
+              <a:t> is to learn what improvements should be done later – you’re finding the ROI</a:t>
+            </a:r>
+          </a:p>
+          <a:p>
+            <a:endParaRPr lang="en-US" dirty="0"/>
+          </a:p>
+          <a:p>
+            <a:r>
+              <a:rPr lang="en-US" dirty="0"/>
+              <a:t>Understanding the proper ratio between experiments and improvements</a:t>
+            </a:r>
+          </a:p>
+          <a:p>
+            <a:endParaRPr lang="en-US" dirty="0"/>
+          </a:p>
+        </p:txBody>
+      </p:sp>
+      <p:sp>
+        <p:nvSpPr>
+          <p:cNvPr id="4" name="Slide Number Placeholder 3"/>
+          <p:cNvSpPr>
+            <a:spLocks noGrp="1"/>
+          </p:cNvSpPr>
+          <p:nvPr>
+            <p:ph type="sldNum" sz="quarter" idx="5"/>
+          </p:nvPr>
+        </p:nvSpPr>
+        <p:spPr/>
+        <p:txBody>
+          <a:bodyPr/>
+          <a:lstStyle/>
+          <a:p>
+            <a:fld id="{9B7FE9FA-6C9D-4D34-A513-E1A47B0ABA56}" type="slidenum">
+              <a:rPr lang="en-US" smtClean="0"/>
+              <a:t>23</a:t>
+            </a:fld>
+            <a:endParaRPr lang="en-US"/>
+          </a:p>
+        </p:txBody>
+      </p:sp>
+    </p:spTree>
+    <p:extLst>
+      <p:ext uri="{BB962C8B-B14F-4D97-AF65-F5344CB8AC3E}">
+        <p14:creationId xmlns:p14="http://schemas.microsoft.com/office/powerpoint/2010/main" val="1476661288"/>
+      </p:ext>
+    </p:extLst>
+  </p:cSld>
+  <p:clrMapOvr>
+    <a:masterClrMapping/>
+  </p:clrMapOvr>
+</p:notes>
+</file>
+
+<file path=ppt/notesSlides/notesSlide23.xml><?xml version="1.0" encoding="utf-8"?>
+<p:notes xmlns:a="http://schemas.openxmlformats.org/drawingml/2006/main" xmlns:r="http://schemas.openxmlformats.org/officeDocument/2006/relationships" xmlns:p="http://schemas.openxmlformats.org/presentationml/2006/main">
+  <p:cSld>
+    <p:spTree>
+      <p:nvGrpSpPr>
+        <p:cNvPr id="1" name=""/>
+        <p:cNvGrpSpPr/>
+        <p:nvPr/>
+      </p:nvGrpSpPr>
+      <p:grpSpPr>
+        <a:xfrm>
+          <a:off x="0" y="0"/>
+          <a:ext cx="0" cy="0"/>
+          <a:chOff x="0" y="0"/>
+          <a:chExt cx="0" cy="0"/>
+        </a:xfrm>
+      </p:grpSpPr>
+      <p:sp>
+        <p:nvSpPr>
+          <p:cNvPr id="2" name="Slide Image Placeholder 1"/>
+          <p:cNvSpPr>
+            <a:spLocks noGrp="1" noRot="1" noChangeAspect="1"/>
+          </p:cNvSpPr>
+          <p:nvPr>
+            <p:ph type="sldImg"/>
+          </p:nvPr>
+        </p:nvSpPr>
+        <p:spPr/>
+      </p:sp>
+      <p:sp>
+        <p:nvSpPr>
+          <p:cNvPr id="3" name="Notes Placeholder 2"/>
+          <p:cNvSpPr>
+            <a:spLocks noGrp="1"/>
+          </p:cNvSpPr>
+          <p:nvPr>
+            <p:ph type="body" idx="1"/>
+          </p:nvPr>
+        </p:nvSpPr>
+        <p:spPr/>
+        <p:txBody>
+          <a:bodyPr/>
+          <a:lstStyle/>
+          <a:p>
+            <a:r>
+              <a:rPr lang="en-US" dirty="0"/>
+              <a:t>2m</a:t>
+            </a:r>
+          </a:p>
+          <a:p>
+            <a:endParaRPr lang="en-US" dirty="0"/>
+          </a:p>
+          <a:p>
+            <a:pPr marL="0" indent="0">
+              <a:buNone/>
+            </a:pPr>
+            <a:r>
+              <a:rPr lang="en-US" dirty="0"/>
+              <a:t>Shifting from task to mindset – ACTUALLY trusting the teams to run your business. How many dollars do you lose by letting teams screw up versus how many dollars do you lose by NOT letting teams innovate?</a:t>
+            </a:r>
+          </a:p>
+          <a:p>
+            <a:pPr marL="0" indent="0">
+              <a:buNone/>
+            </a:pPr>
+            <a:endParaRPr lang="en-US" dirty="0"/>
+          </a:p>
+          <a:p>
+            <a:pPr marL="0" indent="0">
+              <a:buNone/>
+            </a:pPr>
+            <a:r>
+              <a:rPr lang="en-US" dirty="0"/>
+              <a:t>And yes, there is a way to do this without leaders losing their jobs!</a:t>
+            </a:r>
+          </a:p>
+          <a:p>
+            <a:pPr marL="0" indent="0">
+              <a:buNone/>
+            </a:pPr>
+            <a:endParaRPr lang="en-US" dirty="0"/>
+          </a:p>
+          <a:p>
+            <a:pPr marL="0" indent="0">
+              <a:buNone/>
+            </a:pPr>
+            <a:r>
+              <a:rPr lang="en-US" dirty="0"/>
+              <a:t>Tableau story</a:t>
+            </a:r>
+          </a:p>
+          <a:p>
+            <a:endParaRPr lang="en-US" dirty="0"/>
+          </a:p>
+        </p:txBody>
+      </p:sp>
+      <p:sp>
+        <p:nvSpPr>
+          <p:cNvPr id="4" name="Slide Number Placeholder 3"/>
+          <p:cNvSpPr>
+            <a:spLocks noGrp="1"/>
+          </p:cNvSpPr>
+          <p:nvPr>
+            <p:ph type="sldNum" sz="quarter" idx="5"/>
+          </p:nvPr>
+        </p:nvSpPr>
+        <p:spPr/>
+        <p:txBody>
+          <a:bodyPr/>
+          <a:lstStyle/>
+          <a:p>
+            <a:fld id="{9B7FE9FA-6C9D-4D34-A513-E1A47B0ABA56}" type="slidenum">
+              <a:rPr lang="en-US" smtClean="0"/>
+              <a:t>24</a:t>
+            </a:fld>
+            <a:endParaRPr lang="en-US"/>
+          </a:p>
+        </p:txBody>
+      </p:sp>
+    </p:spTree>
+    <p:extLst>
+      <p:ext uri="{BB962C8B-B14F-4D97-AF65-F5344CB8AC3E}">
+        <p14:creationId xmlns:p14="http://schemas.microsoft.com/office/powerpoint/2010/main" val="4265355941"/>
+      </p:ext>
+    </p:extLst>
+  </p:cSld>
+  <p:clrMapOvr>
+    <a:masterClrMapping/>
+  </p:clrMapOvr>
+</p:notes>
+</file>
+
+<file path=ppt/notesSlides/notesSlide24.xml><?xml version="1.0" encoding="utf-8"?>
+<p:notes xmlns:a="http://schemas.openxmlformats.org/drawingml/2006/main" xmlns:r="http://schemas.openxmlformats.org/officeDocument/2006/relationships" xmlns:p="http://schemas.openxmlformats.org/presentationml/2006/main">
+  <p:cSld>
+    <p:spTree>
+      <p:nvGrpSpPr>
+        <p:cNvPr id="1" name=""/>
+        <p:cNvGrpSpPr/>
+        <p:nvPr/>
+      </p:nvGrpSpPr>
+      <p:grpSpPr>
+        <a:xfrm>
+          <a:off x="0" y="0"/>
+          <a:ext cx="0" cy="0"/>
+          <a:chOff x="0" y="0"/>
+          <a:chExt cx="0" cy="0"/>
+        </a:xfrm>
+      </p:grpSpPr>
+      <p:sp>
+        <p:nvSpPr>
+          <p:cNvPr id="2" name="Slide Image Placeholder 1"/>
+          <p:cNvSpPr>
+            <a:spLocks noGrp="1" noRot="1" noChangeAspect="1"/>
+          </p:cNvSpPr>
+          <p:nvPr>
+            <p:ph type="sldImg"/>
+          </p:nvPr>
+        </p:nvSpPr>
+        <p:spPr/>
+      </p:sp>
+      <p:sp>
+        <p:nvSpPr>
+          <p:cNvPr id="3" name="Notes Placeholder 2"/>
+          <p:cNvSpPr>
+            <a:spLocks noGrp="1"/>
+          </p:cNvSpPr>
+          <p:nvPr>
+            <p:ph type="body" idx="1"/>
+          </p:nvPr>
+        </p:nvSpPr>
+        <p:spPr/>
+        <p:txBody>
+          <a:bodyPr/>
+          <a:lstStyle/>
+          <a:p>
+            <a:r>
+              <a:rPr lang="en-US" dirty="0"/>
+              <a:t>1m</a:t>
+            </a:r>
+          </a:p>
+        </p:txBody>
+      </p:sp>
+      <p:sp>
+        <p:nvSpPr>
+          <p:cNvPr id="4" name="Slide Number Placeholder 3"/>
+          <p:cNvSpPr>
+            <a:spLocks noGrp="1"/>
+          </p:cNvSpPr>
+          <p:nvPr>
+            <p:ph type="sldNum" sz="quarter" idx="5"/>
+          </p:nvPr>
+        </p:nvSpPr>
+        <p:spPr/>
+        <p:txBody>
+          <a:bodyPr/>
+          <a:lstStyle/>
+          <a:p>
+            <a:fld id="{9B7FE9FA-6C9D-4D34-A513-E1A47B0ABA56}" type="slidenum">
+              <a:rPr lang="en-US" smtClean="0"/>
+              <a:t>25</a:t>
+            </a:fld>
+            <a:endParaRPr lang="en-US"/>
+          </a:p>
+        </p:txBody>
+      </p:sp>
+    </p:spTree>
+    <p:extLst>
+      <p:ext uri="{BB962C8B-B14F-4D97-AF65-F5344CB8AC3E}">
+        <p14:creationId xmlns:p14="http://schemas.microsoft.com/office/powerpoint/2010/main" val="1062284097"/>
+      </p:ext>
+    </p:extLst>
+  </p:cSld>
+  <p:clrMapOvr>
+    <a:masterClrMapping/>
+  </p:clrMapOvr>
+</p:notes>
+</file>
+
+<file path=ppt/notesSlides/notesSlide25.xml><?xml version="1.0" encoding="utf-8"?>
+<p:notes xmlns:a="http://schemas.openxmlformats.org/drawingml/2006/main" xmlns:r="http://schemas.openxmlformats.org/officeDocument/2006/relationships" xmlns:p="http://schemas.openxmlformats.org/presentationml/2006/main">
+  <p:cSld>
+    <p:spTree>
+      <p:nvGrpSpPr>
+        <p:cNvPr id="1" name=""/>
+        <p:cNvGrpSpPr/>
+        <p:nvPr/>
+      </p:nvGrpSpPr>
+      <p:grpSpPr>
+        <a:xfrm>
+          <a:off x="0" y="0"/>
+          <a:ext cx="0" cy="0"/>
+          <a:chOff x="0" y="0"/>
+          <a:chExt cx="0" cy="0"/>
+        </a:xfrm>
+      </p:grpSpPr>
+      <p:sp>
+        <p:nvSpPr>
+          <p:cNvPr id="2" name="Slide Image Placeholder 1"/>
+          <p:cNvSpPr>
+            <a:spLocks noGrp="1" noRot="1" noChangeAspect="1"/>
+          </p:cNvSpPr>
+          <p:nvPr>
+            <p:ph type="sldImg"/>
+          </p:nvPr>
+        </p:nvSpPr>
+        <p:spPr/>
+      </p:sp>
+      <p:sp>
+        <p:nvSpPr>
+          <p:cNvPr id="3" name="Notes Placeholder 2"/>
+          <p:cNvSpPr>
+            <a:spLocks noGrp="1"/>
+          </p:cNvSpPr>
+          <p:nvPr>
+            <p:ph type="body" idx="1"/>
+          </p:nvPr>
+        </p:nvSpPr>
+        <p:spPr/>
+        <p:txBody>
+          <a:bodyPr/>
+          <a:lstStyle/>
+          <a:p>
+            <a:r>
+              <a:rPr lang="en-US" dirty="0"/>
+              <a:t>1m</a:t>
+            </a:r>
+          </a:p>
+        </p:txBody>
+      </p:sp>
+      <p:sp>
+        <p:nvSpPr>
+          <p:cNvPr id="4" name="Slide Number Placeholder 3"/>
+          <p:cNvSpPr>
+            <a:spLocks noGrp="1"/>
+          </p:cNvSpPr>
+          <p:nvPr>
+            <p:ph type="sldNum" sz="quarter" idx="5"/>
+          </p:nvPr>
+        </p:nvSpPr>
+        <p:spPr/>
+        <p:txBody>
+          <a:bodyPr/>
+          <a:lstStyle/>
+          <a:p>
+            <a:fld id="{9B7FE9FA-6C9D-4D34-A513-E1A47B0ABA56}" type="slidenum">
+              <a:rPr lang="en-US" smtClean="0"/>
+              <a:t>26</a:t>
+            </a:fld>
+            <a:endParaRPr lang="en-US"/>
+          </a:p>
+        </p:txBody>
+      </p:sp>
+    </p:spTree>
+    <p:extLst>
+      <p:ext uri="{BB962C8B-B14F-4D97-AF65-F5344CB8AC3E}">
+        <p14:creationId xmlns:p14="http://schemas.microsoft.com/office/powerpoint/2010/main" val="1062549338"/>
+      </p:ext>
+    </p:extLst>
+  </p:cSld>
+  <p:clrMapOvr>
+    <a:masterClrMapping/>
+  </p:clrMapOvr>
+</p:notes>
+</file>
+
+<file path=ppt/notesSlides/notesSlide26.xml><?xml version="1.0" encoding="utf-8"?>
+<p:notes xmlns:a="http://schemas.openxmlformats.org/drawingml/2006/main" xmlns:r="http://schemas.openxmlformats.org/officeDocument/2006/relationships" xmlns:p="http://schemas.openxmlformats.org/presentationml/2006/main">
+  <p:cSld>
+    <p:spTree>
+      <p:nvGrpSpPr>
+        <p:cNvPr id="1" name=""/>
+        <p:cNvGrpSpPr/>
+        <p:nvPr/>
+      </p:nvGrpSpPr>
+      <p:grpSpPr>
+        <a:xfrm>
+          <a:off x="0" y="0"/>
+          <a:ext cx="0" cy="0"/>
+          <a:chOff x="0" y="0"/>
+          <a:chExt cx="0" cy="0"/>
+        </a:xfrm>
+      </p:grpSpPr>
+      <p:sp>
+        <p:nvSpPr>
+          <p:cNvPr id="2" name="Slide Image Placeholder 1"/>
+          <p:cNvSpPr>
+            <a:spLocks noGrp="1" noRot="1" noChangeAspect="1"/>
+          </p:cNvSpPr>
+          <p:nvPr>
+            <p:ph type="sldImg"/>
+          </p:nvPr>
+        </p:nvSpPr>
+        <p:spPr/>
+      </p:sp>
+      <p:sp>
+        <p:nvSpPr>
+          <p:cNvPr id="3" name="Notes Placeholder 2"/>
+          <p:cNvSpPr>
+            <a:spLocks noGrp="1"/>
+          </p:cNvSpPr>
+          <p:nvPr>
+            <p:ph type="body" idx="1"/>
+          </p:nvPr>
+        </p:nvSpPr>
+        <p:spPr/>
+        <p:txBody>
+          <a:bodyPr/>
+          <a:lstStyle/>
+          <a:p>
+            <a:r>
+              <a:rPr lang="en-US" dirty="0"/>
+              <a:t>10m</a:t>
+            </a:r>
+          </a:p>
+        </p:txBody>
+      </p:sp>
+      <p:sp>
+        <p:nvSpPr>
+          <p:cNvPr id="4" name="Slide Number Placeholder 3"/>
+          <p:cNvSpPr>
+            <a:spLocks noGrp="1"/>
+          </p:cNvSpPr>
+          <p:nvPr>
+            <p:ph type="sldNum" sz="quarter" idx="5"/>
+          </p:nvPr>
+        </p:nvSpPr>
+        <p:spPr/>
+        <p:txBody>
+          <a:bodyPr/>
+          <a:lstStyle/>
+          <a:p>
+            <a:fld id="{9B7FE9FA-6C9D-4D34-A513-E1A47B0ABA56}" type="slidenum">
+              <a:rPr lang="en-US" smtClean="0"/>
+              <a:t>27</a:t>
+            </a:fld>
+            <a:endParaRPr lang="en-US"/>
+          </a:p>
+        </p:txBody>
+      </p:sp>
+    </p:spTree>
+    <p:extLst>
+      <p:ext uri="{BB962C8B-B14F-4D97-AF65-F5344CB8AC3E}">
+        <p14:creationId xmlns:p14="http://schemas.microsoft.com/office/powerpoint/2010/main" val="3995473330"/>
+      </p:ext>
+    </p:extLst>
+  </p:cSld>
+  <p:clrMapOvr>
+    <a:masterClrMapping/>
+  </p:clrMapOvr>
+</p:notes>
+</file>
+
+<file path=ppt/notesSlides/notesSlide27.xml><?xml version="1.0" encoding="utf-8"?>
+<p:notes xmlns:a="http://schemas.openxmlformats.org/drawingml/2006/main" xmlns:r="http://schemas.openxmlformats.org/officeDocument/2006/relationships" xmlns:p="http://schemas.openxmlformats.org/presentationml/2006/main">
+  <p:cSld>
+    <p:spTree>
+      <p:nvGrpSpPr>
+        <p:cNvPr id="1" name=""/>
+        <p:cNvGrpSpPr/>
+        <p:nvPr/>
+      </p:nvGrpSpPr>
+      <p:grpSpPr>
+        <a:xfrm>
+          <a:off x="0" y="0"/>
+          <a:ext cx="0" cy="0"/>
+          <a:chOff x="0" y="0"/>
+          <a:chExt cx="0" cy="0"/>
+        </a:xfrm>
+      </p:grpSpPr>
+      <p:sp>
+        <p:nvSpPr>
+          <p:cNvPr id="2" name="Slide Image Placeholder 1"/>
+          <p:cNvSpPr>
+            <a:spLocks noGrp="1" noRot="1" noChangeAspect="1"/>
+          </p:cNvSpPr>
+          <p:nvPr>
+            <p:ph type="sldImg"/>
+          </p:nvPr>
+        </p:nvSpPr>
+        <p:spPr/>
+      </p:sp>
+      <p:sp>
+        <p:nvSpPr>
+          <p:cNvPr id="3" name="Notes Placeholder 2"/>
+          <p:cNvSpPr>
+            <a:spLocks noGrp="1"/>
+          </p:cNvSpPr>
+          <p:nvPr>
+            <p:ph type="body" idx="1"/>
+          </p:nvPr>
+        </p:nvSpPr>
+        <p:spPr/>
+        <p:txBody>
+          <a:bodyPr/>
+          <a:lstStyle/>
+          <a:p>
+            <a:r>
+              <a:rPr lang="en-US" dirty="0"/>
+              <a:t>.5m</a:t>
+            </a:r>
+          </a:p>
+        </p:txBody>
+      </p:sp>
+      <p:sp>
+        <p:nvSpPr>
+          <p:cNvPr id="4" name="Slide Number Placeholder 3"/>
+          <p:cNvSpPr>
+            <a:spLocks noGrp="1"/>
+          </p:cNvSpPr>
+          <p:nvPr>
+            <p:ph type="sldNum" sz="quarter" idx="5"/>
+          </p:nvPr>
+        </p:nvSpPr>
+        <p:spPr/>
+        <p:txBody>
+          <a:bodyPr/>
+          <a:lstStyle/>
+          <a:p>
+            <a:fld id="{9B7FE9FA-6C9D-4D34-A513-E1A47B0ABA56}" type="slidenum">
+              <a:rPr lang="en-US" smtClean="0"/>
+              <a:t>28</a:t>
+            </a:fld>
+            <a:endParaRPr lang="en-US"/>
+          </a:p>
+        </p:txBody>
+      </p:sp>
+    </p:spTree>
+    <p:extLst>
+      <p:ext uri="{BB962C8B-B14F-4D97-AF65-F5344CB8AC3E}">
+        <p14:creationId xmlns:p14="http://schemas.microsoft.com/office/powerpoint/2010/main" val="709674624"/>
+      </p:ext>
+    </p:extLst>
+  </p:cSld>
+  <p:clrMapOvr>
+    <a:masterClrMapping/>
+  </p:clrMapOvr>
+</p:notes>
+</file>
+
+<file path=ppt/notesSlides/notesSlide28.xml><?xml version="1.0" encoding="utf-8"?>
+<p:notes xmlns:a="http://schemas.openxmlformats.org/drawingml/2006/main" xmlns:r="http://schemas.openxmlformats.org/officeDocument/2006/relationships" xmlns:p="http://schemas.openxmlformats.org/presentationml/2006/main">
+  <p:cSld>
+    <p:spTree>
+      <p:nvGrpSpPr>
+        <p:cNvPr id="1" name=""/>
+        <p:cNvGrpSpPr/>
+        <p:nvPr/>
+      </p:nvGrpSpPr>
+      <p:grpSpPr>
+        <a:xfrm>
+          <a:off x="0" y="0"/>
+          <a:ext cx="0" cy="0"/>
+          <a:chOff x="0" y="0"/>
+          <a:chExt cx="0" cy="0"/>
+        </a:xfrm>
+      </p:grpSpPr>
+      <p:sp>
+        <p:nvSpPr>
+          <p:cNvPr id="2" name="Slide Image Placeholder 1"/>
+          <p:cNvSpPr>
+            <a:spLocks noGrp="1" noRot="1" noChangeAspect="1"/>
+          </p:cNvSpPr>
+          <p:nvPr>
+            <p:ph type="sldImg"/>
+          </p:nvPr>
+        </p:nvSpPr>
+        <p:spPr/>
+      </p:sp>
+      <p:sp>
+        <p:nvSpPr>
+          <p:cNvPr id="3" name="Notes Placeholder 2"/>
+          <p:cNvSpPr>
+            <a:spLocks noGrp="1"/>
+          </p:cNvSpPr>
+          <p:nvPr>
+            <p:ph type="body" idx="1"/>
+          </p:nvPr>
+        </p:nvSpPr>
+        <p:spPr/>
+        <p:txBody>
+          <a:bodyPr/>
+          <a:lstStyle/>
+          <a:p>
+            <a:r>
+              <a:rPr lang="en-US" dirty="0"/>
+              <a:t>1m</a:t>
+            </a:r>
+          </a:p>
+        </p:txBody>
+      </p:sp>
+      <p:sp>
+        <p:nvSpPr>
+          <p:cNvPr id="4" name="Slide Number Placeholder 3"/>
+          <p:cNvSpPr>
+            <a:spLocks noGrp="1"/>
+          </p:cNvSpPr>
+          <p:nvPr>
+            <p:ph type="sldNum" sz="quarter" idx="5"/>
+          </p:nvPr>
+        </p:nvSpPr>
+        <p:spPr/>
+        <p:txBody>
+          <a:bodyPr/>
+          <a:lstStyle/>
+          <a:p>
+            <a:fld id="{9B7FE9FA-6C9D-4D34-A513-E1A47B0ABA56}" type="slidenum">
+              <a:rPr lang="en-US" smtClean="0"/>
+              <a:t>29</a:t>
+            </a:fld>
+            <a:endParaRPr lang="en-US"/>
+          </a:p>
+        </p:txBody>
+      </p:sp>
+    </p:spTree>
+    <p:extLst>
+      <p:ext uri="{BB962C8B-B14F-4D97-AF65-F5344CB8AC3E}">
+        <p14:creationId xmlns:p14="http://schemas.microsoft.com/office/powerpoint/2010/main" val="4139163054"/>
+      </p:ext>
+    </p:extLst>
+  </p:cSld>
+  <p:clrMapOvr>
+    <a:masterClrMapping/>
+  </p:clrMapOvr>
+</p:notes>
+</file>
+
+<file path=ppt/notesSlides/notesSlide29.xml><?xml version="1.0" encoding="utf-8"?>
+<p:notes xmlns:a="http://schemas.openxmlformats.org/drawingml/2006/main" xmlns:r="http://schemas.openxmlformats.org/officeDocument/2006/relationships" xmlns:p="http://schemas.openxmlformats.org/presentationml/2006/main">
+  <p:cSld>
+    <p:spTree>
+      <p:nvGrpSpPr>
+        <p:cNvPr id="1" name=""/>
+        <p:cNvGrpSpPr/>
+        <p:nvPr/>
+      </p:nvGrpSpPr>
+      <p:grpSpPr>
+        <a:xfrm>
+          <a:off x="0" y="0"/>
+          <a:ext cx="0" cy="0"/>
+          <a:chOff x="0" y="0"/>
+          <a:chExt cx="0" cy="0"/>
+        </a:xfrm>
+      </p:grpSpPr>
+      <p:sp>
+        <p:nvSpPr>
+          <p:cNvPr id="2" name="Slide Image Placeholder 1"/>
+          <p:cNvSpPr>
+            <a:spLocks noGrp="1" noRot="1" noChangeAspect="1"/>
+          </p:cNvSpPr>
+          <p:nvPr>
+            <p:ph type="sldImg"/>
+          </p:nvPr>
+        </p:nvSpPr>
+        <p:spPr/>
+      </p:sp>
+      <p:sp>
+        <p:nvSpPr>
+          <p:cNvPr id="3" name="Notes Placeholder 2"/>
+          <p:cNvSpPr>
+            <a:spLocks noGrp="1"/>
+          </p:cNvSpPr>
+          <p:nvPr>
+            <p:ph type="body" idx="1"/>
+          </p:nvPr>
+        </p:nvSpPr>
+        <p:spPr/>
+        <p:txBody>
+          <a:bodyPr/>
+          <a:lstStyle/>
+          <a:p>
+            <a:r>
+              <a:rPr lang="en-US" dirty="0"/>
+              <a:t>.5m</a:t>
+            </a:r>
+          </a:p>
+        </p:txBody>
+      </p:sp>
+      <p:sp>
+        <p:nvSpPr>
+          <p:cNvPr id="4" name="Slide Number Placeholder 3"/>
+          <p:cNvSpPr>
+            <a:spLocks noGrp="1"/>
+          </p:cNvSpPr>
+          <p:nvPr>
+            <p:ph type="sldNum" sz="quarter" idx="5"/>
+          </p:nvPr>
+        </p:nvSpPr>
+        <p:spPr/>
+        <p:txBody>
+          <a:bodyPr/>
+          <a:lstStyle/>
+          <a:p>
+            <a:fld id="{9B7FE9FA-6C9D-4D34-A513-E1A47B0ABA56}" type="slidenum">
+              <a:rPr lang="en-US" smtClean="0"/>
+              <a:t>30</a:t>
+            </a:fld>
+            <a:endParaRPr lang="en-US"/>
+          </a:p>
+        </p:txBody>
+      </p:sp>
+    </p:spTree>
+    <p:extLst>
+      <p:ext uri="{BB962C8B-B14F-4D97-AF65-F5344CB8AC3E}">
+        <p14:creationId xmlns:p14="http://schemas.microsoft.com/office/powerpoint/2010/main" val="2912420269"/>
       </p:ext>
     </p:extLst>
   </p:cSld>
@@ -1569,7 +2619,7 @@
           <a:p>
             <a:r>
               <a:rPr lang="en-US" dirty="0"/>
-              <a:t>POV</a:t>
+              <a:t>.25m</a:t>
             </a:r>
           </a:p>
         </p:txBody>
@@ -1601,6 +2651,699 @@
     <p:extLst>
       <p:ext uri="{BB962C8B-B14F-4D97-AF65-F5344CB8AC3E}">
         <p14:creationId xmlns:p14="http://schemas.microsoft.com/office/powerpoint/2010/main" val="3480029804"/>
+      </p:ext>
+    </p:extLst>
+  </p:cSld>
+  <p:clrMapOvr>
+    <a:masterClrMapping/>
+  </p:clrMapOvr>
+</p:notes>
+</file>
+
+<file path=ppt/notesSlides/notesSlide30.xml><?xml version="1.0" encoding="utf-8"?>
+<p:notes xmlns:a="http://schemas.openxmlformats.org/drawingml/2006/main" xmlns:r="http://schemas.openxmlformats.org/officeDocument/2006/relationships" xmlns:p="http://schemas.openxmlformats.org/presentationml/2006/main">
+  <p:cSld>
+    <p:spTree>
+      <p:nvGrpSpPr>
+        <p:cNvPr id="1" name=""/>
+        <p:cNvGrpSpPr/>
+        <p:nvPr/>
+      </p:nvGrpSpPr>
+      <p:grpSpPr>
+        <a:xfrm>
+          <a:off x="0" y="0"/>
+          <a:ext cx="0" cy="0"/>
+          <a:chOff x="0" y="0"/>
+          <a:chExt cx="0" cy="0"/>
+        </a:xfrm>
+      </p:grpSpPr>
+      <p:sp>
+        <p:nvSpPr>
+          <p:cNvPr id="2" name="Slide Image Placeholder 1"/>
+          <p:cNvSpPr>
+            <a:spLocks noGrp="1" noRot="1" noChangeAspect="1"/>
+          </p:cNvSpPr>
+          <p:nvPr>
+            <p:ph type="sldImg"/>
+          </p:nvPr>
+        </p:nvSpPr>
+        <p:spPr/>
+      </p:sp>
+      <p:sp>
+        <p:nvSpPr>
+          <p:cNvPr id="3" name="Notes Placeholder 2"/>
+          <p:cNvSpPr>
+            <a:spLocks noGrp="1"/>
+          </p:cNvSpPr>
+          <p:nvPr>
+            <p:ph type="body" idx="1"/>
+          </p:nvPr>
+        </p:nvSpPr>
+        <p:spPr/>
+        <p:txBody>
+          <a:bodyPr/>
+          <a:lstStyle/>
+          <a:p>
+            <a:r>
+              <a:rPr lang="en-US" dirty="0"/>
+              <a:t>.25m</a:t>
+            </a:r>
+          </a:p>
+        </p:txBody>
+      </p:sp>
+      <p:sp>
+        <p:nvSpPr>
+          <p:cNvPr id="4" name="Slide Number Placeholder 3"/>
+          <p:cNvSpPr>
+            <a:spLocks noGrp="1"/>
+          </p:cNvSpPr>
+          <p:nvPr>
+            <p:ph type="sldNum" sz="quarter" idx="5"/>
+          </p:nvPr>
+        </p:nvSpPr>
+        <p:spPr/>
+        <p:txBody>
+          <a:bodyPr/>
+          <a:lstStyle/>
+          <a:p>
+            <a:fld id="{9B7FE9FA-6C9D-4D34-A513-E1A47B0ABA56}" type="slidenum">
+              <a:rPr lang="en-US" smtClean="0"/>
+              <a:t>31</a:t>
+            </a:fld>
+            <a:endParaRPr lang="en-US"/>
+          </a:p>
+        </p:txBody>
+      </p:sp>
+    </p:spTree>
+    <p:extLst>
+      <p:ext uri="{BB962C8B-B14F-4D97-AF65-F5344CB8AC3E}">
+        <p14:creationId xmlns:p14="http://schemas.microsoft.com/office/powerpoint/2010/main" val="1518396784"/>
+      </p:ext>
+    </p:extLst>
+  </p:cSld>
+  <p:clrMapOvr>
+    <a:masterClrMapping/>
+  </p:clrMapOvr>
+</p:notes>
+</file>
+
+<file path=ppt/notesSlides/notesSlide31.xml><?xml version="1.0" encoding="utf-8"?>
+<p:notes xmlns:a="http://schemas.openxmlformats.org/drawingml/2006/main" xmlns:r="http://schemas.openxmlformats.org/officeDocument/2006/relationships" xmlns:p="http://schemas.openxmlformats.org/presentationml/2006/main">
+  <p:cSld>
+    <p:spTree>
+      <p:nvGrpSpPr>
+        <p:cNvPr id="1" name=""/>
+        <p:cNvGrpSpPr/>
+        <p:nvPr/>
+      </p:nvGrpSpPr>
+      <p:grpSpPr>
+        <a:xfrm>
+          <a:off x="0" y="0"/>
+          <a:ext cx="0" cy="0"/>
+          <a:chOff x="0" y="0"/>
+          <a:chExt cx="0" cy="0"/>
+        </a:xfrm>
+      </p:grpSpPr>
+      <p:sp>
+        <p:nvSpPr>
+          <p:cNvPr id="2" name="Slide Image Placeholder 1"/>
+          <p:cNvSpPr>
+            <a:spLocks noGrp="1" noRot="1" noChangeAspect="1"/>
+          </p:cNvSpPr>
+          <p:nvPr>
+            <p:ph type="sldImg"/>
+          </p:nvPr>
+        </p:nvSpPr>
+        <p:spPr/>
+      </p:sp>
+      <p:sp>
+        <p:nvSpPr>
+          <p:cNvPr id="3" name="Notes Placeholder 2"/>
+          <p:cNvSpPr>
+            <a:spLocks noGrp="1"/>
+          </p:cNvSpPr>
+          <p:nvPr>
+            <p:ph type="body" idx="1"/>
+          </p:nvPr>
+        </p:nvSpPr>
+        <p:spPr/>
+        <p:txBody>
+          <a:bodyPr/>
+          <a:lstStyle/>
+          <a:p>
+            <a:r>
+              <a:rPr lang="en-US" dirty="0"/>
+              <a:t>1m</a:t>
+            </a:r>
+          </a:p>
+        </p:txBody>
+      </p:sp>
+      <p:sp>
+        <p:nvSpPr>
+          <p:cNvPr id="4" name="Slide Number Placeholder 3"/>
+          <p:cNvSpPr>
+            <a:spLocks noGrp="1"/>
+          </p:cNvSpPr>
+          <p:nvPr>
+            <p:ph type="sldNum" sz="quarter" idx="5"/>
+          </p:nvPr>
+        </p:nvSpPr>
+        <p:spPr/>
+        <p:txBody>
+          <a:bodyPr/>
+          <a:lstStyle/>
+          <a:p>
+            <a:fld id="{9B7FE9FA-6C9D-4D34-A513-E1A47B0ABA56}" type="slidenum">
+              <a:rPr lang="en-US" smtClean="0"/>
+              <a:t>32</a:t>
+            </a:fld>
+            <a:endParaRPr lang="en-US"/>
+          </a:p>
+        </p:txBody>
+      </p:sp>
+    </p:spTree>
+    <p:extLst>
+      <p:ext uri="{BB962C8B-B14F-4D97-AF65-F5344CB8AC3E}">
+        <p14:creationId xmlns:p14="http://schemas.microsoft.com/office/powerpoint/2010/main" val="3470883838"/>
+      </p:ext>
+    </p:extLst>
+  </p:cSld>
+  <p:clrMapOvr>
+    <a:masterClrMapping/>
+  </p:clrMapOvr>
+</p:notes>
+</file>
+
+<file path=ppt/notesSlides/notesSlide32.xml><?xml version="1.0" encoding="utf-8"?>
+<p:notes xmlns:a="http://schemas.openxmlformats.org/drawingml/2006/main" xmlns:r="http://schemas.openxmlformats.org/officeDocument/2006/relationships" xmlns:p="http://schemas.openxmlformats.org/presentationml/2006/main">
+  <p:cSld>
+    <p:spTree>
+      <p:nvGrpSpPr>
+        <p:cNvPr id="1" name=""/>
+        <p:cNvGrpSpPr/>
+        <p:nvPr/>
+      </p:nvGrpSpPr>
+      <p:grpSpPr>
+        <a:xfrm>
+          <a:off x="0" y="0"/>
+          <a:ext cx="0" cy="0"/>
+          <a:chOff x="0" y="0"/>
+          <a:chExt cx="0" cy="0"/>
+        </a:xfrm>
+      </p:grpSpPr>
+      <p:sp>
+        <p:nvSpPr>
+          <p:cNvPr id="2" name="Slide Image Placeholder 1"/>
+          <p:cNvSpPr>
+            <a:spLocks noGrp="1" noRot="1" noChangeAspect="1"/>
+          </p:cNvSpPr>
+          <p:nvPr>
+            <p:ph type="sldImg"/>
+          </p:nvPr>
+        </p:nvSpPr>
+        <p:spPr/>
+      </p:sp>
+      <p:sp>
+        <p:nvSpPr>
+          <p:cNvPr id="3" name="Notes Placeholder 2"/>
+          <p:cNvSpPr>
+            <a:spLocks noGrp="1"/>
+          </p:cNvSpPr>
+          <p:nvPr>
+            <p:ph type="body" idx="1"/>
+          </p:nvPr>
+        </p:nvSpPr>
+        <p:spPr/>
+        <p:txBody>
+          <a:bodyPr/>
+          <a:lstStyle/>
+          <a:p>
+            <a:r>
+              <a:rPr lang="en-US" dirty="0"/>
+              <a:t>1m</a:t>
+            </a:r>
+          </a:p>
+        </p:txBody>
+      </p:sp>
+      <p:sp>
+        <p:nvSpPr>
+          <p:cNvPr id="4" name="Slide Number Placeholder 3"/>
+          <p:cNvSpPr>
+            <a:spLocks noGrp="1"/>
+          </p:cNvSpPr>
+          <p:nvPr>
+            <p:ph type="sldNum" sz="quarter" idx="5"/>
+          </p:nvPr>
+        </p:nvSpPr>
+        <p:spPr/>
+        <p:txBody>
+          <a:bodyPr/>
+          <a:lstStyle/>
+          <a:p>
+            <a:fld id="{9B7FE9FA-6C9D-4D34-A513-E1A47B0ABA56}" type="slidenum">
+              <a:rPr lang="en-US" smtClean="0"/>
+              <a:t>33</a:t>
+            </a:fld>
+            <a:endParaRPr lang="en-US"/>
+          </a:p>
+        </p:txBody>
+      </p:sp>
+    </p:spTree>
+    <p:extLst>
+      <p:ext uri="{BB962C8B-B14F-4D97-AF65-F5344CB8AC3E}">
+        <p14:creationId xmlns:p14="http://schemas.microsoft.com/office/powerpoint/2010/main" val="129671068"/>
+      </p:ext>
+    </p:extLst>
+  </p:cSld>
+  <p:clrMapOvr>
+    <a:masterClrMapping/>
+  </p:clrMapOvr>
+</p:notes>
+</file>
+
+<file path=ppt/notesSlides/notesSlide33.xml><?xml version="1.0" encoding="utf-8"?>
+<p:notes xmlns:a="http://schemas.openxmlformats.org/drawingml/2006/main" xmlns:r="http://schemas.openxmlformats.org/officeDocument/2006/relationships" xmlns:p="http://schemas.openxmlformats.org/presentationml/2006/main">
+  <p:cSld>
+    <p:spTree>
+      <p:nvGrpSpPr>
+        <p:cNvPr id="1" name=""/>
+        <p:cNvGrpSpPr/>
+        <p:nvPr/>
+      </p:nvGrpSpPr>
+      <p:grpSpPr>
+        <a:xfrm>
+          <a:off x="0" y="0"/>
+          <a:ext cx="0" cy="0"/>
+          <a:chOff x="0" y="0"/>
+          <a:chExt cx="0" cy="0"/>
+        </a:xfrm>
+      </p:grpSpPr>
+      <p:sp>
+        <p:nvSpPr>
+          <p:cNvPr id="2" name="Slide Image Placeholder 1"/>
+          <p:cNvSpPr>
+            <a:spLocks noGrp="1" noRot="1" noChangeAspect="1"/>
+          </p:cNvSpPr>
+          <p:nvPr>
+            <p:ph type="sldImg"/>
+          </p:nvPr>
+        </p:nvSpPr>
+        <p:spPr/>
+      </p:sp>
+      <p:sp>
+        <p:nvSpPr>
+          <p:cNvPr id="3" name="Notes Placeholder 2"/>
+          <p:cNvSpPr>
+            <a:spLocks noGrp="1"/>
+          </p:cNvSpPr>
+          <p:nvPr>
+            <p:ph type="body" idx="1"/>
+          </p:nvPr>
+        </p:nvSpPr>
+        <p:spPr/>
+        <p:txBody>
+          <a:bodyPr/>
+          <a:lstStyle/>
+          <a:p>
+            <a:r>
+              <a:rPr lang="en-US" dirty="0"/>
+              <a:t>1m</a:t>
+            </a:r>
+          </a:p>
+        </p:txBody>
+      </p:sp>
+      <p:sp>
+        <p:nvSpPr>
+          <p:cNvPr id="4" name="Slide Number Placeholder 3"/>
+          <p:cNvSpPr>
+            <a:spLocks noGrp="1"/>
+          </p:cNvSpPr>
+          <p:nvPr>
+            <p:ph type="sldNum" sz="quarter" idx="5"/>
+          </p:nvPr>
+        </p:nvSpPr>
+        <p:spPr/>
+        <p:txBody>
+          <a:bodyPr/>
+          <a:lstStyle/>
+          <a:p>
+            <a:fld id="{9B7FE9FA-6C9D-4D34-A513-E1A47B0ABA56}" type="slidenum">
+              <a:rPr lang="en-US" smtClean="0"/>
+              <a:t>34</a:t>
+            </a:fld>
+            <a:endParaRPr lang="en-US"/>
+          </a:p>
+        </p:txBody>
+      </p:sp>
+    </p:spTree>
+    <p:extLst>
+      <p:ext uri="{BB962C8B-B14F-4D97-AF65-F5344CB8AC3E}">
+        <p14:creationId xmlns:p14="http://schemas.microsoft.com/office/powerpoint/2010/main" val="2732371465"/>
+      </p:ext>
+    </p:extLst>
+  </p:cSld>
+  <p:clrMapOvr>
+    <a:masterClrMapping/>
+  </p:clrMapOvr>
+</p:notes>
+</file>
+
+<file path=ppt/notesSlides/notesSlide34.xml><?xml version="1.0" encoding="utf-8"?>
+<p:notes xmlns:a="http://schemas.openxmlformats.org/drawingml/2006/main" xmlns:r="http://schemas.openxmlformats.org/officeDocument/2006/relationships" xmlns:p="http://schemas.openxmlformats.org/presentationml/2006/main">
+  <p:cSld>
+    <p:spTree>
+      <p:nvGrpSpPr>
+        <p:cNvPr id="1" name=""/>
+        <p:cNvGrpSpPr/>
+        <p:nvPr/>
+      </p:nvGrpSpPr>
+      <p:grpSpPr>
+        <a:xfrm>
+          <a:off x="0" y="0"/>
+          <a:ext cx="0" cy="0"/>
+          <a:chOff x="0" y="0"/>
+          <a:chExt cx="0" cy="0"/>
+        </a:xfrm>
+      </p:grpSpPr>
+      <p:sp>
+        <p:nvSpPr>
+          <p:cNvPr id="2" name="Slide Image Placeholder 1"/>
+          <p:cNvSpPr>
+            <a:spLocks noGrp="1" noRot="1" noChangeAspect="1"/>
+          </p:cNvSpPr>
+          <p:nvPr>
+            <p:ph type="sldImg"/>
+          </p:nvPr>
+        </p:nvSpPr>
+        <p:spPr/>
+      </p:sp>
+      <p:sp>
+        <p:nvSpPr>
+          <p:cNvPr id="3" name="Notes Placeholder 2"/>
+          <p:cNvSpPr>
+            <a:spLocks noGrp="1"/>
+          </p:cNvSpPr>
+          <p:nvPr>
+            <p:ph type="body" idx="1"/>
+          </p:nvPr>
+        </p:nvSpPr>
+        <p:spPr/>
+        <p:txBody>
+          <a:bodyPr/>
+          <a:lstStyle/>
+          <a:p>
+            <a:r>
+              <a:rPr lang="en-US" dirty="0"/>
+              <a:t>1m</a:t>
+            </a:r>
+          </a:p>
+        </p:txBody>
+      </p:sp>
+      <p:sp>
+        <p:nvSpPr>
+          <p:cNvPr id="4" name="Slide Number Placeholder 3"/>
+          <p:cNvSpPr>
+            <a:spLocks noGrp="1"/>
+          </p:cNvSpPr>
+          <p:nvPr>
+            <p:ph type="sldNum" sz="quarter" idx="5"/>
+          </p:nvPr>
+        </p:nvSpPr>
+        <p:spPr/>
+        <p:txBody>
+          <a:bodyPr/>
+          <a:lstStyle/>
+          <a:p>
+            <a:fld id="{9B7FE9FA-6C9D-4D34-A513-E1A47B0ABA56}" type="slidenum">
+              <a:rPr lang="en-US" smtClean="0"/>
+              <a:t>35</a:t>
+            </a:fld>
+            <a:endParaRPr lang="en-US"/>
+          </a:p>
+        </p:txBody>
+      </p:sp>
+    </p:spTree>
+    <p:extLst>
+      <p:ext uri="{BB962C8B-B14F-4D97-AF65-F5344CB8AC3E}">
+        <p14:creationId xmlns:p14="http://schemas.microsoft.com/office/powerpoint/2010/main" val="2896193473"/>
+      </p:ext>
+    </p:extLst>
+  </p:cSld>
+  <p:clrMapOvr>
+    <a:masterClrMapping/>
+  </p:clrMapOvr>
+</p:notes>
+</file>
+
+<file path=ppt/notesSlides/notesSlide35.xml><?xml version="1.0" encoding="utf-8"?>
+<p:notes xmlns:a="http://schemas.openxmlformats.org/drawingml/2006/main" xmlns:r="http://schemas.openxmlformats.org/officeDocument/2006/relationships" xmlns:p="http://schemas.openxmlformats.org/presentationml/2006/main">
+  <p:cSld>
+    <p:spTree>
+      <p:nvGrpSpPr>
+        <p:cNvPr id="1" name=""/>
+        <p:cNvGrpSpPr/>
+        <p:nvPr/>
+      </p:nvGrpSpPr>
+      <p:grpSpPr>
+        <a:xfrm>
+          <a:off x="0" y="0"/>
+          <a:ext cx="0" cy="0"/>
+          <a:chOff x="0" y="0"/>
+          <a:chExt cx="0" cy="0"/>
+        </a:xfrm>
+      </p:grpSpPr>
+      <p:sp>
+        <p:nvSpPr>
+          <p:cNvPr id="2" name="Slide Image Placeholder 1"/>
+          <p:cNvSpPr>
+            <a:spLocks noGrp="1" noRot="1" noChangeAspect="1"/>
+          </p:cNvSpPr>
+          <p:nvPr>
+            <p:ph type="sldImg"/>
+          </p:nvPr>
+        </p:nvSpPr>
+        <p:spPr/>
+      </p:sp>
+      <p:sp>
+        <p:nvSpPr>
+          <p:cNvPr id="3" name="Notes Placeholder 2"/>
+          <p:cNvSpPr>
+            <a:spLocks noGrp="1"/>
+          </p:cNvSpPr>
+          <p:nvPr>
+            <p:ph type="body" idx="1"/>
+          </p:nvPr>
+        </p:nvSpPr>
+        <p:spPr/>
+        <p:txBody>
+          <a:bodyPr/>
+          <a:lstStyle/>
+          <a:p>
+            <a:r>
+              <a:rPr lang="en-US" dirty="0"/>
+              <a:t>1m</a:t>
+            </a:r>
+          </a:p>
+        </p:txBody>
+      </p:sp>
+      <p:sp>
+        <p:nvSpPr>
+          <p:cNvPr id="4" name="Slide Number Placeholder 3"/>
+          <p:cNvSpPr>
+            <a:spLocks noGrp="1"/>
+          </p:cNvSpPr>
+          <p:nvPr>
+            <p:ph type="sldNum" sz="quarter" idx="5"/>
+          </p:nvPr>
+        </p:nvSpPr>
+        <p:spPr/>
+        <p:txBody>
+          <a:bodyPr/>
+          <a:lstStyle/>
+          <a:p>
+            <a:fld id="{9B7FE9FA-6C9D-4D34-A513-E1A47B0ABA56}" type="slidenum">
+              <a:rPr lang="en-US" smtClean="0"/>
+              <a:t>36</a:t>
+            </a:fld>
+            <a:endParaRPr lang="en-US"/>
+          </a:p>
+        </p:txBody>
+      </p:sp>
+    </p:spTree>
+    <p:extLst>
+      <p:ext uri="{BB962C8B-B14F-4D97-AF65-F5344CB8AC3E}">
+        <p14:creationId xmlns:p14="http://schemas.microsoft.com/office/powerpoint/2010/main" val="165378956"/>
+      </p:ext>
+    </p:extLst>
+  </p:cSld>
+  <p:clrMapOvr>
+    <a:masterClrMapping/>
+  </p:clrMapOvr>
+</p:notes>
+</file>
+
+<file path=ppt/notesSlides/notesSlide36.xml><?xml version="1.0" encoding="utf-8"?>
+<p:notes xmlns:a="http://schemas.openxmlformats.org/drawingml/2006/main" xmlns:r="http://schemas.openxmlformats.org/officeDocument/2006/relationships" xmlns:p="http://schemas.openxmlformats.org/presentationml/2006/main">
+  <p:cSld>
+    <p:spTree>
+      <p:nvGrpSpPr>
+        <p:cNvPr id="1" name=""/>
+        <p:cNvGrpSpPr/>
+        <p:nvPr/>
+      </p:nvGrpSpPr>
+      <p:grpSpPr>
+        <a:xfrm>
+          <a:off x="0" y="0"/>
+          <a:ext cx="0" cy="0"/>
+          <a:chOff x="0" y="0"/>
+          <a:chExt cx="0" cy="0"/>
+        </a:xfrm>
+      </p:grpSpPr>
+      <p:sp>
+        <p:nvSpPr>
+          <p:cNvPr id="2" name="Slide Image Placeholder 1"/>
+          <p:cNvSpPr>
+            <a:spLocks noGrp="1" noRot="1" noChangeAspect="1"/>
+          </p:cNvSpPr>
+          <p:nvPr>
+            <p:ph type="sldImg"/>
+          </p:nvPr>
+        </p:nvSpPr>
+        <p:spPr/>
+      </p:sp>
+      <p:sp>
+        <p:nvSpPr>
+          <p:cNvPr id="3" name="Notes Placeholder 2"/>
+          <p:cNvSpPr>
+            <a:spLocks noGrp="1"/>
+          </p:cNvSpPr>
+          <p:nvPr>
+            <p:ph type="body" idx="1"/>
+          </p:nvPr>
+        </p:nvSpPr>
+        <p:spPr/>
+        <p:txBody>
+          <a:bodyPr/>
+          <a:lstStyle/>
+          <a:p>
+            <a:endParaRPr lang="en-US" dirty="0"/>
+          </a:p>
+        </p:txBody>
+      </p:sp>
+      <p:sp>
+        <p:nvSpPr>
+          <p:cNvPr id="4" name="Slide Number Placeholder 3"/>
+          <p:cNvSpPr>
+            <a:spLocks noGrp="1"/>
+          </p:cNvSpPr>
+          <p:nvPr>
+            <p:ph type="sldNum" sz="quarter" idx="5"/>
+          </p:nvPr>
+        </p:nvSpPr>
+        <p:spPr/>
+        <p:txBody>
+          <a:bodyPr/>
+          <a:lstStyle/>
+          <a:p>
+            <a:fld id="{9B7FE9FA-6C9D-4D34-A513-E1A47B0ABA56}" type="slidenum">
+              <a:rPr lang="en-US" smtClean="0"/>
+              <a:t>37</a:t>
+            </a:fld>
+            <a:endParaRPr lang="en-US"/>
+          </a:p>
+        </p:txBody>
+      </p:sp>
+    </p:spTree>
+    <p:extLst>
+      <p:ext uri="{BB962C8B-B14F-4D97-AF65-F5344CB8AC3E}">
+        <p14:creationId xmlns:p14="http://schemas.microsoft.com/office/powerpoint/2010/main" val="4179129381"/>
+      </p:ext>
+    </p:extLst>
+  </p:cSld>
+  <p:clrMapOvr>
+    <a:masterClrMapping/>
+  </p:clrMapOvr>
+</p:notes>
+</file>
+
+<file path=ppt/notesSlides/notesSlide37.xml><?xml version="1.0" encoding="utf-8"?>
+<p:notes xmlns:a="http://schemas.openxmlformats.org/drawingml/2006/main" xmlns:r="http://schemas.openxmlformats.org/officeDocument/2006/relationships" xmlns:p="http://schemas.openxmlformats.org/presentationml/2006/main">
+  <p:cSld>
+    <p:spTree>
+      <p:nvGrpSpPr>
+        <p:cNvPr id="1" name=""/>
+        <p:cNvGrpSpPr/>
+        <p:nvPr/>
+      </p:nvGrpSpPr>
+      <p:grpSpPr>
+        <a:xfrm>
+          <a:off x="0" y="0"/>
+          <a:ext cx="0" cy="0"/>
+          <a:chOff x="0" y="0"/>
+          <a:chExt cx="0" cy="0"/>
+        </a:xfrm>
+      </p:grpSpPr>
+      <p:sp>
+        <p:nvSpPr>
+          <p:cNvPr id="2" name="Slide Image Placeholder 1"/>
+          <p:cNvSpPr>
+            <a:spLocks noGrp="1" noRot="1" noChangeAspect="1"/>
+          </p:cNvSpPr>
+          <p:nvPr>
+            <p:ph type="sldImg"/>
+          </p:nvPr>
+        </p:nvSpPr>
+        <p:spPr/>
+      </p:sp>
+      <p:sp>
+        <p:nvSpPr>
+          <p:cNvPr id="3" name="Notes Placeholder 2"/>
+          <p:cNvSpPr>
+            <a:spLocks noGrp="1"/>
+          </p:cNvSpPr>
+          <p:nvPr>
+            <p:ph type="body" idx="1"/>
+          </p:nvPr>
+        </p:nvSpPr>
+        <p:spPr/>
+        <p:txBody>
+          <a:bodyPr/>
+          <a:lstStyle/>
+          <a:p>
+            <a:r>
+              <a:rPr lang="en-US" dirty="0"/>
+              <a:t>Update from Slide 6’s breakdown of leadership</a:t>
+            </a:r>
+          </a:p>
+        </p:txBody>
+      </p:sp>
+      <p:sp>
+        <p:nvSpPr>
+          <p:cNvPr id="4" name="Slide Number Placeholder 3"/>
+          <p:cNvSpPr>
+            <a:spLocks noGrp="1"/>
+          </p:cNvSpPr>
+          <p:nvPr>
+            <p:ph type="sldNum" sz="quarter" idx="5"/>
+          </p:nvPr>
+        </p:nvSpPr>
+        <p:spPr/>
+        <p:txBody>
+          <a:bodyPr/>
+          <a:lstStyle/>
+          <a:p>
+            <a:fld id="{9B7FE9FA-6C9D-4D34-A513-E1A47B0ABA56}" type="slidenum">
+              <a:rPr lang="en-US" smtClean="0"/>
+              <a:t>39</a:t>
+            </a:fld>
+            <a:endParaRPr lang="en-US"/>
+          </a:p>
+        </p:txBody>
+      </p:sp>
+    </p:spTree>
+    <p:extLst>
+      <p:ext uri="{BB962C8B-B14F-4D97-AF65-F5344CB8AC3E}">
+        <p14:creationId xmlns:p14="http://schemas.microsoft.com/office/powerpoint/2010/main" val="3057376785"/>
       </p:ext>
     </p:extLst>
   </p:cSld>
@@ -1656,7 +3399,7 @@
           <a:p>
             <a:r>
               <a:rPr lang="en-US" dirty="0"/>
-              <a:t>POV</a:t>
+              <a:t>.25m</a:t>
             </a:r>
           </a:p>
         </p:txBody>
@@ -1743,7 +3486,7 @@
           <a:p>
             <a:r>
               <a:rPr lang="en-US" dirty="0"/>
-              <a:t>GAS – mindset shift – just accountability</a:t>
+              <a:t>4m</a:t>
             </a:r>
           </a:p>
         </p:txBody>
@@ -1828,7 +3571,10 @@
           <a:bodyPr/>
           <a:lstStyle/>
           <a:p>
-            <a:endParaRPr lang="en-US" dirty="0"/>
+            <a:r>
+              <a:rPr lang="en-US" dirty="0"/>
+              <a:t>1m</a:t>
+            </a:r>
           </a:p>
         </p:txBody>
       </p:sp>
@@ -1914,7 +3660,7 @@
           <a:p>
             <a:r>
               <a:rPr lang="en-US" dirty="0"/>
-              <a:t>GAS – mindset shift – accountability + ownership</a:t>
+              <a:t>1.5m</a:t>
             </a:r>
           </a:p>
         </p:txBody>
@@ -2018,11 +3764,8 @@
             </a:pPr>
             <a:r>
               <a:rPr lang="en-US" dirty="0"/>
-              <a:t>GAS – mindset shift – just ownership</a:t>
-            </a:r>
-          </a:p>
-          <a:p>
-            <a:endParaRPr lang="en-US" dirty="0"/>
+              <a:t>.5m</a:t>
+            </a:r>
           </a:p>
         </p:txBody>
       </p:sp>
@@ -2106,7 +3849,10 @@
           <a:bodyPr/>
           <a:lstStyle/>
           <a:p>
-            <a:endParaRPr lang="en-US" dirty="0"/>
+            <a:r>
+              <a:rPr lang="en-US" dirty="0"/>
+              <a:t>2m</a:t>
+            </a:r>
           </a:p>
         </p:txBody>
       </p:sp>
@@ -2127,7 +3873,7 @@
           <a:p>
             <a:fld id="{9B7FE9FA-6C9D-4D34-A513-E1A47B0ABA56}" type="slidenum">
               <a:rPr lang="en-US" smtClean="0"/>
-              <a:t>11</a:t>
+              <a:t>10</a:t>
             </a:fld>
             <a:endParaRPr lang="en-US"/>
           </a:p>
@@ -2136,7 +3882,7 @@
     </p:spTree>
     <p:extLst>
       <p:ext uri="{BB962C8B-B14F-4D97-AF65-F5344CB8AC3E}">
-        <p14:creationId xmlns:p14="http://schemas.microsoft.com/office/powerpoint/2010/main" val="3418769574"/>
+        <p14:creationId xmlns:p14="http://schemas.microsoft.com/office/powerpoint/2010/main" val="1998859779"/>
       </p:ext>
     </p:extLst>
   </p:cSld>
@@ -5584,46 +7330,64 @@
         </p:nvSpPr>
         <p:spPr/>
         <p:txBody>
-          <a:bodyPr/>
-          <a:lstStyle/>
-          <a:p>
-            <a:r>
-              <a:rPr lang="en-US" dirty="0"/>
-              <a:t>Gather Disparate Info</a:t>
-            </a:r>
-          </a:p>
-          <a:p>
-            <a:r>
-              <a:rPr lang="en-US" dirty="0"/>
-              <a:t>Gain Alignment on a Direction</a:t>
-            </a:r>
-          </a:p>
-          <a:p>
-            <a:r>
-              <a:rPr lang="en-US" dirty="0"/>
-              <a:t>Ensure Work Gets Done</a:t>
-            </a:r>
-          </a:p>
-          <a:p>
-            <a:r>
-              <a:rPr lang="en-US" dirty="0"/>
-              <a:t>Help Teams See What They Do Well (And Poorly)</a:t>
-            </a:r>
-          </a:p>
-          <a:p>
-            <a:r>
-              <a:rPr lang="en-US" dirty="0"/>
-              <a:t>Supply Opportunities to Improve</a:t>
-            </a:r>
-          </a:p>
-          <a:p>
+          <a:bodyPr>
+            <a:normAutofit/>
+          </a:bodyPr>
+          <a:lstStyle/>
+          <a:p>
+            <a:pPr marL="0" indent="0">
+              <a:buNone/>
+            </a:pPr>
+            <a:r>
+              <a:rPr lang="en-US" dirty="0"/>
+              <a:t>Leaders are told their job is to:</a:t>
+            </a:r>
+          </a:p>
+          <a:p>
+            <a:pPr marL="0" indent="0">
+              <a:buNone/>
+            </a:pPr>
             <a:endParaRPr lang="en-US" dirty="0"/>
           </a:p>
           <a:p>
             <a:r>
               <a:rPr lang="en-US" dirty="0"/>
-              <a:t>{Need to tie back to this later, when talking about the parts}</a:t>
-            </a:r>
+              <a:t>make decisions, </a:t>
+            </a:r>
+          </a:p>
+          <a:p>
+            <a:r>
+              <a:rPr lang="en-US" dirty="0"/>
+              <a:t>improve people, and </a:t>
+            </a:r>
+          </a:p>
+          <a:p>
+            <a:r>
+              <a:rPr lang="en-US" dirty="0"/>
+              <a:t>ensure the right work gets done</a:t>
+            </a:r>
+          </a:p>
+          <a:p>
+            <a:pPr marL="0" indent="0">
+              <a:buNone/>
+            </a:pPr>
+            <a:endParaRPr lang="en-US" dirty="0"/>
+          </a:p>
+          <a:p>
+            <a:pPr marL="0" indent="0">
+              <a:buNone/>
+            </a:pPr>
+            <a:r>
+              <a:rPr lang="en-US" dirty="0" err="1"/>
+              <a:t>Ummmm</a:t>
+            </a:r>
+            <a:r>
+              <a:rPr lang="en-US" dirty="0"/>
+              <a:t>. That’s impossible with real ownership.</a:t>
+            </a:r>
+          </a:p>
+          <a:p>
+            <a:endParaRPr lang="en-US" dirty="0"/>
           </a:p>
         </p:txBody>
       </p:sp>
@@ -5680,17 +7444,17 @@
           <a:p>
             <a:r>
               <a:rPr lang="en-US" dirty="0"/>
-              <a:t>How to not break leaders and not have technical debt</a:t>
-            </a:r>
-          </a:p>
-        </p:txBody>
-      </p:sp>
-      <p:sp>
-        <p:nvSpPr>
-          <p:cNvPr id="3" name="Content Placeholder 2">
-            <a:extLst>
-              <a:ext uri="{FF2B5EF4-FFF2-40B4-BE49-F238E27FC236}">
-                <a16:creationId xmlns:a16="http://schemas.microsoft.com/office/drawing/2014/main" id="{3AD769D7-9714-4B75-9911-4B06FDFEB2A2}"/>
+              <a:t>How to not break leaders … and not have technical debt</a:t>
+            </a:r>
+          </a:p>
+        </p:txBody>
+      </p:sp>
+      <p:sp>
+        <p:nvSpPr>
+          <p:cNvPr id="6" name="Content Placeholder 2">
+            <a:extLst>
+              <a:ext uri="{FF2B5EF4-FFF2-40B4-BE49-F238E27FC236}">
+                <a16:creationId xmlns:a16="http://schemas.microsoft.com/office/drawing/2014/main" id="{A3470ACD-2673-4077-A08B-676377EE479E}"/>
               </a:ext>
             </a:extLst>
           </p:cNvPr>
@@ -5701,32 +7465,276 @@
             <p:ph idx="1"/>
           </p:nvPr>
         </p:nvSpPr>
-        <p:spPr/>
-        <p:txBody>
-          <a:bodyPr/>
-          <a:lstStyle/>
-          <a:p>
-            <a:r>
-              <a:rPr lang="en-US" dirty="0"/>
-              <a:t>Breaks habit of looking to leader for direction</a:t>
-            </a:r>
-          </a:p>
-          <a:p>
-            <a:r>
-              <a:rPr lang="en-US" dirty="0"/>
-              <a:t>Team + leader can see how each team is doing</a:t>
-            </a:r>
-          </a:p>
-          <a:p>
-            <a:r>
-              <a:rPr lang="en-US" dirty="0"/>
-              <a:t>Leaders have clear opportunities to help improve team decision-making, without needing to be in the loop on decisions</a:t>
-            </a:r>
-          </a:p>
-          <a:p>
-            <a:r>
-              <a:rPr lang="en-US" dirty="0"/>
-              <a:t>Rewards teams for taking action, for making healthy mistakes, and for learning.</a:t>
+        <p:spPr>
+          <a:xfrm>
+            <a:off x="838200" y="2362199"/>
+            <a:ext cx="4610099" cy="3814763"/>
+          </a:xfrm>
+        </p:spPr>
+        <p:txBody>
+          <a:bodyPr>
+            <a:normAutofit/>
+          </a:bodyPr>
+          <a:lstStyle/>
+          <a:p>
+            <a:pPr marL="0" indent="0">
+              <a:buNone/>
+            </a:pPr>
+            <a:r>
+              <a:rPr lang="en-US" dirty="0"/>
+              <a:t>Instead of asking leaders to</a:t>
+            </a:r>
+          </a:p>
+          <a:p>
+            <a:pPr marL="0" indent="0">
+              <a:buNone/>
+            </a:pPr>
+            <a:endParaRPr lang="en-US" dirty="0"/>
+          </a:p>
+          <a:p>
+            <a:r>
+              <a:rPr lang="en-US" dirty="0"/>
+              <a:t>make decisions, </a:t>
+            </a:r>
+          </a:p>
+          <a:p>
+            <a:r>
+              <a:rPr lang="en-US" dirty="0"/>
+              <a:t>improve people, and </a:t>
+            </a:r>
+          </a:p>
+          <a:p>
+            <a:r>
+              <a:rPr lang="en-US" dirty="0"/>
+              <a:t>ensure the right work gets done</a:t>
+            </a:r>
+          </a:p>
+        </p:txBody>
+      </p:sp>
+      <p:sp>
+        <p:nvSpPr>
+          <p:cNvPr id="7" name="Content Placeholder 2">
+            <a:extLst>
+              <a:ext uri="{FF2B5EF4-FFF2-40B4-BE49-F238E27FC236}">
+                <a16:creationId xmlns:a16="http://schemas.microsoft.com/office/drawing/2014/main" id="{0B3F382A-839F-4E87-B9EA-E2F7982CBC5B}"/>
+              </a:ext>
+            </a:extLst>
+          </p:cNvPr>
+          <p:cNvSpPr txBox="1">
+            <a:spLocks/>
+          </p:cNvSpPr>
+          <p:nvPr/>
+        </p:nvSpPr>
+        <p:spPr>
+          <a:xfrm>
+            <a:off x="5562600" y="2362199"/>
+            <a:ext cx="6467475" cy="3814763"/>
+          </a:xfrm>
+          <a:prstGeom prst="rect">
+            <a:avLst/>
+          </a:prstGeom>
+        </p:spPr>
+        <p:txBody>
+          <a:bodyPr vert="horz" lIns="91440" tIns="45720" rIns="91440" bIns="45720" rtlCol="0">
+            <a:normAutofit/>
+          </a:bodyPr>
+          <a:lstStyle>
+            <a:lvl1pPr marL="228600" indent="-228600" algn="l" defTabSz="914400" rtl="0" eaLnBrk="1" latinLnBrk="0" hangingPunct="1">
+              <a:lnSpc>
+                <a:spcPct val="90000"/>
+              </a:lnSpc>
+              <a:spcBef>
+                <a:spcPts val="1000"/>
+              </a:spcBef>
+              <a:buFont typeface="Arial" panose="020B0604020202020204" pitchFamily="34" charset="0"/>
+              <a:buChar char="•"/>
+              <a:defRPr sz="2800" kern="1200">
+                <a:solidFill>
+                  <a:schemeClr val="tx1"/>
+                </a:solidFill>
+                <a:latin typeface="+mn-lt"/>
+                <a:ea typeface="+mn-ea"/>
+                <a:cs typeface="+mn-cs"/>
+              </a:defRPr>
+            </a:lvl1pPr>
+            <a:lvl2pPr marL="685800" indent="-228600" algn="l" defTabSz="914400" rtl="0" eaLnBrk="1" latinLnBrk="0" hangingPunct="1">
+              <a:lnSpc>
+                <a:spcPct val="90000"/>
+              </a:lnSpc>
+              <a:spcBef>
+                <a:spcPts val="500"/>
+              </a:spcBef>
+              <a:buFont typeface="Arial" panose="020B0604020202020204" pitchFamily="34" charset="0"/>
+              <a:buChar char="•"/>
+              <a:defRPr sz="2400" kern="1200">
+                <a:solidFill>
+                  <a:schemeClr val="tx1"/>
+                </a:solidFill>
+                <a:latin typeface="+mn-lt"/>
+                <a:ea typeface="+mn-ea"/>
+                <a:cs typeface="+mn-cs"/>
+              </a:defRPr>
+            </a:lvl2pPr>
+            <a:lvl3pPr marL="1143000" indent="-228600" algn="l" defTabSz="914400" rtl="0" eaLnBrk="1" latinLnBrk="0" hangingPunct="1">
+              <a:lnSpc>
+                <a:spcPct val="90000"/>
+              </a:lnSpc>
+              <a:spcBef>
+                <a:spcPts val="500"/>
+              </a:spcBef>
+              <a:buFont typeface="Arial" panose="020B0604020202020204" pitchFamily="34" charset="0"/>
+              <a:buChar char="•"/>
+              <a:defRPr sz="2000" kern="1200">
+                <a:solidFill>
+                  <a:schemeClr val="tx1"/>
+                </a:solidFill>
+                <a:latin typeface="+mn-lt"/>
+                <a:ea typeface="+mn-ea"/>
+                <a:cs typeface="+mn-cs"/>
+              </a:defRPr>
+            </a:lvl3pPr>
+            <a:lvl4pPr marL="1600200" indent="-228600" algn="l" defTabSz="914400" rtl="0" eaLnBrk="1" latinLnBrk="0" hangingPunct="1">
+              <a:lnSpc>
+                <a:spcPct val="90000"/>
+              </a:lnSpc>
+              <a:spcBef>
+                <a:spcPts val="500"/>
+              </a:spcBef>
+              <a:buFont typeface="Arial" panose="020B0604020202020204" pitchFamily="34" charset="0"/>
+              <a:buChar char="•"/>
+              <a:defRPr sz="1800" kern="1200">
+                <a:solidFill>
+                  <a:schemeClr val="tx1"/>
+                </a:solidFill>
+                <a:latin typeface="+mn-lt"/>
+                <a:ea typeface="+mn-ea"/>
+                <a:cs typeface="+mn-cs"/>
+              </a:defRPr>
+            </a:lvl4pPr>
+            <a:lvl5pPr marL="2057400" indent="-228600" algn="l" defTabSz="914400" rtl="0" eaLnBrk="1" latinLnBrk="0" hangingPunct="1">
+              <a:lnSpc>
+                <a:spcPct val="90000"/>
+              </a:lnSpc>
+              <a:spcBef>
+                <a:spcPts val="500"/>
+              </a:spcBef>
+              <a:buFont typeface="Arial" panose="020B0604020202020204" pitchFamily="34" charset="0"/>
+              <a:buChar char="•"/>
+              <a:defRPr sz="1800" kern="1200">
+                <a:solidFill>
+                  <a:schemeClr val="tx1"/>
+                </a:solidFill>
+                <a:latin typeface="+mn-lt"/>
+                <a:ea typeface="+mn-ea"/>
+                <a:cs typeface="+mn-cs"/>
+              </a:defRPr>
+            </a:lvl5pPr>
+            <a:lvl6pPr marL="2514600" indent="-228600" algn="l" defTabSz="914400" rtl="0" eaLnBrk="1" latinLnBrk="0" hangingPunct="1">
+              <a:lnSpc>
+                <a:spcPct val="90000"/>
+              </a:lnSpc>
+              <a:spcBef>
+                <a:spcPts val="500"/>
+              </a:spcBef>
+              <a:buFont typeface="Arial" panose="020B0604020202020204" pitchFamily="34" charset="0"/>
+              <a:buChar char="•"/>
+              <a:defRPr sz="1800" kern="1200">
+                <a:solidFill>
+                  <a:schemeClr val="tx1"/>
+                </a:solidFill>
+                <a:latin typeface="+mn-lt"/>
+                <a:ea typeface="+mn-ea"/>
+                <a:cs typeface="+mn-cs"/>
+              </a:defRPr>
+            </a:lvl6pPr>
+            <a:lvl7pPr marL="2971800" indent="-228600" algn="l" defTabSz="914400" rtl="0" eaLnBrk="1" latinLnBrk="0" hangingPunct="1">
+              <a:lnSpc>
+                <a:spcPct val="90000"/>
+              </a:lnSpc>
+              <a:spcBef>
+                <a:spcPts val="500"/>
+              </a:spcBef>
+              <a:buFont typeface="Arial" panose="020B0604020202020204" pitchFamily="34" charset="0"/>
+              <a:buChar char="•"/>
+              <a:defRPr sz="1800" kern="1200">
+                <a:solidFill>
+                  <a:schemeClr val="tx1"/>
+                </a:solidFill>
+                <a:latin typeface="+mn-lt"/>
+                <a:ea typeface="+mn-ea"/>
+                <a:cs typeface="+mn-cs"/>
+              </a:defRPr>
+            </a:lvl7pPr>
+            <a:lvl8pPr marL="3429000" indent="-228600" algn="l" defTabSz="914400" rtl="0" eaLnBrk="1" latinLnBrk="0" hangingPunct="1">
+              <a:lnSpc>
+                <a:spcPct val="90000"/>
+              </a:lnSpc>
+              <a:spcBef>
+                <a:spcPts val="500"/>
+              </a:spcBef>
+              <a:buFont typeface="Arial" panose="020B0604020202020204" pitchFamily="34" charset="0"/>
+              <a:buChar char="•"/>
+              <a:defRPr sz="1800" kern="1200">
+                <a:solidFill>
+                  <a:schemeClr val="tx1"/>
+                </a:solidFill>
+                <a:latin typeface="+mn-lt"/>
+                <a:ea typeface="+mn-ea"/>
+                <a:cs typeface="+mn-cs"/>
+              </a:defRPr>
+            </a:lvl8pPr>
+            <a:lvl9pPr marL="3886200" indent="-228600" algn="l" defTabSz="914400" rtl="0" eaLnBrk="1" latinLnBrk="0" hangingPunct="1">
+              <a:lnSpc>
+                <a:spcPct val="90000"/>
+              </a:lnSpc>
+              <a:spcBef>
+                <a:spcPts val="500"/>
+              </a:spcBef>
+              <a:buFont typeface="Arial" panose="020B0604020202020204" pitchFamily="34" charset="0"/>
+              <a:buChar char="•"/>
+              <a:defRPr sz="1800" kern="1200">
+                <a:solidFill>
+                  <a:schemeClr val="tx1"/>
+                </a:solidFill>
+                <a:latin typeface="+mn-lt"/>
+                <a:ea typeface="+mn-ea"/>
+                <a:cs typeface="+mn-cs"/>
+              </a:defRPr>
+            </a:lvl9pPr>
+          </a:lstStyle>
+          <a:p>
+            <a:pPr marL="0" indent="0">
+              <a:buFont typeface="Arial" panose="020B0604020202020204" pitchFamily="34" charset="0"/>
+              <a:buNone/>
+            </a:pPr>
+            <a:r>
+              <a:rPr lang="en-US" dirty="0"/>
+              <a:t>Let’s ask them to</a:t>
+            </a:r>
+          </a:p>
+          <a:p>
+            <a:pPr marL="0" indent="0">
+              <a:buFont typeface="Arial" panose="020B0604020202020204" pitchFamily="34" charset="0"/>
+              <a:buNone/>
+            </a:pPr>
+            <a:endParaRPr lang="en-US" dirty="0"/>
+          </a:p>
+          <a:p>
+            <a:r>
+              <a:rPr lang="en-US" dirty="0"/>
+              <a:t>improve others’ ability to make decisions </a:t>
+            </a:r>
+          </a:p>
+          <a:p>
+            <a:r>
+              <a:rPr lang="en-US" dirty="0"/>
+              <a:t>be people’s mirrors, and </a:t>
+            </a:r>
+          </a:p>
+          <a:p>
+            <a:r>
+              <a:rPr lang="en-US" dirty="0"/>
+              <a:t>help people understand what they do and don’t know</a:t>
             </a:r>
           </a:p>
         </p:txBody>
@@ -5819,9 +7827,6 @@
             <a:endParaRPr lang="en-US" dirty="0"/>
           </a:p>
           <a:p>
-            <a:endParaRPr lang="en-US" dirty="0"/>
-          </a:p>
-          <a:p>
             <a:r>
               <a:rPr lang="en-US" dirty="0"/>
               <a:t>And this allows local alignment and action, without requiring global alignment. Exactly what we need in order to solve Technical Debt.</a:t>
@@ -5961,11 +7966,17 @@
             <p:ph type="title"/>
           </p:nvPr>
         </p:nvSpPr>
-        <p:spPr/>
-        <p:txBody>
-          <a:bodyPr/>
-          <a:lstStyle/>
-          <a:p>
+        <p:spPr>
+          <a:xfrm>
+            <a:off x="727075" y="128588"/>
+            <a:ext cx="10515600" cy="1119187"/>
+          </a:xfrm>
+        </p:spPr>
+        <p:txBody>
+          <a:bodyPr/>
+          <a:lstStyle/>
+          <a:p>
+            <a:pPr algn="ctr"/>
             <a:r>
               <a:rPr lang="en-US" dirty="0"/>
               <a:t>Let’s Break Down DDL</a:t>
@@ -5973,37 +7984,42 @@
           </a:p>
         </p:txBody>
       </p:sp>
-      <p:sp>
-        <p:nvSpPr>
-          <p:cNvPr id="5" name="Text Placeholder 4">
-            <a:extLst>
-              <a:ext uri="{FF2B5EF4-FFF2-40B4-BE49-F238E27FC236}">
-                <a16:creationId xmlns:a16="http://schemas.microsoft.com/office/drawing/2014/main" id="{5D1E0F8A-AE68-4932-A73A-67091C02EDD8}"/>
-              </a:ext>
-            </a:extLst>
-          </p:cNvPr>
-          <p:cNvSpPr>
-            <a:spLocks noGrp="1"/>
-          </p:cNvSpPr>
-          <p:nvPr>
-            <p:ph type="body" idx="1"/>
-          </p:nvPr>
-        </p:nvSpPr>
-        <p:spPr/>
-        <p:txBody>
-          <a:bodyPr/>
-          <a:lstStyle/>
-          <a:p>
-            <a:r>
-              <a:rPr lang="en-US" dirty="0"/>
-              <a:t>{big picture for DDL goes here}</a:t>
-            </a:r>
-          </a:p>
-          <a:p>
-            <a:endParaRPr lang="en-US" dirty="0"/>
-          </a:p>
-        </p:txBody>
-      </p:sp>
+      <p:pic>
+        <p:nvPicPr>
+          <p:cNvPr id="11" name="Picture 10">
+            <a:extLst>
+              <a:ext uri="{FF2B5EF4-FFF2-40B4-BE49-F238E27FC236}">
+                <a16:creationId xmlns:a16="http://schemas.microsoft.com/office/drawing/2014/main" id="{834E9632-0077-49EA-B367-6C5ADD1E2C4B}"/>
+              </a:ext>
+            </a:extLst>
+          </p:cNvPr>
+          <p:cNvPicPr>
+            <a:picLocks noChangeAspect="1"/>
+          </p:cNvPicPr>
+          <p:nvPr/>
+        </p:nvPicPr>
+        <p:blipFill>
+          <a:blip r:embed="rId3">
+            <a:extLst>
+              <a:ext uri="{28A0092B-C50C-407E-A947-70E740481C1C}">
+                <a14:useLocalDpi xmlns:a14="http://schemas.microsoft.com/office/drawing/2010/main" val="0"/>
+              </a:ext>
+            </a:extLst>
+          </a:blip>
+          <a:stretch>
+            <a:fillRect/>
+          </a:stretch>
+        </p:blipFill>
+        <p:spPr>
+          <a:xfrm>
+            <a:off x="0" y="1160689"/>
+            <a:ext cx="12192000" cy="5660571"/>
+          </a:xfrm>
+          <a:prstGeom prst="rect">
+            <a:avLst/>
+          </a:prstGeom>
+        </p:spPr>
+      </p:pic>
     </p:spTree>
     <p:extLst>
       <p:ext uri="{BB962C8B-B14F-4D97-AF65-F5344CB8AC3E}">
@@ -6064,59 +8080,354 @@
       </p:sp>
       <p:sp>
         <p:nvSpPr>
-          <p:cNvPr id="3" name="Content Placeholder 2">
-            <a:extLst>
-              <a:ext uri="{FF2B5EF4-FFF2-40B4-BE49-F238E27FC236}">
-                <a16:creationId xmlns:a16="http://schemas.microsoft.com/office/drawing/2014/main" id="{C51A8DBB-3336-4149-9A50-7F964FD49D91}"/>
-              </a:ext>
-            </a:extLst>
-          </p:cNvPr>
-          <p:cNvSpPr>
-            <a:spLocks noGrp="1"/>
-          </p:cNvSpPr>
-          <p:nvPr>
-            <p:ph idx="1"/>
-          </p:nvPr>
-        </p:nvSpPr>
-        <p:spPr/>
-        <p:txBody>
-          <a:bodyPr/>
-          <a:lstStyle/>
-          <a:p>
-            <a:r>
-              <a:rPr lang="en-US" dirty="0"/>
+          <p:cNvPr id="4" name="Rectangle 3">
+            <a:extLst>
+              <a:ext uri="{FF2B5EF4-FFF2-40B4-BE49-F238E27FC236}">
+                <a16:creationId xmlns:a16="http://schemas.microsoft.com/office/drawing/2014/main" id="{F6D30886-9D58-404F-BEAF-E0414E9A504C}"/>
+              </a:ext>
+            </a:extLst>
+          </p:cNvPr>
+          <p:cNvSpPr/>
+          <p:nvPr/>
+        </p:nvSpPr>
+        <p:spPr>
+          <a:xfrm>
+            <a:off x="1791706" y="1775550"/>
+            <a:ext cx="6275629" cy="400110"/>
+          </a:xfrm>
+          <a:prstGeom prst="rect">
+            <a:avLst/>
+          </a:prstGeom>
+        </p:spPr>
+        <p:txBody>
+          <a:bodyPr wrap="none">
+            <a:spAutoFit/>
+          </a:bodyPr>
+          <a:lstStyle/>
+          <a:p>
+            <a:r>
+              <a:rPr lang="en-US" sz="2000" dirty="0"/>
               <a:t>Adjusts your planning game where you plan different work</a:t>
             </a:r>
           </a:p>
-          <a:p>
-            <a:r>
-              <a:rPr lang="en-US" dirty="0"/>
+        </p:txBody>
+      </p:sp>
+      <p:sp>
+        <p:nvSpPr>
+          <p:cNvPr id="5" name="Rectangle 4">
+            <a:extLst>
+              <a:ext uri="{FF2B5EF4-FFF2-40B4-BE49-F238E27FC236}">
+                <a16:creationId xmlns:a16="http://schemas.microsoft.com/office/drawing/2014/main" id="{083D146B-9A4C-4BE9-B92C-F011EBB9EF0C}"/>
+              </a:ext>
+            </a:extLst>
+          </p:cNvPr>
+          <p:cNvSpPr/>
+          <p:nvPr/>
+        </p:nvSpPr>
+        <p:spPr>
+          <a:xfrm>
+            <a:off x="1791705" y="2809310"/>
+            <a:ext cx="6368923" cy="400110"/>
+          </a:xfrm>
+          <a:prstGeom prst="rect">
+            <a:avLst/>
+          </a:prstGeom>
+        </p:spPr>
+        <p:txBody>
+          <a:bodyPr wrap="none">
+            <a:spAutoFit/>
+          </a:bodyPr>
+          <a:lstStyle/>
+          <a:p>
+            <a:r>
+              <a:rPr lang="en-US" sz="2000" dirty="0"/>
               <a:t>Adjusts your sprint where you do and track work differently</a:t>
             </a:r>
           </a:p>
-          <a:p>
-            <a:r>
-              <a:rPr lang="en-US" dirty="0"/>
+        </p:txBody>
+      </p:sp>
+      <p:sp>
+        <p:nvSpPr>
+          <p:cNvPr id="6" name="Rectangle 5">
+            <a:extLst>
+              <a:ext uri="{FF2B5EF4-FFF2-40B4-BE49-F238E27FC236}">
+                <a16:creationId xmlns:a16="http://schemas.microsoft.com/office/drawing/2014/main" id="{96A30B40-1A8B-4941-974B-8526B704DA3A}"/>
+              </a:ext>
+            </a:extLst>
+          </p:cNvPr>
+          <p:cNvSpPr/>
+          <p:nvPr/>
+        </p:nvSpPr>
+        <p:spPr>
+          <a:xfrm>
+            <a:off x="1791705" y="3815656"/>
+            <a:ext cx="7876169" cy="400110"/>
+          </a:xfrm>
+          <a:prstGeom prst="rect">
+            <a:avLst/>
+          </a:prstGeom>
+        </p:spPr>
+        <p:txBody>
+          <a:bodyPr wrap="square">
+            <a:spAutoFit/>
+          </a:bodyPr>
+          <a:lstStyle/>
+          <a:p>
+            <a:r>
+              <a:rPr lang="en-US" sz="2000" dirty="0"/>
               <a:t>Adds an ownership event where leaders help teams build ownership</a:t>
             </a:r>
           </a:p>
-          <a:p>
-            <a:r>
-              <a:rPr lang="en-US" dirty="0"/>
+        </p:txBody>
+      </p:sp>
+      <p:sp>
+        <p:nvSpPr>
+          <p:cNvPr id="7" name="Rectangle 6">
+            <a:extLst>
+              <a:ext uri="{FF2B5EF4-FFF2-40B4-BE49-F238E27FC236}">
+                <a16:creationId xmlns:a16="http://schemas.microsoft.com/office/drawing/2014/main" id="{16907090-ABD5-48E1-B49C-FCB63FD5707C}"/>
+              </a:ext>
+            </a:extLst>
+          </p:cNvPr>
+          <p:cNvSpPr/>
+          <p:nvPr/>
+        </p:nvSpPr>
+        <p:spPr>
+          <a:xfrm>
+            <a:off x="1791705" y="4878854"/>
+            <a:ext cx="3804568" cy="400110"/>
+          </a:xfrm>
+          <a:prstGeom prst="rect">
+            <a:avLst/>
+          </a:prstGeom>
+        </p:spPr>
+        <p:txBody>
+          <a:bodyPr wrap="none">
+            <a:spAutoFit/>
+          </a:bodyPr>
+          <a:lstStyle/>
+          <a:p>
+            <a:r>
+              <a:rPr lang="en-US" sz="2000" dirty="0"/>
               <a:t>Adjusts how ownership is assessed</a:t>
             </a:r>
           </a:p>
-          <a:p>
-            <a:r>
-              <a:rPr lang="en-US" dirty="0"/>
+        </p:txBody>
+      </p:sp>
+      <p:sp>
+        <p:nvSpPr>
+          <p:cNvPr id="8" name="Rectangle 7">
+            <a:extLst>
+              <a:ext uri="{FF2B5EF4-FFF2-40B4-BE49-F238E27FC236}">
+                <a16:creationId xmlns:a16="http://schemas.microsoft.com/office/drawing/2014/main" id="{2AC15080-823E-49B1-BFF5-28CC38B512E9}"/>
+              </a:ext>
+            </a:extLst>
+          </p:cNvPr>
+          <p:cNvSpPr/>
+          <p:nvPr/>
+        </p:nvSpPr>
+        <p:spPr>
+          <a:xfrm>
+            <a:off x="1791705" y="5910501"/>
+            <a:ext cx="5947590" cy="400110"/>
+          </a:xfrm>
+          <a:prstGeom prst="rect">
+            <a:avLst/>
+          </a:prstGeom>
+        </p:spPr>
+        <p:txBody>
+          <a:bodyPr wrap="none">
+            <a:spAutoFit/>
+          </a:bodyPr>
+          <a:lstStyle/>
+          <a:p>
+            <a:r>
+              <a:rPr lang="en-US" sz="2000" dirty="0"/>
               <a:t>Adjusts your demo where talk about success differently</a:t>
             </a:r>
           </a:p>
-          <a:p>
-            <a:endParaRPr lang="en-US" dirty="0"/>
-          </a:p>
-        </p:txBody>
-      </p:sp>
+        </p:txBody>
+      </p:sp>
+      <p:pic>
+        <p:nvPicPr>
+          <p:cNvPr id="10" name="Picture 9">
+            <a:extLst>
+              <a:ext uri="{FF2B5EF4-FFF2-40B4-BE49-F238E27FC236}">
+                <a16:creationId xmlns:a16="http://schemas.microsoft.com/office/drawing/2014/main" id="{670E0DCC-EB70-4055-AA4E-C7D3588CF0B0}"/>
+              </a:ext>
+            </a:extLst>
+          </p:cNvPr>
+          <p:cNvPicPr>
+            <a:picLocks noChangeAspect="1"/>
+          </p:cNvPicPr>
+          <p:nvPr/>
+        </p:nvPicPr>
+        <p:blipFill>
+          <a:blip r:embed="rId3">
+            <a:extLst>
+              <a:ext uri="{28A0092B-C50C-407E-A947-70E740481C1C}">
+                <a14:useLocalDpi xmlns:a14="http://schemas.microsoft.com/office/drawing/2010/main" val="0"/>
+              </a:ext>
+            </a:extLst>
+          </a:blip>
+          <a:stretch>
+            <a:fillRect/>
+          </a:stretch>
+        </p:blipFill>
+        <p:spPr>
+          <a:xfrm>
+            <a:off x="575414" y="1405747"/>
+            <a:ext cx="1160519" cy="1079841"/>
+          </a:xfrm>
+          <a:prstGeom prst="rect">
+            <a:avLst/>
+          </a:prstGeom>
+        </p:spPr>
+      </p:pic>
+      <p:pic>
+        <p:nvPicPr>
+          <p:cNvPr id="12" name="Picture 11">
+            <a:extLst>
+              <a:ext uri="{FF2B5EF4-FFF2-40B4-BE49-F238E27FC236}">
+                <a16:creationId xmlns:a16="http://schemas.microsoft.com/office/drawing/2014/main" id="{CC12EE61-B1B0-4221-BFB4-4DD6339329E7}"/>
+              </a:ext>
+            </a:extLst>
+          </p:cNvPr>
+          <p:cNvPicPr>
+            <a:picLocks noChangeAspect="1"/>
+          </p:cNvPicPr>
+          <p:nvPr/>
+        </p:nvPicPr>
+        <p:blipFill>
+          <a:blip r:embed="rId4">
+            <a:extLst>
+              <a:ext uri="{28A0092B-C50C-407E-A947-70E740481C1C}">
+                <a14:useLocalDpi xmlns:a14="http://schemas.microsoft.com/office/drawing/2010/main" val="0"/>
+              </a:ext>
+            </a:extLst>
+          </a:blip>
+          <a:stretch>
+            <a:fillRect/>
+          </a:stretch>
+        </p:blipFill>
+        <p:spPr>
+          <a:xfrm>
+            <a:off x="610668" y="3474170"/>
+            <a:ext cx="1123481" cy="1103239"/>
+          </a:xfrm>
+          <a:prstGeom prst="rect">
+            <a:avLst/>
+          </a:prstGeom>
+        </p:spPr>
+      </p:pic>
+      <p:pic>
+        <p:nvPicPr>
+          <p:cNvPr id="14" name="Picture 13">
+            <a:extLst>
+              <a:ext uri="{FF2B5EF4-FFF2-40B4-BE49-F238E27FC236}">
+                <a16:creationId xmlns:a16="http://schemas.microsoft.com/office/drawing/2014/main" id="{5628EF0F-DF00-499A-9BDD-5C3CD7B0C679}"/>
+              </a:ext>
+            </a:extLst>
+          </p:cNvPr>
+          <p:cNvPicPr>
+            <a:picLocks noChangeAspect="1"/>
+          </p:cNvPicPr>
+          <p:nvPr/>
+        </p:nvPicPr>
+        <p:blipFill>
+          <a:blip r:embed="rId5">
+            <a:extLst>
+              <a:ext uri="{28A0092B-C50C-407E-A947-70E740481C1C}">
+                <a14:useLocalDpi xmlns:a14="http://schemas.microsoft.com/office/drawing/2010/main" val="0"/>
+              </a:ext>
+            </a:extLst>
+          </a:blip>
+          <a:stretch>
+            <a:fillRect/>
+          </a:stretch>
+        </p:blipFill>
+        <p:spPr>
+          <a:xfrm>
+            <a:off x="642273" y="5622056"/>
+            <a:ext cx="1063820" cy="1063820"/>
+          </a:xfrm>
+          <a:prstGeom prst="rect">
+            <a:avLst/>
+          </a:prstGeom>
+        </p:spPr>
+      </p:pic>
+      <p:pic>
+        <p:nvPicPr>
+          <p:cNvPr id="16" name="Picture 15">
+            <a:extLst>
+              <a:ext uri="{FF2B5EF4-FFF2-40B4-BE49-F238E27FC236}">
+                <a16:creationId xmlns:a16="http://schemas.microsoft.com/office/drawing/2014/main" id="{FFAF0A0F-30D7-42D0-9022-C6684D1097D8}"/>
+              </a:ext>
+            </a:extLst>
+          </p:cNvPr>
+          <p:cNvPicPr>
+            <a:picLocks noChangeAspect="1"/>
+          </p:cNvPicPr>
+          <p:nvPr/>
+        </p:nvPicPr>
+        <p:blipFill>
+          <a:blip r:embed="rId6">
+            <a:extLst>
+              <a:ext uri="{28A0092B-C50C-407E-A947-70E740481C1C}">
+                <a14:useLocalDpi xmlns:a14="http://schemas.microsoft.com/office/drawing/2010/main" val="0"/>
+              </a:ext>
+            </a:extLst>
+          </a:blip>
+          <a:stretch>
+            <a:fillRect/>
+          </a:stretch>
+        </p:blipFill>
+        <p:spPr>
+          <a:xfrm>
+            <a:off x="622509" y="4576692"/>
+            <a:ext cx="1063818" cy="1057687"/>
+          </a:xfrm>
+          <a:prstGeom prst="rect">
+            <a:avLst/>
+          </a:prstGeom>
+        </p:spPr>
+      </p:pic>
+      <p:pic>
+        <p:nvPicPr>
+          <p:cNvPr id="18" name="Picture 17">
+            <a:extLst>
+              <a:ext uri="{FF2B5EF4-FFF2-40B4-BE49-F238E27FC236}">
+                <a16:creationId xmlns:a16="http://schemas.microsoft.com/office/drawing/2014/main" id="{38FE07F7-A65A-4130-81A8-6C3F68DF1AEA}"/>
+              </a:ext>
+            </a:extLst>
+          </p:cNvPr>
+          <p:cNvPicPr>
+            <a:picLocks noChangeAspect="1"/>
+          </p:cNvPicPr>
+          <p:nvPr/>
+        </p:nvPicPr>
+        <p:blipFill>
+          <a:blip r:embed="rId7">
+            <a:extLst>
+              <a:ext uri="{28A0092B-C50C-407E-A947-70E740481C1C}">
+                <a14:useLocalDpi xmlns:a14="http://schemas.microsoft.com/office/drawing/2010/main" val="0"/>
+              </a:ext>
+            </a:extLst>
+          </a:blip>
+          <a:stretch>
+            <a:fillRect/>
+          </a:stretch>
+        </p:blipFill>
+        <p:spPr>
+          <a:xfrm>
+            <a:off x="642273" y="2412643"/>
+            <a:ext cx="1069406" cy="1112552"/>
+          </a:xfrm>
+          <a:prstGeom prst="rect">
+            <a:avLst/>
+          </a:prstGeom>
+        </p:spPr>
+      </p:pic>
     </p:spTree>
     <p:extLst>
       <p:ext uri="{BB962C8B-B14F-4D97-AF65-F5344CB8AC3E}">
@@ -6163,7 +8474,12 @@
             <p:ph type="title"/>
           </p:nvPr>
         </p:nvSpPr>
-        <p:spPr/>
+        <p:spPr>
+          <a:xfrm>
+            <a:off x="2659226" y="365125"/>
+            <a:ext cx="8694573" cy="1325563"/>
+          </a:xfrm>
+        </p:spPr>
         <p:txBody>
           <a:bodyPr/>
           <a:lstStyle/>
@@ -6191,7 +8507,12 @@
             <p:ph idx="1"/>
           </p:nvPr>
         </p:nvSpPr>
-        <p:spPr/>
+        <p:spPr>
+          <a:xfrm>
+            <a:off x="838200" y="2628899"/>
+            <a:ext cx="10515600" cy="3548063"/>
+          </a:xfrm>
+        </p:spPr>
         <p:txBody>
           <a:bodyPr/>
           <a:lstStyle/>
@@ -6221,6 +8542,42 @@
           </a:p>
         </p:txBody>
       </p:sp>
+      <p:pic>
+        <p:nvPicPr>
+          <p:cNvPr id="5" name="Picture 4">
+            <a:extLst>
+              <a:ext uri="{FF2B5EF4-FFF2-40B4-BE49-F238E27FC236}">
+                <a16:creationId xmlns:a16="http://schemas.microsoft.com/office/drawing/2014/main" id="{EBD60A2C-557F-4C6C-AF27-EC2920764617}"/>
+              </a:ext>
+            </a:extLst>
+          </p:cNvPr>
+          <p:cNvPicPr>
+            <a:picLocks noChangeAspect="1"/>
+          </p:cNvPicPr>
+          <p:nvPr/>
+        </p:nvPicPr>
+        <p:blipFill>
+          <a:blip r:embed="rId3">
+            <a:extLst>
+              <a:ext uri="{28A0092B-C50C-407E-A947-70E740481C1C}">
+                <a14:useLocalDpi xmlns:a14="http://schemas.microsoft.com/office/drawing/2010/main" val="0"/>
+              </a:ext>
+            </a:extLst>
+          </a:blip>
+          <a:stretch>
+            <a:fillRect/>
+          </a:stretch>
+        </p:blipFill>
+        <p:spPr>
+          <a:xfrm>
+            <a:off x="305023" y="133557"/>
+            <a:ext cx="2354204" cy="2190543"/>
+          </a:xfrm>
+          <a:prstGeom prst="rect">
+            <a:avLst/>
+          </a:prstGeom>
+        </p:spPr>
+      </p:pic>
     </p:spTree>
     <p:extLst>
       <p:ext uri="{BB962C8B-B14F-4D97-AF65-F5344CB8AC3E}">
@@ -6256,7 +8613,7 @@
           <p:cNvPr id="2" name="Title 1">
             <a:extLst>
               <a:ext uri="{FF2B5EF4-FFF2-40B4-BE49-F238E27FC236}">
-                <a16:creationId xmlns:a16="http://schemas.microsoft.com/office/drawing/2014/main" id="{52D76755-48C3-450E-8733-EC08EC20B649}"/>
+                <a16:creationId xmlns:a16="http://schemas.microsoft.com/office/drawing/2014/main" id="{04880A77-BC0F-4EC4-87BD-854DD29681D5}"/>
               </a:ext>
             </a:extLst>
           </p:cNvPr>
@@ -6267,14 +8624,19 @@
             <p:ph type="title"/>
           </p:nvPr>
         </p:nvSpPr>
-        <p:spPr/>
-        <p:txBody>
-          <a:bodyPr/>
-          <a:lstStyle/>
-          <a:p>
-            <a:r>
-              <a:rPr lang="en-US" dirty="0"/>
-              <a:t>Planning Experiments - How</a:t>
+        <p:spPr>
+          <a:xfrm>
+            <a:off x="2590800" y="365125"/>
+            <a:ext cx="8762999" cy="1325563"/>
+          </a:xfrm>
+        </p:spPr>
+        <p:txBody>
+          <a:bodyPr/>
+          <a:lstStyle/>
+          <a:p>
+            <a:r>
+              <a:rPr lang="en-US" dirty="0"/>
+              <a:t>Part 2: Running Experiments</a:t>
             </a:r>
           </a:p>
         </p:txBody>
@@ -6284,7 +8646,7 @@
           <p:cNvPr id="3" name="Content Placeholder 2">
             <a:extLst>
               <a:ext uri="{FF2B5EF4-FFF2-40B4-BE49-F238E27FC236}">
-                <a16:creationId xmlns:a16="http://schemas.microsoft.com/office/drawing/2014/main" id="{C51A8DBB-3336-4149-9A50-7F964FD49D91}"/>
+                <a16:creationId xmlns:a16="http://schemas.microsoft.com/office/drawing/2014/main" id="{0918D4B9-2931-48F6-879D-DFF268C6DD95}"/>
               </a:ext>
             </a:extLst>
           </p:cNvPr>
@@ -6295,7 +8657,12 @@
             <p:ph idx="1"/>
           </p:nvPr>
         </p:nvSpPr>
-        <p:spPr/>
+        <p:spPr>
+          <a:xfrm>
+            <a:off x="838200" y="2714625"/>
+            <a:ext cx="10515600" cy="3462338"/>
+          </a:xfrm>
+        </p:spPr>
         <p:txBody>
           <a:bodyPr/>
           <a:lstStyle/>
@@ -6305,75 +8672,66 @@
             </a:pPr>
             <a:r>
               <a:rPr lang="en-US" dirty="0"/>
-              <a:t>Each sprint:</a:t>
-            </a:r>
-          </a:p>
-          <a:p>
-            <a:pPr marL="514350" indent="-514350">
-              <a:buFont typeface="+mj-lt"/>
-              <a:buAutoNum type="arabicPeriod"/>
+              <a:t>Tracking measurements and experiments throughout sprint.</a:t>
+            </a:r>
+          </a:p>
+          <a:p>
+            <a:pPr marL="0" indent="0">
+              <a:buNone/>
             </a:pPr>
-            <a:r>
-              <a:rPr lang="en-US" dirty="0"/>
-              <a:t>Review your pain</a:t>
-            </a:r>
-          </a:p>
-          <a:p>
-            <a:pPr marL="514350" indent="-514350">
-              <a:buFont typeface="+mj-lt"/>
-              <a:buAutoNum type="arabicPeriod"/>
+            <a:endParaRPr lang="en-US" dirty="0"/>
+          </a:p>
+          <a:p>
+            <a:pPr marL="0" indent="0">
+              <a:buNone/>
             </a:pPr>
             <a:r>
               <a:rPr lang="en-US" dirty="0"/>
-              <a:t>Agree what hurts most</a:t>
-            </a:r>
-          </a:p>
-          <a:p>
-            <a:pPr marL="514350" indent="-514350">
-              <a:buFont typeface="+mj-lt"/>
-              <a:buAutoNum type="arabicPeriod"/>
-            </a:pPr>
-            <a:r>
-              <a:rPr lang="en-US" dirty="0"/>
-              <a:t>Decide how to measure progress at pain reduction</a:t>
-            </a:r>
-          </a:p>
-          <a:p>
-            <a:pPr marL="514350" indent="-514350">
-              <a:buFont typeface="+mj-lt"/>
-              <a:buAutoNum type="arabicPeriod"/>
-            </a:pPr>
-            <a:r>
-              <a:rPr lang="en-US" dirty="0"/>
-              <a:t>Define how you will measure that</a:t>
-            </a:r>
-          </a:p>
-          <a:p>
-            <a:pPr marL="514350" indent="-514350">
-              <a:buFont typeface="+mj-lt"/>
-              <a:buAutoNum type="arabicPeriod"/>
-            </a:pPr>
-            <a:r>
-              <a:rPr lang="en-US" dirty="0"/>
-              <a:t>Define some experiments to try</a:t>
-            </a:r>
-          </a:p>
-          <a:p>
-            <a:pPr marL="514350" indent="-514350">
-              <a:buFont typeface="+mj-lt"/>
-              <a:buAutoNum type="arabicPeriod"/>
-            </a:pPr>
-            <a:r>
-              <a:rPr lang="en-US" dirty="0"/>
-              <a:t>If there are any experiments you’ve already tried, define some improvements based on their results</a:t>
-            </a:r>
-          </a:p>
-        </p:txBody>
-      </p:sp>
+              <a:t>NEW CONCEPT: none</a:t>
+            </a:r>
+          </a:p>
+        </p:txBody>
+      </p:sp>
+      <p:pic>
+        <p:nvPicPr>
+          <p:cNvPr id="5" name="Picture 4">
+            <a:extLst>
+              <a:ext uri="{FF2B5EF4-FFF2-40B4-BE49-F238E27FC236}">
+                <a16:creationId xmlns:a16="http://schemas.microsoft.com/office/drawing/2014/main" id="{E29C4CDB-E823-4350-BCFE-AD038CD56869}"/>
+              </a:ext>
+            </a:extLst>
+          </p:cNvPr>
+          <p:cNvPicPr>
+            <a:picLocks noChangeAspect="1"/>
+          </p:cNvPicPr>
+          <p:nvPr/>
+        </p:nvPicPr>
+        <p:blipFill>
+          <a:blip r:embed="rId3">
+            <a:extLst>
+              <a:ext uri="{28A0092B-C50C-407E-A947-70E740481C1C}">
+                <a14:useLocalDpi xmlns:a14="http://schemas.microsoft.com/office/drawing/2010/main" val="0"/>
+              </a:ext>
+            </a:extLst>
+          </a:blip>
+          <a:stretch>
+            <a:fillRect/>
+          </a:stretch>
+        </p:blipFill>
+        <p:spPr>
+          <a:xfrm>
+            <a:off x="461733" y="185498"/>
+            <a:ext cx="2147220" cy="2233852"/>
+          </a:xfrm>
+          <a:prstGeom prst="rect">
+            <a:avLst/>
+          </a:prstGeom>
+        </p:spPr>
+      </p:pic>
     </p:spTree>
     <p:extLst>
       <p:ext uri="{BB962C8B-B14F-4D97-AF65-F5344CB8AC3E}">
-        <p14:creationId xmlns:p14="http://schemas.microsoft.com/office/powerpoint/2010/main" val="1318886380"/>
+        <p14:creationId xmlns:p14="http://schemas.microsoft.com/office/powerpoint/2010/main" val="3771187056"/>
       </p:ext>
     </p:extLst>
   </p:cSld>
@@ -6405,7 +8763,7 @@
           <p:cNvPr id="2" name="Title 1">
             <a:extLst>
               <a:ext uri="{FF2B5EF4-FFF2-40B4-BE49-F238E27FC236}">
-                <a16:creationId xmlns:a16="http://schemas.microsoft.com/office/drawing/2014/main" id="{7368ABDB-C151-4C35-A562-A3A80E333CD7}"/>
+                <a16:creationId xmlns:a16="http://schemas.microsoft.com/office/drawing/2014/main" id="{2B6F1FD2-1E4F-4AFA-90E8-462E1C6A94B9}"/>
               </a:ext>
             </a:extLst>
           </p:cNvPr>
@@ -6416,14 +8774,19 @@
             <p:ph type="title"/>
           </p:nvPr>
         </p:nvSpPr>
-        <p:spPr/>
-        <p:txBody>
-          <a:bodyPr/>
-          <a:lstStyle/>
-          <a:p>
-            <a:r>
-              <a:rPr lang="en-US" dirty="0"/>
-              <a:t>Planning Experiments - Examples</a:t>
+        <p:spPr>
+          <a:xfrm>
+            <a:off x="2790825" y="540543"/>
+            <a:ext cx="8562975" cy="1325563"/>
+          </a:xfrm>
+        </p:spPr>
+        <p:txBody>
+          <a:bodyPr/>
+          <a:lstStyle/>
+          <a:p>
+            <a:r>
+              <a:rPr lang="en-US" dirty="0"/>
+              <a:t>Part 3: Leading Ownership</a:t>
             </a:r>
           </a:p>
         </p:txBody>
@@ -6433,7 +8796,7 @@
           <p:cNvPr id="3" name="Content Placeholder 2">
             <a:extLst>
               <a:ext uri="{FF2B5EF4-FFF2-40B4-BE49-F238E27FC236}">
-                <a16:creationId xmlns:a16="http://schemas.microsoft.com/office/drawing/2014/main" id="{4E2F8BA5-BC4F-4884-AFF7-62083B3594A4}"/>
+                <a16:creationId xmlns:a16="http://schemas.microsoft.com/office/drawing/2014/main" id="{BF74CB31-D053-4643-A45D-1515E27250AA}"/>
               </a:ext>
             </a:extLst>
           </p:cNvPr>
@@ -6444,34 +8807,83 @@
             <p:ph idx="1"/>
           </p:nvPr>
         </p:nvSpPr>
-        <p:spPr/>
-        <p:txBody>
-          <a:bodyPr/>
-          <a:lstStyle/>
-          <a:p>
-            <a:r>
-              <a:rPr lang="en-US" dirty="0"/>
-              <a:t>Pain = Untestable Code</a:t>
-            </a:r>
-          </a:p>
-          <a:p>
-            <a:r>
-              <a:rPr lang="en-US" dirty="0"/>
-              <a:t>Pain = Blocking on Specialties</a:t>
-            </a:r>
-          </a:p>
-          <a:p>
-            <a:r>
-              <a:rPr lang="en-US" dirty="0"/>
-              <a:t>Pain = Bugs Bounce and Hard to Diagnose</a:t>
-            </a:r>
-          </a:p>
-        </p:txBody>
-      </p:sp>
+        <p:spPr>
+          <a:xfrm>
+            <a:off x="838200" y="2619375"/>
+            <a:ext cx="10515600" cy="3557588"/>
+          </a:xfrm>
+        </p:spPr>
+        <p:txBody>
+          <a:bodyPr>
+            <a:normAutofit/>
+          </a:bodyPr>
+          <a:lstStyle/>
+          <a:p>
+            <a:pPr marL="0" indent="0">
+              <a:buNone/>
+            </a:pPr>
+            <a:r>
+              <a:rPr lang="en-US" dirty="0"/>
+              <a:t>Creating a regular structure for leaders supporting teams achieving greater and greater ownership over time.</a:t>
+            </a:r>
+          </a:p>
+          <a:p>
+            <a:pPr marL="0" indent="0">
+              <a:buNone/>
+            </a:pPr>
+            <a:endParaRPr lang="en-US" dirty="0"/>
+          </a:p>
+          <a:p>
+            <a:pPr marL="0" indent="0">
+              <a:buNone/>
+            </a:pPr>
+            <a:r>
+              <a:rPr lang="en-US" dirty="0"/>
+              <a:t>NEW CONCEPT: stances to how leadership and teams show up</a:t>
+            </a:r>
+          </a:p>
+        </p:txBody>
+      </p:sp>
+      <p:pic>
+        <p:nvPicPr>
+          <p:cNvPr id="5" name="Picture 4">
+            <a:extLst>
+              <a:ext uri="{FF2B5EF4-FFF2-40B4-BE49-F238E27FC236}">
+                <a16:creationId xmlns:a16="http://schemas.microsoft.com/office/drawing/2014/main" id="{B4400B85-CFB4-432B-89E9-915512D6F285}"/>
+              </a:ext>
+            </a:extLst>
+          </p:cNvPr>
+          <p:cNvPicPr>
+            <a:picLocks noChangeAspect="1"/>
+          </p:cNvPicPr>
+          <p:nvPr/>
+        </p:nvPicPr>
+        <p:blipFill>
+          <a:blip r:embed="rId3">
+            <a:extLst>
+              <a:ext uri="{28A0092B-C50C-407E-A947-70E740481C1C}">
+                <a14:useLocalDpi xmlns:a14="http://schemas.microsoft.com/office/drawing/2010/main" val="0"/>
+              </a:ext>
+            </a:extLst>
+          </a:blip>
+          <a:stretch>
+            <a:fillRect/>
+          </a:stretch>
+        </p:blipFill>
+        <p:spPr>
+          <a:xfrm>
+            <a:off x="404416" y="175995"/>
+            <a:ext cx="2313617" cy="2271930"/>
+          </a:xfrm>
+          <a:prstGeom prst="rect">
+            <a:avLst/>
+          </a:prstGeom>
+        </p:spPr>
+      </p:pic>
     </p:spTree>
     <p:extLst>
       <p:ext uri="{BB962C8B-B14F-4D97-AF65-F5344CB8AC3E}">
-        <p14:creationId xmlns:p14="http://schemas.microsoft.com/office/powerpoint/2010/main" val="1858148081"/>
+        <p14:creationId xmlns:p14="http://schemas.microsoft.com/office/powerpoint/2010/main" val="2083750612"/>
       </p:ext>
     </p:extLst>
   </p:cSld>
@@ -6500,34 +8912,6 @@
       </p:grpSpPr>
       <p:sp>
         <p:nvSpPr>
-          <p:cNvPr id="2" name="Title 1">
-            <a:extLst>
-              <a:ext uri="{FF2B5EF4-FFF2-40B4-BE49-F238E27FC236}">
-                <a16:creationId xmlns:a16="http://schemas.microsoft.com/office/drawing/2014/main" id="{C7182D0C-8A05-46C0-B407-92392448488E}"/>
-              </a:ext>
-            </a:extLst>
-          </p:cNvPr>
-          <p:cNvSpPr>
-            <a:spLocks noGrp="1"/>
-          </p:cNvSpPr>
-          <p:nvPr>
-            <p:ph type="title"/>
-          </p:nvPr>
-        </p:nvSpPr>
-        <p:spPr/>
-        <p:txBody>
-          <a:bodyPr/>
-          <a:lstStyle/>
-          <a:p>
-            <a:r>
-              <a:rPr lang="en-US" dirty="0"/>
-              <a:t>What does Tech debt mean?</a:t>
-            </a:r>
-          </a:p>
-        </p:txBody>
-      </p:sp>
-      <p:sp>
-        <p:nvSpPr>
           <p:cNvPr id="3" name="Content Placeholder 2">
             <a:extLst>
               <a:ext uri="{FF2B5EF4-FFF2-40B4-BE49-F238E27FC236}">
@@ -6547,28 +8931,40 @@
           <a:bodyPr/>
           <a:lstStyle/>
           <a:p>
-            <a:r>
-              <a:rPr lang="en-US" dirty="0"/>
-              <a:t>{tell story}</a:t>
-            </a:r>
-          </a:p>
-          <a:p>
+            <a:pPr marL="0" indent="0">
+              <a:buNone/>
+            </a:pPr>
+            <a:r>
+              <a:rPr lang="en-US" dirty="0"/>
+              <a:t>We asked 104 teams at Tableau – all in one company, working on only 3 different products and with a ton of code sharing</a:t>
+            </a:r>
+          </a:p>
+          <a:p>
+            <a:pPr marL="0" indent="0">
+              <a:buNone/>
+            </a:pPr>
             <a:endParaRPr lang="en-US" dirty="0"/>
           </a:p>
           <a:p>
-            <a:r>
-              <a:rPr lang="en-US" dirty="0"/>
-              <a:t>We asked 104 teams at Tableau – all in one company, working on only 3 different products and with a ton of code sharing</a:t>
-            </a:r>
-          </a:p>
-          <a:p>
+            <a:pPr marL="0" indent="0">
+              <a:buNone/>
+            </a:pPr>
             <a:endParaRPr lang="en-US" dirty="0"/>
           </a:p>
           <a:p>
-            <a:r>
-              <a:rPr lang="en-US" dirty="0"/>
-              <a:t>{Visual of the data analysis?}</a:t>
-            </a:r>
+            <a:pPr marL="0" indent="0">
+              <a:buNone/>
+            </a:pPr>
+            <a:r>
+              <a:rPr lang="en-US" dirty="0"/>
+              <a:t>[visual of results]</a:t>
+            </a:r>
+          </a:p>
+          <a:p>
+            <a:pPr marL="0" indent="0">
+              <a:buNone/>
+            </a:pPr>
+            <a:endParaRPr lang="en-US" dirty="0"/>
           </a:p>
         </p:txBody>
       </p:sp>
@@ -6607,7 +9003,7 @@
           <p:cNvPr id="2" name="Title 1">
             <a:extLst>
               <a:ext uri="{FF2B5EF4-FFF2-40B4-BE49-F238E27FC236}">
-                <a16:creationId xmlns:a16="http://schemas.microsoft.com/office/drawing/2014/main" id="{04880A77-BC0F-4EC4-87BD-854DD29681D5}"/>
+                <a16:creationId xmlns:a16="http://schemas.microsoft.com/office/drawing/2014/main" id="{E551391C-1CC2-4EF8-BE4F-53EF995F6B78}"/>
               </a:ext>
             </a:extLst>
           </p:cNvPr>
@@ -6618,14 +9014,19 @@
             <p:ph type="title"/>
           </p:nvPr>
         </p:nvSpPr>
-        <p:spPr/>
-        <p:txBody>
-          <a:bodyPr/>
-          <a:lstStyle/>
-          <a:p>
-            <a:r>
-              <a:rPr lang="en-US" dirty="0"/>
-              <a:t>Part 2: Running Experiments</a:t>
+        <p:spPr>
+          <a:xfrm>
+            <a:off x="2943225" y="365125"/>
+            <a:ext cx="8410574" cy="1325563"/>
+          </a:xfrm>
+        </p:spPr>
+        <p:txBody>
+          <a:bodyPr/>
+          <a:lstStyle/>
+          <a:p>
+            <a:r>
+              <a:rPr lang="en-US" dirty="0"/>
+              <a:t>Part 4: Assessing Ownership</a:t>
             </a:r>
           </a:p>
         </p:txBody>
@@ -6635,7 +9036,7 @@
           <p:cNvPr id="3" name="Content Placeholder 2">
             <a:extLst>
               <a:ext uri="{FF2B5EF4-FFF2-40B4-BE49-F238E27FC236}">
-                <a16:creationId xmlns:a16="http://schemas.microsoft.com/office/drawing/2014/main" id="{0918D4B9-2931-48F6-879D-DFF268C6DD95}"/>
+                <a16:creationId xmlns:a16="http://schemas.microsoft.com/office/drawing/2014/main" id="{80EE4438-7AFC-412A-9354-4FF64C52CF85}"/>
               </a:ext>
             </a:extLst>
           </p:cNvPr>
@@ -6646,7 +9047,12 @@
             <p:ph idx="1"/>
           </p:nvPr>
         </p:nvSpPr>
-        <p:spPr/>
+        <p:spPr>
+          <a:xfrm>
+            <a:off x="838200" y="2962275"/>
+            <a:ext cx="10515600" cy="3214688"/>
+          </a:xfrm>
+        </p:spPr>
         <p:txBody>
           <a:bodyPr/>
           <a:lstStyle/>
@@ -6656,7 +9062,7 @@
             </a:pPr>
             <a:r>
               <a:rPr lang="en-US" dirty="0"/>
-              <a:t>Tracking measurements and experiments throughout sprint.</a:t>
+              <a:t>Finding the really clear picture of where every team is and what is possible</a:t>
             </a:r>
           </a:p>
           <a:p>
@@ -6671,15 +9077,51 @@
             </a:pPr>
             <a:r>
               <a:rPr lang="en-US" dirty="0"/>
-              <a:t>NEW CONCEPT: none</a:t>
-            </a:r>
-          </a:p>
-        </p:txBody>
-      </p:sp>
+              <a:t>NEW CONCEPT: a reflection of moving from accountability to ownership</a:t>
+            </a:r>
+          </a:p>
+        </p:txBody>
+      </p:sp>
+      <p:pic>
+        <p:nvPicPr>
+          <p:cNvPr id="5" name="Picture 4">
+            <a:extLst>
+              <a:ext uri="{FF2B5EF4-FFF2-40B4-BE49-F238E27FC236}">
+                <a16:creationId xmlns:a16="http://schemas.microsoft.com/office/drawing/2014/main" id="{B0194821-497C-4E07-BCC3-E2E3220990C8}"/>
+              </a:ext>
+            </a:extLst>
+          </p:cNvPr>
+          <p:cNvPicPr>
+            <a:picLocks noChangeAspect="1"/>
+          </p:cNvPicPr>
+          <p:nvPr/>
+        </p:nvPicPr>
+        <p:blipFill>
+          <a:blip r:embed="rId3">
+            <a:extLst>
+              <a:ext uri="{28A0092B-C50C-407E-A947-70E740481C1C}">
+                <a14:useLocalDpi xmlns:a14="http://schemas.microsoft.com/office/drawing/2010/main" val="0"/>
+              </a:ext>
+            </a:extLst>
+          </a:blip>
+          <a:stretch>
+            <a:fillRect/>
+          </a:stretch>
+        </p:blipFill>
+        <p:spPr>
+          <a:xfrm>
+            <a:off x="499832" y="280758"/>
+            <a:ext cx="2304273" cy="2290992"/>
+          </a:xfrm>
+          <a:prstGeom prst="rect">
+            <a:avLst/>
+          </a:prstGeom>
+        </p:spPr>
+      </p:pic>
     </p:spTree>
     <p:extLst>
       <p:ext uri="{BB962C8B-B14F-4D97-AF65-F5344CB8AC3E}">
-        <p14:creationId xmlns:p14="http://schemas.microsoft.com/office/powerpoint/2010/main" val="3771187056"/>
+        <p14:creationId xmlns:p14="http://schemas.microsoft.com/office/powerpoint/2010/main" val="2619975781"/>
       </p:ext>
     </p:extLst>
   </p:cSld>
@@ -6711,7 +9153,7 @@
           <p:cNvPr id="2" name="Title 1">
             <a:extLst>
               <a:ext uri="{FF2B5EF4-FFF2-40B4-BE49-F238E27FC236}">
-                <a16:creationId xmlns:a16="http://schemas.microsoft.com/office/drawing/2014/main" id="{04880A77-BC0F-4EC4-87BD-854DD29681D5}"/>
+                <a16:creationId xmlns:a16="http://schemas.microsoft.com/office/drawing/2014/main" id="{77F4796B-D056-46FD-B537-8DD09AED8A54}"/>
               </a:ext>
             </a:extLst>
           </p:cNvPr>
@@ -6722,14 +9164,19 @@
             <p:ph type="title"/>
           </p:nvPr>
         </p:nvSpPr>
-        <p:spPr/>
-        <p:txBody>
-          <a:bodyPr/>
-          <a:lstStyle/>
-          <a:p>
-            <a:r>
-              <a:rPr lang="en-US" dirty="0"/>
-              <a:t>Running Experiments - How</a:t>
+        <p:spPr>
+          <a:xfrm>
+            <a:off x="2735034" y="365125"/>
+            <a:ext cx="8618765" cy="1325563"/>
+          </a:xfrm>
+        </p:spPr>
+        <p:txBody>
+          <a:bodyPr/>
+          <a:lstStyle/>
+          <a:p>
+            <a:r>
+              <a:rPr lang="en-US" dirty="0"/>
+              <a:t>Part 5: Showing Improvement</a:t>
             </a:r>
           </a:p>
         </p:txBody>
@@ -6739,7 +9186,7 @@
           <p:cNvPr id="3" name="Content Placeholder 2">
             <a:extLst>
               <a:ext uri="{FF2B5EF4-FFF2-40B4-BE49-F238E27FC236}">
-                <a16:creationId xmlns:a16="http://schemas.microsoft.com/office/drawing/2014/main" id="{0918D4B9-2931-48F6-879D-DFF268C6DD95}"/>
+                <a16:creationId xmlns:a16="http://schemas.microsoft.com/office/drawing/2014/main" id="{6F4466A7-6EE0-40E8-88B3-5111741A7441}"/>
               </a:ext>
             </a:extLst>
           </p:cNvPr>
@@ -6750,59 +9197,106 @@
             <p:ph idx="1"/>
           </p:nvPr>
         </p:nvSpPr>
-        <p:spPr/>
-        <p:txBody>
-          <a:bodyPr/>
-          <a:lstStyle/>
-          <a:p>
-            <a:r>
-              <a:rPr lang="en-US" dirty="0"/>
-              <a:t>During planning, decide:</a:t>
-            </a:r>
-          </a:p>
-          <a:p>
-            <a:pPr lvl="1"/>
-            <a:r>
-              <a:rPr lang="en-US" dirty="0"/>
-              <a:t>Improvement vs Experiment</a:t>
-            </a:r>
-          </a:p>
-          <a:p>
-            <a:pPr lvl="1"/>
-            <a:r>
-              <a:rPr lang="en-US" dirty="0"/>
-              <a:t>Anticipated result (Metric) – replaces Acceptance Criteria with a Hypothesis</a:t>
-            </a:r>
-          </a:p>
-          <a:p>
+        <p:spPr>
+          <a:xfrm>
+            <a:off x="838200" y="2752725"/>
+            <a:ext cx="10515600" cy="3424238"/>
+          </a:xfrm>
+        </p:spPr>
+        <p:txBody>
+          <a:bodyPr>
+            <a:normAutofit/>
+          </a:bodyPr>
+          <a:lstStyle/>
+          <a:p>
+            <a:pPr marL="0" indent="0">
+              <a:buNone/>
+            </a:pPr>
+            <a:r>
+              <a:rPr lang="en-US" dirty="0"/>
+              <a:t>Demo turns into product </a:t>
+            </a:r>
+            <a:r>
+              <a:rPr lang="en-US" b="1" dirty="0"/>
+              <a:t>and</a:t>
+            </a:r>
+            <a:r>
+              <a:rPr lang="en-US" dirty="0"/>
+              <a:t> improvement demo</a:t>
+            </a:r>
+          </a:p>
+          <a:p>
+            <a:pPr marL="0" indent="0">
+              <a:buNone/>
+            </a:pPr>
             <a:endParaRPr lang="en-US" dirty="0"/>
           </a:p>
           <a:p>
-            <a:r>
-              <a:rPr lang="en-US" dirty="0"/>
-              <a:t>In tracking, note:</a:t>
-            </a:r>
-          </a:p>
-          <a:p>
-            <a:pPr lvl="1"/>
-            <a:r>
-              <a:rPr lang="en-US" dirty="0"/>
-              <a:t>Did we finish the work?</a:t>
-            </a:r>
-          </a:p>
-          <a:p>
-            <a:pPr lvl="1"/>
-            <a:r>
-              <a:rPr lang="en-US" dirty="0"/>
-              <a:t>Did the hypothesis come true? What did happen to the measures?</a:t>
-            </a:r>
-          </a:p>
-        </p:txBody>
-      </p:sp>
+            <a:pPr marL="0" indent="0">
+              <a:buNone/>
+            </a:pPr>
+            <a:r>
+              <a:rPr lang="en-US" dirty="0"/>
+              <a:t>Audience: team + customers</a:t>
+            </a:r>
+          </a:p>
+          <a:p>
+            <a:pPr marL="0" indent="0">
+              <a:buNone/>
+            </a:pPr>
+            <a:endParaRPr lang="en-US" dirty="0"/>
+          </a:p>
+          <a:p>
+            <a:pPr marL="0" indent="0">
+              <a:buNone/>
+            </a:pPr>
+            <a:r>
+              <a:rPr lang="en-US" dirty="0"/>
+              <a:t>NEW CONCEPT: experiment versus improvement</a:t>
+            </a:r>
+          </a:p>
+        </p:txBody>
+      </p:sp>
+      <p:pic>
+        <p:nvPicPr>
+          <p:cNvPr id="5" name="Picture 4">
+            <a:extLst>
+              <a:ext uri="{FF2B5EF4-FFF2-40B4-BE49-F238E27FC236}">
+                <a16:creationId xmlns:a16="http://schemas.microsoft.com/office/drawing/2014/main" id="{5C5C4EDC-7AE0-4D05-ADA8-1476570B507F}"/>
+              </a:ext>
+            </a:extLst>
+          </p:cNvPr>
+          <p:cNvPicPr>
+            <a:picLocks noChangeAspect="1"/>
+          </p:cNvPicPr>
+          <p:nvPr/>
+        </p:nvPicPr>
+        <p:blipFill>
+          <a:blip r:embed="rId3">
+            <a:extLst>
+              <a:ext uri="{28A0092B-C50C-407E-A947-70E740481C1C}">
+                <a14:useLocalDpi xmlns:a14="http://schemas.microsoft.com/office/drawing/2010/main" val="0"/>
+              </a:ext>
+            </a:extLst>
+          </a:blip>
+          <a:stretch>
+            <a:fillRect/>
+          </a:stretch>
+        </p:blipFill>
+        <p:spPr>
+          <a:xfrm>
+            <a:off x="585559" y="365125"/>
+            <a:ext cx="2149475" cy="2149475"/>
+          </a:xfrm>
+          <a:prstGeom prst="rect">
+            <a:avLst/>
+          </a:prstGeom>
+        </p:spPr>
+      </p:pic>
     </p:spTree>
     <p:extLst>
       <p:ext uri="{BB962C8B-B14F-4D97-AF65-F5344CB8AC3E}">
-        <p14:creationId xmlns:p14="http://schemas.microsoft.com/office/powerpoint/2010/main" val="4233174564"/>
+        <p14:creationId xmlns:p14="http://schemas.microsoft.com/office/powerpoint/2010/main" val="858752195"/>
       </p:ext>
     </p:extLst>
   </p:cSld>
@@ -6834,7 +9328,7 @@
           <p:cNvPr id="2" name="Title 1">
             <a:extLst>
               <a:ext uri="{FF2B5EF4-FFF2-40B4-BE49-F238E27FC236}">
-                <a16:creationId xmlns:a16="http://schemas.microsoft.com/office/drawing/2014/main" id="{3F84157F-01DC-4F31-AB8D-B5CC2BCAD902}"/>
+                <a16:creationId xmlns:a16="http://schemas.microsoft.com/office/drawing/2014/main" id="{33FAB5BF-B363-4356-996B-0D484693D0DF}"/>
               </a:ext>
             </a:extLst>
           </p:cNvPr>
@@ -6852,17 +9346,17 @@
           <a:p>
             <a:r>
               <a:rPr lang="en-US" dirty="0"/>
-              <a:t>Running Experiments – Example</a:t>
-            </a:r>
-          </a:p>
-        </p:txBody>
-      </p:sp>
-      <p:sp>
-        <p:nvSpPr>
-          <p:cNvPr id="3" name="Content Placeholder 2">
-            <a:extLst>
-              <a:ext uri="{FF2B5EF4-FFF2-40B4-BE49-F238E27FC236}">
-                <a16:creationId xmlns:a16="http://schemas.microsoft.com/office/drawing/2014/main" id="{1FF160A8-7B70-4137-9554-9EE0321D8335}"/>
+              <a:t>OK, so for the real change….</a:t>
+            </a:r>
+          </a:p>
+        </p:txBody>
+      </p:sp>
+      <p:sp>
+        <p:nvSpPr>
+          <p:cNvPr id="5" name="Content Placeholder 4">
+            <a:extLst>
+              <a:ext uri="{FF2B5EF4-FFF2-40B4-BE49-F238E27FC236}">
+                <a16:creationId xmlns:a16="http://schemas.microsoft.com/office/drawing/2014/main" id="{3E7151EB-3BC0-4817-86AB-3A3CED298043}"/>
               </a:ext>
             </a:extLst>
           </p:cNvPr>
@@ -6878,55 +9372,30 @@
           <a:bodyPr/>
           <a:lstStyle/>
           <a:p>
-            <a:r>
-              <a:rPr lang="en-US" dirty="0"/>
-              <a:t>Story: Try full-team mobbing for 2 hours each day.</a:t>
-            </a:r>
-          </a:p>
-          <a:p>
-            <a:pPr lvl="1"/>
-            <a:r>
-              <a:rPr lang="en-US" dirty="0"/>
-              <a:t>Experiment</a:t>
-            </a:r>
-          </a:p>
-          <a:p>
-            <a:pPr lvl="1"/>
-            <a:r>
-              <a:rPr lang="en-US" dirty="0"/>
-              <a:t>Hypothesis: 1. will decrease non-mob-time interrupts by 50%. 2. Mob will deliver stories at </a:t>
-            </a:r>
-            <a:r>
-              <a:rPr lang="en-US" dirty="0" err="1"/>
-              <a:t>at</a:t>
-            </a:r>
-            <a:r>
-              <a:rPr lang="en-US" dirty="0"/>
-              <a:t> least 50% of velocity of solos. 3. Experts will report fewer times they are surprised and need to get someone to change something after on mobbed stories vs non-mobbed stories.</a:t>
-            </a:r>
-          </a:p>
-          <a:p>
-            <a:pPr lvl="1"/>
+            <a:pPr marL="0" indent="0">
+              <a:buNone/>
+            </a:pPr>
+            <a:r>
+              <a:rPr lang="en-US" dirty="0"/>
+              <a:t>There were two new concepts:</a:t>
+            </a:r>
+          </a:p>
+          <a:p>
+            <a:pPr marL="0" indent="0">
+              <a:buNone/>
+            </a:pPr>
             <a:endParaRPr lang="en-US" dirty="0"/>
           </a:p>
           <a:p>
             <a:r>
               <a:rPr lang="en-US" dirty="0"/>
-              <a:t>Story: Break apart whatever long methods we come across</a:t>
-            </a:r>
-          </a:p>
-          <a:p>
-            <a:pPr lvl="1"/>
-            <a:r>
-              <a:rPr lang="en-US" dirty="0"/>
-              <a:t>Improvement</a:t>
-            </a:r>
-          </a:p>
-          <a:p>
-            <a:pPr lvl="1"/>
-            <a:r>
-              <a:rPr lang="en-US" dirty="0"/>
-              <a:t>Hypothesis: 1. will be easier (faster) to implement the story than if we hadn’t. 2. Fewer bugs will be found in dev &amp; QA.</a:t>
+              <a:t>Experiment versus improvement</a:t>
+            </a:r>
+          </a:p>
+          <a:p>
+            <a:r>
+              <a:rPr lang="en-US" dirty="0"/>
+              <a:t>Stances to how leadership and teams show up</a:t>
             </a:r>
           </a:p>
         </p:txBody>
@@ -6934,7 +9403,7 @@
     </p:spTree>
     <p:extLst>
       <p:ext uri="{BB962C8B-B14F-4D97-AF65-F5344CB8AC3E}">
-        <p14:creationId xmlns:p14="http://schemas.microsoft.com/office/powerpoint/2010/main" val="1160647374"/>
+        <p14:creationId xmlns:p14="http://schemas.microsoft.com/office/powerpoint/2010/main" val="1263928491"/>
       </p:ext>
     </p:extLst>
   </p:cSld>
@@ -6966,7 +9435,7 @@
           <p:cNvPr id="2" name="Title 1">
             <a:extLst>
               <a:ext uri="{FF2B5EF4-FFF2-40B4-BE49-F238E27FC236}">
-                <a16:creationId xmlns:a16="http://schemas.microsoft.com/office/drawing/2014/main" id="{2B6F1FD2-1E4F-4AFA-90E8-462E1C6A94B9}"/>
+                <a16:creationId xmlns:a16="http://schemas.microsoft.com/office/drawing/2014/main" id="{33FAB5BF-B363-4356-996B-0D484693D0DF}"/>
               </a:ext>
             </a:extLst>
           </p:cNvPr>
@@ -6983,64 +9452,92 @@
           <a:lstStyle/>
           <a:p>
             <a:r>
-              <a:rPr lang="en-US" dirty="0"/>
-              <a:t>Part 3: Leading Ownership</a:t>
-            </a:r>
-          </a:p>
-        </p:txBody>
-      </p:sp>
-      <p:sp>
-        <p:nvSpPr>
-          <p:cNvPr id="3" name="Content Placeholder 2">
-            <a:extLst>
-              <a:ext uri="{FF2B5EF4-FFF2-40B4-BE49-F238E27FC236}">
-                <a16:creationId xmlns:a16="http://schemas.microsoft.com/office/drawing/2014/main" id="{BF74CB31-D053-4643-A45D-1515E27250AA}"/>
-              </a:ext>
-            </a:extLst>
-          </p:cNvPr>
-          <p:cNvSpPr>
-            <a:spLocks noGrp="1"/>
-          </p:cNvSpPr>
-          <p:nvPr>
-            <p:ph idx="1"/>
-          </p:nvPr>
-        </p:nvSpPr>
-        <p:spPr/>
-        <p:txBody>
-          <a:bodyPr>
-            <a:normAutofit/>
-          </a:bodyPr>
-          <a:lstStyle/>
-          <a:p>
-            <a:pPr marL="0" indent="0">
-              <a:buNone/>
-            </a:pPr>
-            <a:r>
-              <a:rPr lang="en-US" dirty="0"/>
-              <a:t>Creating a regular structure for leaders supporting teams achieving greater and greater ownership over time.</a:t>
-            </a:r>
-          </a:p>
-          <a:p>
-            <a:pPr marL="0" indent="0">
-              <a:buNone/>
-            </a:pPr>
-            <a:endParaRPr lang="en-US" dirty="0"/>
-          </a:p>
-          <a:p>
-            <a:pPr marL="0" indent="0">
-              <a:buNone/>
-            </a:pPr>
-            <a:r>
-              <a:rPr lang="en-US" dirty="0"/>
-              <a:t>NEW CONCEPT: stances to how leadership and teams show up</a:t>
-            </a:r>
-          </a:p>
-        </p:txBody>
-      </p:sp>
+              <a:rPr lang="en-US" b="1" dirty="0"/>
+              <a:t>New Concept #1: </a:t>
+            </a:r>
+            <a:r>
+              <a:rPr lang="en-US" dirty="0"/>
+              <a:t>Experimenting vs Improving</a:t>
+            </a:r>
+          </a:p>
+        </p:txBody>
+      </p:sp>
+      <p:pic>
+        <p:nvPicPr>
+          <p:cNvPr id="11" name="Picture 10">
+            <a:extLst>
+              <a:ext uri="{FF2B5EF4-FFF2-40B4-BE49-F238E27FC236}">
+                <a16:creationId xmlns:a16="http://schemas.microsoft.com/office/drawing/2014/main" id="{54B4B7B6-82DD-4007-954F-84166050181A}"/>
+              </a:ext>
+            </a:extLst>
+          </p:cNvPr>
+          <p:cNvPicPr>
+            <a:picLocks noChangeAspect="1"/>
+          </p:cNvPicPr>
+          <p:nvPr/>
+        </p:nvPicPr>
+        <p:blipFill>
+          <a:blip r:embed="rId3">
+            <a:extLst>
+              <a:ext uri="{28A0092B-C50C-407E-A947-70E740481C1C}">
+                <a14:useLocalDpi xmlns:a14="http://schemas.microsoft.com/office/drawing/2010/main" val="0"/>
+              </a:ext>
+            </a:extLst>
+          </a:blip>
+          <a:stretch>
+            <a:fillRect/>
+          </a:stretch>
+        </p:blipFill>
+        <p:spPr>
+          <a:xfrm>
+            <a:off x="5896267" y="1973915"/>
+            <a:ext cx="4656065" cy="3691215"/>
+          </a:xfrm>
+          <a:prstGeom prst="rect">
+            <a:avLst/>
+          </a:prstGeom>
+        </p:spPr>
+      </p:pic>
+      <p:pic>
+        <p:nvPicPr>
+          <p:cNvPr id="13" name="Picture 12">
+            <a:extLst>
+              <a:ext uri="{FF2B5EF4-FFF2-40B4-BE49-F238E27FC236}">
+                <a16:creationId xmlns:a16="http://schemas.microsoft.com/office/drawing/2014/main" id="{79A49972-5CB4-4A12-8E4B-52EF7AC7EBC4}"/>
+              </a:ext>
+            </a:extLst>
+          </p:cNvPr>
+          <p:cNvPicPr>
+            <a:picLocks noChangeAspect="1"/>
+          </p:cNvPicPr>
+          <p:nvPr/>
+        </p:nvPicPr>
+        <p:blipFill>
+          <a:blip r:embed="rId4">
+            <a:extLst>
+              <a:ext uri="{28A0092B-C50C-407E-A947-70E740481C1C}">
+                <a14:useLocalDpi xmlns:a14="http://schemas.microsoft.com/office/drawing/2010/main" val="0"/>
+              </a:ext>
+            </a:extLst>
+          </a:blip>
+          <a:stretch>
+            <a:fillRect/>
+          </a:stretch>
+        </p:blipFill>
+        <p:spPr>
+          <a:xfrm>
+            <a:off x="933157" y="2190521"/>
+            <a:ext cx="4191585" cy="3258005"/>
+          </a:xfrm>
+          <a:prstGeom prst="rect">
+            <a:avLst/>
+          </a:prstGeom>
+        </p:spPr>
+      </p:pic>
     </p:spTree>
     <p:extLst>
       <p:ext uri="{BB962C8B-B14F-4D97-AF65-F5344CB8AC3E}">
-        <p14:creationId xmlns:p14="http://schemas.microsoft.com/office/powerpoint/2010/main" val="2083750612"/>
+        <p14:creationId xmlns:p14="http://schemas.microsoft.com/office/powerpoint/2010/main" val="2849396020"/>
       </p:ext>
     </p:extLst>
   </p:cSld>
@@ -7089,43 +9586,52 @@
           <a:lstStyle/>
           <a:p>
             <a:r>
-              <a:rPr lang="en-US" dirty="0"/>
-              <a:t>Shifting from task to mindset</a:t>
-            </a:r>
-          </a:p>
-        </p:txBody>
-      </p:sp>
-      <p:sp>
-        <p:nvSpPr>
-          <p:cNvPr id="3" name="Content Placeholder 2">
-            <a:extLst>
-              <a:ext uri="{FF2B5EF4-FFF2-40B4-BE49-F238E27FC236}">
-                <a16:creationId xmlns:a16="http://schemas.microsoft.com/office/drawing/2014/main" id="{16C7E745-13A2-4F9F-BF27-DAE4DDDFF7CE}"/>
-              </a:ext>
-            </a:extLst>
-          </p:cNvPr>
-          <p:cNvSpPr>
-            <a:spLocks noGrp="1"/>
-          </p:cNvSpPr>
-          <p:nvPr>
-            <p:ph idx="1"/>
-          </p:nvPr>
-        </p:nvSpPr>
-        <p:spPr/>
-        <p:txBody>
-          <a:bodyPr/>
-          <a:lstStyle/>
-          <a:p>
-            <a:pPr marL="0" indent="0">
-              <a:buNone/>
-            </a:pPr>
-            <a:r>
-              <a:rPr lang="en-US" dirty="0"/>
-              <a:t>Tableau story</a:t>
-            </a:r>
-          </a:p>
-        </p:txBody>
-      </p:sp>
+              <a:rPr lang="en-US" b="1" dirty="0"/>
+              <a:t>New Concept #2: </a:t>
+            </a:r>
+            <a:r>
+              <a:rPr lang="en-US" dirty="0"/>
+              <a:t>Shifting Stance</a:t>
+            </a:r>
+          </a:p>
+        </p:txBody>
+      </p:sp>
+      <p:pic>
+        <p:nvPicPr>
+          <p:cNvPr id="5" name="Picture 4">
+            <a:extLst>
+              <a:ext uri="{FF2B5EF4-FFF2-40B4-BE49-F238E27FC236}">
+                <a16:creationId xmlns:a16="http://schemas.microsoft.com/office/drawing/2014/main" id="{912CAFF4-43B7-4A62-94C3-6EEA77EBFA83}"/>
+              </a:ext>
+            </a:extLst>
+          </p:cNvPr>
+          <p:cNvPicPr>
+            <a:picLocks noChangeAspect="1"/>
+          </p:cNvPicPr>
+          <p:nvPr/>
+        </p:nvPicPr>
+        <p:blipFill>
+          <a:blip r:embed="rId3">
+            <a:extLst>
+              <a:ext uri="{28A0092B-C50C-407E-A947-70E740481C1C}">
+                <a14:useLocalDpi xmlns:a14="http://schemas.microsoft.com/office/drawing/2010/main" val="0"/>
+              </a:ext>
+            </a:extLst>
+          </a:blip>
+          <a:stretch>
+            <a:fillRect/>
+          </a:stretch>
+        </p:blipFill>
+        <p:spPr>
+          <a:xfrm>
+            <a:off x="2680824" y="1437912"/>
+            <a:ext cx="6639852" cy="5201376"/>
+          </a:xfrm>
+          <a:prstGeom prst="rect">
+            <a:avLst/>
+          </a:prstGeom>
+        </p:spPr>
+      </p:pic>
     </p:spTree>
     <p:extLst>
       <p:ext uri="{BB962C8B-B14F-4D97-AF65-F5344CB8AC3E}">
@@ -7179,7 +9685,7 @@
           <a:p>
             <a:r>
               <a:rPr lang="en-US" dirty="0"/>
-              <a:t>Leadership stance</a:t>
+              <a:t>Leadership stance – conceptual </a:t>
             </a:r>
           </a:p>
         </p:txBody>
@@ -7217,6 +9723,9 @@
             </a:r>
           </a:p>
           <a:p>
+            <a:endParaRPr lang="en-US" dirty="0"/>
+          </a:p>
+          <a:p>
             <a:r>
               <a:rPr lang="en-US" dirty="0"/>
               <a:t>No: strategize</a:t>
@@ -7225,13 +9734,13 @@
           <a:p>
             <a:r>
               <a:rPr lang="en-US" dirty="0"/>
+              <a:t>No: assess their strategy</a:t>
+            </a:r>
+          </a:p>
+          <a:p>
+            <a:r>
+              <a:rPr lang="en-US" b="1" dirty="0"/>
               <a:t>Yes: assess their ability to strategize</a:t>
-            </a:r>
-          </a:p>
-          <a:p>
-            <a:r>
-              <a:rPr lang="en-US" dirty="0"/>
-              <a:t>No: assess their strategy</a:t>
             </a:r>
           </a:p>
           <a:p>
@@ -7295,7 +9804,7 @@
           <a:p>
             <a:r>
               <a:rPr lang="en-US" dirty="0"/>
-              <a:t>Team stance</a:t>
+              <a:t>Team stance - conceptual</a:t>
             </a:r>
           </a:p>
         </p:txBody>
@@ -7343,6 +9852,17 @@
               <a:rPr lang="en-US" dirty="0"/>
               <a:t>No: ask leader what you should do</a:t>
             </a:r>
+          </a:p>
+          <a:p>
+            <a:r>
+              <a:rPr lang="en-US" dirty="0"/>
+              <a:t>No: ask leader </a:t>
+            </a:r>
+            <a:r>
+              <a:rPr lang="en-US"/>
+              <a:t>for permission</a:t>
+            </a:r>
+            <a:endParaRPr lang="en-US" dirty="0"/>
           </a:p>
           <a:p>
             <a:pPr marL="0" indent="0">
@@ -7387,7 +9907,7 @@
           <p:cNvPr id="2" name="Title 1">
             <a:extLst>
               <a:ext uri="{FF2B5EF4-FFF2-40B4-BE49-F238E27FC236}">
-                <a16:creationId xmlns:a16="http://schemas.microsoft.com/office/drawing/2014/main" id="{2B6F1FD2-1E4F-4AFA-90E8-462E1C6A94B9}"/>
+                <a16:creationId xmlns:a16="http://schemas.microsoft.com/office/drawing/2014/main" id="{3F84157F-01DC-4F31-AB8D-B5CC2BCAD902}"/>
               </a:ext>
             </a:extLst>
           </p:cNvPr>
@@ -7405,7 +9925,7 @@
           <a:p>
             <a:r>
               <a:rPr lang="en-US" dirty="0"/>
-              <a:t>Leading Ownership - How</a:t>
+              <a:t>Leading Ownership – Skills Required</a:t>
             </a:r>
           </a:p>
         </p:txBody>
@@ -7415,7 +9935,7 @@
           <p:cNvPr id="3" name="Content Placeholder 2">
             <a:extLst>
               <a:ext uri="{FF2B5EF4-FFF2-40B4-BE49-F238E27FC236}">
-                <a16:creationId xmlns:a16="http://schemas.microsoft.com/office/drawing/2014/main" id="{BF74CB31-D053-4643-A45D-1515E27250AA}"/>
+                <a16:creationId xmlns:a16="http://schemas.microsoft.com/office/drawing/2014/main" id="{1FF160A8-7B70-4137-9554-9EE0321D8335}"/>
               </a:ext>
             </a:extLst>
           </p:cNvPr>
@@ -7428,42 +9948,24 @@
         </p:nvSpPr>
         <p:spPr/>
         <p:txBody>
-          <a:bodyPr>
-            <a:normAutofit/>
-          </a:bodyPr>
-          <a:lstStyle/>
-          <a:p>
-            <a:r>
-              <a:rPr lang="en-US" dirty="0"/>
-              <a:t>Set up recurring meetings where the teams </a:t>
-            </a:r>
+          <a:bodyPr/>
+          <a:lstStyle/>
+          <a:p>
+            <a:r>
+              <a:rPr lang="en-US" dirty="0"/>
+              <a:t>It just takes practice and intentional awareness</a:t>
+            </a:r>
+          </a:p>
+          <a:p>
             <a:r>
               <a:rPr lang="en-US" b="1" dirty="0"/>
-              <a:t>present:</a:t>
-            </a:r>
-            <a:r>
-              <a:rPr lang="en-US" dirty="0"/>
-              <a:t> 1) good measurements 2) decision making </a:t>
-            </a:r>
-          </a:p>
-          <a:p>
-            <a:pPr marL="0" indent="0">
-              <a:buNone/>
-            </a:pPr>
-            <a:endParaRPr lang="en-US" dirty="0"/>
-          </a:p>
-          <a:p>
-            <a:r>
-              <a:rPr lang="en-US" dirty="0"/>
-              <a:t>where management </a:t>
-            </a:r>
-            <a:r>
-              <a:rPr lang="en-US" b="1" dirty="0"/>
-              <a:t>reflects </a:t>
-            </a:r>
-            <a:r>
-              <a:rPr lang="en-US" dirty="0"/>
-              <a:t>1) what aspects teams own well and owns  poorly</a:t>
+              <a:t>Pair split experiment (leader vs doer)</a:t>
+            </a:r>
+          </a:p>
+          <a:p>
+            <a:r>
+              <a:rPr lang="en-US" dirty="0"/>
+              <a:t>Yeah. It’s hard. I do offer workshops. /innocent/</a:t>
             </a:r>
           </a:p>
         </p:txBody>
@@ -7471,7 +9973,7 @@
     </p:spTree>
     <p:extLst>
       <p:ext uri="{BB962C8B-B14F-4D97-AF65-F5344CB8AC3E}">
-        <p14:creationId xmlns:p14="http://schemas.microsoft.com/office/powerpoint/2010/main" val="136045751"/>
+        <p14:creationId xmlns:p14="http://schemas.microsoft.com/office/powerpoint/2010/main" val="181682941"/>
       </p:ext>
     </p:extLst>
   </p:cSld>
@@ -7545,81 +10047,41 @@
         <p:spPr/>
         <p:txBody>
           <a:bodyPr>
-            <a:normAutofit fontScale="92500" lnSpcReduction="10000"/>
+            <a:normAutofit/>
           </a:bodyPr>
           <a:lstStyle/>
           <a:p>
             <a:r>
               <a:rPr lang="en-US" dirty="0"/>
-              <a:t>Meet weekly, for 7 min</a:t>
-            </a:r>
-          </a:p>
-          <a:p>
-            <a:r>
-              <a:rPr lang="en-US" dirty="0"/>
-              <a:t>Attendees: exec + team</a:t>
-            </a:r>
-          </a:p>
-          <a:p>
-            <a:pPr lvl="1"/>
-            <a:r>
-              <a:rPr lang="en-US" dirty="0"/>
-              <a:t>Optional: other teams that report to the exec</a:t>
-            </a:r>
-          </a:p>
-          <a:p>
-            <a:r>
-              <a:rPr lang="en-US" dirty="0"/>
-              <a:t>Agenda:</a:t>
-            </a:r>
-          </a:p>
-          <a:p>
-            <a:pPr lvl="1"/>
-            <a:r>
-              <a:rPr lang="en-US" dirty="0"/>
-              <a:t>Team: Show current data</a:t>
-            </a:r>
-          </a:p>
-          <a:p>
-            <a:pPr lvl="1"/>
-            <a:r>
-              <a:rPr lang="en-US" dirty="0"/>
-              <a:t>Team: What was learned since last time?</a:t>
-            </a:r>
-          </a:p>
-          <a:p>
-            <a:pPr lvl="1"/>
-            <a:r>
-              <a:rPr lang="en-US" dirty="0"/>
-              <a:t>Team: How did that insight change what we measure?</a:t>
-            </a:r>
-          </a:p>
-          <a:p>
-            <a:pPr lvl="1"/>
-            <a:r>
-              <a:rPr lang="en-US" dirty="0"/>
-              <a:t>Team: Any overall changes in technical strategy</a:t>
-            </a:r>
-          </a:p>
-          <a:p>
-            <a:pPr lvl="1"/>
-            <a:r>
-              <a:rPr lang="en-US" dirty="0"/>
-              <a:t>Team: Any resources we need, and on what timeline?</a:t>
-            </a:r>
-          </a:p>
-          <a:p>
-            <a:pPr lvl="1"/>
-            <a:r>
-              <a:rPr lang="en-US" dirty="0"/>
-              <a:t>Exec: ask what informed any specific decision</a:t>
-            </a:r>
-          </a:p>
-          <a:p>
-            <a:pPr lvl="1"/>
-            <a:r>
-              <a:rPr lang="en-US" dirty="0"/>
-              <a:t>Exec: observe and express examples of successful or non-successful ownership throughout presentation</a:t>
+              <a:t>Set up recurring meetings where the teams </a:t>
+            </a:r>
+            <a:r>
+              <a:rPr lang="en-US" b="1" dirty="0"/>
+              <a:t>present:</a:t>
+            </a:r>
+            <a:r>
+              <a:rPr lang="en-US" dirty="0"/>
+              <a:t> 1) good measurements 2) decision making </a:t>
+            </a:r>
+          </a:p>
+          <a:p>
+            <a:pPr marL="0" indent="0">
+              <a:buNone/>
+            </a:pPr>
+            <a:endParaRPr lang="en-US" dirty="0"/>
+          </a:p>
+          <a:p>
+            <a:r>
+              <a:rPr lang="en-US" dirty="0"/>
+              <a:t>where management </a:t>
+            </a:r>
+            <a:r>
+              <a:rPr lang="en-US" b="1" dirty="0"/>
+              <a:t>reflects </a:t>
+            </a:r>
+            <a:r>
+              <a:rPr lang="en-US" dirty="0"/>
+              <a:t>1) what aspects teams own well and owns  poorly</a:t>
             </a:r>
           </a:p>
         </p:txBody>
@@ -7627,7 +10089,7 @@
     </p:spTree>
     <p:extLst>
       <p:ext uri="{BB962C8B-B14F-4D97-AF65-F5344CB8AC3E}">
-        <p14:creationId xmlns:p14="http://schemas.microsoft.com/office/powerpoint/2010/main" val="1773029553"/>
+        <p14:creationId xmlns:p14="http://schemas.microsoft.com/office/powerpoint/2010/main" val="136045751"/>
       </p:ext>
     </p:extLst>
   </p:cSld>
@@ -7659,7 +10121,7 @@
           <p:cNvPr id="2" name="Title 1">
             <a:extLst>
               <a:ext uri="{FF2B5EF4-FFF2-40B4-BE49-F238E27FC236}">
-                <a16:creationId xmlns:a16="http://schemas.microsoft.com/office/drawing/2014/main" id="{3F84157F-01DC-4F31-AB8D-B5CC2BCAD902}"/>
+                <a16:creationId xmlns:a16="http://schemas.microsoft.com/office/drawing/2014/main" id="{2B6F1FD2-1E4F-4AFA-90E8-462E1C6A94B9}"/>
               </a:ext>
             </a:extLst>
           </p:cNvPr>
@@ -7677,7 +10139,7 @@
           <a:p>
             <a:r>
               <a:rPr lang="en-US" dirty="0"/>
-              <a:t>Leading Ownership – Skills Required</a:t>
+              <a:t>Leading Ownership - Steps</a:t>
             </a:r>
           </a:p>
         </p:txBody>
@@ -7687,7 +10149,7 @@
           <p:cNvPr id="3" name="Content Placeholder 2">
             <a:extLst>
               <a:ext uri="{FF2B5EF4-FFF2-40B4-BE49-F238E27FC236}">
-                <a16:creationId xmlns:a16="http://schemas.microsoft.com/office/drawing/2014/main" id="{1FF160A8-7B70-4137-9554-9EE0321D8335}"/>
+                <a16:creationId xmlns:a16="http://schemas.microsoft.com/office/drawing/2014/main" id="{BF74CB31-D053-4643-A45D-1515E27250AA}"/>
               </a:ext>
             </a:extLst>
           </p:cNvPr>
@@ -7700,24 +10162,95 @@
         </p:nvSpPr>
         <p:spPr/>
         <p:txBody>
-          <a:bodyPr/>
-          <a:lstStyle/>
-          <a:p>
-            <a:r>
-              <a:rPr lang="en-US" dirty="0"/>
-              <a:t>It just takes practice and intentional awareness</a:t>
-            </a:r>
-          </a:p>
-          <a:p>
-            <a:r>
-              <a:rPr lang="en-US" dirty="0"/>
-              <a:t>Pair split experiment (leader vs doer)</a:t>
-            </a:r>
-          </a:p>
-          <a:p>
-            <a:r>
-              <a:rPr lang="en-US" dirty="0"/>
-              <a:t>Yeah. It’s hard. I do offer workshops. /innocent/</a:t>
+          <a:bodyPr>
+            <a:normAutofit fontScale="77500" lnSpcReduction="20000"/>
+          </a:bodyPr>
+          <a:lstStyle/>
+          <a:p>
+            <a:r>
+              <a:rPr lang="en-US" dirty="0"/>
+              <a:t>Meet weekly, for 7 min</a:t>
+            </a:r>
+          </a:p>
+          <a:p>
+            <a:endParaRPr lang="en-US" dirty="0"/>
+          </a:p>
+          <a:p>
+            <a:r>
+              <a:rPr lang="en-US" dirty="0"/>
+              <a:t>Attendees: exec + team</a:t>
+            </a:r>
+          </a:p>
+          <a:p>
+            <a:pPr lvl="1"/>
+            <a:r>
+              <a:rPr lang="en-US" dirty="0"/>
+              <a:t>Optional: other teams that report to the exec</a:t>
+            </a:r>
+          </a:p>
+          <a:p>
+            <a:pPr lvl="1"/>
+            <a:endParaRPr lang="en-US" dirty="0"/>
+          </a:p>
+          <a:p>
+            <a:r>
+              <a:rPr lang="en-US" dirty="0"/>
+              <a:t>Agenda:</a:t>
+            </a:r>
+          </a:p>
+          <a:p>
+            <a:pPr lvl="1"/>
+            <a:r>
+              <a:rPr lang="en-US" dirty="0"/>
+              <a:t>Team: Show current data</a:t>
+            </a:r>
+          </a:p>
+          <a:p>
+            <a:pPr lvl="1"/>
+            <a:r>
+              <a:rPr lang="en-US" dirty="0"/>
+              <a:t>Team: What was learned since last time?</a:t>
+            </a:r>
+          </a:p>
+          <a:p>
+            <a:pPr lvl="1"/>
+            <a:r>
+              <a:rPr lang="en-US" dirty="0"/>
+              <a:t>Team: How did that insight change what we measure?</a:t>
+            </a:r>
+          </a:p>
+          <a:p>
+            <a:pPr lvl="1"/>
+            <a:r>
+              <a:rPr lang="en-US" dirty="0"/>
+              <a:t>Team: Any overall changes in technical strategy</a:t>
+            </a:r>
+          </a:p>
+          <a:p>
+            <a:pPr lvl="1"/>
+            <a:r>
+              <a:rPr lang="en-US" dirty="0"/>
+              <a:t>Team: Any resources we need, and on what timeline?</a:t>
+            </a:r>
+          </a:p>
+          <a:p>
+            <a:pPr marL="457200" lvl="1" indent="0">
+              <a:buNone/>
+            </a:pPr>
+            <a:endParaRPr lang="en-US" dirty="0"/>
+          </a:p>
+          <a:p>
+            <a:pPr lvl="1"/>
+            <a:r>
+              <a:rPr lang="en-US" dirty="0"/>
+              <a:t>Exec: ask what informed any specific decision</a:t>
+            </a:r>
+          </a:p>
+          <a:p>
+            <a:pPr lvl="1"/>
+            <a:r>
+              <a:rPr lang="en-US" dirty="0"/>
+              <a:t>Exec: observe and express examples of successful or non-successful ownership throughout presentation</a:t>
             </a:r>
           </a:p>
         </p:txBody>
@@ -7725,7 +10258,7 @@
     </p:spTree>
     <p:extLst>
       <p:ext uri="{BB962C8B-B14F-4D97-AF65-F5344CB8AC3E}">
-        <p14:creationId xmlns:p14="http://schemas.microsoft.com/office/powerpoint/2010/main" val="181682941"/>
+        <p14:creationId xmlns:p14="http://schemas.microsoft.com/office/powerpoint/2010/main" val="1773029553"/>
       </p:ext>
     </p:extLst>
   </p:cSld>
@@ -7798,18 +10331,32 @@
         </p:nvSpPr>
         <p:spPr/>
         <p:txBody>
-          <a:bodyPr/>
-          <a:lstStyle/>
-          <a:p>
-            <a:r>
-              <a:rPr lang="en-US" dirty="0"/>
-              <a:t>There is not a consistent problem.</a:t>
+          <a:bodyPr>
+            <a:normAutofit lnSpcReduction="10000"/>
+          </a:bodyPr>
+          <a:lstStyle/>
+          <a:p>
+            <a:pPr marL="0" indent="0">
+              <a:buNone/>
+            </a:pPr>
+            <a:r>
+              <a:rPr lang="en-US" dirty="0"/>
+              <a:t>Results: There is not a consistent problem.</a:t>
             </a:r>
           </a:p>
           <a:p>
             <a:endParaRPr lang="en-US" dirty="0"/>
           </a:p>
           <a:p>
+            <a:pPr marL="0" indent="0">
+              <a:buNone/>
+            </a:pPr>
+            <a:r>
+              <a:rPr lang="en-US" b="1" dirty="0"/>
+              <a:t>YET…</a:t>
+            </a:r>
+          </a:p>
+          <a:p>
             <a:r>
               <a:rPr lang="en-US" dirty="0"/>
               <a:t>Leadership’s job is to set a consistent direction.</a:t>
@@ -7825,15 +10372,21 @@
             <a:endParaRPr lang="en-US" dirty="0"/>
           </a:p>
           <a:p>
-            <a:r>
-              <a:rPr lang="en-US" dirty="0"/>
-              <a:t>So…that won’t work for technical debt.</a:t>
+            <a:pPr marL="0" indent="0">
+              <a:buNone/>
+            </a:pPr>
+            <a:r>
+              <a:rPr lang="en-US" b="1" dirty="0"/>
+              <a:t>That won’t work for technical debt.</a:t>
             </a:r>
           </a:p>
           <a:p>
             <a:endParaRPr lang="en-US" dirty="0"/>
           </a:p>
           <a:p>
+            <a:pPr marL="0" indent="0">
+              <a:buNone/>
+            </a:pPr>
             <a:r>
               <a:rPr lang="en-US" dirty="0"/>
               <a:t>Now what?</a:t>
@@ -7876,7 +10429,7 @@
           <p:cNvPr id="2" name="Title 1">
             <a:extLst>
               <a:ext uri="{FF2B5EF4-FFF2-40B4-BE49-F238E27FC236}">
-                <a16:creationId xmlns:a16="http://schemas.microsoft.com/office/drawing/2014/main" id="{E551391C-1CC2-4EF8-BE4F-53EF995F6B78}"/>
+                <a16:creationId xmlns:a16="http://schemas.microsoft.com/office/drawing/2014/main" id="{4A97BB75-D033-44D1-898F-C12EAB966ACE}"/>
               </a:ext>
             </a:extLst>
           </p:cNvPr>
@@ -7894,7 +10447,7 @@
           <a:p>
             <a:r>
               <a:rPr lang="en-US" dirty="0"/>
-              <a:t>Part 4: Assessing Ownership</a:t>
+              <a:t>Key Point</a:t>
             </a:r>
           </a:p>
         </p:txBody>
@@ -7904,7 +10457,7 @@
           <p:cNvPr id="3" name="Content Placeholder 2">
             <a:extLst>
               <a:ext uri="{FF2B5EF4-FFF2-40B4-BE49-F238E27FC236}">
-                <a16:creationId xmlns:a16="http://schemas.microsoft.com/office/drawing/2014/main" id="{80EE4438-7AFC-412A-9354-4FF64C52CF85}"/>
+                <a16:creationId xmlns:a16="http://schemas.microsoft.com/office/drawing/2014/main" id="{F2792195-B755-4991-B70C-164CED01759B}"/>
               </a:ext>
             </a:extLst>
           </p:cNvPr>
@@ -7920,13 +10473,29 @@
           <a:bodyPr/>
           <a:lstStyle/>
           <a:p>
-            <a:pPr marL="0" indent="0">
-              <a:buNone/>
-            </a:pPr>
-            <a:r>
-              <a:rPr lang="en-US" dirty="0"/>
-              <a:t>Finding the really clear picture of where every team is and what is possible</a:t>
-            </a:r>
+            <a:r>
+              <a:rPr lang="en-US" dirty="0"/>
+              <a:t>This kind of leadership requires different behavior out of </a:t>
+            </a:r>
+            <a:r>
+              <a:rPr lang="en-US" i="1" dirty="0"/>
+              <a:t>everybody</a:t>
+            </a:r>
+            <a:endParaRPr lang="en-US" dirty="0"/>
+          </a:p>
+          <a:p>
+            <a:endParaRPr lang="en-US" dirty="0"/>
+          </a:p>
+          <a:p>
+            <a:r>
+              <a:rPr lang="en-US" dirty="0"/>
+              <a:t>But that means that it can be started by </a:t>
+            </a:r>
+            <a:r>
+              <a:rPr lang="en-US" i="1" dirty="0"/>
+              <a:t>anybody</a:t>
+            </a:r>
+            <a:endParaRPr lang="en-US" dirty="0"/>
           </a:p>
           <a:p>
             <a:pPr marL="0" indent="0">
@@ -7934,21 +10503,12 @@
             </a:pPr>
             <a:endParaRPr lang="en-US" dirty="0"/>
           </a:p>
-          <a:p>
-            <a:pPr marL="0" indent="0">
-              <a:buNone/>
-            </a:pPr>
-            <a:r>
-              <a:rPr lang="en-US" dirty="0"/>
-              <a:t>NEW CONCEPT: a reflection of moving from accountability to ownership</a:t>
-            </a:r>
-          </a:p>
         </p:txBody>
       </p:sp>
     </p:spTree>
     <p:extLst>
       <p:ext uri="{BB962C8B-B14F-4D97-AF65-F5344CB8AC3E}">
-        <p14:creationId xmlns:p14="http://schemas.microsoft.com/office/powerpoint/2010/main" val="4043435972"/>
+        <p14:creationId xmlns:p14="http://schemas.microsoft.com/office/powerpoint/2010/main" val="1188375446"/>
       </p:ext>
     </p:extLst>
   </p:cSld>
@@ -7980,7 +10540,7 @@
           <p:cNvPr id="2" name="Title 1">
             <a:extLst>
               <a:ext uri="{FF2B5EF4-FFF2-40B4-BE49-F238E27FC236}">
-                <a16:creationId xmlns:a16="http://schemas.microsoft.com/office/drawing/2014/main" id="{E551391C-1CC2-4EF8-BE4F-53EF995F6B78}"/>
+                <a16:creationId xmlns:a16="http://schemas.microsoft.com/office/drawing/2014/main" id="{4A97BB75-D033-44D1-898F-C12EAB966ACE}"/>
               </a:ext>
             </a:extLst>
           </p:cNvPr>
@@ -7998,7 +10558,7 @@
           <a:p>
             <a:r>
               <a:rPr lang="en-US" dirty="0"/>
-              <a:t>Assessing Ownership - How</a:t>
+              <a:t>Change how you participate…</a:t>
             </a:r>
           </a:p>
         </p:txBody>
@@ -8008,7 +10568,7 @@
           <p:cNvPr id="3" name="Content Placeholder 2">
             <a:extLst>
               <a:ext uri="{FF2B5EF4-FFF2-40B4-BE49-F238E27FC236}">
-                <a16:creationId xmlns:a16="http://schemas.microsoft.com/office/drawing/2014/main" id="{80EE4438-7AFC-412A-9354-4FF64C52CF85}"/>
+                <a16:creationId xmlns:a16="http://schemas.microsoft.com/office/drawing/2014/main" id="{F2792195-B755-4991-B70C-164CED01759B}"/>
               </a:ext>
             </a:extLst>
           </p:cNvPr>
@@ -8026,42 +10586,15 @@
           <a:p>
             <a:r>
               <a:rPr lang="en-US" dirty="0"/>
-              <a:t>Purpose: Leader needs to answer key questions to ensure teams run well.</a:t>
-            </a:r>
-          </a:p>
-          <a:p>
-            <a:endParaRPr lang="en-US" dirty="0"/>
-          </a:p>
-          <a:p>
-            <a:pPr fontAlgn="ctr"/>
-            <a:r>
-              <a:rPr lang="en-US" dirty="0"/>
-              <a:t>Which teams need my help? Which teams should be left alone?</a:t>
-            </a:r>
-          </a:p>
-          <a:p>
-            <a:pPr fontAlgn="ctr"/>
-            <a:r>
-              <a:rPr lang="en-US" dirty="0"/>
-              <a:t>What kind of help do teams need in order to think strategically with data?</a:t>
-            </a:r>
-          </a:p>
-          <a:p>
-            <a:pPr fontAlgn="ctr"/>
-            <a:r>
-              <a:rPr lang="en-US" dirty="0"/>
-              <a:t>Which teams need help with owning their strategy?</a:t>
-            </a:r>
-          </a:p>
-          <a:p>
-            <a:endParaRPr lang="en-US" dirty="0"/>
+              <a:t>Whether you’re a PO, M1, IC, or exec</a:t>
+            </a:r>
           </a:p>
         </p:txBody>
       </p:sp>
     </p:spTree>
     <p:extLst>
       <p:ext uri="{BB962C8B-B14F-4D97-AF65-F5344CB8AC3E}">
-        <p14:creationId xmlns:p14="http://schemas.microsoft.com/office/powerpoint/2010/main" val="463423041"/>
+        <p14:creationId xmlns:p14="http://schemas.microsoft.com/office/powerpoint/2010/main" val="2314936996"/>
       </p:ext>
     </p:extLst>
   </p:cSld>
@@ -8093,7 +10626,7 @@
           <p:cNvPr id="2" name="Title 1">
             <a:extLst>
               <a:ext uri="{FF2B5EF4-FFF2-40B4-BE49-F238E27FC236}">
-                <a16:creationId xmlns:a16="http://schemas.microsoft.com/office/drawing/2014/main" id="{AD2A89E4-0A49-429F-9870-6F8360729D86}"/>
+                <a16:creationId xmlns:a16="http://schemas.microsoft.com/office/drawing/2014/main" id="{5989E088-939C-4299-832A-80F7F984EF91}"/>
               </a:ext>
             </a:extLst>
           </p:cNvPr>
@@ -8111,7 +10644,7 @@
           <a:p>
             <a:r>
               <a:rPr lang="en-US" dirty="0"/>
-              <a:t>Assessing Ownership – Core Metrics</a:t>
+              <a:t>How to Start – Product Owner</a:t>
             </a:r>
           </a:p>
         </p:txBody>
@@ -8121,7 +10654,7 @@
           <p:cNvPr id="3" name="Content Placeholder 2">
             <a:extLst>
               <a:ext uri="{FF2B5EF4-FFF2-40B4-BE49-F238E27FC236}">
-                <a16:creationId xmlns:a16="http://schemas.microsoft.com/office/drawing/2014/main" id="{85033FEA-65CE-4248-98D0-B68FED2D0689}"/>
+                <a16:creationId xmlns:a16="http://schemas.microsoft.com/office/drawing/2014/main" id="{4055E0AF-84DD-4AF2-9348-9C9DEF78D7FA}"/>
               </a:ext>
             </a:extLst>
           </p:cNvPr>
@@ -8134,75 +10667,33 @@
         </p:nvSpPr>
         <p:spPr/>
         <p:txBody>
-          <a:bodyPr>
-            <a:normAutofit/>
-          </a:bodyPr>
-          <a:lstStyle/>
-          <a:p>
-            <a:endParaRPr lang="en-US" dirty="0"/>
-          </a:p>
-          <a:p>
-            <a:r>
-              <a:rPr lang="en-US" dirty="0"/>
-              <a:t>Experiment Completion Rate</a:t>
+          <a:bodyPr/>
+          <a:lstStyle/>
+          <a:p>
+            <a:r>
+              <a:rPr lang="en-US" dirty="0"/>
+              <a:t>demand at demo that tech debt plan is shared.</a:t>
+            </a:r>
+          </a:p>
+          <a:p>
+            <a:r>
+              <a:rPr lang="en-US" dirty="0"/>
+              <a:t>Don't assume tech debt is unsolvable.</a:t>
             </a:r>
           </a:p>
           <a:p>
             <a:pPr lvl="1"/>
             <a:r>
               <a:rPr lang="en-US" dirty="0"/>
-              <a:t>Equal to Improvement Completion rate</a:t>
-            </a:r>
-          </a:p>
-          <a:p>
-            <a:pPr lvl="1"/>
-            <a:r>
-              <a:rPr lang="en-US" dirty="0"/>
-              <a:t>95% or more</a:t>
-            </a:r>
-          </a:p>
-          <a:p>
-            <a:r>
-              <a:rPr lang="en-US" dirty="0"/>
-              <a:t>Experiment Disprove Rate</a:t>
-            </a:r>
-          </a:p>
-          <a:p>
-            <a:pPr lvl="1"/>
-            <a:r>
-              <a:rPr lang="en-US" dirty="0"/>
-              <a:t>50%-</a:t>
-            </a:r>
-            <a:r>
-              <a:rPr lang="en-US" dirty="0" err="1"/>
-              <a:t>ish</a:t>
-            </a:r>
-            <a:endParaRPr lang="en-US" dirty="0"/>
-          </a:p>
-          <a:p>
-            <a:r>
-              <a:rPr lang="en-US" dirty="0"/>
-              <a:t>Improvement Disprove Rate</a:t>
-            </a:r>
-          </a:p>
-          <a:p>
-            <a:pPr lvl="1"/>
-            <a:r>
-              <a:rPr lang="en-US" dirty="0"/>
-              <a:t>5%-</a:t>
-            </a:r>
-            <a:r>
-              <a:rPr lang="en-US" dirty="0" err="1"/>
-              <a:t>ish</a:t>
-            </a:r>
-            <a:endParaRPr lang="en-US" dirty="0"/>
+              <a:t>Accept it as a reason that X can’t happen, and then ask for a plan how they will change it so that X can happen later.</a:t>
+            </a:r>
           </a:p>
         </p:txBody>
       </p:sp>
     </p:spTree>
     <p:extLst>
       <p:ext uri="{BB962C8B-B14F-4D97-AF65-F5344CB8AC3E}">
-        <p14:creationId xmlns:p14="http://schemas.microsoft.com/office/powerpoint/2010/main" val="1972035238"/>
+        <p14:creationId xmlns:p14="http://schemas.microsoft.com/office/powerpoint/2010/main" val="2258995555"/>
       </p:ext>
     </p:extLst>
   </p:cSld>
@@ -8234,7 +10725,7 @@
           <p:cNvPr id="2" name="Title 1">
             <a:extLst>
               <a:ext uri="{FF2B5EF4-FFF2-40B4-BE49-F238E27FC236}">
-                <a16:creationId xmlns:a16="http://schemas.microsoft.com/office/drawing/2014/main" id="{A78BEB9D-45E3-4637-8777-32B043BB4F13}"/>
+                <a16:creationId xmlns:a16="http://schemas.microsoft.com/office/drawing/2014/main" id="{BD22A665-CD40-4361-824B-F3736F7D26DE}"/>
               </a:ext>
             </a:extLst>
           </p:cNvPr>
@@ -8252,7 +10743,7 @@
           <a:p>
             <a:r>
               <a:rPr lang="en-US" dirty="0"/>
-              <a:t>Assessing Ownership - Example</a:t>
+              <a:t>How to Start – Team Manager / Lead</a:t>
             </a:r>
           </a:p>
         </p:txBody>
@@ -8262,7 +10753,7 @@
           <p:cNvPr id="3" name="Content Placeholder 2">
             <a:extLst>
               <a:ext uri="{FF2B5EF4-FFF2-40B4-BE49-F238E27FC236}">
-                <a16:creationId xmlns:a16="http://schemas.microsoft.com/office/drawing/2014/main" id="{AB5759EA-D663-4630-A8DB-8A6DF8F01973}"/>
+                <a16:creationId xmlns:a16="http://schemas.microsoft.com/office/drawing/2014/main" id="{C8842DE9-AA74-408C-9C80-737108C260BE}"/>
               </a:ext>
             </a:extLst>
           </p:cNvPr>
@@ -8280,7 +10771,19 @@
           <a:p>
             <a:r>
               <a:rPr lang="en-US" dirty="0"/>
-              <a:t>{graph: Which teams need what}</a:t>
+              <a:t>Designate a team IC to be a data champion (tech debt owner) and support that person.</a:t>
+            </a:r>
+          </a:p>
+          <a:p>
+            <a:r>
+              <a:rPr lang="en-US" dirty="0"/>
+              <a:t>Play the role of exec initially.</a:t>
+            </a:r>
+          </a:p>
+          <a:p>
+            <a:r>
+              <a:rPr lang="en-US" dirty="0"/>
+              <a:t>Request that your exec take over the exec role.</a:t>
             </a:r>
           </a:p>
         </p:txBody>
@@ -8288,7 +10791,7 @@
     </p:spTree>
     <p:extLst>
       <p:ext uri="{BB962C8B-B14F-4D97-AF65-F5344CB8AC3E}">
-        <p14:creationId xmlns:p14="http://schemas.microsoft.com/office/powerpoint/2010/main" val="3280685921"/>
+        <p14:creationId xmlns:p14="http://schemas.microsoft.com/office/powerpoint/2010/main" val="3106305619"/>
       </p:ext>
     </p:extLst>
   </p:cSld>
@@ -8320,7 +10823,7 @@
           <p:cNvPr id="2" name="Title 1">
             <a:extLst>
               <a:ext uri="{FF2B5EF4-FFF2-40B4-BE49-F238E27FC236}">
-                <a16:creationId xmlns:a16="http://schemas.microsoft.com/office/drawing/2014/main" id="{77F4796B-D056-46FD-B537-8DD09AED8A54}"/>
+                <a16:creationId xmlns:a16="http://schemas.microsoft.com/office/drawing/2014/main" id="{6E6372A7-F762-4400-8BAE-E0250062C2F3}"/>
               </a:ext>
             </a:extLst>
           </p:cNvPr>
@@ -8338,7 +10841,7 @@
           <a:p>
             <a:r>
               <a:rPr lang="en-US" dirty="0"/>
-              <a:t>Part 5: Showing Improvement</a:t>
+              <a:t>How to Start – Any Individual Contributor</a:t>
             </a:r>
           </a:p>
         </p:txBody>
@@ -8348,7 +10851,7 @@
           <p:cNvPr id="3" name="Content Placeholder 2">
             <a:extLst>
               <a:ext uri="{FF2B5EF4-FFF2-40B4-BE49-F238E27FC236}">
-                <a16:creationId xmlns:a16="http://schemas.microsoft.com/office/drawing/2014/main" id="{6F4466A7-6EE0-40E8-88B3-5111741A7441}"/>
+                <a16:creationId xmlns:a16="http://schemas.microsoft.com/office/drawing/2014/main" id="{8C28341B-163B-44D3-B4C3-960EEE1DEB9B}"/>
               </a:ext>
             </a:extLst>
           </p:cNvPr>
@@ -8361,55 +10864,30 @@
         </p:nvSpPr>
         <p:spPr/>
         <p:txBody>
-          <a:bodyPr>
-            <a:normAutofit/>
-          </a:bodyPr>
-          <a:lstStyle/>
-          <a:p>
-            <a:pPr marL="0" indent="0">
-              <a:buNone/>
-            </a:pPr>
-            <a:r>
-              <a:rPr lang="en-US" dirty="0"/>
-              <a:t>Demo turns into product </a:t>
-            </a:r>
-            <a:r>
-              <a:rPr lang="en-US" b="1" dirty="0"/>
-              <a:t>and</a:t>
-            </a:r>
-            <a:r>
-              <a:rPr lang="en-US" dirty="0"/>
-              <a:t> improvement demo</a:t>
-            </a:r>
-          </a:p>
-          <a:p>
-            <a:pPr marL="0" indent="0">
-              <a:buNone/>
-            </a:pPr>
-            <a:endParaRPr lang="en-US" dirty="0"/>
-          </a:p>
-          <a:p>
-            <a:pPr marL="0" indent="0">
-              <a:buNone/>
-            </a:pPr>
-            <a:r>
-              <a:rPr lang="en-US" dirty="0"/>
-              <a:t>Audience: team + customers</a:t>
-            </a:r>
-          </a:p>
-          <a:p>
-            <a:pPr marL="0" indent="0">
-              <a:buNone/>
-            </a:pPr>
-            <a:endParaRPr lang="en-US" dirty="0"/>
-          </a:p>
-          <a:p>
-            <a:pPr marL="0" indent="0">
-              <a:buNone/>
-            </a:pPr>
-            <a:r>
-              <a:rPr lang="en-US" dirty="0"/>
-              <a:t>NEW CONCEPT: experiment versus improvement</a:t>
+          <a:bodyPr/>
+          <a:lstStyle/>
+          <a:p>
+            <a:r>
+              <a:rPr lang="en-US" dirty="0"/>
+              <a:t>Get agreement from team and simply BE the tech debt data owner</a:t>
+            </a:r>
+          </a:p>
+          <a:p>
+            <a:r>
+              <a:rPr lang="en-US" dirty="0"/>
+              <a:t>Start presenting differently at demos</a:t>
+            </a:r>
+          </a:p>
+          <a:p>
+            <a:r>
+              <a:rPr lang="en-US" dirty="0"/>
+              <a:t>Define the tech debt improvements / experiments, work with the PO to get them to quality (small, understandable), and bring them to the planning game for real</a:t>
+            </a:r>
+          </a:p>
+          <a:p>
+            <a:r>
+              <a:rPr lang="en-US" dirty="0"/>
+              <a:t>Start doing Disciplined Refactoring</a:t>
             </a:r>
           </a:p>
         </p:txBody>
@@ -8417,7 +10895,7 @@
     </p:spTree>
     <p:extLst>
       <p:ext uri="{BB962C8B-B14F-4D97-AF65-F5344CB8AC3E}">
-        <p14:creationId xmlns:p14="http://schemas.microsoft.com/office/powerpoint/2010/main" val="4186555958"/>
+        <p14:creationId xmlns:p14="http://schemas.microsoft.com/office/powerpoint/2010/main" val="581897009"/>
       </p:ext>
     </p:extLst>
   </p:cSld>
@@ -8449,7 +10927,7 @@
           <p:cNvPr id="2" name="Title 1">
             <a:extLst>
               <a:ext uri="{FF2B5EF4-FFF2-40B4-BE49-F238E27FC236}">
-                <a16:creationId xmlns:a16="http://schemas.microsoft.com/office/drawing/2014/main" id="{77F4796B-D056-46FD-B537-8DD09AED8A54}"/>
+                <a16:creationId xmlns:a16="http://schemas.microsoft.com/office/drawing/2014/main" id="{075352F9-37DD-46AE-98AF-0B1A3EDF4CFD}"/>
               </a:ext>
             </a:extLst>
           </p:cNvPr>
@@ -8467,7 +10945,7 @@
           <a:p>
             <a:r>
               <a:rPr lang="en-US" dirty="0"/>
-              <a:t>Showing Improvement - How</a:t>
+              <a:t>How to Start – Exec</a:t>
             </a:r>
           </a:p>
         </p:txBody>
@@ -8477,7 +10955,7 @@
           <p:cNvPr id="3" name="Content Placeholder 2">
             <a:extLst>
               <a:ext uri="{FF2B5EF4-FFF2-40B4-BE49-F238E27FC236}">
-                <a16:creationId xmlns:a16="http://schemas.microsoft.com/office/drawing/2014/main" id="{6F4466A7-6EE0-40E8-88B3-5111741A7441}"/>
+                <a16:creationId xmlns:a16="http://schemas.microsoft.com/office/drawing/2014/main" id="{6FE0B3F5-501C-43F0-AE21-0B0E13B8F048}"/>
               </a:ext>
             </a:extLst>
           </p:cNvPr>
@@ -8490,83 +10968,47 @@
         </p:nvSpPr>
         <p:spPr/>
         <p:txBody>
-          <a:bodyPr>
-            <a:normAutofit fontScale="92500" lnSpcReduction="10000"/>
-          </a:bodyPr>
-          <a:lstStyle/>
-          <a:p>
-            <a:pPr marL="0" indent="0">
-              <a:buNone/>
-            </a:pPr>
-            <a:r>
-              <a:rPr lang="en-US" dirty="0"/>
-              <a:t>At demo, to customers</a:t>
-            </a:r>
-          </a:p>
-          <a:p>
-            <a:endParaRPr lang="en-US" dirty="0"/>
-          </a:p>
-          <a:p>
-            <a:pPr marL="0" indent="0">
-              <a:buNone/>
-            </a:pPr>
-            <a:r>
-              <a:rPr lang="en-US" dirty="0"/>
-              <a:t>Show the measures and how they shifted, presenting the specific experiments you ran for this team and this sprint</a:t>
-            </a:r>
-          </a:p>
-          <a:p>
-            <a:endParaRPr lang="en-US" dirty="0"/>
-          </a:p>
-          <a:p>
-            <a:pPr marL="514350" indent="-514350" fontAlgn="ctr">
-              <a:buFont typeface="+mj-lt"/>
-              <a:buAutoNum type="arabicPeriod"/>
-            </a:pPr>
-            <a:r>
-              <a:rPr lang="en-US" dirty="0"/>
-              <a:t>Target measure</a:t>
-            </a:r>
-          </a:p>
-          <a:p>
-            <a:pPr marL="514350" indent="-514350" fontAlgn="ctr">
-              <a:buFont typeface="+mj-lt"/>
-              <a:buAutoNum type="arabicPeriod"/>
-            </a:pPr>
-            <a:r>
-              <a:rPr lang="en-US" dirty="0"/>
-              <a:t>Experiments run</a:t>
-            </a:r>
-          </a:p>
-          <a:p>
-            <a:pPr marL="514350" indent="-514350" fontAlgn="ctr">
-              <a:buFont typeface="+mj-lt"/>
-              <a:buAutoNum type="arabicPeriod"/>
-            </a:pPr>
-            <a:r>
-              <a:rPr lang="en-US" dirty="0"/>
-              <a:t>Results</a:t>
-            </a:r>
-          </a:p>
-          <a:p>
-            <a:pPr marL="514350" indent="-514350" fontAlgn="ctr">
-              <a:buFont typeface="+mj-lt"/>
-              <a:buAutoNum type="arabicPeriod"/>
-            </a:pPr>
-            <a:r>
-              <a:rPr lang="en-US" dirty="0"/>
-              <a:t>Any strategy shifts (measure or experiments) for next week. Can be a discussion, depending on audience.</a:t>
-            </a:r>
-          </a:p>
-          <a:p>
-            <a:endParaRPr lang="en-US" dirty="0"/>
+          <a:bodyPr/>
+          <a:lstStyle/>
+          <a:p>
+            <a:r>
+              <a:rPr lang="en-US" dirty="0"/>
+              <a:t>Understand Accountability cycle &amp; Ownership cycle. Present it (frequently) to the team.</a:t>
+            </a:r>
+          </a:p>
+          <a:p>
+            <a:r>
+              <a:rPr lang="en-US" dirty="0"/>
+              <a:t>Start the tech debt ownership-</a:t>
+            </a:r>
+            <a:r>
+              <a:rPr lang="en-US" dirty="0" err="1"/>
+              <a:t>spectives</a:t>
+            </a:r>
+            <a:r>
+              <a:rPr lang="en-US" dirty="0"/>
+              <a:t> and assume the proper leadership stances</a:t>
+            </a:r>
+          </a:p>
+          <a:p>
+            <a:r>
+              <a:rPr lang="en-US" dirty="0"/>
+              <a:t>Start looking for places where you are supporting accountability, and ask what you could do instead to support ownership.</a:t>
+            </a:r>
+          </a:p>
+          <a:p>
+            <a:pPr lvl="1"/>
+            <a:r>
+              <a:rPr lang="en-US" dirty="0"/>
+              <a:t>Yes, you can literally ask the team</a:t>
+            </a:r>
           </a:p>
         </p:txBody>
       </p:sp>
     </p:spTree>
     <p:extLst>
       <p:ext uri="{BB962C8B-B14F-4D97-AF65-F5344CB8AC3E}">
-        <p14:creationId xmlns:p14="http://schemas.microsoft.com/office/powerpoint/2010/main" val="3392446610"/>
+        <p14:creationId xmlns:p14="http://schemas.microsoft.com/office/powerpoint/2010/main" val="398383171"/>
       </p:ext>
     </p:extLst>
   </p:cSld>
@@ -8598,7 +11040,7 @@
           <p:cNvPr id="2" name="Title 1">
             <a:extLst>
               <a:ext uri="{FF2B5EF4-FFF2-40B4-BE49-F238E27FC236}">
-                <a16:creationId xmlns:a16="http://schemas.microsoft.com/office/drawing/2014/main" id="{38306321-0CEB-42B3-9215-7CA26CE102C0}"/>
+                <a16:creationId xmlns:a16="http://schemas.microsoft.com/office/drawing/2014/main" id="{A0EC34DA-BD91-4F22-B504-9DD2C43EA444}"/>
               </a:ext>
             </a:extLst>
           </p:cNvPr>
@@ -8616,7 +11058,7 @@
           <a:p>
             <a:r>
               <a:rPr lang="en-US" dirty="0"/>
-              <a:t>Showing Improvement – Example</a:t>
+              <a:t>The Choice is Yours; the Reward is Simple</a:t>
             </a:r>
           </a:p>
         </p:txBody>
@@ -8626,7 +11068,7 @@
           <p:cNvPr id="3" name="Content Placeholder 2">
             <a:extLst>
               <a:ext uri="{FF2B5EF4-FFF2-40B4-BE49-F238E27FC236}">
-                <a16:creationId xmlns:a16="http://schemas.microsoft.com/office/drawing/2014/main" id="{A10D164D-5EBE-4C4F-B04C-877AD93FEBB2}"/>
+                <a16:creationId xmlns:a16="http://schemas.microsoft.com/office/drawing/2014/main" id="{8E2CF082-CA50-4A09-A9AF-F0C881CFD917}"/>
               </a:ext>
             </a:extLst>
           </p:cNvPr>
@@ -8642,14 +11084,25 @@
           <a:bodyPr/>
           <a:lstStyle/>
           <a:p>
-            <a:endParaRPr lang="en-US"/>
+            <a:r>
+              <a:rPr lang="en-US" dirty="0"/>
+              <a:t>You get to start fixing technical debt and feel supported in doing so …. </a:t>
+            </a:r>
+            <a:r>
+              <a:rPr lang="en-US" i="1" dirty="0"/>
+              <a:t>Tomorrow</a:t>
+            </a:r>
+            <a:r>
+              <a:rPr lang="en-US" dirty="0"/>
+              <a:t>.</a:t>
+            </a:r>
           </a:p>
         </p:txBody>
       </p:sp>
     </p:spTree>
     <p:extLst>
       <p:ext uri="{BB962C8B-B14F-4D97-AF65-F5344CB8AC3E}">
-        <p14:creationId xmlns:p14="http://schemas.microsoft.com/office/powerpoint/2010/main" val="3201254585"/>
+        <p14:creationId xmlns:p14="http://schemas.microsoft.com/office/powerpoint/2010/main" val="2666848076"/>
       </p:ext>
     </p:extLst>
   </p:cSld>
@@ -8681,7 +11134,7 @@
           <p:cNvPr id="2" name="Title 1">
             <a:extLst>
               <a:ext uri="{FF2B5EF4-FFF2-40B4-BE49-F238E27FC236}">
-                <a16:creationId xmlns:a16="http://schemas.microsoft.com/office/drawing/2014/main" id="{4A97BB75-D033-44D1-898F-C12EAB966ACE}"/>
+                <a16:creationId xmlns:a16="http://schemas.microsoft.com/office/drawing/2014/main" id="{94D82C43-5195-4206-8B21-DECC584185BB}"/>
               </a:ext>
             </a:extLst>
           </p:cNvPr>
@@ -8699,7 +11152,7 @@
           <a:p>
             <a:r>
               <a:rPr lang="en-US" dirty="0"/>
-              <a:t>Key Point</a:t>
+              <a:t>Leadership Responsibilities</a:t>
             </a:r>
           </a:p>
         </p:txBody>
@@ -8709,7 +11162,7 @@
           <p:cNvPr id="3" name="Content Placeholder 2">
             <a:extLst>
               <a:ext uri="{FF2B5EF4-FFF2-40B4-BE49-F238E27FC236}">
-                <a16:creationId xmlns:a16="http://schemas.microsoft.com/office/drawing/2014/main" id="{F2792195-B755-4991-B70C-164CED01759B}"/>
+                <a16:creationId xmlns:a16="http://schemas.microsoft.com/office/drawing/2014/main" id="{634D93A1-16BA-4F1D-8AAE-4663FAE6108B}"/>
               </a:ext>
             </a:extLst>
           </p:cNvPr>
@@ -8727,40 +11180,39 @@
           <a:p>
             <a:r>
               <a:rPr lang="en-US" dirty="0"/>
-              <a:t>This kind of leadership requires different behavior out of </a:t>
-            </a:r>
-            <a:r>
-              <a:rPr lang="en-US" i="1" dirty="0"/>
-              <a:t>everybody</a:t>
-            </a:r>
-            <a:endParaRPr lang="en-US" dirty="0"/>
-          </a:p>
-          <a:p>
-            <a:endParaRPr lang="en-US" dirty="0"/>
-          </a:p>
-          <a:p>
-            <a:r>
-              <a:rPr lang="en-US" dirty="0"/>
-              <a:t>But that means that it can be started by </a:t>
-            </a:r>
-            <a:r>
-              <a:rPr lang="en-US" i="1" dirty="0"/>
-              <a:t>anybody</a:t>
-            </a:r>
-            <a:endParaRPr lang="en-US" dirty="0"/>
-          </a:p>
-          <a:p>
-            <a:pPr marL="0" indent="0">
-              <a:buNone/>
-            </a:pPr>
-            <a:endParaRPr lang="en-US" dirty="0"/>
+              <a:t>Gather Disparate Info</a:t>
+            </a:r>
+          </a:p>
+          <a:p>
+            <a:r>
+              <a:rPr lang="en-US" dirty="0"/>
+              <a:t>Gain Alignment on a Direction</a:t>
+            </a:r>
+          </a:p>
+          <a:p>
+            <a:r>
+              <a:rPr lang="en-US" dirty="0"/>
+              <a:t>Ensure Work Gets Done</a:t>
+            </a:r>
+          </a:p>
+          <a:p>
+            <a:r>
+              <a:rPr lang="en-US" dirty="0"/>
+              <a:t>Help Teams See What They Do Well (And Poorly)</a:t>
+            </a:r>
+          </a:p>
+          <a:p>
+            <a:r>
+              <a:rPr lang="en-US" dirty="0"/>
+              <a:t>Supply Opportunities to Improve</a:t>
+            </a:r>
           </a:p>
         </p:txBody>
       </p:sp>
     </p:spTree>
     <p:extLst>
       <p:ext uri="{BB962C8B-B14F-4D97-AF65-F5344CB8AC3E}">
-        <p14:creationId xmlns:p14="http://schemas.microsoft.com/office/powerpoint/2010/main" val="1188375446"/>
+        <p14:creationId xmlns:p14="http://schemas.microsoft.com/office/powerpoint/2010/main" val="487020094"/>
       </p:ext>
     </p:extLst>
   </p:cSld>
@@ -8792,7 +11244,7 @@
           <p:cNvPr id="2" name="Title 1">
             <a:extLst>
               <a:ext uri="{FF2B5EF4-FFF2-40B4-BE49-F238E27FC236}">
-                <a16:creationId xmlns:a16="http://schemas.microsoft.com/office/drawing/2014/main" id="{4A97BB75-D033-44D1-898F-C12EAB966ACE}"/>
+                <a16:creationId xmlns:a16="http://schemas.microsoft.com/office/drawing/2014/main" id="{9F65589D-FB41-405E-B106-AEF6F135D09B}"/>
               </a:ext>
             </a:extLst>
           </p:cNvPr>
@@ -8810,7 +11262,7 @@
           <a:p>
             <a:r>
               <a:rPr lang="en-US" dirty="0"/>
-              <a:t>Change how you participate…</a:t>
+              <a:t>LDD</a:t>
             </a:r>
           </a:p>
         </p:txBody>
@@ -8820,7 +11272,7 @@
           <p:cNvPr id="3" name="Content Placeholder 2">
             <a:extLst>
               <a:ext uri="{FF2B5EF4-FFF2-40B4-BE49-F238E27FC236}">
-                <a16:creationId xmlns:a16="http://schemas.microsoft.com/office/drawing/2014/main" id="{F2792195-B755-4991-B70C-164CED01759B}"/>
+                <a16:creationId xmlns:a16="http://schemas.microsoft.com/office/drawing/2014/main" id="{3AD769D7-9714-4B75-9911-4B06FDFEB2A2}"/>
               </a:ext>
             </a:extLst>
           </p:cNvPr>
@@ -8838,7 +11290,25 @@
           <a:p>
             <a:r>
               <a:rPr lang="en-US" dirty="0"/>
-              <a:t>Whether you’re a PO, M1, IC, or exec</a:t>
+              <a:t>Breaks habit of looking to leader for direction</a:t>
+            </a:r>
+          </a:p>
+          <a:p>
+            <a:r>
+              <a:rPr lang="en-US" dirty="0"/>
+              <a:t>Team + leader can see how each team is doing</a:t>
+            </a:r>
+          </a:p>
+          <a:p>
+            <a:r>
+              <a:rPr lang="en-US" dirty="0"/>
+              <a:t>Leaders have clear opportunities to help improve team decision-making, without needing to be in the loop on decisions</a:t>
+            </a:r>
+          </a:p>
+          <a:p>
+            <a:r>
+              <a:rPr lang="en-US" dirty="0"/>
+              <a:t>Rewards teams for taking action, for making healthy mistakes, and for learning.</a:t>
             </a:r>
           </a:p>
         </p:txBody>
@@ -8846,7 +11316,7 @@
     </p:spTree>
     <p:extLst>
       <p:ext uri="{BB962C8B-B14F-4D97-AF65-F5344CB8AC3E}">
-        <p14:creationId xmlns:p14="http://schemas.microsoft.com/office/powerpoint/2010/main" val="2314936996"/>
+        <p14:creationId xmlns:p14="http://schemas.microsoft.com/office/powerpoint/2010/main" val="3309631875"/>
       </p:ext>
     </p:extLst>
   </p:cSld>
@@ -8878,7 +11348,7 @@
           <p:cNvPr id="2" name="Title 1">
             <a:extLst>
               <a:ext uri="{FF2B5EF4-FFF2-40B4-BE49-F238E27FC236}">
-                <a16:creationId xmlns:a16="http://schemas.microsoft.com/office/drawing/2014/main" id="{5989E088-939C-4299-832A-80F7F984EF91}"/>
+                <a16:creationId xmlns:a16="http://schemas.microsoft.com/office/drawing/2014/main" id="{2F8A2070-35CE-4E9B-A187-CD36B63D5586}"/>
               </a:ext>
             </a:extLst>
           </p:cNvPr>
@@ -8896,7 +11366,7 @@
           <a:p>
             <a:r>
               <a:rPr lang="en-US" dirty="0"/>
-              <a:t>How to Start – Product Owner</a:t>
+              <a:t>Results</a:t>
             </a:r>
           </a:p>
         </p:txBody>
@@ -8906,7 +11376,7 @@
           <p:cNvPr id="3" name="Content Placeholder 2">
             <a:extLst>
               <a:ext uri="{FF2B5EF4-FFF2-40B4-BE49-F238E27FC236}">
-                <a16:creationId xmlns:a16="http://schemas.microsoft.com/office/drawing/2014/main" id="{4055E0AF-84DD-4AF2-9348-9C9DEF78D7FA}"/>
+                <a16:creationId xmlns:a16="http://schemas.microsoft.com/office/drawing/2014/main" id="{B9419FD7-0A9C-44DB-839F-A96ADACA5052}"/>
               </a:ext>
             </a:extLst>
           </p:cNvPr>
@@ -8924,20 +11394,19 @@
           <a:p>
             <a:r>
               <a:rPr lang="en-US" dirty="0"/>
-              <a:t>demand at demo that tech debt plan is shared.</a:t>
-            </a:r>
-          </a:p>
-          <a:p>
-            <a:r>
-              <a:rPr lang="en-US" dirty="0"/>
-              <a:t>Don't assume tech debt is unsolvable.</a:t>
-            </a:r>
-          </a:p>
-          <a:p>
-            <a:pPr lvl="1"/>
-            <a:r>
-              <a:rPr lang="en-US" dirty="0"/>
-              <a:t>Accept it as a reason that X can’t happen, and then ask for a plan how they will change it so that X can happen later.</a:t>
+              <a:t>Balance team autonomy with responsibility. Autonomy doesn’t go wild; leaders don’t stifle action.</a:t>
+            </a:r>
+          </a:p>
+          <a:p>
+            <a:endParaRPr lang="en-US" dirty="0"/>
+          </a:p>
+          <a:p>
+            <a:endParaRPr lang="en-US" dirty="0"/>
+          </a:p>
+          <a:p>
+            <a:r>
+              <a:rPr lang="en-US" dirty="0"/>
+              <a:t>And this allows local alignment and action, without requiring global alignment. Exactly what we need in order to solve Technical Debt.</a:t>
             </a:r>
           </a:p>
         </p:txBody>
@@ -8945,7 +11414,7 @@
     </p:spTree>
     <p:extLst>
       <p:ext uri="{BB962C8B-B14F-4D97-AF65-F5344CB8AC3E}">
-        <p14:creationId xmlns:p14="http://schemas.microsoft.com/office/powerpoint/2010/main" val="2258995555"/>
+        <p14:creationId xmlns:p14="http://schemas.microsoft.com/office/powerpoint/2010/main" val="3698405461"/>
       </p:ext>
     </p:extLst>
   </p:cSld>
@@ -9027,12 +11496,12 @@
             <a:endParaRPr lang="en-US" dirty="0"/>
           </a:p>
           <a:p>
-            <a:endParaRPr lang="en-US" dirty="0"/>
-          </a:p>
-          <a:p>
-            <a:r>
-              <a:rPr lang="en-US" dirty="0"/>
-              <a:t>…and leaders will still have to accomplish some of the same objectives, but with different approaches.</a:t>
+            <a:pPr marL="0" indent="0">
+              <a:buNone/>
+            </a:pPr>
+            <a:r>
+              <a:rPr lang="en-US" dirty="0"/>
+              <a:t>We need companies to effectively go in many different directions in an aligned way.</a:t>
             </a:r>
           </a:p>
         </p:txBody>
@@ -9041,415 +11510,6 @@
     <p:extLst>
       <p:ext uri="{BB962C8B-B14F-4D97-AF65-F5344CB8AC3E}">
         <p14:creationId xmlns:p14="http://schemas.microsoft.com/office/powerpoint/2010/main" val="250562756"/>
-      </p:ext>
-    </p:extLst>
-  </p:cSld>
-  <p:clrMapOvr>
-    <a:masterClrMapping/>
-  </p:clrMapOvr>
-</p:sld>
-</file>
-
-<file path=ppt/slides/slide40.xml><?xml version="1.0" encoding="utf-8"?>
-<p:sld xmlns:a="http://schemas.openxmlformats.org/drawingml/2006/main" xmlns:r="http://schemas.openxmlformats.org/officeDocument/2006/relationships" xmlns:p="http://schemas.openxmlformats.org/presentationml/2006/main">
-  <p:cSld>
-    <p:spTree>
-      <p:nvGrpSpPr>
-        <p:cNvPr id="1" name=""/>
-        <p:cNvGrpSpPr/>
-        <p:nvPr/>
-      </p:nvGrpSpPr>
-      <p:grpSpPr>
-        <a:xfrm>
-          <a:off x="0" y="0"/>
-          <a:ext cx="0" cy="0"/>
-          <a:chOff x="0" y="0"/>
-          <a:chExt cx="0" cy="0"/>
-        </a:xfrm>
-      </p:grpSpPr>
-      <p:sp>
-        <p:nvSpPr>
-          <p:cNvPr id="2" name="Title 1">
-            <a:extLst>
-              <a:ext uri="{FF2B5EF4-FFF2-40B4-BE49-F238E27FC236}">
-                <a16:creationId xmlns:a16="http://schemas.microsoft.com/office/drawing/2014/main" id="{BD22A665-CD40-4361-824B-F3736F7D26DE}"/>
-              </a:ext>
-            </a:extLst>
-          </p:cNvPr>
-          <p:cNvSpPr>
-            <a:spLocks noGrp="1"/>
-          </p:cNvSpPr>
-          <p:nvPr>
-            <p:ph type="title"/>
-          </p:nvPr>
-        </p:nvSpPr>
-        <p:spPr/>
-        <p:txBody>
-          <a:bodyPr/>
-          <a:lstStyle/>
-          <a:p>
-            <a:r>
-              <a:rPr lang="en-US" dirty="0"/>
-              <a:t>How to Start – Team Manager / Lead</a:t>
-            </a:r>
-          </a:p>
-        </p:txBody>
-      </p:sp>
-      <p:sp>
-        <p:nvSpPr>
-          <p:cNvPr id="3" name="Content Placeholder 2">
-            <a:extLst>
-              <a:ext uri="{FF2B5EF4-FFF2-40B4-BE49-F238E27FC236}">
-                <a16:creationId xmlns:a16="http://schemas.microsoft.com/office/drawing/2014/main" id="{C8842DE9-AA74-408C-9C80-737108C260BE}"/>
-              </a:ext>
-            </a:extLst>
-          </p:cNvPr>
-          <p:cNvSpPr>
-            <a:spLocks noGrp="1"/>
-          </p:cNvSpPr>
-          <p:nvPr>
-            <p:ph idx="1"/>
-          </p:nvPr>
-        </p:nvSpPr>
-        <p:spPr/>
-        <p:txBody>
-          <a:bodyPr/>
-          <a:lstStyle/>
-          <a:p>
-            <a:r>
-              <a:rPr lang="en-US" dirty="0"/>
-              <a:t>Designate a team IC to be a data champion (tech debt owner) and support that person.</a:t>
-            </a:r>
-          </a:p>
-          <a:p>
-            <a:r>
-              <a:rPr lang="en-US" dirty="0"/>
-              <a:t>Play the role of exec initially.</a:t>
-            </a:r>
-          </a:p>
-          <a:p>
-            <a:r>
-              <a:rPr lang="en-US" dirty="0"/>
-              <a:t>Request that your exec take over the exec role.</a:t>
-            </a:r>
-          </a:p>
-        </p:txBody>
-      </p:sp>
-    </p:spTree>
-    <p:extLst>
-      <p:ext uri="{BB962C8B-B14F-4D97-AF65-F5344CB8AC3E}">
-        <p14:creationId xmlns:p14="http://schemas.microsoft.com/office/powerpoint/2010/main" val="3106305619"/>
-      </p:ext>
-    </p:extLst>
-  </p:cSld>
-  <p:clrMapOvr>
-    <a:masterClrMapping/>
-  </p:clrMapOvr>
-</p:sld>
-</file>
-
-<file path=ppt/slides/slide41.xml><?xml version="1.0" encoding="utf-8"?>
-<p:sld xmlns:a="http://schemas.openxmlformats.org/drawingml/2006/main" xmlns:r="http://schemas.openxmlformats.org/officeDocument/2006/relationships" xmlns:p="http://schemas.openxmlformats.org/presentationml/2006/main">
-  <p:cSld>
-    <p:spTree>
-      <p:nvGrpSpPr>
-        <p:cNvPr id="1" name=""/>
-        <p:cNvGrpSpPr/>
-        <p:nvPr/>
-      </p:nvGrpSpPr>
-      <p:grpSpPr>
-        <a:xfrm>
-          <a:off x="0" y="0"/>
-          <a:ext cx="0" cy="0"/>
-          <a:chOff x="0" y="0"/>
-          <a:chExt cx="0" cy="0"/>
-        </a:xfrm>
-      </p:grpSpPr>
-      <p:sp>
-        <p:nvSpPr>
-          <p:cNvPr id="2" name="Title 1">
-            <a:extLst>
-              <a:ext uri="{FF2B5EF4-FFF2-40B4-BE49-F238E27FC236}">
-                <a16:creationId xmlns:a16="http://schemas.microsoft.com/office/drawing/2014/main" id="{6E6372A7-F762-4400-8BAE-E0250062C2F3}"/>
-              </a:ext>
-            </a:extLst>
-          </p:cNvPr>
-          <p:cNvSpPr>
-            <a:spLocks noGrp="1"/>
-          </p:cNvSpPr>
-          <p:nvPr>
-            <p:ph type="title"/>
-          </p:nvPr>
-        </p:nvSpPr>
-        <p:spPr/>
-        <p:txBody>
-          <a:bodyPr/>
-          <a:lstStyle/>
-          <a:p>
-            <a:r>
-              <a:rPr lang="en-US" dirty="0"/>
-              <a:t>How to Start – Any Individual Contributor</a:t>
-            </a:r>
-          </a:p>
-        </p:txBody>
-      </p:sp>
-      <p:sp>
-        <p:nvSpPr>
-          <p:cNvPr id="3" name="Content Placeholder 2">
-            <a:extLst>
-              <a:ext uri="{FF2B5EF4-FFF2-40B4-BE49-F238E27FC236}">
-                <a16:creationId xmlns:a16="http://schemas.microsoft.com/office/drawing/2014/main" id="{8C28341B-163B-44D3-B4C3-960EEE1DEB9B}"/>
-              </a:ext>
-            </a:extLst>
-          </p:cNvPr>
-          <p:cNvSpPr>
-            <a:spLocks noGrp="1"/>
-          </p:cNvSpPr>
-          <p:nvPr>
-            <p:ph idx="1"/>
-          </p:nvPr>
-        </p:nvSpPr>
-        <p:spPr/>
-        <p:txBody>
-          <a:bodyPr/>
-          <a:lstStyle/>
-          <a:p>
-            <a:r>
-              <a:rPr lang="en-US" dirty="0"/>
-              <a:t>Get agreement from team and simply BE the tech debt data owner</a:t>
-            </a:r>
-          </a:p>
-          <a:p>
-            <a:r>
-              <a:rPr lang="en-US" dirty="0"/>
-              <a:t>Start presenting differently at demos</a:t>
-            </a:r>
-          </a:p>
-          <a:p>
-            <a:r>
-              <a:rPr lang="en-US" dirty="0"/>
-              <a:t>Define the tech debt improvements / experiments, work with the PO to get them to quality (small, understandable), and bring them to the planning game for real</a:t>
-            </a:r>
-          </a:p>
-          <a:p>
-            <a:r>
-              <a:rPr lang="en-US" dirty="0"/>
-              <a:t>Start doing Disciplined Refactoring</a:t>
-            </a:r>
-          </a:p>
-        </p:txBody>
-      </p:sp>
-    </p:spTree>
-    <p:extLst>
-      <p:ext uri="{BB962C8B-B14F-4D97-AF65-F5344CB8AC3E}">
-        <p14:creationId xmlns:p14="http://schemas.microsoft.com/office/powerpoint/2010/main" val="581897009"/>
-      </p:ext>
-    </p:extLst>
-  </p:cSld>
-  <p:clrMapOvr>
-    <a:masterClrMapping/>
-  </p:clrMapOvr>
-</p:sld>
-</file>
-
-<file path=ppt/slides/slide42.xml><?xml version="1.0" encoding="utf-8"?>
-<p:sld xmlns:a="http://schemas.openxmlformats.org/drawingml/2006/main" xmlns:r="http://schemas.openxmlformats.org/officeDocument/2006/relationships" xmlns:p="http://schemas.openxmlformats.org/presentationml/2006/main">
-  <p:cSld>
-    <p:spTree>
-      <p:nvGrpSpPr>
-        <p:cNvPr id="1" name=""/>
-        <p:cNvGrpSpPr/>
-        <p:nvPr/>
-      </p:nvGrpSpPr>
-      <p:grpSpPr>
-        <a:xfrm>
-          <a:off x="0" y="0"/>
-          <a:ext cx="0" cy="0"/>
-          <a:chOff x="0" y="0"/>
-          <a:chExt cx="0" cy="0"/>
-        </a:xfrm>
-      </p:grpSpPr>
-      <p:sp>
-        <p:nvSpPr>
-          <p:cNvPr id="2" name="Title 1">
-            <a:extLst>
-              <a:ext uri="{FF2B5EF4-FFF2-40B4-BE49-F238E27FC236}">
-                <a16:creationId xmlns:a16="http://schemas.microsoft.com/office/drawing/2014/main" id="{075352F9-37DD-46AE-98AF-0B1A3EDF4CFD}"/>
-              </a:ext>
-            </a:extLst>
-          </p:cNvPr>
-          <p:cNvSpPr>
-            <a:spLocks noGrp="1"/>
-          </p:cNvSpPr>
-          <p:nvPr>
-            <p:ph type="title"/>
-          </p:nvPr>
-        </p:nvSpPr>
-        <p:spPr/>
-        <p:txBody>
-          <a:bodyPr/>
-          <a:lstStyle/>
-          <a:p>
-            <a:r>
-              <a:rPr lang="en-US" dirty="0"/>
-              <a:t>How to Start – Exec</a:t>
-            </a:r>
-          </a:p>
-        </p:txBody>
-      </p:sp>
-      <p:sp>
-        <p:nvSpPr>
-          <p:cNvPr id="3" name="Content Placeholder 2">
-            <a:extLst>
-              <a:ext uri="{FF2B5EF4-FFF2-40B4-BE49-F238E27FC236}">
-                <a16:creationId xmlns:a16="http://schemas.microsoft.com/office/drawing/2014/main" id="{6FE0B3F5-501C-43F0-AE21-0B0E13B8F048}"/>
-              </a:ext>
-            </a:extLst>
-          </p:cNvPr>
-          <p:cNvSpPr>
-            <a:spLocks noGrp="1"/>
-          </p:cNvSpPr>
-          <p:nvPr>
-            <p:ph idx="1"/>
-          </p:nvPr>
-        </p:nvSpPr>
-        <p:spPr/>
-        <p:txBody>
-          <a:bodyPr/>
-          <a:lstStyle/>
-          <a:p>
-            <a:r>
-              <a:rPr lang="en-US" dirty="0"/>
-              <a:t>Understand Accountability cycle &amp; Ownership cycle. Present it (frequently) to the team.</a:t>
-            </a:r>
-          </a:p>
-          <a:p>
-            <a:r>
-              <a:rPr lang="en-US" dirty="0"/>
-              <a:t>Start the tech debt ownership-</a:t>
-            </a:r>
-            <a:r>
-              <a:rPr lang="en-US" dirty="0" err="1"/>
-              <a:t>spectives</a:t>
-            </a:r>
-            <a:r>
-              <a:rPr lang="en-US" dirty="0"/>
-              <a:t> and assume the proper leadership stances</a:t>
-            </a:r>
-          </a:p>
-          <a:p>
-            <a:r>
-              <a:rPr lang="en-US" dirty="0"/>
-              <a:t>Start looking for places where you are supporting accountability, and ask what you could do instead to support ownership.</a:t>
-            </a:r>
-          </a:p>
-          <a:p>
-            <a:pPr lvl="1"/>
-            <a:r>
-              <a:rPr lang="en-US" dirty="0"/>
-              <a:t>Yes, you can literally ask the team</a:t>
-            </a:r>
-          </a:p>
-        </p:txBody>
-      </p:sp>
-    </p:spTree>
-    <p:extLst>
-      <p:ext uri="{BB962C8B-B14F-4D97-AF65-F5344CB8AC3E}">
-        <p14:creationId xmlns:p14="http://schemas.microsoft.com/office/powerpoint/2010/main" val="398383171"/>
-      </p:ext>
-    </p:extLst>
-  </p:cSld>
-  <p:clrMapOvr>
-    <a:masterClrMapping/>
-  </p:clrMapOvr>
-</p:sld>
-</file>
-
-<file path=ppt/slides/slide43.xml><?xml version="1.0" encoding="utf-8"?>
-<p:sld xmlns:a="http://schemas.openxmlformats.org/drawingml/2006/main" xmlns:r="http://schemas.openxmlformats.org/officeDocument/2006/relationships" xmlns:p="http://schemas.openxmlformats.org/presentationml/2006/main">
-  <p:cSld>
-    <p:spTree>
-      <p:nvGrpSpPr>
-        <p:cNvPr id="1" name=""/>
-        <p:cNvGrpSpPr/>
-        <p:nvPr/>
-      </p:nvGrpSpPr>
-      <p:grpSpPr>
-        <a:xfrm>
-          <a:off x="0" y="0"/>
-          <a:ext cx="0" cy="0"/>
-          <a:chOff x="0" y="0"/>
-          <a:chExt cx="0" cy="0"/>
-        </a:xfrm>
-      </p:grpSpPr>
-      <p:sp>
-        <p:nvSpPr>
-          <p:cNvPr id="2" name="Title 1">
-            <a:extLst>
-              <a:ext uri="{FF2B5EF4-FFF2-40B4-BE49-F238E27FC236}">
-                <a16:creationId xmlns:a16="http://schemas.microsoft.com/office/drawing/2014/main" id="{A0EC34DA-BD91-4F22-B504-9DD2C43EA444}"/>
-              </a:ext>
-            </a:extLst>
-          </p:cNvPr>
-          <p:cNvSpPr>
-            <a:spLocks noGrp="1"/>
-          </p:cNvSpPr>
-          <p:nvPr>
-            <p:ph type="title"/>
-          </p:nvPr>
-        </p:nvSpPr>
-        <p:spPr/>
-        <p:txBody>
-          <a:bodyPr/>
-          <a:lstStyle/>
-          <a:p>
-            <a:r>
-              <a:rPr lang="en-US" dirty="0"/>
-              <a:t>The Choice is Yours; the Reward is Simple</a:t>
-            </a:r>
-          </a:p>
-        </p:txBody>
-      </p:sp>
-      <p:sp>
-        <p:nvSpPr>
-          <p:cNvPr id="3" name="Content Placeholder 2">
-            <a:extLst>
-              <a:ext uri="{FF2B5EF4-FFF2-40B4-BE49-F238E27FC236}">
-                <a16:creationId xmlns:a16="http://schemas.microsoft.com/office/drawing/2014/main" id="{8E2CF082-CA50-4A09-A9AF-F0C881CFD917}"/>
-              </a:ext>
-            </a:extLst>
-          </p:cNvPr>
-          <p:cNvSpPr>
-            <a:spLocks noGrp="1"/>
-          </p:cNvSpPr>
-          <p:nvPr>
-            <p:ph idx="1"/>
-          </p:nvPr>
-        </p:nvSpPr>
-        <p:spPr/>
-        <p:txBody>
-          <a:bodyPr/>
-          <a:lstStyle/>
-          <a:p>
-            <a:r>
-              <a:rPr lang="en-US" dirty="0"/>
-              <a:t>You get to start fixing technical debt and feel supported in doing so …. </a:t>
-            </a:r>
-            <a:r>
-              <a:rPr lang="en-US" i="1" dirty="0"/>
-              <a:t>Tomorrow</a:t>
-            </a:r>
-            <a:r>
-              <a:rPr lang="en-US" dirty="0"/>
-              <a:t>.</a:t>
-            </a:r>
-          </a:p>
-        </p:txBody>
-      </p:sp>
-    </p:spTree>
-    <p:extLst>
-      <p:ext uri="{BB962C8B-B14F-4D97-AF65-F5344CB8AC3E}">
-        <p14:creationId xmlns:p14="http://schemas.microsoft.com/office/powerpoint/2010/main" val="2666848076"/>
       </p:ext>
     </p:extLst>
   </p:cSld>

--- a/leading technical debt/gogo keynote - data-driven leadership to solve technical debt.pptx
+++ b/leading technical debt/gogo keynote - data-driven leadership to solve technical debt.pptx
@@ -286,7 +286,7 @@
           <a:p>
             <a:fld id="{9145D725-E27F-4BDC-952B-6F12C3FAB913}" type="datetimeFigureOut">
               <a:rPr lang="en-US" smtClean="0"/>
-              <a:t>08-Apr-19</a:t>
+              <a:t>09-Apr-19</a:t>
             </a:fld>
             <a:endParaRPr lang="en-US"/>
           </a:p>
@@ -4039,7 +4039,7 @@
           <a:p>
             <a:fld id="{EBAA21FC-F3CB-41C2-AF46-91977F01228E}" type="datetimeFigureOut">
               <a:rPr lang="en-US" smtClean="0"/>
-              <a:t>08-Apr-19</a:t>
+              <a:t>09-Apr-19</a:t>
             </a:fld>
             <a:endParaRPr lang="en-US"/>
           </a:p>
@@ -4237,7 +4237,7 @@
           <a:p>
             <a:fld id="{EBAA21FC-F3CB-41C2-AF46-91977F01228E}" type="datetimeFigureOut">
               <a:rPr lang="en-US" smtClean="0"/>
-              <a:t>08-Apr-19</a:t>
+              <a:t>09-Apr-19</a:t>
             </a:fld>
             <a:endParaRPr lang="en-US"/>
           </a:p>
@@ -4445,7 +4445,7 @@
           <a:p>
             <a:fld id="{EBAA21FC-F3CB-41C2-AF46-91977F01228E}" type="datetimeFigureOut">
               <a:rPr lang="en-US" smtClean="0"/>
-              <a:t>08-Apr-19</a:t>
+              <a:t>09-Apr-19</a:t>
             </a:fld>
             <a:endParaRPr lang="en-US"/>
           </a:p>
@@ -4643,7 +4643,7 @@
           <a:p>
             <a:fld id="{EBAA21FC-F3CB-41C2-AF46-91977F01228E}" type="datetimeFigureOut">
               <a:rPr lang="en-US" smtClean="0"/>
-              <a:t>08-Apr-19</a:t>
+              <a:t>09-Apr-19</a:t>
             </a:fld>
             <a:endParaRPr lang="en-US"/>
           </a:p>
@@ -4918,7 +4918,7 @@
           <a:p>
             <a:fld id="{EBAA21FC-F3CB-41C2-AF46-91977F01228E}" type="datetimeFigureOut">
               <a:rPr lang="en-US" smtClean="0"/>
-              <a:t>08-Apr-19</a:t>
+              <a:t>09-Apr-19</a:t>
             </a:fld>
             <a:endParaRPr lang="en-US"/>
           </a:p>
@@ -5183,7 +5183,7 @@
           <a:p>
             <a:fld id="{EBAA21FC-F3CB-41C2-AF46-91977F01228E}" type="datetimeFigureOut">
               <a:rPr lang="en-US" smtClean="0"/>
-              <a:t>08-Apr-19</a:t>
+              <a:t>09-Apr-19</a:t>
             </a:fld>
             <a:endParaRPr lang="en-US"/>
           </a:p>
@@ -5595,7 +5595,7 @@
           <a:p>
             <a:fld id="{EBAA21FC-F3CB-41C2-AF46-91977F01228E}" type="datetimeFigureOut">
               <a:rPr lang="en-US" smtClean="0"/>
-              <a:t>08-Apr-19</a:t>
+              <a:t>09-Apr-19</a:t>
             </a:fld>
             <a:endParaRPr lang="en-US"/>
           </a:p>
@@ -5736,7 +5736,7 @@
           <a:p>
             <a:fld id="{EBAA21FC-F3CB-41C2-AF46-91977F01228E}" type="datetimeFigureOut">
               <a:rPr lang="en-US" smtClean="0"/>
-              <a:t>08-Apr-19</a:t>
+              <a:t>09-Apr-19</a:t>
             </a:fld>
             <a:endParaRPr lang="en-US"/>
           </a:p>
@@ -5849,7 +5849,7 @@
           <a:p>
             <a:fld id="{EBAA21FC-F3CB-41C2-AF46-91977F01228E}" type="datetimeFigureOut">
               <a:rPr lang="en-US" smtClean="0"/>
-              <a:t>08-Apr-19</a:t>
+              <a:t>09-Apr-19</a:t>
             </a:fld>
             <a:endParaRPr lang="en-US"/>
           </a:p>
@@ -6160,7 +6160,7 @@
           <a:p>
             <a:fld id="{EBAA21FC-F3CB-41C2-AF46-91977F01228E}" type="datetimeFigureOut">
               <a:rPr lang="en-US" smtClean="0"/>
-              <a:t>08-Apr-19</a:t>
+              <a:t>09-Apr-19</a:t>
             </a:fld>
             <a:endParaRPr lang="en-US"/>
           </a:p>
@@ -6448,7 +6448,7 @@
           <a:p>
             <a:fld id="{EBAA21FC-F3CB-41C2-AF46-91977F01228E}" type="datetimeFigureOut">
               <a:rPr lang="en-US" smtClean="0"/>
-              <a:t>08-Apr-19</a:t>
+              <a:t>09-Apr-19</a:t>
             </a:fld>
             <a:endParaRPr lang="en-US"/>
           </a:p>
@@ -6689,7 +6689,7 @@
           <a:p>
             <a:fld id="{EBAA21FC-F3CB-41C2-AF46-91977F01228E}" type="datetimeFigureOut">
               <a:rPr lang="en-US" smtClean="0"/>
-              <a:t>08-Apr-19</a:t>
+              <a:t>09-Apr-19</a:t>
             </a:fld>
             <a:endParaRPr lang="en-US"/>
           </a:p>
@@ -9685,69 +9685,283 @@
           <a:p>
             <a:r>
               <a:rPr lang="en-US" dirty="0"/>
-              <a:t>Leadership stance – conceptual </a:t>
-            </a:r>
-          </a:p>
-        </p:txBody>
-      </p:sp>
-      <p:sp>
-        <p:nvSpPr>
-          <p:cNvPr id="3" name="Content Placeholder 2">
-            <a:extLst>
-              <a:ext uri="{FF2B5EF4-FFF2-40B4-BE49-F238E27FC236}">
-                <a16:creationId xmlns:a16="http://schemas.microsoft.com/office/drawing/2014/main" id="{16C7E745-13A2-4F9F-BF27-DAE4DDDFF7CE}"/>
-              </a:ext>
-            </a:extLst>
-          </p:cNvPr>
-          <p:cNvSpPr>
-            <a:spLocks noGrp="1"/>
-          </p:cNvSpPr>
-          <p:nvPr>
-            <p:ph idx="1"/>
-          </p:nvPr>
-        </p:nvSpPr>
-        <p:spPr/>
-        <p:txBody>
-          <a:bodyPr/>
-          <a:lstStyle/>
-          <a:p>
-            <a:r>
-              <a:rPr lang="en-US" dirty="0"/>
-              <a:t>Yes: mentor</a:t>
-            </a:r>
-          </a:p>
-          <a:p>
-            <a:r>
-              <a:rPr lang="en-US" dirty="0"/>
-              <a:t>Yes: challenge</a:t>
-            </a:r>
-          </a:p>
-          <a:p>
-            <a:endParaRPr lang="en-US" dirty="0"/>
-          </a:p>
-          <a:p>
-            <a:r>
-              <a:rPr lang="en-US" dirty="0"/>
-              <a:t>No: strategize</a:t>
-            </a:r>
-          </a:p>
-          <a:p>
-            <a:r>
-              <a:rPr lang="en-US" dirty="0"/>
-              <a:t>No: assess their strategy</a:t>
-            </a:r>
-          </a:p>
-          <a:p>
-            <a:r>
-              <a:rPr lang="en-US" b="1" dirty="0"/>
-              <a:t>Yes: assess their ability to strategize</a:t>
-            </a:r>
-          </a:p>
-          <a:p>
-            <a:pPr marL="0" indent="0">
-              <a:buNone/>
-            </a:pPr>
-            <a:endParaRPr lang="en-US" dirty="0"/>
+              <a:t>Leadership Stance</a:t>
+            </a:r>
+          </a:p>
+        </p:txBody>
+      </p:sp>
+      <p:pic>
+        <p:nvPicPr>
+          <p:cNvPr id="7" name="Picture 6">
+            <a:extLst>
+              <a:ext uri="{FF2B5EF4-FFF2-40B4-BE49-F238E27FC236}">
+                <a16:creationId xmlns:a16="http://schemas.microsoft.com/office/drawing/2014/main" id="{6D8D2AE9-C065-4517-B7E1-B566142D5353}"/>
+              </a:ext>
+            </a:extLst>
+          </p:cNvPr>
+          <p:cNvPicPr>
+            <a:picLocks noChangeAspect="1"/>
+          </p:cNvPicPr>
+          <p:nvPr/>
+        </p:nvPicPr>
+        <p:blipFill>
+          <a:blip r:embed="rId3">
+            <a:extLst>
+              <a:ext uri="{28A0092B-C50C-407E-A947-70E740481C1C}">
+                <a14:useLocalDpi xmlns:a14="http://schemas.microsoft.com/office/drawing/2010/main" val="0"/>
+              </a:ext>
+            </a:extLst>
+          </a:blip>
+          <a:stretch>
+            <a:fillRect/>
+          </a:stretch>
+        </p:blipFill>
+        <p:spPr>
+          <a:xfrm>
+            <a:off x="8840711" y="1972899"/>
+            <a:ext cx="2440500" cy="3301852"/>
+          </a:xfrm>
+          <a:prstGeom prst="rect">
+            <a:avLst/>
+          </a:prstGeom>
+        </p:spPr>
+      </p:pic>
+      <p:pic>
+        <p:nvPicPr>
+          <p:cNvPr id="9" name="Picture 8">
+            <a:extLst>
+              <a:ext uri="{FF2B5EF4-FFF2-40B4-BE49-F238E27FC236}">
+                <a16:creationId xmlns:a16="http://schemas.microsoft.com/office/drawing/2014/main" id="{3476D2E6-48CD-4707-9808-D3C361689772}"/>
+              </a:ext>
+            </a:extLst>
+          </p:cNvPr>
+          <p:cNvPicPr>
+            <a:picLocks noChangeAspect="1"/>
+          </p:cNvPicPr>
+          <p:nvPr/>
+        </p:nvPicPr>
+        <p:blipFill>
+          <a:blip r:embed="rId4">
+            <a:extLst>
+              <a:ext uri="{28A0092B-C50C-407E-A947-70E740481C1C}">
+                <a14:useLocalDpi xmlns:a14="http://schemas.microsoft.com/office/drawing/2010/main" val="0"/>
+              </a:ext>
+            </a:extLst>
+          </a:blip>
+          <a:stretch>
+            <a:fillRect/>
+          </a:stretch>
+        </p:blipFill>
+        <p:spPr>
+          <a:xfrm>
+            <a:off x="4878233" y="1993400"/>
+            <a:ext cx="2459548" cy="3352452"/>
+          </a:xfrm>
+          <a:prstGeom prst="rect">
+            <a:avLst/>
+          </a:prstGeom>
+        </p:spPr>
+      </p:pic>
+      <p:pic>
+        <p:nvPicPr>
+          <p:cNvPr id="11" name="Picture 10">
+            <a:extLst>
+              <a:ext uri="{FF2B5EF4-FFF2-40B4-BE49-F238E27FC236}">
+                <a16:creationId xmlns:a16="http://schemas.microsoft.com/office/drawing/2014/main" id="{CB9596B8-2088-45F3-BB99-BCD4D767C8C5}"/>
+              </a:ext>
+            </a:extLst>
+          </p:cNvPr>
+          <p:cNvPicPr>
+            <a:picLocks noChangeAspect="1"/>
+          </p:cNvPicPr>
+          <p:nvPr/>
+        </p:nvPicPr>
+        <p:blipFill>
+          <a:blip r:embed="rId5">
+            <a:extLst>
+              <a:ext uri="{28A0092B-C50C-407E-A947-70E740481C1C}">
+                <a14:useLocalDpi xmlns:a14="http://schemas.microsoft.com/office/drawing/2010/main" val="0"/>
+              </a:ext>
+            </a:extLst>
+          </a:blip>
+          <a:stretch>
+            <a:fillRect/>
+          </a:stretch>
+        </p:blipFill>
+        <p:spPr>
+          <a:xfrm>
+            <a:off x="866775" y="1876441"/>
+            <a:ext cx="2438143" cy="3338503"/>
+          </a:xfrm>
+          <a:prstGeom prst="rect">
+            <a:avLst/>
+          </a:prstGeom>
+        </p:spPr>
+      </p:pic>
+      <p:sp>
+        <p:nvSpPr>
+          <p:cNvPr id="12" name="&quot;Not Allowed&quot; Symbol 11">
+            <a:extLst>
+              <a:ext uri="{FF2B5EF4-FFF2-40B4-BE49-F238E27FC236}">
+                <a16:creationId xmlns:a16="http://schemas.microsoft.com/office/drawing/2014/main" id="{65E2C8F9-C001-4D1E-B795-7674F081B2F1}"/>
+              </a:ext>
+            </a:extLst>
+          </p:cNvPr>
+          <p:cNvSpPr/>
+          <p:nvPr/>
+        </p:nvSpPr>
+        <p:spPr>
+          <a:xfrm>
+            <a:off x="237912" y="1643056"/>
+            <a:ext cx="3829263" cy="3871919"/>
+          </a:xfrm>
+          <a:prstGeom prst="noSmoking">
+            <a:avLst>
+              <a:gd name="adj" fmla="val 5435"/>
+            </a:avLst>
+          </a:prstGeom>
+          <a:solidFill>
+            <a:srgbClr val="C00000"/>
+          </a:solidFill>
+          <a:ln w="6350"/>
+        </p:spPr>
+        <p:style>
+          <a:lnRef idx="2">
+            <a:schemeClr val="accent1">
+              <a:shade val="50000"/>
+            </a:schemeClr>
+          </a:lnRef>
+          <a:fillRef idx="1">
+            <a:schemeClr val="accent1"/>
+          </a:fillRef>
+          <a:effectRef idx="0">
+            <a:schemeClr val="accent1"/>
+          </a:effectRef>
+          <a:fontRef idx="minor">
+            <a:schemeClr val="lt1"/>
+          </a:fontRef>
+        </p:style>
+        <p:txBody>
+          <a:bodyPr rtlCol="0" anchor="ctr"/>
+          <a:lstStyle/>
+          <a:p>
+            <a:pPr algn="ctr"/>
+            <a:endParaRPr lang="en-US">
+              <a:solidFill>
+                <a:schemeClr val="tx1"/>
+              </a:solidFill>
+            </a:endParaRPr>
+          </a:p>
+        </p:txBody>
+      </p:sp>
+      <p:sp>
+        <p:nvSpPr>
+          <p:cNvPr id="13" name="&quot;Not Allowed&quot; Symbol 12">
+            <a:extLst>
+              <a:ext uri="{FF2B5EF4-FFF2-40B4-BE49-F238E27FC236}">
+                <a16:creationId xmlns:a16="http://schemas.microsoft.com/office/drawing/2014/main" id="{EAE083D9-33A4-47FA-AF40-940F20BF3BD4}"/>
+              </a:ext>
+            </a:extLst>
+          </p:cNvPr>
+          <p:cNvSpPr/>
+          <p:nvPr/>
+        </p:nvSpPr>
+        <p:spPr>
+          <a:xfrm>
+            <a:off x="4128886" y="1597288"/>
+            <a:ext cx="3829263" cy="3991532"/>
+          </a:xfrm>
+          <a:prstGeom prst="noSmoking">
+            <a:avLst>
+              <a:gd name="adj" fmla="val 5435"/>
+            </a:avLst>
+          </a:prstGeom>
+          <a:solidFill>
+            <a:srgbClr val="C00000"/>
+          </a:solidFill>
+          <a:ln w="6350"/>
+        </p:spPr>
+        <p:style>
+          <a:lnRef idx="2">
+            <a:schemeClr val="accent1">
+              <a:shade val="50000"/>
+            </a:schemeClr>
+          </a:lnRef>
+          <a:fillRef idx="1">
+            <a:schemeClr val="accent1"/>
+          </a:fillRef>
+          <a:effectRef idx="0">
+            <a:schemeClr val="accent1"/>
+          </a:effectRef>
+          <a:fontRef idx="minor">
+            <a:schemeClr val="lt1"/>
+          </a:fontRef>
+        </p:style>
+        <p:txBody>
+          <a:bodyPr rtlCol="0" anchor="ctr"/>
+          <a:lstStyle/>
+          <a:p>
+            <a:pPr algn="ctr"/>
+            <a:endParaRPr lang="en-US">
+              <a:solidFill>
+                <a:schemeClr val="tx1"/>
+              </a:solidFill>
+            </a:endParaRPr>
+          </a:p>
+        </p:txBody>
+      </p:sp>
+      <p:sp>
+        <p:nvSpPr>
+          <p:cNvPr id="15" name="Circle: Hollow 14">
+            <a:extLst>
+              <a:ext uri="{FF2B5EF4-FFF2-40B4-BE49-F238E27FC236}">
+                <a16:creationId xmlns:a16="http://schemas.microsoft.com/office/drawing/2014/main" id="{5710972A-11B6-4613-87D7-7CC86C000514}"/>
+              </a:ext>
+            </a:extLst>
+          </p:cNvPr>
+          <p:cNvSpPr/>
+          <p:nvPr/>
+        </p:nvSpPr>
+        <p:spPr>
+          <a:xfrm>
+            <a:off x="8080811" y="1583249"/>
+            <a:ext cx="3829263" cy="3991532"/>
+          </a:xfrm>
+          <a:prstGeom prst="donut">
+            <a:avLst>
+              <a:gd name="adj" fmla="val 4996"/>
+            </a:avLst>
+          </a:prstGeom>
+          <a:solidFill>
+            <a:schemeClr val="accent6"/>
+          </a:solidFill>
+        </p:spPr>
+        <p:style>
+          <a:lnRef idx="2">
+            <a:schemeClr val="accent1">
+              <a:shade val="50000"/>
+            </a:schemeClr>
+          </a:lnRef>
+          <a:fillRef idx="1">
+            <a:schemeClr val="accent1"/>
+          </a:fillRef>
+          <a:effectRef idx="0">
+            <a:schemeClr val="accent1"/>
+          </a:effectRef>
+          <a:fontRef idx="minor">
+            <a:schemeClr val="lt1"/>
+          </a:fontRef>
+        </p:style>
+        <p:txBody>
+          <a:bodyPr rtlCol="0" anchor="ctr"/>
+          <a:lstStyle/>
+          <a:p>
+            <a:pPr algn="ctr"/>
+            <a:endParaRPr lang="en-US">
+              <a:solidFill>
+                <a:schemeClr val="tx1"/>
+              </a:solidFill>
+            </a:endParaRPr>
           </a:p>
         </p:txBody>
       </p:sp>
@@ -9761,6 +9975,311 @@
   <p:clrMapOvr>
     <a:masterClrMapping/>
   </p:clrMapOvr>
+  <p:timing>
+    <p:tnLst>
+      <p:par>
+        <p:cTn id="1" dur="indefinite" restart="never" nodeType="tmRoot">
+          <p:childTnLst>
+            <p:seq concurrent="1" nextAc="seek">
+              <p:cTn id="2" dur="indefinite" nodeType="mainSeq">
+                <p:childTnLst>
+                  <p:par>
+                    <p:cTn id="3" fill="hold">
+                      <p:stCondLst>
+                        <p:cond delay="indefinite"/>
+                      </p:stCondLst>
+                      <p:childTnLst>
+                        <p:par>
+                          <p:cTn id="4" fill="hold">
+                            <p:stCondLst>
+                              <p:cond delay="0"/>
+                            </p:stCondLst>
+                            <p:childTnLst>
+                              <p:par>
+                                <p:cTn id="5" presetID="1" presetClass="entr" presetSubtype="0" fill="hold" nodeType="clickEffect">
+                                  <p:stCondLst>
+                                    <p:cond delay="0"/>
+                                  </p:stCondLst>
+                                  <p:childTnLst>
+                                    <p:set>
+                                      <p:cBhvr>
+                                        <p:cTn id="6" dur="1" fill="hold">
+                                          <p:stCondLst>
+                                            <p:cond delay="0"/>
+                                          </p:stCondLst>
+                                        </p:cTn>
+                                        <p:tgtEl>
+                                          <p:spTgt spid="11"/>
+                                        </p:tgtEl>
+                                        <p:attrNameLst>
+                                          <p:attrName>style.visibility</p:attrName>
+                                        </p:attrNameLst>
+                                      </p:cBhvr>
+                                      <p:to>
+                                        <p:strVal val="visible"/>
+                                      </p:to>
+                                    </p:set>
+                                  </p:childTnLst>
+                                </p:cTn>
+                              </p:par>
+                            </p:childTnLst>
+                          </p:cTn>
+                        </p:par>
+                      </p:childTnLst>
+                    </p:cTn>
+                  </p:par>
+                  <p:par>
+                    <p:cTn id="7" fill="hold">
+                      <p:stCondLst>
+                        <p:cond delay="indefinite"/>
+                      </p:stCondLst>
+                      <p:childTnLst>
+                        <p:par>
+                          <p:cTn id="8" fill="hold">
+                            <p:stCondLst>
+                              <p:cond delay="0"/>
+                            </p:stCondLst>
+                            <p:childTnLst>
+                              <p:par>
+                                <p:cTn id="9" presetID="1" presetClass="entr" presetSubtype="0" fill="hold" grpId="0" nodeType="clickEffect">
+                                  <p:stCondLst>
+                                    <p:cond delay="0"/>
+                                  </p:stCondLst>
+                                  <p:childTnLst>
+                                    <p:set>
+                                      <p:cBhvr>
+                                        <p:cTn id="10" dur="1" fill="hold">
+                                          <p:stCondLst>
+                                            <p:cond delay="0"/>
+                                          </p:stCondLst>
+                                        </p:cTn>
+                                        <p:tgtEl>
+                                          <p:spTgt spid="12"/>
+                                        </p:tgtEl>
+                                        <p:attrNameLst>
+                                          <p:attrName>style.visibility</p:attrName>
+                                        </p:attrNameLst>
+                                      </p:cBhvr>
+                                      <p:to>
+                                        <p:strVal val="visible"/>
+                                      </p:to>
+                                    </p:set>
+                                  </p:childTnLst>
+                                </p:cTn>
+                              </p:par>
+                            </p:childTnLst>
+                          </p:cTn>
+                        </p:par>
+                      </p:childTnLst>
+                    </p:cTn>
+                  </p:par>
+                  <p:par>
+                    <p:cTn id="11" fill="hold">
+                      <p:stCondLst>
+                        <p:cond delay="indefinite"/>
+                      </p:stCondLst>
+                      <p:childTnLst>
+                        <p:par>
+                          <p:cTn id="12" fill="hold">
+                            <p:stCondLst>
+                              <p:cond delay="0"/>
+                            </p:stCondLst>
+                            <p:childTnLst>
+                              <p:par>
+                                <p:cTn id="13" presetID="1" presetClass="entr" presetSubtype="0" fill="hold" nodeType="clickEffect">
+                                  <p:stCondLst>
+                                    <p:cond delay="0"/>
+                                  </p:stCondLst>
+                                  <p:childTnLst>
+                                    <p:set>
+                                      <p:cBhvr>
+                                        <p:cTn id="14" dur="1" fill="hold">
+                                          <p:stCondLst>
+                                            <p:cond delay="0"/>
+                                          </p:stCondLst>
+                                        </p:cTn>
+                                        <p:tgtEl>
+                                          <p:spTgt spid="9"/>
+                                        </p:tgtEl>
+                                        <p:attrNameLst>
+                                          <p:attrName>style.visibility</p:attrName>
+                                        </p:attrNameLst>
+                                      </p:cBhvr>
+                                      <p:to>
+                                        <p:strVal val="visible"/>
+                                      </p:to>
+                                    </p:set>
+                                  </p:childTnLst>
+                                </p:cTn>
+                              </p:par>
+                            </p:childTnLst>
+                          </p:cTn>
+                        </p:par>
+                      </p:childTnLst>
+                    </p:cTn>
+                  </p:par>
+                  <p:par>
+                    <p:cTn id="15" fill="hold">
+                      <p:stCondLst>
+                        <p:cond delay="indefinite"/>
+                      </p:stCondLst>
+                      <p:childTnLst>
+                        <p:par>
+                          <p:cTn id="16" fill="hold">
+                            <p:stCondLst>
+                              <p:cond delay="0"/>
+                            </p:stCondLst>
+                            <p:childTnLst>
+                              <p:par>
+                                <p:cTn id="17" presetID="1" presetClass="entr" presetSubtype="0" fill="hold" grpId="0" nodeType="clickEffect">
+                                  <p:stCondLst>
+                                    <p:cond delay="0"/>
+                                  </p:stCondLst>
+                                  <p:childTnLst>
+                                    <p:set>
+                                      <p:cBhvr>
+                                        <p:cTn id="18" dur="1" fill="hold">
+                                          <p:stCondLst>
+                                            <p:cond delay="0"/>
+                                          </p:stCondLst>
+                                        </p:cTn>
+                                        <p:tgtEl>
+                                          <p:spTgt spid="13"/>
+                                        </p:tgtEl>
+                                        <p:attrNameLst>
+                                          <p:attrName>style.visibility</p:attrName>
+                                        </p:attrNameLst>
+                                      </p:cBhvr>
+                                      <p:to>
+                                        <p:strVal val="visible"/>
+                                      </p:to>
+                                    </p:set>
+                                  </p:childTnLst>
+                                </p:cTn>
+                              </p:par>
+                            </p:childTnLst>
+                          </p:cTn>
+                        </p:par>
+                      </p:childTnLst>
+                    </p:cTn>
+                  </p:par>
+                  <p:par>
+                    <p:cTn id="19" fill="hold">
+                      <p:stCondLst>
+                        <p:cond delay="indefinite"/>
+                      </p:stCondLst>
+                      <p:childTnLst>
+                        <p:par>
+                          <p:cTn id="20" fill="hold">
+                            <p:stCondLst>
+                              <p:cond delay="0"/>
+                            </p:stCondLst>
+                            <p:childTnLst>
+                              <p:par>
+                                <p:cTn id="21" presetID="1" presetClass="entr" presetSubtype="0" fill="hold" nodeType="clickEffect">
+                                  <p:stCondLst>
+                                    <p:cond delay="0"/>
+                                  </p:stCondLst>
+                                  <p:childTnLst>
+                                    <p:set>
+                                      <p:cBhvr>
+                                        <p:cTn id="22" dur="1" fill="hold">
+                                          <p:stCondLst>
+                                            <p:cond delay="0"/>
+                                          </p:stCondLst>
+                                        </p:cTn>
+                                        <p:tgtEl>
+                                          <p:spTgt spid="7"/>
+                                        </p:tgtEl>
+                                        <p:attrNameLst>
+                                          <p:attrName>style.visibility</p:attrName>
+                                        </p:attrNameLst>
+                                      </p:cBhvr>
+                                      <p:to>
+                                        <p:strVal val="visible"/>
+                                      </p:to>
+                                    </p:set>
+                                  </p:childTnLst>
+                                </p:cTn>
+                              </p:par>
+                            </p:childTnLst>
+                          </p:cTn>
+                        </p:par>
+                      </p:childTnLst>
+                    </p:cTn>
+                  </p:par>
+                  <p:par>
+                    <p:cTn id="23" fill="hold">
+                      <p:stCondLst>
+                        <p:cond delay="indefinite"/>
+                      </p:stCondLst>
+                      <p:childTnLst>
+                        <p:par>
+                          <p:cTn id="24" fill="hold">
+                            <p:stCondLst>
+                              <p:cond delay="0"/>
+                            </p:stCondLst>
+                            <p:childTnLst>
+                              <p:par>
+                                <p:cTn id="25" presetID="1" presetClass="entr" presetSubtype="0" fill="hold" grpId="0" nodeType="clickEffect">
+                                  <p:stCondLst>
+                                    <p:cond delay="0"/>
+                                  </p:stCondLst>
+                                  <p:childTnLst>
+                                    <p:set>
+                                      <p:cBhvr>
+                                        <p:cTn id="26" dur="1" fill="hold">
+                                          <p:stCondLst>
+                                            <p:cond delay="0"/>
+                                          </p:stCondLst>
+                                        </p:cTn>
+                                        <p:tgtEl>
+                                          <p:spTgt spid="15"/>
+                                        </p:tgtEl>
+                                        <p:attrNameLst>
+                                          <p:attrName>style.visibility</p:attrName>
+                                        </p:attrNameLst>
+                                      </p:cBhvr>
+                                      <p:to>
+                                        <p:strVal val="visible"/>
+                                      </p:to>
+                                    </p:set>
+                                  </p:childTnLst>
+                                </p:cTn>
+                              </p:par>
+                            </p:childTnLst>
+                          </p:cTn>
+                        </p:par>
+                      </p:childTnLst>
+                    </p:cTn>
+                  </p:par>
+                </p:childTnLst>
+              </p:cTn>
+              <p:prevCondLst>
+                <p:cond evt="onPrev" delay="0">
+                  <p:tgtEl>
+                    <p:sldTgt/>
+                  </p:tgtEl>
+                </p:cond>
+              </p:prevCondLst>
+              <p:nextCondLst>
+                <p:cond evt="onNext" delay="0">
+                  <p:tgtEl>
+                    <p:sldTgt/>
+                  </p:tgtEl>
+                </p:cond>
+              </p:nextCondLst>
+            </p:seq>
+          </p:childTnLst>
+        </p:cTn>
+      </p:par>
+    </p:tnLst>
+    <p:bldLst>
+      <p:bldP spid="12" grpId="0" animBg="1"/>
+      <p:bldP spid="13" grpId="0" animBg="1"/>
+      <p:bldP spid="15" grpId="0" animBg="1"/>
+    </p:bldLst>
+  </p:timing>
 </p:sld>
 </file>
 
@@ -9797,78 +10316,467 @@
             <p:ph type="title"/>
           </p:nvPr>
         </p:nvSpPr>
-        <p:spPr/>
-        <p:txBody>
-          <a:bodyPr/>
-          <a:lstStyle/>
-          <a:p>
-            <a:r>
-              <a:rPr lang="en-US" dirty="0"/>
-              <a:t>Team stance - conceptual</a:t>
-            </a:r>
-          </a:p>
-        </p:txBody>
-      </p:sp>
-      <p:sp>
-        <p:nvSpPr>
-          <p:cNvPr id="3" name="Content Placeholder 2">
-            <a:extLst>
-              <a:ext uri="{FF2B5EF4-FFF2-40B4-BE49-F238E27FC236}">
-                <a16:creationId xmlns:a16="http://schemas.microsoft.com/office/drawing/2014/main" id="{16C7E745-13A2-4F9F-BF27-DAE4DDDFF7CE}"/>
-              </a:ext>
-            </a:extLst>
-          </p:cNvPr>
-          <p:cNvSpPr>
-            <a:spLocks noGrp="1"/>
-          </p:cNvSpPr>
-          <p:nvPr>
-            <p:ph idx="1"/>
-          </p:nvPr>
-        </p:nvSpPr>
-        <p:spPr/>
-        <p:txBody>
-          <a:bodyPr/>
-          <a:lstStyle/>
-          <a:p>
-            <a:r>
-              <a:rPr lang="en-US" dirty="0"/>
-              <a:t>Yes: present strategy &amp; delta from last time</a:t>
-            </a:r>
-          </a:p>
-          <a:p>
-            <a:r>
-              <a:rPr lang="en-US" dirty="0"/>
-              <a:t>Yes: present why made changes  / what you learned</a:t>
-            </a:r>
-          </a:p>
-          <a:p>
-            <a:r>
-              <a:rPr lang="en-US" dirty="0"/>
-              <a:t>Yes: ask for resources you need</a:t>
-            </a:r>
-          </a:p>
-          <a:p>
-            <a:r>
-              <a:rPr lang="en-US" dirty="0"/>
-              <a:t>No: ask leader what you should do</a:t>
-            </a:r>
-          </a:p>
-          <a:p>
-            <a:r>
-              <a:rPr lang="en-US" dirty="0"/>
-              <a:t>No: ask leader </a:t>
-            </a:r>
-            <a:r>
-              <a:rPr lang="en-US"/>
-              <a:t>for permission</a:t>
-            </a:r>
-            <a:endParaRPr lang="en-US" dirty="0"/>
-          </a:p>
-          <a:p>
-            <a:pPr marL="0" indent="0">
-              <a:buNone/>
-            </a:pPr>
-            <a:endParaRPr lang="en-US" dirty="0"/>
+        <p:spPr>
+          <a:xfrm>
+            <a:off x="838200" y="155575"/>
+            <a:ext cx="10515600" cy="1325563"/>
+          </a:xfrm>
+        </p:spPr>
+        <p:txBody>
+          <a:bodyPr/>
+          <a:lstStyle/>
+          <a:p>
+            <a:r>
+              <a:rPr lang="en-US" dirty="0"/>
+              <a:t>Team Stance</a:t>
+            </a:r>
+          </a:p>
+        </p:txBody>
+      </p:sp>
+      <p:pic>
+        <p:nvPicPr>
+          <p:cNvPr id="9" name="Picture 8">
+            <a:extLst>
+              <a:ext uri="{FF2B5EF4-FFF2-40B4-BE49-F238E27FC236}">
+                <a16:creationId xmlns:a16="http://schemas.microsoft.com/office/drawing/2014/main" id="{0A74B796-40E8-4864-AE09-215650904478}"/>
+              </a:ext>
+            </a:extLst>
+          </p:cNvPr>
+          <p:cNvPicPr>
+            <a:picLocks noChangeAspect="1"/>
+          </p:cNvPicPr>
+          <p:nvPr/>
+        </p:nvPicPr>
+        <p:blipFill>
+          <a:blip r:embed="rId3">
+            <a:extLst>
+              <a:ext uri="{28A0092B-C50C-407E-A947-70E740481C1C}">
+                <a14:useLocalDpi xmlns:a14="http://schemas.microsoft.com/office/drawing/2010/main" val="0"/>
+              </a:ext>
+            </a:extLst>
+          </a:blip>
+          <a:stretch>
+            <a:fillRect/>
+          </a:stretch>
+        </p:blipFill>
+        <p:spPr>
+          <a:xfrm>
+            <a:off x="366479" y="1614197"/>
+            <a:ext cx="2248214" cy="4201111"/>
+          </a:xfrm>
+          <a:prstGeom prst="rect">
+            <a:avLst/>
+          </a:prstGeom>
+        </p:spPr>
+      </p:pic>
+      <p:pic>
+        <p:nvPicPr>
+          <p:cNvPr id="11" name="Picture 10">
+            <a:extLst>
+              <a:ext uri="{FF2B5EF4-FFF2-40B4-BE49-F238E27FC236}">
+                <a16:creationId xmlns:a16="http://schemas.microsoft.com/office/drawing/2014/main" id="{59C2329E-9F3E-48FE-9139-96187C14489D}"/>
+              </a:ext>
+            </a:extLst>
+          </p:cNvPr>
+          <p:cNvPicPr>
+            <a:picLocks noChangeAspect="1"/>
+          </p:cNvPicPr>
+          <p:nvPr/>
+        </p:nvPicPr>
+        <p:blipFill>
+          <a:blip r:embed="rId4">
+            <a:extLst>
+              <a:ext uri="{28A0092B-C50C-407E-A947-70E740481C1C}">
+                <a14:useLocalDpi xmlns:a14="http://schemas.microsoft.com/office/drawing/2010/main" val="0"/>
+              </a:ext>
+            </a:extLst>
+          </a:blip>
+          <a:stretch>
+            <a:fillRect/>
+          </a:stretch>
+        </p:blipFill>
+        <p:spPr>
+          <a:xfrm>
+            <a:off x="2614693" y="1742800"/>
+            <a:ext cx="2286319" cy="4201111"/>
+          </a:xfrm>
+          <a:prstGeom prst="rect">
+            <a:avLst/>
+          </a:prstGeom>
+        </p:spPr>
+      </p:pic>
+      <p:pic>
+        <p:nvPicPr>
+          <p:cNvPr id="13" name="Picture 12">
+            <a:extLst>
+              <a:ext uri="{FF2B5EF4-FFF2-40B4-BE49-F238E27FC236}">
+                <a16:creationId xmlns:a16="http://schemas.microsoft.com/office/drawing/2014/main" id="{D4D88BEB-C79D-4FC9-BF7A-6C2DD9592D26}"/>
+              </a:ext>
+            </a:extLst>
+          </p:cNvPr>
+          <p:cNvPicPr>
+            <a:picLocks noChangeAspect="1"/>
+          </p:cNvPicPr>
+          <p:nvPr/>
+        </p:nvPicPr>
+        <p:blipFill>
+          <a:blip r:embed="rId5">
+            <a:extLst>
+              <a:ext uri="{28A0092B-C50C-407E-A947-70E740481C1C}">
+                <a14:useLocalDpi xmlns:a14="http://schemas.microsoft.com/office/drawing/2010/main" val="0"/>
+              </a:ext>
+            </a:extLst>
+          </a:blip>
+          <a:stretch>
+            <a:fillRect/>
+          </a:stretch>
+        </p:blipFill>
+        <p:spPr>
+          <a:xfrm>
+            <a:off x="9615882" y="1680881"/>
+            <a:ext cx="2267266" cy="4153480"/>
+          </a:xfrm>
+          <a:prstGeom prst="rect">
+            <a:avLst/>
+          </a:prstGeom>
+        </p:spPr>
+      </p:pic>
+      <p:pic>
+        <p:nvPicPr>
+          <p:cNvPr id="15" name="Picture 14">
+            <a:extLst>
+              <a:ext uri="{FF2B5EF4-FFF2-40B4-BE49-F238E27FC236}">
+                <a16:creationId xmlns:a16="http://schemas.microsoft.com/office/drawing/2014/main" id="{FB6789C7-E6A0-4204-BBEC-D533D7465861}"/>
+              </a:ext>
+            </a:extLst>
+          </p:cNvPr>
+          <p:cNvPicPr>
+            <a:picLocks noChangeAspect="1"/>
+          </p:cNvPicPr>
+          <p:nvPr/>
+        </p:nvPicPr>
+        <p:blipFill>
+          <a:blip r:embed="rId6">
+            <a:extLst>
+              <a:ext uri="{28A0092B-C50C-407E-A947-70E740481C1C}">
+                <a14:useLocalDpi xmlns:a14="http://schemas.microsoft.com/office/drawing/2010/main" val="0"/>
+              </a:ext>
+            </a:extLst>
+          </a:blip>
+          <a:stretch>
+            <a:fillRect/>
+          </a:stretch>
+        </p:blipFill>
+        <p:spPr>
+          <a:xfrm>
+            <a:off x="7312808" y="1742800"/>
+            <a:ext cx="2067213" cy="4182059"/>
+          </a:xfrm>
+          <a:prstGeom prst="rect">
+            <a:avLst/>
+          </a:prstGeom>
+        </p:spPr>
+      </p:pic>
+      <p:pic>
+        <p:nvPicPr>
+          <p:cNvPr id="17" name="Picture 16">
+            <a:extLst>
+              <a:ext uri="{FF2B5EF4-FFF2-40B4-BE49-F238E27FC236}">
+                <a16:creationId xmlns:a16="http://schemas.microsoft.com/office/drawing/2014/main" id="{B8F3706C-3E9D-42D3-8F09-76F67AFC894B}"/>
+              </a:ext>
+            </a:extLst>
+          </p:cNvPr>
+          <p:cNvPicPr>
+            <a:picLocks noChangeAspect="1"/>
+          </p:cNvPicPr>
+          <p:nvPr/>
+        </p:nvPicPr>
+        <p:blipFill>
+          <a:blip r:embed="rId7">
+            <a:extLst>
+              <a:ext uri="{28A0092B-C50C-407E-A947-70E740481C1C}">
+                <a14:useLocalDpi xmlns:a14="http://schemas.microsoft.com/office/drawing/2010/main" val="0"/>
+              </a:ext>
+            </a:extLst>
+          </a:blip>
+          <a:stretch>
+            <a:fillRect/>
+          </a:stretch>
+        </p:blipFill>
+        <p:spPr>
+          <a:xfrm>
+            <a:off x="4948644" y="1909634"/>
+            <a:ext cx="2200582" cy="3962953"/>
+          </a:xfrm>
+          <a:prstGeom prst="rect">
+            <a:avLst/>
+          </a:prstGeom>
+        </p:spPr>
+      </p:pic>
+      <p:sp>
+        <p:nvSpPr>
+          <p:cNvPr id="18" name="Multiplication Sign 17">
+            <a:extLst>
+              <a:ext uri="{FF2B5EF4-FFF2-40B4-BE49-F238E27FC236}">
+                <a16:creationId xmlns:a16="http://schemas.microsoft.com/office/drawing/2014/main" id="{C681D28A-A0A4-4BCA-837B-0ECBA46A77CE}"/>
+              </a:ext>
+            </a:extLst>
+          </p:cNvPr>
+          <p:cNvSpPr/>
+          <p:nvPr/>
+        </p:nvSpPr>
+        <p:spPr>
+          <a:xfrm>
+            <a:off x="-203489" y="685836"/>
+            <a:ext cx="3481621" cy="3571875"/>
+          </a:xfrm>
+          <a:prstGeom prst="mathMultiply">
+            <a:avLst>
+              <a:gd name="adj1" fmla="val 4917"/>
+            </a:avLst>
+          </a:prstGeom>
+          <a:solidFill>
+            <a:srgbClr val="C00000"/>
+          </a:solidFill>
+        </p:spPr>
+        <p:style>
+          <a:lnRef idx="2">
+            <a:schemeClr val="accent1">
+              <a:shade val="50000"/>
+            </a:schemeClr>
+          </a:lnRef>
+          <a:fillRef idx="1">
+            <a:schemeClr val="accent1"/>
+          </a:fillRef>
+          <a:effectRef idx="0">
+            <a:schemeClr val="accent1"/>
+          </a:effectRef>
+          <a:fontRef idx="minor">
+            <a:schemeClr val="lt1"/>
+          </a:fontRef>
+        </p:style>
+        <p:txBody>
+          <a:bodyPr rtlCol="0" anchor="ctr"/>
+          <a:lstStyle/>
+          <a:p>
+            <a:pPr algn="ctr"/>
+            <a:endParaRPr lang="en-US"/>
+          </a:p>
+        </p:txBody>
+      </p:sp>
+      <p:sp>
+        <p:nvSpPr>
+          <p:cNvPr id="19" name="Multiplication Sign 18">
+            <a:extLst>
+              <a:ext uri="{FF2B5EF4-FFF2-40B4-BE49-F238E27FC236}">
+                <a16:creationId xmlns:a16="http://schemas.microsoft.com/office/drawing/2014/main" id="{C37DB09C-10C1-4B25-BFF8-4D72501A74E9}"/>
+              </a:ext>
+            </a:extLst>
+          </p:cNvPr>
+          <p:cNvSpPr/>
+          <p:nvPr/>
+        </p:nvSpPr>
+        <p:spPr>
+          <a:xfrm>
+            <a:off x="2093534" y="750137"/>
+            <a:ext cx="3481621" cy="3571875"/>
+          </a:xfrm>
+          <a:prstGeom prst="mathMultiply">
+            <a:avLst>
+              <a:gd name="adj1" fmla="val 4917"/>
+            </a:avLst>
+          </a:prstGeom>
+          <a:solidFill>
+            <a:srgbClr val="C00000"/>
+          </a:solidFill>
+        </p:spPr>
+        <p:style>
+          <a:lnRef idx="2">
+            <a:schemeClr val="accent1">
+              <a:shade val="50000"/>
+            </a:schemeClr>
+          </a:lnRef>
+          <a:fillRef idx="1">
+            <a:schemeClr val="accent1"/>
+          </a:fillRef>
+          <a:effectRef idx="0">
+            <a:schemeClr val="accent1"/>
+          </a:effectRef>
+          <a:fontRef idx="minor">
+            <a:schemeClr val="lt1"/>
+          </a:fontRef>
+        </p:style>
+        <p:txBody>
+          <a:bodyPr rtlCol="0" anchor="ctr"/>
+          <a:lstStyle/>
+          <a:p>
+            <a:pPr algn="ctr"/>
+            <a:endParaRPr lang="en-US"/>
+          </a:p>
+        </p:txBody>
+      </p:sp>
+      <p:sp>
+        <p:nvSpPr>
+          <p:cNvPr id="20" name="Circle: Hollow 19">
+            <a:extLst>
+              <a:ext uri="{FF2B5EF4-FFF2-40B4-BE49-F238E27FC236}">
+                <a16:creationId xmlns:a16="http://schemas.microsoft.com/office/drawing/2014/main" id="{58A6968D-1EDA-4702-BBA1-6F5C497B183C}"/>
+              </a:ext>
+            </a:extLst>
+          </p:cNvPr>
+          <p:cNvSpPr/>
+          <p:nvPr/>
+        </p:nvSpPr>
+        <p:spPr>
+          <a:xfrm>
+            <a:off x="4779924" y="1479486"/>
+            <a:ext cx="2297023" cy="2211163"/>
+          </a:xfrm>
+          <a:prstGeom prst="donut">
+            <a:avLst>
+              <a:gd name="adj" fmla="val 4996"/>
+            </a:avLst>
+          </a:prstGeom>
+          <a:solidFill>
+            <a:schemeClr val="accent6"/>
+          </a:solidFill>
+        </p:spPr>
+        <p:style>
+          <a:lnRef idx="2">
+            <a:schemeClr val="accent1">
+              <a:shade val="50000"/>
+            </a:schemeClr>
+          </a:lnRef>
+          <a:fillRef idx="1">
+            <a:schemeClr val="accent1"/>
+          </a:fillRef>
+          <a:effectRef idx="0">
+            <a:schemeClr val="accent1"/>
+          </a:effectRef>
+          <a:fontRef idx="minor">
+            <a:schemeClr val="lt1"/>
+          </a:fontRef>
+        </p:style>
+        <p:txBody>
+          <a:bodyPr rtlCol="0" anchor="ctr"/>
+          <a:lstStyle/>
+          <a:p>
+            <a:pPr algn="ctr"/>
+            <a:endParaRPr lang="en-US">
+              <a:solidFill>
+                <a:schemeClr val="tx1"/>
+              </a:solidFill>
+            </a:endParaRPr>
+          </a:p>
+        </p:txBody>
+      </p:sp>
+      <p:sp>
+        <p:nvSpPr>
+          <p:cNvPr id="21" name="Circle: Hollow 20">
+            <a:extLst>
+              <a:ext uri="{FF2B5EF4-FFF2-40B4-BE49-F238E27FC236}">
+                <a16:creationId xmlns:a16="http://schemas.microsoft.com/office/drawing/2014/main" id="{AAF32C59-2CC6-4722-ACAA-A0E75751779D}"/>
+              </a:ext>
+            </a:extLst>
+          </p:cNvPr>
+          <p:cNvSpPr/>
+          <p:nvPr/>
+        </p:nvSpPr>
+        <p:spPr>
+          <a:xfrm>
+            <a:off x="7112755" y="1378195"/>
+            <a:ext cx="2267266" cy="2211163"/>
+          </a:xfrm>
+          <a:prstGeom prst="donut">
+            <a:avLst>
+              <a:gd name="adj" fmla="val 4996"/>
+            </a:avLst>
+          </a:prstGeom>
+          <a:solidFill>
+            <a:schemeClr val="accent6"/>
+          </a:solidFill>
+        </p:spPr>
+        <p:style>
+          <a:lnRef idx="2">
+            <a:schemeClr val="accent1">
+              <a:shade val="50000"/>
+            </a:schemeClr>
+          </a:lnRef>
+          <a:fillRef idx="1">
+            <a:schemeClr val="accent1"/>
+          </a:fillRef>
+          <a:effectRef idx="0">
+            <a:schemeClr val="accent1"/>
+          </a:effectRef>
+          <a:fontRef idx="minor">
+            <a:schemeClr val="lt1"/>
+          </a:fontRef>
+        </p:style>
+        <p:txBody>
+          <a:bodyPr rtlCol="0" anchor="ctr"/>
+          <a:lstStyle/>
+          <a:p>
+            <a:pPr algn="ctr"/>
+            <a:endParaRPr lang="en-US">
+              <a:solidFill>
+                <a:schemeClr val="tx1"/>
+              </a:solidFill>
+            </a:endParaRPr>
+          </a:p>
+        </p:txBody>
+      </p:sp>
+      <p:sp>
+        <p:nvSpPr>
+          <p:cNvPr id="23" name="Circle: Hollow 22">
+            <a:extLst>
+              <a:ext uri="{FF2B5EF4-FFF2-40B4-BE49-F238E27FC236}">
+                <a16:creationId xmlns:a16="http://schemas.microsoft.com/office/drawing/2014/main" id="{210AA1BA-AC7E-4690-99CA-FFD8D9EE7D8B}"/>
+              </a:ext>
+            </a:extLst>
+          </p:cNvPr>
+          <p:cNvSpPr/>
+          <p:nvPr/>
+        </p:nvSpPr>
+        <p:spPr>
+          <a:xfrm>
+            <a:off x="9488743" y="1400817"/>
+            <a:ext cx="2297023" cy="2211163"/>
+          </a:xfrm>
+          <a:prstGeom prst="donut">
+            <a:avLst>
+              <a:gd name="adj" fmla="val 4996"/>
+            </a:avLst>
+          </a:prstGeom>
+          <a:solidFill>
+            <a:schemeClr val="accent6"/>
+          </a:solidFill>
+        </p:spPr>
+        <p:style>
+          <a:lnRef idx="2">
+            <a:schemeClr val="accent1">
+              <a:shade val="50000"/>
+            </a:schemeClr>
+          </a:lnRef>
+          <a:fillRef idx="1">
+            <a:schemeClr val="accent1"/>
+          </a:fillRef>
+          <a:effectRef idx="0">
+            <a:schemeClr val="accent1"/>
+          </a:effectRef>
+          <a:fontRef idx="minor">
+            <a:schemeClr val="lt1"/>
+          </a:fontRef>
+        </p:style>
+        <p:txBody>
+          <a:bodyPr rtlCol="0" anchor="ctr"/>
+          <a:lstStyle/>
+          <a:p>
+            <a:pPr algn="ctr"/>
+            <a:endParaRPr lang="en-US">
+              <a:solidFill>
+                <a:schemeClr val="tx1"/>
+              </a:solidFill>
+            </a:endParaRPr>
           </a:p>
         </p:txBody>
       </p:sp>
@@ -9882,6 +10790,493 @@
   <p:clrMapOvr>
     <a:masterClrMapping/>
   </p:clrMapOvr>
+  <p:timing>
+    <p:tnLst>
+      <p:par>
+        <p:cTn id="1" dur="indefinite" restart="never" nodeType="tmRoot">
+          <p:childTnLst>
+            <p:seq concurrent="1" nextAc="seek">
+              <p:cTn id="2" dur="indefinite" nodeType="mainSeq">
+                <p:childTnLst>
+                  <p:par>
+                    <p:cTn id="3" fill="hold">
+                      <p:stCondLst>
+                        <p:cond delay="indefinite"/>
+                      </p:stCondLst>
+                      <p:childTnLst>
+                        <p:par>
+                          <p:cTn id="4" fill="hold">
+                            <p:stCondLst>
+                              <p:cond delay="0"/>
+                            </p:stCondLst>
+                            <p:childTnLst>
+                              <p:par>
+                                <p:cTn id="5" presetID="1" presetClass="entr" presetSubtype="0" fill="hold" nodeType="clickEffect">
+                                  <p:stCondLst>
+                                    <p:cond delay="0"/>
+                                  </p:stCondLst>
+                                  <p:childTnLst>
+                                    <p:set>
+                                      <p:cBhvr>
+                                        <p:cTn id="6" dur="1" fill="hold">
+                                          <p:stCondLst>
+                                            <p:cond delay="0"/>
+                                          </p:stCondLst>
+                                        </p:cTn>
+                                        <p:tgtEl>
+                                          <p:spTgt spid="9"/>
+                                        </p:tgtEl>
+                                        <p:attrNameLst>
+                                          <p:attrName>style.visibility</p:attrName>
+                                        </p:attrNameLst>
+                                      </p:cBhvr>
+                                      <p:to>
+                                        <p:strVal val="visible"/>
+                                      </p:to>
+                                    </p:set>
+                                  </p:childTnLst>
+                                </p:cTn>
+                              </p:par>
+                            </p:childTnLst>
+                          </p:cTn>
+                        </p:par>
+                      </p:childTnLst>
+                    </p:cTn>
+                  </p:par>
+                  <p:par>
+                    <p:cTn id="7" fill="hold">
+                      <p:stCondLst>
+                        <p:cond delay="indefinite"/>
+                      </p:stCondLst>
+                      <p:childTnLst>
+                        <p:par>
+                          <p:cTn id="8" fill="hold">
+                            <p:stCondLst>
+                              <p:cond delay="0"/>
+                            </p:stCondLst>
+                            <p:childTnLst>
+                              <p:par>
+                                <p:cTn id="9" presetID="1" presetClass="entr" presetSubtype="0" fill="hold" grpId="0" nodeType="clickEffect">
+                                  <p:stCondLst>
+                                    <p:cond delay="0"/>
+                                  </p:stCondLst>
+                                  <p:childTnLst>
+                                    <p:set>
+                                      <p:cBhvr>
+                                        <p:cTn id="10" dur="1" fill="hold">
+                                          <p:stCondLst>
+                                            <p:cond delay="0"/>
+                                          </p:stCondLst>
+                                        </p:cTn>
+                                        <p:tgtEl>
+                                          <p:spTgt spid="18"/>
+                                        </p:tgtEl>
+                                        <p:attrNameLst>
+                                          <p:attrName>style.visibility</p:attrName>
+                                        </p:attrNameLst>
+                                      </p:cBhvr>
+                                      <p:to>
+                                        <p:strVal val="visible"/>
+                                      </p:to>
+                                    </p:set>
+                                  </p:childTnLst>
+                                </p:cTn>
+                              </p:par>
+                            </p:childTnLst>
+                          </p:cTn>
+                        </p:par>
+                      </p:childTnLst>
+                    </p:cTn>
+                  </p:par>
+                  <p:par>
+                    <p:cTn id="11" fill="hold">
+                      <p:stCondLst>
+                        <p:cond delay="indefinite"/>
+                      </p:stCondLst>
+                      <p:childTnLst>
+                        <p:par>
+                          <p:cTn id="12" fill="hold">
+                            <p:stCondLst>
+                              <p:cond delay="0"/>
+                            </p:stCondLst>
+                            <p:childTnLst>
+                              <p:par>
+                                <p:cTn id="13" presetID="1" presetClass="entr" presetSubtype="0" fill="hold" nodeType="clickEffect">
+                                  <p:stCondLst>
+                                    <p:cond delay="0"/>
+                                  </p:stCondLst>
+                                  <p:childTnLst>
+                                    <p:set>
+                                      <p:cBhvr>
+                                        <p:cTn id="14" dur="1" fill="hold">
+                                          <p:stCondLst>
+                                            <p:cond delay="0"/>
+                                          </p:stCondLst>
+                                        </p:cTn>
+                                        <p:tgtEl>
+                                          <p:spTgt spid="11"/>
+                                        </p:tgtEl>
+                                        <p:attrNameLst>
+                                          <p:attrName>style.visibility</p:attrName>
+                                        </p:attrNameLst>
+                                      </p:cBhvr>
+                                      <p:to>
+                                        <p:strVal val="visible"/>
+                                      </p:to>
+                                    </p:set>
+                                  </p:childTnLst>
+                                </p:cTn>
+                              </p:par>
+                            </p:childTnLst>
+                          </p:cTn>
+                        </p:par>
+                      </p:childTnLst>
+                    </p:cTn>
+                  </p:par>
+                  <p:par>
+                    <p:cTn id="15" fill="hold">
+                      <p:stCondLst>
+                        <p:cond delay="indefinite"/>
+                      </p:stCondLst>
+                      <p:childTnLst>
+                        <p:par>
+                          <p:cTn id="16" fill="hold">
+                            <p:stCondLst>
+                              <p:cond delay="0"/>
+                            </p:stCondLst>
+                            <p:childTnLst>
+                              <p:par>
+                                <p:cTn id="17" presetID="1" presetClass="entr" presetSubtype="0" fill="hold" grpId="0" nodeType="clickEffect">
+                                  <p:stCondLst>
+                                    <p:cond delay="0"/>
+                                  </p:stCondLst>
+                                  <p:childTnLst>
+                                    <p:set>
+                                      <p:cBhvr>
+                                        <p:cTn id="18" dur="1" fill="hold">
+                                          <p:stCondLst>
+                                            <p:cond delay="0"/>
+                                          </p:stCondLst>
+                                        </p:cTn>
+                                        <p:tgtEl>
+                                          <p:spTgt spid="19"/>
+                                        </p:tgtEl>
+                                        <p:attrNameLst>
+                                          <p:attrName>style.visibility</p:attrName>
+                                        </p:attrNameLst>
+                                      </p:cBhvr>
+                                      <p:to>
+                                        <p:strVal val="visible"/>
+                                      </p:to>
+                                    </p:set>
+                                  </p:childTnLst>
+                                </p:cTn>
+                              </p:par>
+                            </p:childTnLst>
+                          </p:cTn>
+                        </p:par>
+                      </p:childTnLst>
+                    </p:cTn>
+                  </p:par>
+                  <p:par>
+                    <p:cTn id="19" fill="hold">
+                      <p:stCondLst>
+                        <p:cond delay="indefinite"/>
+                      </p:stCondLst>
+                      <p:childTnLst>
+                        <p:par>
+                          <p:cTn id="20" fill="hold">
+                            <p:stCondLst>
+                              <p:cond delay="0"/>
+                            </p:stCondLst>
+                            <p:childTnLst>
+                              <p:par>
+                                <p:cTn id="21" presetID="1" presetClass="entr" presetSubtype="0" fill="hold" nodeType="clickEffect">
+                                  <p:stCondLst>
+                                    <p:cond delay="0"/>
+                                  </p:stCondLst>
+                                  <p:childTnLst>
+                                    <p:set>
+                                      <p:cBhvr>
+                                        <p:cTn id="22" dur="1" fill="hold">
+                                          <p:stCondLst>
+                                            <p:cond delay="0"/>
+                                          </p:stCondLst>
+                                        </p:cTn>
+                                        <p:tgtEl>
+                                          <p:spTgt spid="17"/>
+                                        </p:tgtEl>
+                                        <p:attrNameLst>
+                                          <p:attrName>style.visibility</p:attrName>
+                                        </p:attrNameLst>
+                                      </p:cBhvr>
+                                      <p:to>
+                                        <p:strVal val="visible"/>
+                                      </p:to>
+                                    </p:set>
+                                  </p:childTnLst>
+                                </p:cTn>
+                              </p:par>
+                            </p:childTnLst>
+                          </p:cTn>
+                        </p:par>
+                      </p:childTnLst>
+                    </p:cTn>
+                  </p:par>
+                  <p:par>
+                    <p:cTn id="23" fill="hold">
+                      <p:stCondLst>
+                        <p:cond delay="indefinite"/>
+                      </p:stCondLst>
+                      <p:childTnLst>
+                        <p:par>
+                          <p:cTn id="24" fill="hold">
+                            <p:stCondLst>
+                              <p:cond delay="0"/>
+                            </p:stCondLst>
+                            <p:childTnLst>
+                              <p:par>
+                                <p:cTn id="25" presetID="1" presetClass="entr" presetSubtype="0" fill="hold" grpId="0" nodeType="clickEffect">
+                                  <p:stCondLst>
+                                    <p:cond delay="0"/>
+                                  </p:stCondLst>
+                                  <p:childTnLst>
+                                    <p:set>
+                                      <p:cBhvr>
+                                        <p:cTn id="26" dur="1" fill="hold">
+                                          <p:stCondLst>
+                                            <p:cond delay="0"/>
+                                          </p:stCondLst>
+                                        </p:cTn>
+                                        <p:tgtEl>
+                                          <p:spTgt spid="20"/>
+                                        </p:tgtEl>
+                                        <p:attrNameLst>
+                                          <p:attrName>style.visibility</p:attrName>
+                                        </p:attrNameLst>
+                                      </p:cBhvr>
+                                      <p:to>
+                                        <p:strVal val="visible"/>
+                                      </p:to>
+                                    </p:set>
+                                  </p:childTnLst>
+                                </p:cTn>
+                              </p:par>
+                            </p:childTnLst>
+                          </p:cTn>
+                        </p:par>
+                      </p:childTnLst>
+                    </p:cTn>
+                  </p:par>
+                  <p:par>
+                    <p:cTn id="27" fill="hold">
+                      <p:stCondLst>
+                        <p:cond delay="indefinite"/>
+                      </p:stCondLst>
+                      <p:childTnLst>
+                        <p:par>
+                          <p:cTn id="28" fill="hold">
+                            <p:stCondLst>
+                              <p:cond delay="0"/>
+                            </p:stCondLst>
+                            <p:childTnLst>
+                              <p:par>
+                                <p:cTn id="29" presetID="1" presetClass="entr" presetSubtype="0" fill="hold" nodeType="clickEffect">
+                                  <p:stCondLst>
+                                    <p:cond delay="0"/>
+                                  </p:stCondLst>
+                                  <p:childTnLst>
+                                    <p:set>
+                                      <p:cBhvr>
+                                        <p:cTn id="30" dur="1" fill="hold">
+                                          <p:stCondLst>
+                                            <p:cond delay="0"/>
+                                          </p:stCondLst>
+                                        </p:cTn>
+                                        <p:tgtEl>
+                                          <p:spTgt spid="15"/>
+                                        </p:tgtEl>
+                                        <p:attrNameLst>
+                                          <p:attrName>style.visibility</p:attrName>
+                                        </p:attrNameLst>
+                                      </p:cBhvr>
+                                      <p:to>
+                                        <p:strVal val="visible"/>
+                                      </p:to>
+                                    </p:set>
+                                  </p:childTnLst>
+                                </p:cTn>
+                              </p:par>
+                            </p:childTnLst>
+                          </p:cTn>
+                        </p:par>
+                      </p:childTnLst>
+                    </p:cTn>
+                  </p:par>
+                  <p:par>
+                    <p:cTn id="31" fill="hold">
+                      <p:stCondLst>
+                        <p:cond delay="indefinite"/>
+                      </p:stCondLst>
+                      <p:childTnLst>
+                        <p:par>
+                          <p:cTn id="32" fill="hold">
+                            <p:stCondLst>
+                              <p:cond delay="0"/>
+                            </p:stCondLst>
+                            <p:childTnLst>
+                              <p:par>
+                                <p:cTn id="33" presetID="1" presetClass="entr" presetSubtype="0" fill="hold" grpId="0" nodeType="clickEffect">
+                                  <p:stCondLst>
+                                    <p:cond delay="0"/>
+                                  </p:stCondLst>
+                                  <p:childTnLst>
+                                    <p:set>
+                                      <p:cBhvr>
+                                        <p:cTn id="34" dur="1" fill="hold">
+                                          <p:stCondLst>
+                                            <p:cond delay="0"/>
+                                          </p:stCondLst>
+                                        </p:cTn>
+                                        <p:tgtEl>
+                                          <p:spTgt spid="21"/>
+                                        </p:tgtEl>
+                                        <p:attrNameLst>
+                                          <p:attrName>style.visibility</p:attrName>
+                                        </p:attrNameLst>
+                                      </p:cBhvr>
+                                      <p:to>
+                                        <p:strVal val="visible"/>
+                                      </p:to>
+                                    </p:set>
+                                  </p:childTnLst>
+                                </p:cTn>
+                              </p:par>
+                            </p:childTnLst>
+                          </p:cTn>
+                        </p:par>
+                      </p:childTnLst>
+                    </p:cTn>
+                  </p:par>
+                  <p:par>
+                    <p:cTn id="35" fill="hold">
+                      <p:stCondLst>
+                        <p:cond delay="indefinite"/>
+                      </p:stCondLst>
+                      <p:childTnLst>
+                        <p:par>
+                          <p:cTn id="36" fill="hold">
+                            <p:stCondLst>
+                              <p:cond delay="0"/>
+                            </p:stCondLst>
+                            <p:childTnLst>
+                              <p:par>
+                                <p:cTn id="37" presetID="1" presetClass="entr" presetSubtype="0" fill="hold" nodeType="clickEffect">
+                                  <p:stCondLst>
+                                    <p:cond delay="0"/>
+                                  </p:stCondLst>
+                                  <p:childTnLst>
+                                    <p:set>
+                                      <p:cBhvr>
+                                        <p:cTn id="38" dur="1" fill="hold">
+                                          <p:stCondLst>
+                                            <p:cond delay="0"/>
+                                          </p:stCondLst>
+                                        </p:cTn>
+                                        <p:tgtEl>
+                                          <p:spTgt spid="13"/>
+                                        </p:tgtEl>
+                                        <p:attrNameLst>
+                                          <p:attrName>style.visibility</p:attrName>
+                                        </p:attrNameLst>
+                                      </p:cBhvr>
+                                      <p:to>
+                                        <p:strVal val="visible"/>
+                                      </p:to>
+                                    </p:set>
+                                  </p:childTnLst>
+                                </p:cTn>
+                              </p:par>
+                            </p:childTnLst>
+                          </p:cTn>
+                        </p:par>
+                      </p:childTnLst>
+                    </p:cTn>
+                  </p:par>
+                  <p:par>
+                    <p:cTn id="39" fill="hold">
+                      <p:stCondLst>
+                        <p:cond delay="indefinite"/>
+                      </p:stCondLst>
+                      <p:childTnLst>
+                        <p:par>
+                          <p:cTn id="40" fill="hold">
+                            <p:stCondLst>
+                              <p:cond delay="0"/>
+                            </p:stCondLst>
+                            <p:childTnLst>
+                              <p:par>
+                                <p:cTn id="41" presetID="1" presetClass="entr" presetSubtype="0" fill="hold" grpId="0" nodeType="clickEffect">
+                                  <p:stCondLst>
+                                    <p:cond delay="0"/>
+                                  </p:stCondLst>
+                                  <p:childTnLst>
+                                    <p:set>
+                                      <p:cBhvr>
+                                        <p:cTn id="42" dur="1" fill="hold">
+                                          <p:stCondLst>
+                                            <p:cond delay="0"/>
+                                          </p:stCondLst>
+                                        </p:cTn>
+                                        <p:tgtEl>
+                                          <p:spTgt spid="23"/>
+                                        </p:tgtEl>
+                                        <p:attrNameLst>
+                                          <p:attrName>style.visibility</p:attrName>
+                                        </p:attrNameLst>
+                                      </p:cBhvr>
+                                      <p:to>
+                                        <p:strVal val="visible"/>
+                                      </p:to>
+                                    </p:set>
+                                  </p:childTnLst>
+                                </p:cTn>
+                              </p:par>
+                            </p:childTnLst>
+                          </p:cTn>
+                        </p:par>
+                      </p:childTnLst>
+                    </p:cTn>
+                  </p:par>
+                </p:childTnLst>
+              </p:cTn>
+              <p:prevCondLst>
+                <p:cond evt="onPrev" delay="0">
+                  <p:tgtEl>
+                    <p:sldTgt/>
+                  </p:tgtEl>
+                </p:cond>
+              </p:prevCondLst>
+              <p:nextCondLst>
+                <p:cond evt="onNext" delay="0">
+                  <p:tgtEl>
+                    <p:sldTgt/>
+                  </p:tgtEl>
+                </p:cond>
+              </p:nextCondLst>
+            </p:seq>
+          </p:childTnLst>
+        </p:cTn>
+      </p:par>
+    </p:tnLst>
+    <p:bldLst>
+      <p:bldP spid="18" grpId="0" animBg="1"/>
+      <p:bldP spid="19" grpId="0" animBg="1"/>
+      <p:bldP spid="20" grpId="0" animBg="1"/>
+      <p:bldP spid="21" grpId="0" animBg="1"/>
+      <p:bldP spid="23" grpId="0" animBg="1"/>
+    </p:bldLst>
+  </p:timing>
 </p:sld>
 </file>
 

--- a/leading technical debt/gogo keynote - data-driven leadership to solve technical debt.pptx
+++ b/leading technical debt/gogo keynote - data-driven leadership to solve technical debt.pptx
@@ -13,10 +13,10 @@
     <p:sldId id="258" r:id="rId4"/>
     <p:sldId id="259" r:id="rId5"/>
     <p:sldId id="260" r:id="rId6"/>
-    <p:sldId id="262" r:id="rId7"/>
+    <p:sldId id="308" r:id="rId7"/>
     <p:sldId id="289" r:id="rId8"/>
-    <p:sldId id="263" r:id="rId9"/>
-    <p:sldId id="264" r:id="rId10"/>
+    <p:sldId id="309" r:id="rId9"/>
+    <p:sldId id="310" r:id="rId10"/>
     <p:sldId id="288" r:id="rId11"/>
     <p:sldId id="261" r:id="rId12"/>
     <p:sldId id="266" r:id="rId13"/>
@@ -155,10 +155,10 @@
             <p14:sldId id="258"/>
             <p14:sldId id="259"/>
             <p14:sldId id="260"/>
-            <p14:sldId id="262"/>
+            <p14:sldId id="308"/>
             <p14:sldId id="289"/>
-            <p14:sldId id="263"/>
-            <p14:sldId id="264"/>
+            <p14:sldId id="309"/>
+            <p14:sldId id="310"/>
             <p14:sldId id="288"/>
             <p14:sldId id="261"/>
             <p14:sldId id="266"/>
@@ -286,7 +286,7 @@
           <a:p>
             <a:fld id="{9145D725-E27F-4BDC-952B-6F12C3FAB913}" type="datetimeFigureOut">
               <a:rPr lang="en-US" smtClean="0"/>
-              <a:t>09-Apr-19</a:t>
+              <a:t>4/9/2019</a:t>
             </a:fld>
             <a:endParaRPr lang="en-US"/>
           </a:p>
@@ -686,7 +686,7 @@
           <a:p>
             <a:r>
               <a:rPr lang="en-US" dirty="0"/>
-              <a:t>.5m</a:t>
+              <a:t>.25m</a:t>
             </a:r>
           </a:p>
         </p:txBody>
@@ -708,7 +708,7 @@
           <a:p>
             <a:fld id="{9B7FE9FA-6C9D-4D34-A513-E1A47B0ABA56}" type="slidenum">
               <a:rPr lang="en-US" smtClean="0"/>
-              <a:t>11</a:t>
+              <a:t>14</a:t>
             </a:fld>
             <a:endParaRPr lang="en-US"/>
           </a:p>
@@ -717,7 +717,7 @@
     </p:spTree>
     <p:extLst>
       <p:ext uri="{BB962C8B-B14F-4D97-AF65-F5344CB8AC3E}">
-        <p14:creationId xmlns:p14="http://schemas.microsoft.com/office/powerpoint/2010/main" val="3418769574"/>
+        <p14:creationId xmlns:p14="http://schemas.microsoft.com/office/powerpoint/2010/main" val="1183912179"/>
       </p:ext>
     </p:extLst>
   </p:cSld>
@@ -773,7 +773,7 @@
           <a:p>
             <a:r>
               <a:rPr lang="en-US" dirty="0"/>
-              <a:t>1m</a:t>
+              <a:t>.25m</a:t>
             </a:r>
           </a:p>
         </p:txBody>
@@ -795,7 +795,7 @@
           <a:p>
             <a:fld id="{9B7FE9FA-6C9D-4D34-A513-E1A47B0ABA56}" type="slidenum">
               <a:rPr lang="en-US" smtClean="0"/>
-              <a:t>12</a:t>
+              <a:t>15</a:t>
             </a:fld>
             <a:endParaRPr lang="en-US"/>
           </a:p>
@@ -804,7 +804,7 @@
     </p:spTree>
     <p:extLst>
       <p:ext uri="{BB962C8B-B14F-4D97-AF65-F5344CB8AC3E}">
-        <p14:creationId xmlns:p14="http://schemas.microsoft.com/office/powerpoint/2010/main" val="1256956146"/>
+        <p14:creationId xmlns:p14="http://schemas.microsoft.com/office/powerpoint/2010/main" val="883075667"/>
       </p:ext>
     </p:extLst>
   </p:cSld>
@@ -860,7 +860,7 @@
           <a:p>
             <a:r>
               <a:rPr lang="en-US" dirty="0"/>
-              <a:t>.5m</a:t>
+              <a:t>1m</a:t>
             </a:r>
           </a:p>
         </p:txBody>
@@ -882,7 +882,7 @@
           <a:p>
             <a:fld id="{9B7FE9FA-6C9D-4D34-A513-E1A47B0ABA56}" type="slidenum">
               <a:rPr lang="en-US" smtClean="0"/>
-              <a:t>13</a:t>
+              <a:t>16</a:t>
             </a:fld>
             <a:endParaRPr lang="en-US"/>
           </a:p>
@@ -891,7 +891,7 @@
     </p:spTree>
     <p:extLst>
       <p:ext uri="{BB962C8B-B14F-4D97-AF65-F5344CB8AC3E}">
-        <p14:creationId xmlns:p14="http://schemas.microsoft.com/office/powerpoint/2010/main" val="2730729831"/>
+        <p14:creationId xmlns:p14="http://schemas.microsoft.com/office/powerpoint/2010/main" val="630035552"/>
       </p:ext>
     </p:extLst>
   </p:cSld>
@@ -947,7 +947,7 @@
           <a:p>
             <a:r>
               <a:rPr lang="en-US" dirty="0"/>
-              <a:t>.25m</a:t>
+              <a:t>.5m</a:t>
             </a:r>
           </a:p>
         </p:txBody>
@@ -969,7 +969,7 @@
           <a:p>
             <a:fld id="{9B7FE9FA-6C9D-4D34-A513-E1A47B0ABA56}" type="slidenum">
               <a:rPr lang="en-US" smtClean="0"/>
-              <a:t>14</a:t>
+              <a:t>17</a:t>
             </a:fld>
             <a:endParaRPr lang="en-US"/>
           </a:p>
@@ -978,7 +978,7 @@
     </p:spTree>
     <p:extLst>
       <p:ext uri="{BB962C8B-B14F-4D97-AF65-F5344CB8AC3E}">
-        <p14:creationId xmlns:p14="http://schemas.microsoft.com/office/powerpoint/2010/main" val="1183912179"/>
+        <p14:creationId xmlns:p14="http://schemas.microsoft.com/office/powerpoint/2010/main" val="1577749723"/>
       </p:ext>
     </p:extLst>
   </p:cSld>
@@ -1056,7 +1056,7 @@
           <a:p>
             <a:fld id="{9B7FE9FA-6C9D-4D34-A513-E1A47B0ABA56}" type="slidenum">
               <a:rPr lang="en-US" smtClean="0"/>
-              <a:t>15</a:t>
+              <a:t>18</a:t>
             </a:fld>
             <a:endParaRPr lang="en-US"/>
           </a:p>
@@ -1065,7 +1065,7 @@
     </p:spTree>
     <p:extLst>
       <p:ext uri="{BB962C8B-B14F-4D97-AF65-F5344CB8AC3E}">
-        <p14:creationId xmlns:p14="http://schemas.microsoft.com/office/powerpoint/2010/main" val="883075667"/>
+        <p14:creationId xmlns:p14="http://schemas.microsoft.com/office/powerpoint/2010/main" val="293447769"/>
       </p:ext>
     </p:extLst>
   </p:cSld>
@@ -1121,7 +1121,7 @@
           <a:p>
             <a:r>
               <a:rPr lang="en-US" dirty="0"/>
-              <a:t>1m</a:t>
+              <a:t>.5m</a:t>
             </a:r>
           </a:p>
         </p:txBody>
@@ -1143,7 +1143,7 @@
           <a:p>
             <a:fld id="{9B7FE9FA-6C9D-4D34-A513-E1A47B0ABA56}" type="slidenum">
               <a:rPr lang="en-US" smtClean="0"/>
-              <a:t>16</a:t>
+              <a:t>19</a:t>
             </a:fld>
             <a:endParaRPr lang="en-US"/>
           </a:p>
@@ -1152,7 +1152,7 @@
     </p:spTree>
     <p:extLst>
       <p:ext uri="{BB962C8B-B14F-4D97-AF65-F5344CB8AC3E}">
-        <p14:creationId xmlns:p14="http://schemas.microsoft.com/office/powerpoint/2010/main" val="630035552"/>
+        <p14:creationId xmlns:p14="http://schemas.microsoft.com/office/powerpoint/2010/main" val="478470969"/>
       </p:ext>
     </p:extLst>
   </p:cSld>
@@ -1208,7 +1208,7 @@
           <a:p>
             <a:r>
               <a:rPr lang="en-US" dirty="0"/>
-              <a:t>.5m</a:t>
+              <a:t>.25m</a:t>
             </a:r>
           </a:p>
         </p:txBody>
@@ -1230,7 +1230,7 @@
           <a:p>
             <a:fld id="{9B7FE9FA-6C9D-4D34-A513-E1A47B0ABA56}" type="slidenum">
               <a:rPr lang="en-US" smtClean="0"/>
-              <a:t>17</a:t>
+              <a:t>20</a:t>
             </a:fld>
             <a:endParaRPr lang="en-US"/>
           </a:p>
@@ -1239,7 +1239,7 @@
     </p:spTree>
     <p:extLst>
       <p:ext uri="{BB962C8B-B14F-4D97-AF65-F5344CB8AC3E}">
-        <p14:creationId xmlns:p14="http://schemas.microsoft.com/office/powerpoint/2010/main" val="1577749723"/>
+        <p14:creationId xmlns:p14="http://schemas.microsoft.com/office/powerpoint/2010/main" val="3160666122"/>
       </p:ext>
     </p:extLst>
   </p:cSld>
@@ -1295,7 +1295,7 @@
           <a:p>
             <a:r>
               <a:rPr lang="en-US" dirty="0"/>
-              <a:t>.25m</a:t>
+              <a:t>.5m</a:t>
             </a:r>
           </a:p>
         </p:txBody>
@@ -1317,7 +1317,7 @@
           <a:p>
             <a:fld id="{9B7FE9FA-6C9D-4D34-A513-E1A47B0ABA56}" type="slidenum">
               <a:rPr lang="en-US" smtClean="0"/>
-              <a:t>18</a:t>
+              <a:t>21</a:t>
             </a:fld>
             <a:endParaRPr lang="en-US"/>
           </a:p>
@@ -1326,7 +1326,7 @@
     </p:spTree>
     <p:extLst>
       <p:ext uri="{BB962C8B-B14F-4D97-AF65-F5344CB8AC3E}">
-        <p14:creationId xmlns:p14="http://schemas.microsoft.com/office/powerpoint/2010/main" val="293447769"/>
+        <p14:creationId xmlns:p14="http://schemas.microsoft.com/office/powerpoint/2010/main" val="3640467335"/>
       </p:ext>
     </p:extLst>
   </p:cSld>
@@ -1382,7 +1382,7 @@
           <a:p>
             <a:r>
               <a:rPr lang="en-US" dirty="0"/>
-              <a:t>.5m</a:t>
+              <a:t>.25m</a:t>
             </a:r>
           </a:p>
         </p:txBody>
@@ -1404,7 +1404,7 @@
           <a:p>
             <a:fld id="{9B7FE9FA-6C9D-4D34-A513-E1A47B0ABA56}" type="slidenum">
               <a:rPr lang="en-US" smtClean="0"/>
-              <a:t>19</a:t>
+              <a:t>22</a:t>
             </a:fld>
             <a:endParaRPr lang="en-US"/>
           </a:p>
@@ -1413,7 +1413,7 @@
     </p:spTree>
     <p:extLst>
       <p:ext uri="{BB962C8B-B14F-4D97-AF65-F5344CB8AC3E}">
-        <p14:creationId xmlns:p14="http://schemas.microsoft.com/office/powerpoint/2010/main" val="478470969"/>
+        <p14:creationId xmlns:p14="http://schemas.microsoft.com/office/powerpoint/2010/main" val="1415270206"/>
       </p:ext>
     </p:extLst>
   </p:cSld>
@@ -1469,8 +1469,69 @@
           <a:p>
             <a:r>
               <a:rPr lang="en-US" dirty="0"/>
-              <a:t>.25m</a:t>
-            </a:r>
+              <a:t>2m</a:t>
+            </a:r>
+          </a:p>
+          <a:p>
+            <a:endParaRPr lang="en-US" dirty="0"/>
+          </a:p>
+          <a:p>
+            <a:pPr marL="0" indent="0">
+              <a:buNone/>
+            </a:pPr>
+            <a:r>
+              <a:rPr lang="en-US" dirty="0"/>
+              <a:t>Experiment vs improvement</a:t>
+            </a:r>
+          </a:p>
+          <a:p>
+            <a:pPr marL="0" indent="0">
+              <a:buNone/>
+            </a:pPr>
+            <a:endParaRPr lang="en-US" dirty="0"/>
+          </a:p>
+          <a:p>
+            <a:r>
+              <a:rPr lang="en-US" dirty="0"/>
+              <a:t>The purpose of an </a:t>
+            </a:r>
+            <a:r>
+              <a:rPr lang="en-US" b="1" dirty="0"/>
+              <a:t>improvement</a:t>
+            </a:r>
+            <a:r>
+              <a:rPr lang="en-US" dirty="0"/>
+              <a:t> is to directly reduce debt – you know your ROI</a:t>
+            </a:r>
+          </a:p>
+          <a:p>
+            <a:endParaRPr lang="en-US" dirty="0"/>
+          </a:p>
+          <a:p>
+            <a:r>
+              <a:rPr lang="en-US" dirty="0"/>
+              <a:t>The purpose of an </a:t>
+            </a:r>
+            <a:r>
+              <a:rPr lang="en-US" b="1" dirty="0"/>
+              <a:t>experiment</a:t>
+            </a:r>
+            <a:r>
+              <a:rPr lang="en-US" dirty="0"/>
+              <a:t> is to learn what improvements should be done later – you’re finding the ROI</a:t>
+            </a:r>
+          </a:p>
+          <a:p>
+            <a:endParaRPr lang="en-US" dirty="0"/>
+          </a:p>
+          <a:p>
+            <a:r>
+              <a:rPr lang="en-US" dirty="0"/>
+              <a:t>Understanding the proper ratio between experiments and improvements</a:t>
+            </a:r>
+          </a:p>
+          <a:p>
+            <a:endParaRPr lang="en-US" dirty="0"/>
           </a:p>
         </p:txBody>
       </p:sp>
@@ -1491,7 +1552,7 @@
           <a:p>
             <a:fld id="{9B7FE9FA-6C9D-4D34-A513-E1A47B0ABA56}" type="slidenum">
               <a:rPr lang="en-US" smtClean="0"/>
-              <a:t>20</a:t>
+              <a:t>23</a:t>
             </a:fld>
             <a:endParaRPr lang="en-US"/>
           </a:p>
@@ -1500,7 +1561,7 @@
     </p:spTree>
     <p:extLst>
       <p:ext uri="{BB962C8B-B14F-4D97-AF65-F5344CB8AC3E}">
-        <p14:creationId xmlns:p14="http://schemas.microsoft.com/office/powerpoint/2010/main" val="3160666122"/>
+        <p14:creationId xmlns:p14="http://schemas.microsoft.com/office/powerpoint/2010/main" val="1476661288"/>
       </p:ext>
     </p:extLst>
   </p:cSld>
@@ -1643,8 +1704,53 @@
           <a:p>
             <a:r>
               <a:rPr lang="en-US" dirty="0"/>
-              <a:t>.5m</a:t>
-            </a:r>
+              <a:t>2m</a:t>
+            </a:r>
+          </a:p>
+          <a:p>
+            <a:endParaRPr lang="en-US" dirty="0"/>
+          </a:p>
+          <a:p>
+            <a:pPr marL="0" indent="0">
+              <a:buNone/>
+            </a:pPr>
+            <a:r>
+              <a:rPr lang="en-US" dirty="0"/>
+              <a:t>Shifting from task to mindset – ACTUALLY trusting the teams to run your business. How many dollars do you lose by letting teams screw up versus how many dollars do you lose by NOT letting teams innovate?</a:t>
+            </a:r>
+          </a:p>
+          <a:p>
+            <a:pPr marL="0" indent="0">
+              <a:buNone/>
+            </a:pPr>
+            <a:endParaRPr lang="en-US" dirty="0"/>
+          </a:p>
+          <a:p>
+            <a:pPr marL="0" indent="0">
+              <a:buNone/>
+            </a:pPr>
+            <a:r>
+              <a:rPr lang="en-US" dirty="0"/>
+              <a:t>And yes, there is a way to do this without leaders losing their jobs!</a:t>
+            </a:r>
+          </a:p>
+          <a:p>
+            <a:pPr marL="0" indent="0">
+              <a:buNone/>
+            </a:pPr>
+            <a:endParaRPr lang="en-US" dirty="0"/>
+          </a:p>
+          <a:p>
+            <a:pPr marL="0" indent="0">
+              <a:buNone/>
+            </a:pPr>
+            <a:r>
+              <a:rPr lang="en-US" dirty="0"/>
+              <a:t>Tableau story</a:t>
+            </a:r>
+          </a:p>
+          <a:p>
+            <a:endParaRPr lang="en-US" dirty="0"/>
           </a:p>
         </p:txBody>
       </p:sp>
@@ -1665,7 +1771,7 @@
           <a:p>
             <a:fld id="{9B7FE9FA-6C9D-4D34-A513-E1A47B0ABA56}" type="slidenum">
               <a:rPr lang="en-US" smtClean="0"/>
-              <a:t>21</a:t>
+              <a:t>24</a:t>
             </a:fld>
             <a:endParaRPr lang="en-US"/>
           </a:p>
@@ -1674,7 +1780,7 @@
     </p:spTree>
     <p:extLst>
       <p:ext uri="{BB962C8B-B14F-4D97-AF65-F5344CB8AC3E}">
-        <p14:creationId xmlns:p14="http://schemas.microsoft.com/office/powerpoint/2010/main" val="3640467335"/>
+        <p14:creationId xmlns:p14="http://schemas.microsoft.com/office/powerpoint/2010/main" val="4265355941"/>
       </p:ext>
     </p:extLst>
   </p:cSld>
@@ -1730,7 +1836,7 @@
           <a:p>
             <a:r>
               <a:rPr lang="en-US" dirty="0"/>
-              <a:t>.25m</a:t>
+              <a:t>1m</a:t>
             </a:r>
           </a:p>
         </p:txBody>
@@ -1752,7 +1858,7 @@
           <a:p>
             <a:fld id="{9B7FE9FA-6C9D-4D34-A513-E1A47B0ABA56}" type="slidenum">
               <a:rPr lang="en-US" smtClean="0"/>
-              <a:t>22</a:t>
+              <a:t>25</a:t>
             </a:fld>
             <a:endParaRPr lang="en-US"/>
           </a:p>
@@ -1761,7 +1867,7 @@
     </p:spTree>
     <p:extLst>
       <p:ext uri="{BB962C8B-B14F-4D97-AF65-F5344CB8AC3E}">
-        <p14:creationId xmlns:p14="http://schemas.microsoft.com/office/powerpoint/2010/main" val="1415270206"/>
+        <p14:creationId xmlns:p14="http://schemas.microsoft.com/office/powerpoint/2010/main" val="1062284097"/>
       </p:ext>
     </p:extLst>
   </p:cSld>
@@ -1817,69 +1923,8 @@
           <a:p>
             <a:r>
               <a:rPr lang="en-US" dirty="0"/>
-              <a:t>2m</a:t>
-            </a:r>
-          </a:p>
-          <a:p>
-            <a:endParaRPr lang="en-US" dirty="0"/>
-          </a:p>
-          <a:p>
-            <a:pPr marL="0" indent="0">
-              <a:buNone/>
-            </a:pPr>
-            <a:r>
-              <a:rPr lang="en-US" dirty="0"/>
-              <a:t>Experiment vs improvement</a:t>
-            </a:r>
-          </a:p>
-          <a:p>
-            <a:pPr marL="0" indent="0">
-              <a:buNone/>
-            </a:pPr>
-            <a:endParaRPr lang="en-US" dirty="0"/>
-          </a:p>
-          <a:p>
-            <a:r>
-              <a:rPr lang="en-US" dirty="0"/>
-              <a:t>The purpose of an </a:t>
-            </a:r>
-            <a:r>
-              <a:rPr lang="en-US" b="1" dirty="0"/>
-              <a:t>improvement</a:t>
-            </a:r>
-            <a:r>
-              <a:rPr lang="en-US" dirty="0"/>
-              <a:t> is to directly reduce debt – you know your ROI</a:t>
-            </a:r>
-          </a:p>
-          <a:p>
-            <a:endParaRPr lang="en-US" dirty="0"/>
-          </a:p>
-          <a:p>
-            <a:r>
-              <a:rPr lang="en-US" dirty="0"/>
-              <a:t>The purpose of an </a:t>
-            </a:r>
-            <a:r>
-              <a:rPr lang="en-US" b="1" dirty="0"/>
-              <a:t>experiment</a:t>
-            </a:r>
-            <a:r>
-              <a:rPr lang="en-US" dirty="0"/>
-              <a:t> is to learn what improvements should be done later – you’re finding the ROI</a:t>
-            </a:r>
-          </a:p>
-          <a:p>
-            <a:endParaRPr lang="en-US" dirty="0"/>
-          </a:p>
-          <a:p>
-            <a:r>
-              <a:rPr lang="en-US" dirty="0"/>
-              <a:t>Understanding the proper ratio between experiments and improvements</a:t>
-            </a:r>
-          </a:p>
-          <a:p>
-            <a:endParaRPr lang="en-US" dirty="0"/>
+              <a:t>1m</a:t>
+            </a:r>
           </a:p>
         </p:txBody>
       </p:sp>
@@ -1900,7 +1945,7 @@
           <a:p>
             <a:fld id="{9B7FE9FA-6C9D-4D34-A513-E1A47B0ABA56}" type="slidenum">
               <a:rPr lang="en-US" smtClean="0"/>
-              <a:t>23</a:t>
+              <a:t>26</a:t>
             </a:fld>
             <a:endParaRPr lang="en-US"/>
           </a:p>
@@ -1909,7 +1954,7 @@
     </p:spTree>
     <p:extLst>
       <p:ext uri="{BB962C8B-B14F-4D97-AF65-F5344CB8AC3E}">
-        <p14:creationId xmlns:p14="http://schemas.microsoft.com/office/powerpoint/2010/main" val="1476661288"/>
+        <p14:creationId xmlns:p14="http://schemas.microsoft.com/office/powerpoint/2010/main" val="1062549338"/>
       </p:ext>
     </p:extLst>
   </p:cSld>
@@ -1965,53 +2010,8 @@
           <a:p>
             <a:r>
               <a:rPr lang="en-US" dirty="0"/>
-              <a:t>2m</a:t>
-            </a:r>
-          </a:p>
-          <a:p>
-            <a:endParaRPr lang="en-US" dirty="0"/>
-          </a:p>
-          <a:p>
-            <a:pPr marL="0" indent="0">
-              <a:buNone/>
-            </a:pPr>
-            <a:r>
-              <a:rPr lang="en-US" dirty="0"/>
-              <a:t>Shifting from task to mindset – ACTUALLY trusting the teams to run your business. How many dollars do you lose by letting teams screw up versus how many dollars do you lose by NOT letting teams innovate?</a:t>
-            </a:r>
-          </a:p>
-          <a:p>
-            <a:pPr marL="0" indent="0">
-              <a:buNone/>
-            </a:pPr>
-            <a:endParaRPr lang="en-US" dirty="0"/>
-          </a:p>
-          <a:p>
-            <a:pPr marL="0" indent="0">
-              <a:buNone/>
-            </a:pPr>
-            <a:r>
-              <a:rPr lang="en-US" dirty="0"/>
-              <a:t>And yes, there is a way to do this without leaders losing their jobs!</a:t>
-            </a:r>
-          </a:p>
-          <a:p>
-            <a:pPr marL="0" indent="0">
-              <a:buNone/>
-            </a:pPr>
-            <a:endParaRPr lang="en-US" dirty="0"/>
-          </a:p>
-          <a:p>
-            <a:pPr marL="0" indent="0">
-              <a:buNone/>
-            </a:pPr>
-            <a:r>
-              <a:rPr lang="en-US" dirty="0"/>
-              <a:t>Tableau story</a:t>
-            </a:r>
-          </a:p>
-          <a:p>
-            <a:endParaRPr lang="en-US" dirty="0"/>
+              <a:t>10m</a:t>
+            </a:r>
           </a:p>
         </p:txBody>
       </p:sp>
@@ -2032,7 +2032,7 @@
           <a:p>
             <a:fld id="{9B7FE9FA-6C9D-4D34-A513-E1A47B0ABA56}" type="slidenum">
               <a:rPr lang="en-US" smtClean="0"/>
-              <a:t>24</a:t>
+              <a:t>27</a:t>
             </a:fld>
             <a:endParaRPr lang="en-US"/>
           </a:p>
@@ -2041,7 +2041,7 @@
     </p:spTree>
     <p:extLst>
       <p:ext uri="{BB962C8B-B14F-4D97-AF65-F5344CB8AC3E}">
-        <p14:creationId xmlns:p14="http://schemas.microsoft.com/office/powerpoint/2010/main" val="4265355941"/>
+        <p14:creationId xmlns:p14="http://schemas.microsoft.com/office/powerpoint/2010/main" val="3995473330"/>
       </p:ext>
     </p:extLst>
   </p:cSld>
@@ -2097,7 +2097,7 @@
           <a:p>
             <a:r>
               <a:rPr lang="en-US" dirty="0"/>
-              <a:t>1m</a:t>
+              <a:t>.5m</a:t>
             </a:r>
           </a:p>
         </p:txBody>
@@ -2119,7 +2119,7 @@
           <a:p>
             <a:fld id="{9B7FE9FA-6C9D-4D34-A513-E1A47B0ABA56}" type="slidenum">
               <a:rPr lang="en-US" smtClean="0"/>
-              <a:t>25</a:t>
+              <a:t>28</a:t>
             </a:fld>
             <a:endParaRPr lang="en-US"/>
           </a:p>
@@ -2128,7 +2128,7 @@
     </p:spTree>
     <p:extLst>
       <p:ext uri="{BB962C8B-B14F-4D97-AF65-F5344CB8AC3E}">
-        <p14:creationId xmlns:p14="http://schemas.microsoft.com/office/powerpoint/2010/main" val="1062284097"/>
+        <p14:creationId xmlns:p14="http://schemas.microsoft.com/office/powerpoint/2010/main" val="709674624"/>
       </p:ext>
     </p:extLst>
   </p:cSld>
@@ -2206,7 +2206,7 @@
           <a:p>
             <a:fld id="{9B7FE9FA-6C9D-4D34-A513-E1A47B0ABA56}" type="slidenum">
               <a:rPr lang="en-US" smtClean="0"/>
-              <a:t>26</a:t>
+              <a:t>29</a:t>
             </a:fld>
             <a:endParaRPr lang="en-US"/>
           </a:p>
@@ -2215,7 +2215,7 @@
     </p:spTree>
     <p:extLst>
       <p:ext uri="{BB962C8B-B14F-4D97-AF65-F5344CB8AC3E}">
-        <p14:creationId xmlns:p14="http://schemas.microsoft.com/office/powerpoint/2010/main" val="1062549338"/>
+        <p14:creationId xmlns:p14="http://schemas.microsoft.com/office/powerpoint/2010/main" val="4139163054"/>
       </p:ext>
     </p:extLst>
   </p:cSld>
@@ -2271,7 +2271,7 @@
           <a:p>
             <a:r>
               <a:rPr lang="en-US" dirty="0"/>
-              <a:t>10m</a:t>
+              <a:t>.5m</a:t>
             </a:r>
           </a:p>
         </p:txBody>
@@ -2293,7 +2293,7 @@
           <a:p>
             <a:fld id="{9B7FE9FA-6C9D-4D34-A513-E1A47B0ABA56}" type="slidenum">
               <a:rPr lang="en-US" smtClean="0"/>
-              <a:t>27</a:t>
+              <a:t>30</a:t>
             </a:fld>
             <a:endParaRPr lang="en-US"/>
           </a:p>
@@ -2302,7 +2302,7 @@
     </p:spTree>
     <p:extLst>
       <p:ext uri="{BB962C8B-B14F-4D97-AF65-F5344CB8AC3E}">
-        <p14:creationId xmlns:p14="http://schemas.microsoft.com/office/powerpoint/2010/main" val="3995473330"/>
+        <p14:creationId xmlns:p14="http://schemas.microsoft.com/office/powerpoint/2010/main" val="2912420269"/>
       </p:ext>
     </p:extLst>
   </p:cSld>
@@ -2358,7 +2358,7 @@
           <a:p>
             <a:r>
               <a:rPr lang="en-US" dirty="0"/>
-              <a:t>.5m</a:t>
+              <a:t>.25m</a:t>
             </a:r>
           </a:p>
         </p:txBody>
@@ -2380,7 +2380,7 @@
           <a:p>
             <a:fld id="{9B7FE9FA-6C9D-4D34-A513-E1A47B0ABA56}" type="slidenum">
               <a:rPr lang="en-US" smtClean="0"/>
-              <a:t>28</a:t>
+              <a:t>31</a:t>
             </a:fld>
             <a:endParaRPr lang="en-US"/>
           </a:p>
@@ -2389,7 +2389,7 @@
     </p:spTree>
     <p:extLst>
       <p:ext uri="{BB962C8B-B14F-4D97-AF65-F5344CB8AC3E}">
-        <p14:creationId xmlns:p14="http://schemas.microsoft.com/office/powerpoint/2010/main" val="709674624"/>
+        <p14:creationId xmlns:p14="http://schemas.microsoft.com/office/powerpoint/2010/main" val="1518396784"/>
       </p:ext>
     </p:extLst>
   </p:cSld>
@@ -2467,7 +2467,7 @@
           <a:p>
             <a:fld id="{9B7FE9FA-6C9D-4D34-A513-E1A47B0ABA56}" type="slidenum">
               <a:rPr lang="en-US" smtClean="0"/>
-              <a:t>29</a:t>
+              <a:t>32</a:t>
             </a:fld>
             <a:endParaRPr lang="en-US"/>
           </a:p>
@@ -2476,7 +2476,7 @@
     </p:spTree>
     <p:extLst>
       <p:ext uri="{BB962C8B-B14F-4D97-AF65-F5344CB8AC3E}">
-        <p14:creationId xmlns:p14="http://schemas.microsoft.com/office/powerpoint/2010/main" val="4139163054"/>
+        <p14:creationId xmlns:p14="http://schemas.microsoft.com/office/powerpoint/2010/main" val="3470883838"/>
       </p:ext>
     </p:extLst>
   </p:cSld>
@@ -2532,7 +2532,7 @@
           <a:p>
             <a:r>
               <a:rPr lang="en-US" dirty="0"/>
-              <a:t>.5m</a:t>
+              <a:t>1m</a:t>
             </a:r>
           </a:p>
         </p:txBody>
@@ -2554,7 +2554,7 @@
           <a:p>
             <a:fld id="{9B7FE9FA-6C9D-4D34-A513-E1A47B0ABA56}" type="slidenum">
               <a:rPr lang="en-US" smtClean="0"/>
-              <a:t>30</a:t>
+              <a:t>33</a:t>
             </a:fld>
             <a:endParaRPr lang="en-US"/>
           </a:p>
@@ -2563,7 +2563,7 @@
     </p:spTree>
     <p:extLst>
       <p:ext uri="{BB962C8B-B14F-4D97-AF65-F5344CB8AC3E}">
-        <p14:creationId xmlns:p14="http://schemas.microsoft.com/office/powerpoint/2010/main" val="2912420269"/>
+        <p14:creationId xmlns:p14="http://schemas.microsoft.com/office/powerpoint/2010/main" val="129671068"/>
       </p:ext>
     </p:extLst>
   </p:cSld>
@@ -2706,7 +2706,7 @@
           <a:p>
             <a:r>
               <a:rPr lang="en-US" dirty="0"/>
-              <a:t>.25m</a:t>
+              <a:t>1m</a:t>
             </a:r>
           </a:p>
         </p:txBody>
@@ -2728,7 +2728,7 @@
           <a:p>
             <a:fld id="{9B7FE9FA-6C9D-4D34-A513-E1A47B0ABA56}" type="slidenum">
               <a:rPr lang="en-US" smtClean="0"/>
-              <a:t>31</a:t>
+              <a:t>34</a:t>
             </a:fld>
             <a:endParaRPr lang="en-US"/>
           </a:p>
@@ -2737,7 +2737,7 @@
     </p:spTree>
     <p:extLst>
       <p:ext uri="{BB962C8B-B14F-4D97-AF65-F5344CB8AC3E}">
-        <p14:creationId xmlns:p14="http://schemas.microsoft.com/office/powerpoint/2010/main" val="1518396784"/>
+        <p14:creationId xmlns:p14="http://schemas.microsoft.com/office/powerpoint/2010/main" val="2732371465"/>
       </p:ext>
     </p:extLst>
   </p:cSld>
@@ -2815,7 +2815,7 @@
           <a:p>
             <a:fld id="{9B7FE9FA-6C9D-4D34-A513-E1A47B0ABA56}" type="slidenum">
               <a:rPr lang="en-US" smtClean="0"/>
-              <a:t>32</a:t>
+              <a:t>35</a:t>
             </a:fld>
             <a:endParaRPr lang="en-US"/>
           </a:p>
@@ -2824,7 +2824,7 @@
     </p:spTree>
     <p:extLst>
       <p:ext uri="{BB962C8B-B14F-4D97-AF65-F5344CB8AC3E}">
-        <p14:creationId xmlns:p14="http://schemas.microsoft.com/office/powerpoint/2010/main" val="3470883838"/>
+        <p14:creationId xmlns:p14="http://schemas.microsoft.com/office/powerpoint/2010/main" val="2896193473"/>
       </p:ext>
     </p:extLst>
   </p:cSld>
@@ -2902,7 +2902,7 @@
           <a:p>
             <a:fld id="{9B7FE9FA-6C9D-4D34-A513-E1A47B0ABA56}" type="slidenum">
               <a:rPr lang="en-US" smtClean="0"/>
-              <a:t>33</a:t>
+              <a:t>36</a:t>
             </a:fld>
             <a:endParaRPr lang="en-US"/>
           </a:p>
@@ -2911,7 +2911,7 @@
     </p:spTree>
     <p:extLst>
       <p:ext uri="{BB962C8B-B14F-4D97-AF65-F5344CB8AC3E}">
-        <p14:creationId xmlns:p14="http://schemas.microsoft.com/office/powerpoint/2010/main" val="129671068"/>
+        <p14:creationId xmlns:p14="http://schemas.microsoft.com/office/powerpoint/2010/main" val="165378956"/>
       </p:ext>
     </p:extLst>
   </p:cSld>
@@ -2965,267 +2965,6 @@
           <a:bodyPr/>
           <a:lstStyle/>
           <a:p>
-            <a:r>
-              <a:rPr lang="en-US" dirty="0"/>
-              <a:t>1m</a:t>
-            </a:r>
-          </a:p>
-        </p:txBody>
-      </p:sp>
-      <p:sp>
-        <p:nvSpPr>
-          <p:cNvPr id="4" name="Slide Number Placeholder 3"/>
-          <p:cNvSpPr>
-            <a:spLocks noGrp="1"/>
-          </p:cNvSpPr>
-          <p:nvPr>
-            <p:ph type="sldNum" sz="quarter" idx="5"/>
-          </p:nvPr>
-        </p:nvSpPr>
-        <p:spPr/>
-        <p:txBody>
-          <a:bodyPr/>
-          <a:lstStyle/>
-          <a:p>
-            <a:fld id="{9B7FE9FA-6C9D-4D34-A513-E1A47B0ABA56}" type="slidenum">
-              <a:rPr lang="en-US" smtClean="0"/>
-              <a:t>34</a:t>
-            </a:fld>
-            <a:endParaRPr lang="en-US"/>
-          </a:p>
-        </p:txBody>
-      </p:sp>
-    </p:spTree>
-    <p:extLst>
-      <p:ext uri="{BB962C8B-B14F-4D97-AF65-F5344CB8AC3E}">
-        <p14:creationId xmlns:p14="http://schemas.microsoft.com/office/powerpoint/2010/main" val="2732371465"/>
-      </p:ext>
-    </p:extLst>
-  </p:cSld>
-  <p:clrMapOvr>
-    <a:masterClrMapping/>
-  </p:clrMapOvr>
-</p:notes>
-</file>
-
-<file path=ppt/notesSlides/notesSlide34.xml><?xml version="1.0" encoding="utf-8"?>
-<p:notes xmlns:a="http://schemas.openxmlformats.org/drawingml/2006/main" xmlns:r="http://schemas.openxmlformats.org/officeDocument/2006/relationships" xmlns:p="http://schemas.openxmlformats.org/presentationml/2006/main">
-  <p:cSld>
-    <p:spTree>
-      <p:nvGrpSpPr>
-        <p:cNvPr id="1" name=""/>
-        <p:cNvGrpSpPr/>
-        <p:nvPr/>
-      </p:nvGrpSpPr>
-      <p:grpSpPr>
-        <a:xfrm>
-          <a:off x="0" y="0"/>
-          <a:ext cx="0" cy="0"/>
-          <a:chOff x="0" y="0"/>
-          <a:chExt cx="0" cy="0"/>
-        </a:xfrm>
-      </p:grpSpPr>
-      <p:sp>
-        <p:nvSpPr>
-          <p:cNvPr id="2" name="Slide Image Placeholder 1"/>
-          <p:cNvSpPr>
-            <a:spLocks noGrp="1" noRot="1" noChangeAspect="1"/>
-          </p:cNvSpPr>
-          <p:nvPr>
-            <p:ph type="sldImg"/>
-          </p:nvPr>
-        </p:nvSpPr>
-        <p:spPr/>
-      </p:sp>
-      <p:sp>
-        <p:nvSpPr>
-          <p:cNvPr id="3" name="Notes Placeholder 2"/>
-          <p:cNvSpPr>
-            <a:spLocks noGrp="1"/>
-          </p:cNvSpPr>
-          <p:nvPr>
-            <p:ph type="body" idx="1"/>
-          </p:nvPr>
-        </p:nvSpPr>
-        <p:spPr/>
-        <p:txBody>
-          <a:bodyPr/>
-          <a:lstStyle/>
-          <a:p>
-            <a:r>
-              <a:rPr lang="en-US" dirty="0"/>
-              <a:t>1m</a:t>
-            </a:r>
-          </a:p>
-        </p:txBody>
-      </p:sp>
-      <p:sp>
-        <p:nvSpPr>
-          <p:cNvPr id="4" name="Slide Number Placeholder 3"/>
-          <p:cNvSpPr>
-            <a:spLocks noGrp="1"/>
-          </p:cNvSpPr>
-          <p:nvPr>
-            <p:ph type="sldNum" sz="quarter" idx="5"/>
-          </p:nvPr>
-        </p:nvSpPr>
-        <p:spPr/>
-        <p:txBody>
-          <a:bodyPr/>
-          <a:lstStyle/>
-          <a:p>
-            <a:fld id="{9B7FE9FA-6C9D-4D34-A513-E1A47B0ABA56}" type="slidenum">
-              <a:rPr lang="en-US" smtClean="0"/>
-              <a:t>35</a:t>
-            </a:fld>
-            <a:endParaRPr lang="en-US"/>
-          </a:p>
-        </p:txBody>
-      </p:sp>
-    </p:spTree>
-    <p:extLst>
-      <p:ext uri="{BB962C8B-B14F-4D97-AF65-F5344CB8AC3E}">
-        <p14:creationId xmlns:p14="http://schemas.microsoft.com/office/powerpoint/2010/main" val="2896193473"/>
-      </p:ext>
-    </p:extLst>
-  </p:cSld>
-  <p:clrMapOvr>
-    <a:masterClrMapping/>
-  </p:clrMapOvr>
-</p:notes>
-</file>
-
-<file path=ppt/notesSlides/notesSlide35.xml><?xml version="1.0" encoding="utf-8"?>
-<p:notes xmlns:a="http://schemas.openxmlformats.org/drawingml/2006/main" xmlns:r="http://schemas.openxmlformats.org/officeDocument/2006/relationships" xmlns:p="http://schemas.openxmlformats.org/presentationml/2006/main">
-  <p:cSld>
-    <p:spTree>
-      <p:nvGrpSpPr>
-        <p:cNvPr id="1" name=""/>
-        <p:cNvGrpSpPr/>
-        <p:nvPr/>
-      </p:nvGrpSpPr>
-      <p:grpSpPr>
-        <a:xfrm>
-          <a:off x="0" y="0"/>
-          <a:ext cx="0" cy="0"/>
-          <a:chOff x="0" y="0"/>
-          <a:chExt cx="0" cy="0"/>
-        </a:xfrm>
-      </p:grpSpPr>
-      <p:sp>
-        <p:nvSpPr>
-          <p:cNvPr id="2" name="Slide Image Placeholder 1"/>
-          <p:cNvSpPr>
-            <a:spLocks noGrp="1" noRot="1" noChangeAspect="1"/>
-          </p:cNvSpPr>
-          <p:nvPr>
-            <p:ph type="sldImg"/>
-          </p:nvPr>
-        </p:nvSpPr>
-        <p:spPr/>
-      </p:sp>
-      <p:sp>
-        <p:nvSpPr>
-          <p:cNvPr id="3" name="Notes Placeholder 2"/>
-          <p:cNvSpPr>
-            <a:spLocks noGrp="1"/>
-          </p:cNvSpPr>
-          <p:nvPr>
-            <p:ph type="body" idx="1"/>
-          </p:nvPr>
-        </p:nvSpPr>
-        <p:spPr/>
-        <p:txBody>
-          <a:bodyPr/>
-          <a:lstStyle/>
-          <a:p>
-            <a:r>
-              <a:rPr lang="en-US" dirty="0"/>
-              <a:t>1m</a:t>
-            </a:r>
-          </a:p>
-        </p:txBody>
-      </p:sp>
-      <p:sp>
-        <p:nvSpPr>
-          <p:cNvPr id="4" name="Slide Number Placeholder 3"/>
-          <p:cNvSpPr>
-            <a:spLocks noGrp="1"/>
-          </p:cNvSpPr>
-          <p:nvPr>
-            <p:ph type="sldNum" sz="quarter" idx="5"/>
-          </p:nvPr>
-        </p:nvSpPr>
-        <p:spPr/>
-        <p:txBody>
-          <a:bodyPr/>
-          <a:lstStyle/>
-          <a:p>
-            <a:fld id="{9B7FE9FA-6C9D-4D34-A513-E1A47B0ABA56}" type="slidenum">
-              <a:rPr lang="en-US" smtClean="0"/>
-              <a:t>36</a:t>
-            </a:fld>
-            <a:endParaRPr lang="en-US"/>
-          </a:p>
-        </p:txBody>
-      </p:sp>
-    </p:spTree>
-    <p:extLst>
-      <p:ext uri="{BB962C8B-B14F-4D97-AF65-F5344CB8AC3E}">
-        <p14:creationId xmlns:p14="http://schemas.microsoft.com/office/powerpoint/2010/main" val="165378956"/>
-      </p:ext>
-    </p:extLst>
-  </p:cSld>
-  <p:clrMapOvr>
-    <a:masterClrMapping/>
-  </p:clrMapOvr>
-</p:notes>
-</file>
-
-<file path=ppt/notesSlides/notesSlide36.xml><?xml version="1.0" encoding="utf-8"?>
-<p:notes xmlns:a="http://schemas.openxmlformats.org/drawingml/2006/main" xmlns:r="http://schemas.openxmlformats.org/officeDocument/2006/relationships" xmlns:p="http://schemas.openxmlformats.org/presentationml/2006/main">
-  <p:cSld>
-    <p:spTree>
-      <p:nvGrpSpPr>
-        <p:cNvPr id="1" name=""/>
-        <p:cNvGrpSpPr/>
-        <p:nvPr/>
-      </p:nvGrpSpPr>
-      <p:grpSpPr>
-        <a:xfrm>
-          <a:off x="0" y="0"/>
-          <a:ext cx="0" cy="0"/>
-          <a:chOff x="0" y="0"/>
-          <a:chExt cx="0" cy="0"/>
-        </a:xfrm>
-      </p:grpSpPr>
-      <p:sp>
-        <p:nvSpPr>
-          <p:cNvPr id="2" name="Slide Image Placeholder 1"/>
-          <p:cNvSpPr>
-            <a:spLocks noGrp="1" noRot="1" noChangeAspect="1"/>
-          </p:cNvSpPr>
-          <p:nvPr>
-            <p:ph type="sldImg"/>
-          </p:nvPr>
-        </p:nvSpPr>
-        <p:spPr/>
-      </p:sp>
-      <p:sp>
-        <p:nvSpPr>
-          <p:cNvPr id="3" name="Notes Placeholder 2"/>
-          <p:cNvSpPr>
-            <a:spLocks noGrp="1"/>
-          </p:cNvSpPr>
-          <p:nvPr>
-            <p:ph type="body" idx="1"/>
-          </p:nvPr>
-        </p:nvSpPr>
-        <p:spPr/>
-        <p:txBody>
-          <a:bodyPr/>
-          <a:lstStyle/>
-          <a:p>
             <a:endParaRPr lang="en-US" dirty="0"/>
           </a:p>
         </p:txBody>
@@ -3266,7 +3005,7 @@
 </p:notes>
 </file>
 
-<file path=ppt/notesSlides/notesSlide37.xml><?xml version="1.0" encoding="utf-8"?>
+<file path=ppt/notesSlides/notesSlide34.xml><?xml version="1.0" encoding="utf-8"?>
 <p:notes xmlns:a="http://schemas.openxmlformats.org/drawingml/2006/main" xmlns:r="http://schemas.openxmlformats.org/officeDocument/2006/relationships" xmlns:p="http://schemas.openxmlformats.org/presentationml/2006/main">
   <p:cSld>
     <p:spTree>
@@ -3486,7 +3225,7 @@
           <a:p>
             <a:r>
               <a:rPr lang="en-US" dirty="0"/>
-              <a:t>4m</a:t>
+              <a:t>1m</a:t>
             </a:r>
           </a:p>
         </p:txBody>
@@ -3508,7 +3247,7 @@
           <a:p>
             <a:fld id="{9B7FE9FA-6C9D-4D34-A513-E1A47B0ABA56}" type="slidenum">
               <a:rPr lang="en-US" smtClean="0"/>
-              <a:t>6</a:t>
+              <a:t>7</a:t>
             </a:fld>
             <a:endParaRPr lang="en-US"/>
           </a:p>
@@ -3517,7 +3256,7 @@
     </p:spTree>
     <p:extLst>
       <p:ext uri="{BB962C8B-B14F-4D97-AF65-F5344CB8AC3E}">
-        <p14:creationId xmlns:p14="http://schemas.microsoft.com/office/powerpoint/2010/main" val="2340551342"/>
+        <p14:creationId xmlns:p14="http://schemas.microsoft.com/office/powerpoint/2010/main" val="111148801"/>
       </p:ext>
     </p:extLst>
   </p:cSld>
@@ -3573,7 +3312,7 @@
           <a:p>
             <a:r>
               <a:rPr lang="en-US" dirty="0"/>
-              <a:t>1m</a:t>
+              <a:t>2m</a:t>
             </a:r>
           </a:p>
         </p:txBody>
@@ -3595,7 +3334,7 @@
           <a:p>
             <a:fld id="{9B7FE9FA-6C9D-4D34-A513-E1A47B0ABA56}" type="slidenum">
               <a:rPr lang="en-US" smtClean="0"/>
-              <a:t>7</a:t>
+              <a:t>10</a:t>
             </a:fld>
             <a:endParaRPr lang="en-US"/>
           </a:p>
@@ -3604,7 +3343,7 @@
     </p:spTree>
     <p:extLst>
       <p:ext uri="{BB962C8B-B14F-4D97-AF65-F5344CB8AC3E}">
-        <p14:creationId xmlns:p14="http://schemas.microsoft.com/office/powerpoint/2010/main" val="111148801"/>
+        <p14:creationId xmlns:p14="http://schemas.microsoft.com/office/powerpoint/2010/main" val="1998859779"/>
       </p:ext>
     </p:extLst>
   </p:cSld>
@@ -3660,7 +3399,7 @@
           <a:p>
             <a:r>
               <a:rPr lang="en-US" dirty="0"/>
-              <a:t>1.5m</a:t>
+              <a:t>.5m</a:t>
             </a:r>
           </a:p>
         </p:txBody>
@@ -3682,7 +3421,7 @@
           <a:p>
             <a:fld id="{9B7FE9FA-6C9D-4D34-A513-E1A47B0ABA56}" type="slidenum">
               <a:rPr lang="en-US" smtClean="0"/>
-              <a:t>8</a:t>
+              <a:t>11</a:t>
             </a:fld>
             <a:endParaRPr lang="en-US"/>
           </a:p>
@@ -3691,7 +3430,7 @@
     </p:spTree>
     <p:extLst>
       <p:ext uri="{BB962C8B-B14F-4D97-AF65-F5344CB8AC3E}">
-        <p14:creationId xmlns:p14="http://schemas.microsoft.com/office/powerpoint/2010/main" val="3228017919"/>
+        <p14:creationId xmlns:p14="http://schemas.microsoft.com/office/powerpoint/2010/main" val="3418769574"/>
       </p:ext>
     </p:extLst>
   </p:cSld>
@@ -3745,26 +3484,9 @@
           <a:bodyPr/>
           <a:lstStyle/>
           <a:p>
-            <a:pPr marL="0" marR="0" lvl="0" indent="0" algn="l" defTabSz="914400" rtl="0" eaLnBrk="1" fontAlgn="auto" latinLnBrk="0" hangingPunct="1">
-              <a:lnSpc>
-                <a:spcPct val="100000"/>
-              </a:lnSpc>
-              <a:spcBef>
-                <a:spcPts val="0"/>
-              </a:spcBef>
-              <a:spcAft>
-                <a:spcPts val="0"/>
-              </a:spcAft>
-              <a:buClrTx/>
-              <a:buSzTx/>
-              <a:buFontTx/>
-              <a:buNone/>
-              <a:tabLst/>
-              <a:defRPr/>
-            </a:pPr>
-            <a:r>
-              <a:rPr lang="en-US" dirty="0"/>
-              <a:t>.5m</a:t>
+            <a:r>
+              <a:rPr lang="en-US" dirty="0"/>
+              <a:t>1m</a:t>
             </a:r>
           </a:p>
         </p:txBody>
@@ -3786,7 +3508,7 @@
           <a:p>
             <a:fld id="{9B7FE9FA-6C9D-4D34-A513-E1A47B0ABA56}" type="slidenum">
               <a:rPr lang="en-US" smtClean="0"/>
-              <a:t>9</a:t>
+              <a:t>12</a:t>
             </a:fld>
             <a:endParaRPr lang="en-US"/>
           </a:p>
@@ -3795,7 +3517,7 @@
     </p:spTree>
     <p:extLst>
       <p:ext uri="{BB962C8B-B14F-4D97-AF65-F5344CB8AC3E}">
-        <p14:creationId xmlns:p14="http://schemas.microsoft.com/office/powerpoint/2010/main" val="3796808295"/>
+        <p14:creationId xmlns:p14="http://schemas.microsoft.com/office/powerpoint/2010/main" val="1256956146"/>
       </p:ext>
     </p:extLst>
   </p:cSld>
@@ -3851,7 +3573,7 @@
           <a:p>
             <a:r>
               <a:rPr lang="en-US" dirty="0"/>
-              <a:t>2m</a:t>
+              <a:t>.5m</a:t>
             </a:r>
           </a:p>
         </p:txBody>
@@ -3873,7 +3595,7 @@
           <a:p>
             <a:fld id="{9B7FE9FA-6C9D-4D34-A513-E1A47B0ABA56}" type="slidenum">
               <a:rPr lang="en-US" smtClean="0"/>
-              <a:t>10</a:t>
+              <a:t>13</a:t>
             </a:fld>
             <a:endParaRPr lang="en-US"/>
           </a:p>
@@ -3882,7 +3604,7 @@
     </p:spTree>
     <p:extLst>
       <p:ext uri="{BB962C8B-B14F-4D97-AF65-F5344CB8AC3E}">
-        <p14:creationId xmlns:p14="http://schemas.microsoft.com/office/powerpoint/2010/main" val="1998859779"/>
+        <p14:creationId xmlns:p14="http://schemas.microsoft.com/office/powerpoint/2010/main" val="2730729831"/>
       </p:ext>
     </p:extLst>
   </p:cSld>
@@ -4039,7 +3761,7 @@
           <a:p>
             <a:fld id="{EBAA21FC-F3CB-41C2-AF46-91977F01228E}" type="datetimeFigureOut">
               <a:rPr lang="en-US" smtClean="0"/>
-              <a:t>09-Apr-19</a:t>
+              <a:t>4/9/2019</a:t>
             </a:fld>
             <a:endParaRPr lang="en-US"/>
           </a:p>
@@ -4237,7 +3959,7 @@
           <a:p>
             <a:fld id="{EBAA21FC-F3CB-41C2-AF46-91977F01228E}" type="datetimeFigureOut">
               <a:rPr lang="en-US" smtClean="0"/>
-              <a:t>09-Apr-19</a:t>
+              <a:t>4/9/2019</a:t>
             </a:fld>
             <a:endParaRPr lang="en-US"/>
           </a:p>
@@ -4445,7 +4167,7 @@
           <a:p>
             <a:fld id="{EBAA21FC-F3CB-41C2-AF46-91977F01228E}" type="datetimeFigureOut">
               <a:rPr lang="en-US" smtClean="0"/>
-              <a:t>09-Apr-19</a:t>
+              <a:t>4/9/2019</a:t>
             </a:fld>
             <a:endParaRPr lang="en-US"/>
           </a:p>
@@ -4643,7 +4365,7 @@
           <a:p>
             <a:fld id="{EBAA21FC-F3CB-41C2-AF46-91977F01228E}" type="datetimeFigureOut">
               <a:rPr lang="en-US" smtClean="0"/>
-              <a:t>09-Apr-19</a:t>
+              <a:t>4/9/2019</a:t>
             </a:fld>
             <a:endParaRPr lang="en-US"/>
           </a:p>
@@ -4918,7 +4640,7 @@
           <a:p>
             <a:fld id="{EBAA21FC-F3CB-41C2-AF46-91977F01228E}" type="datetimeFigureOut">
               <a:rPr lang="en-US" smtClean="0"/>
-              <a:t>09-Apr-19</a:t>
+              <a:t>4/9/2019</a:t>
             </a:fld>
             <a:endParaRPr lang="en-US"/>
           </a:p>
@@ -5183,7 +4905,7 @@
           <a:p>
             <a:fld id="{EBAA21FC-F3CB-41C2-AF46-91977F01228E}" type="datetimeFigureOut">
               <a:rPr lang="en-US" smtClean="0"/>
-              <a:t>09-Apr-19</a:t>
+              <a:t>4/9/2019</a:t>
             </a:fld>
             <a:endParaRPr lang="en-US"/>
           </a:p>
@@ -5595,7 +5317,7 @@
           <a:p>
             <a:fld id="{EBAA21FC-F3CB-41C2-AF46-91977F01228E}" type="datetimeFigureOut">
               <a:rPr lang="en-US" smtClean="0"/>
-              <a:t>09-Apr-19</a:t>
+              <a:t>4/9/2019</a:t>
             </a:fld>
             <a:endParaRPr lang="en-US"/>
           </a:p>
@@ -5736,7 +5458,7 @@
           <a:p>
             <a:fld id="{EBAA21FC-F3CB-41C2-AF46-91977F01228E}" type="datetimeFigureOut">
               <a:rPr lang="en-US" smtClean="0"/>
-              <a:t>09-Apr-19</a:t>
+              <a:t>4/9/2019</a:t>
             </a:fld>
             <a:endParaRPr lang="en-US"/>
           </a:p>
@@ -5849,7 +5571,7 @@
           <a:p>
             <a:fld id="{EBAA21FC-F3CB-41C2-AF46-91977F01228E}" type="datetimeFigureOut">
               <a:rPr lang="en-US" smtClean="0"/>
-              <a:t>09-Apr-19</a:t>
+              <a:t>4/9/2019</a:t>
             </a:fld>
             <a:endParaRPr lang="en-US"/>
           </a:p>
@@ -6160,7 +5882,7 @@
           <a:p>
             <a:fld id="{EBAA21FC-F3CB-41C2-AF46-91977F01228E}" type="datetimeFigureOut">
               <a:rPr lang="en-US" smtClean="0"/>
-              <a:t>09-Apr-19</a:t>
+              <a:t>4/9/2019</a:t>
             </a:fld>
             <a:endParaRPr lang="en-US"/>
           </a:p>
@@ -6448,7 +6170,7 @@
           <a:p>
             <a:fld id="{EBAA21FC-F3CB-41C2-AF46-91977F01228E}" type="datetimeFigureOut">
               <a:rPr lang="en-US" smtClean="0"/>
-              <a:t>09-Apr-19</a:t>
+              <a:t>4/9/2019</a:t>
             </a:fld>
             <a:endParaRPr lang="en-US"/>
           </a:p>
@@ -6689,7 +6411,7 @@
           <a:p>
             <a:fld id="{EBAA21FC-F3CB-41C2-AF46-91977F01228E}" type="datetimeFigureOut">
               <a:rPr lang="en-US" smtClean="0"/>
-              <a:t>09-Apr-19</a:t>
+              <a:t>4/9/2019</a:t>
             </a:fld>
             <a:endParaRPr lang="en-US"/>
           </a:p>
@@ -13028,56 +12750,705 @@
       </p:grpSpPr>
       <p:sp>
         <p:nvSpPr>
-          <p:cNvPr id="2" name="Title 1">
-            <a:extLst>
-              <a:ext uri="{FF2B5EF4-FFF2-40B4-BE49-F238E27FC236}">
-                <a16:creationId xmlns:a16="http://schemas.microsoft.com/office/drawing/2014/main" id="{29F164C2-E46B-48CF-9A14-A82459FCD930}"/>
-              </a:ext>
-            </a:extLst>
-          </p:cNvPr>
-          <p:cNvSpPr>
-            <a:spLocks noGrp="1"/>
-          </p:cNvSpPr>
-          <p:nvPr>
-            <p:ph type="title"/>
-          </p:nvPr>
-        </p:nvSpPr>
-        <p:spPr/>
-        <p:txBody>
-          <a:bodyPr/>
-          <a:lstStyle/>
-          <a:p>
-            <a:r>
-              <a:rPr lang="en-US" dirty="0"/>
-              <a:t>The Traditional Approach: Accountability</a:t>
-            </a:r>
-          </a:p>
-        </p:txBody>
-      </p:sp>
-      <p:sp>
-        <p:nvSpPr>
-          <p:cNvPr id="3" name="Content Placeholder 2">
-            <a:extLst>
-              <a:ext uri="{FF2B5EF4-FFF2-40B4-BE49-F238E27FC236}">
-                <a16:creationId xmlns:a16="http://schemas.microsoft.com/office/drawing/2014/main" id="{C61BC914-6122-43DD-BB43-E6016E43206B}"/>
-              </a:ext>
-            </a:extLst>
-          </p:cNvPr>
-          <p:cNvSpPr>
-            <a:spLocks noGrp="1"/>
-          </p:cNvSpPr>
-          <p:nvPr>
-            <p:ph idx="1"/>
-          </p:nvPr>
-        </p:nvSpPr>
-        <p:spPr/>
-        <p:txBody>
-          <a:bodyPr/>
-          <a:lstStyle/>
-          <a:p>
-            <a:r>
-              <a:rPr lang="en-US" dirty="0"/>
-              <a:t>Show Accountability Cycle &amp; Walk through it</a:t>
+          <p:cNvPr id="2" name="Oval 1">
+            <a:extLst>
+              <a:ext uri="{FF2B5EF4-FFF2-40B4-BE49-F238E27FC236}">
+                <a16:creationId xmlns:a16="http://schemas.microsoft.com/office/drawing/2014/main" id="{86199DA8-4C1B-4B86-9FC7-808E0206B990}"/>
+              </a:ext>
+            </a:extLst>
+          </p:cNvPr>
+          <p:cNvSpPr/>
+          <p:nvPr/>
+        </p:nvSpPr>
+        <p:spPr>
+          <a:xfrm>
+            <a:off x="5419344" y="4094726"/>
+            <a:ext cx="1645920" cy="731520"/>
+          </a:xfrm>
+          <a:prstGeom prst="ellipse">
+            <a:avLst/>
+          </a:prstGeom>
+          <a:solidFill>
+            <a:schemeClr val="accent1">
+              <a:lumMod val="20000"/>
+              <a:lumOff val="80000"/>
+            </a:schemeClr>
+          </a:solidFill>
+          <a:ln w="28575"/>
+        </p:spPr>
+        <p:style>
+          <a:lnRef idx="2">
+            <a:schemeClr val="accent1">
+              <a:shade val="50000"/>
+            </a:schemeClr>
+          </a:lnRef>
+          <a:fillRef idx="1">
+            <a:schemeClr val="accent1"/>
+          </a:fillRef>
+          <a:effectRef idx="0">
+            <a:schemeClr val="accent1"/>
+          </a:effectRef>
+          <a:fontRef idx="minor">
+            <a:schemeClr val="lt1"/>
+          </a:fontRef>
+        </p:style>
+        <p:txBody>
+          <a:bodyPr rtlCol="0" anchor="ctr"/>
+          <a:lstStyle/>
+          <a:p>
+            <a:pPr algn="ctr"/>
+            <a:r>
+              <a:rPr lang="en-US" dirty="0">
+                <a:solidFill>
+                  <a:schemeClr val="tx1"/>
+                </a:solidFill>
+              </a:rPr>
+              <a:t>Execute</a:t>
+            </a:r>
+          </a:p>
+        </p:txBody>
+      </p:sp>
+      <p:sp>
+        <p:nvSpPr>
+          <p:cNvPr id="4" name="Oval 3">
+            <a:extLst>
+              <a:ext uri="{FF2B5EF4-FFF2-40B4-BE49-F238E27FC236}">
+                <a16:creationId xmlns:a16="http://schemas.microsoft.com/office/drawing/2014/main" id="{054D106C-15BF-448E-9A60-38A5345EAD19}"/>
+              </a:ext>
+            </a:extLst>
+          </p:cNvPr>
+          <p:cNvSpPr/>
+          <p:nvPr/>
+        </p:nvSpPr>
+        <p:spPr>
+          <a:xfrm>
+            <a:off x="7438112" y="2268222"/>
+            <a:ext cx="2054352" cy="731520"/>
+          </a:xfrm>
+          <a:prstGeom prst="ellipse">
+            <a:avLst/>
+          </a:prstGeom>
+          <a:noFill/>
+          <a:ln w="28575"/>
+        </p:spPr>
+        <p:style>
+          <a:lnRef idx="2">
+            <a:schemeClr val="accent1">
+              <a:shade val="50000"/>
+            </a:schemeClr>
+          </a:lnRef>
+          <a:fillRef idx="1">
+            <a:schemeClr val="accent1"/>
+          </a:fillRef>
+          <a:effectRef idx="0">
+            <a:schemeClr val="accent1"/>
+          </a:effectRef>
+          <a:fontRef idx="minor">
+            <a:schemeClr val="lt1"/>
+          </a:fontRef>
+        </p:style>
+        <p:txBody>
+          <a:bodyPr rtlCol="0" anchor="ctr"/>
+          <a:lstStyle/>
+          <a:p>
+            <a:pPr algn="ctr"/>
+            <a:r>
+              <a:rPr lang="en-US" dirty="0">
+                <a:solidFill>
+                  <a:schemeClr val="tx1"/>
+                </a:solidFill>
+              </a:rPr>
+              <a:t>Commitment</a:t>
+            </a:r>
+          </a:p>
+        </p:txBody>
+      </p:sp>
+      <p:sp>
+        <p:nvSpPr>
+          <p:cNvPr id="5" name="Oval 4">
+            <a:extLst>
+              <a:ext uri="{FF2B5EF4-FFF2-40B4-BE49-F238E27FC236}">
+                <a16:creationId xmlns:a16="http://schemas.microsoft.com/office/drawing/2014/main" id="{B63B4930-7C2A-46CB-B169-397B0F16E318}"/>
+              </a:ext>
+            </a:extLst>
+          </p:cNvPr>
+          <p:cNvSpPr/>
+          <p:nvPr/>
+        </p:nvSpPr>
+        <p:spPr>
+          <a:xfrm>
+            <a:off x="7642328" y="4779931"/>
+            <a:ext cx="1645920" cy="731520"/>
+          </a:xfrm>
+          <a:prstGeom prst="ellipse">
+            <a:avLst/>
+          </a:prstGeom>
+          <a:noFill/>
+          <a:ln w="28575"/>
+        </p:spPr>
+        <p:style>
+          <a:lnRef idx="2">
+            <a:schemeClr val="accent1">
+              <a:shade val="50000"/>
+            </a:schemeClr>
+          </a:lnRef>
+          <a:fillRef idx="1">
+            <a:schemeClr val="accent1"/>
+          </a:fillRef>
+          <a:effectRef idx="0">
+            <a:schemeClr val="accent1"/>
+          </a:effectRef>
+          <a:fontRef idx="minor">
+            <a:schemeClr val="lt1"/>
+          </a:fontRef>
+        </p:style>
+        <p:txBody>
+          <a:bodyPr rtlCol="0" anchor="ctr"/>
+          <a:lstStyle/>
+          <a:p>
+            <a:pPr algn="ctr"/>
+            <a:r>
+              <a:rPr lang="en-US" dirty="0">
+                <a:solidFill>
+                  <a:schemeClr val="tx1"/>
+                </a:solidFill>
+              </a:rPr>
+              <a:t>Assess</a:t>
+            </a:r>
+          </a:p>
+        </p:txBody>
+      </p:sp>
+      <p:sp>
+        <p:nvSpPr>
+          <p:cNvPr id="6" name="Oval 5">
+            <a:extLst>
+              <a:ext uri="{FF2B5EF4-FFF2-40B4-BE49-F238E27FC236}">
+                <a16:creationId xmlns:a16="http://schemas.microsoft.com/office/drawing/2014/main" id="{04F590A8-7F59-4211-B3CE-7A74FEB3714E}"/>
+              </a:ext>
+            </a:extLst>
+          </p:cNvPr>
+          <p:cNvSpPr/>
+          <p:nvPr/>
+        </p:nvSpPr>
+        <p:spPr>
+          <a:xfrm>
+            <a:off x="9288248" y="4094726"/>
+            <a:ext cx="1645920" cy="731520"/>
+          </a:xfrm>
+          <a:prstGeom prst="ellipse">
+            <a:avLst/>
+          </a:prstGeom>
+          <a:solidFill>
+            <a:schemeClr val="accent2">
+              <a:lumMod val="40000"/>
+              <a:lumOff val="60000"/>
+            </a:schemeClr>
+          </a:solidFill>
+          <a:ln w="28575"/>
+        </p:spPr>
+        <p:style>
+          <a:lnRef idx="2">
+            <a:schemeClr val="accent1">
+              <a:shade val="50000"/>
+            </a:schemeClr>
+          </a:lnRef>
+          <a:fillRef idx="1">
+            <a:schemeClr val="accent1"/>
+          </a:fillRef>
+          <a:effectRef idx="0">
+            <a:schemeClr val="accent1"/>
+          </a:effectRef>
+          <a:fontRef idx="minor">
+            <a:schemeClr val="lt1"/>
+          </a:fontRef>
+        </p:style>
+        <p:txBody>
+          <a:bodyPr rtlCol="0" anchor="ctr"/>
+          <a:lstStyle/>
+          <a:p>
+            <a:pPr algn="ctr"/>
+            <a:r>
+              <a:rPr lang="en-US" dirty="0">
+                <a:solidFill>
+                  <a:schemeClr val="tx1"/>
+                </a:solidFill>
+              </a:rPr>
+              <a:t>Feedback</a:t>
+            </a:r>
+          </a:p>
+        </p:txBody>
+      </p:sp>
+      <p:sp>
+        <p:nvSpPr>
+          <p:cNvPr id="9" name="TextBox 8">
+            <a:extLst>
+              <a:ext uri="{FF2B5EF4-FFF2-40B4-BE49-F238E27FC236}">
+                <a16:creationId xmlns:a16="http://schemas.microsoft.com/office/drawing/2014/main" id="{3A496956-7CE1-4753-8FCA-247F6A957F97}"/>
+              </a:ext>
+            </a:extLst>
+          </p:cNvPr>
+          <p:cNvSpPr txBox="1"/>
+          <p:nvPr/>
+        </p:nvSpPr>
+        <p:spPr>
+          <a:xfrm>
+            <a:off x="10268691" y="3700377"/>
+            <a:ext cx="825867" cy="369332"/>
+          </a:xfrm>
+          <a:prstGeom prst="rect">
+            <a:avLst/>
+          </a:prstGeom>
+          <a:noFill/>
+        </p:spPr>
+        <p:txBody>
+          <a:bodyPr wrap="none" rtlCol="0">
+            <a:spAutoFit/>
+          </a:bodyPr>
+          <a:lstStyle/>
+          <a:p>
+            <a:r>
+              <a:rPr lang="en-US" dirty="0">
+                <a:solidFill>
+                  <a:srgbClr val="F09456"/>
+                </a:solidFill>
+              </a:rPr>
+              <a:t>Leader</a:t>
+            </a:r>
+          </a:p>
+        </p:txBody>
+      </p:sp>
+      <p:sp>
+        <p:nvSpPr>
+          <p:cNvPr id="10" name="TextBox 9">
+            <a:extLst>
+              <a:ext uri="{FF2B5EF4-FFF2-40B4-BE49-F238E27FC236}">
+                <a16:creationId xmlns:a16="http://schemas.microsoft.com/office/drawing/2014/main" id="{174A2CEC-EB6A-41A1-B458-E3858BC6759F}"/>
+              </a:ext>
+            </a:extLst>
+          </p:cNvPr>
+          <p:cNvSpPr txBox="1"/>
+          <p:nvPr/>
+        </p:nvSpPr>
+        <p:spPr>
+          <a:xfrm>
+            <a:off x="5443566" y="3755295"/>
+            <a:ext cx="686726" cy="369332"/>
+          </a:xfrm>
+          <a:prstGeom prst="rect">
+            <a:avLst/>
+          </a:prstGeom>
+          <a:noFill/>
+        </p:spPr>
+        <p:txBody>
+          <a:bodyPr wrap="none" rtlCol="0">
+            <a:spAutoFit/>
+          </a:bodyPr>
+          <a:lstStyle/>
+          <a:p>
+            <a:r>
+              <a:rPr lang="en-US" dirty="0">
+                <a:solidFill>
+                  <a:schemeClr val="accent1">
+                    <a:lumMod val="75000"/>
+                  </a:schemeClr>
+                </a:solidFill>
+              </a:rPr>
+              <a:t>Team</a:t>
+            </a:r>
+          </a:p>
+        </p:txBody>
+      </p:sp>
+      <p:cxnSp>
+        <p:nvCxnSpPr>
+          <p:cNvPr id="19" name="Connector: Curved 18">
+            <a:extLst>
+              <a:ext uri="{FF2B5EF4-FFF2-40B4-BE49-F238E27FC236}">
+                <a16:creationId xmlns:a16="http://schemas.microsoft.com/office/drawing/2014/main" id="{CE3921C5-1C91-4967-85A7-C67AB731B4AA}"/>
+              </a:ext>
+            </a:extLst>
+          </p:cNvPr>
+          <p:cNvCxnSpPr>
+            <a:stCxn id="5" idx="6"/>
+            <a:endCxn id="6" idx="4"/>
+          </p:cNvCxnSpPr>
+          <p:nvPr/>
+        </p:nvCxnSpPr>
+        <p:spPr>
+          <a:xfrm flipV="1">
+            <a:off x="9288248" y="4826246"/>
+            <a:ext cx="822960" cy="319445"/>
+          </a:xfrm>
+          <a:prstGeom prst="curvedConnector2">
+            <a:avLst/>
+          </a:prstGeom>
+          <a:ln w="38100">
+            <a:tailEnd type="triangle"/>
+          </a:ln>
+        </p:spPr>
+        <p:style>
+          <a:lnRef idx="1">
+            <a:schemeClr val="accent1"/>
+          </a:lnRef>
+          <a:fillRef idx="0">
+            <a:schemeClr val="accent1"/>
+          </a:fillRef>
+          <a:effectRef idx="0">
+            <a:schemeClr val="accent1"/>
+          </a:effectRef>
+          <a:fontRef idx="minor">
+            <a:schemeClr val="tx1"/>
+          </a:fontRef>
+        </p:style>
+      </p:cxnSp>
+      <p:cxnSp>
+        <p:nvCxnSpPr>
+          <p:cNvPr id="20" name="Connector: Curved 19">
+            <a:extLst>
+              <a:ext uri="{FF2B5EF4-FFF2-40B4-BE49-F238E27FC236}">
+                <a16:creationId xmlns:a16="http://schemas.microsoft.com/office/drawing/2014/main" id="{C609C0A7-2BD3-437B-A7F4-49CA496BFDCD}"/>
+              </a:ext>
+            </a:extLst>
+          </p:cNvPr>
+          <p:cNvCxnSpPr>
+            <a:cxnSpLocks/>
+            <a:stCxn id="4" idx="2"/>
+            <a:endCxn id="2" idx="7"/>
+          </p:cNvCxnSpPr>
+          <p:nvPr/>
+        </p:nvCxnSpPr>
+        <p:spPr>
+          <a:xfrm rot="10800000" flipV="1">
+            <a:off x="6824226" y="2633981"/>
+            <a:ext cx="613887" cy="1567873"/>
+          </a:xfrm>
+          <a:prstGeom prst="curvedConnector2">
+            <a:avLst/>
+          </a:prstGeom>
+          <a:ln w="38100">
+            <a:tailEnd type="triangle"/>
+          </a:ln>
+        </p:spPr>
+        <p:style>
+          <a:lnRef idx="1">
+            <a:schemeClr val="accent1"/>
+          </a:lnRef>
+          <a:fillRef idx="0">
+            <a:schemeClr val="accent1"/>
+          </a:fillRef>
+          <a:effectRef idx="0">
+            <a:schemeClr val="accent1"/>
+          </a:effectRef>
+          <a:fontRef idx="minor">
+            <a:schemeClr val="tx1"/>
+          </a:fontRef>
+        </p:style>
+      </p:cxnSp>
+      <p:cxnSp>
+        <p:nvCxnSpPr>
+          <p:cNvPr id="24" name="Connector: Curved 23">
+            <a:extLst>
+              <a:ext uri="{FF2B5EF4-FFF2-40B4-BE49-F238E27FC236}">
+                <a16:creationId xmlns:a16="http://schemas.microsoft.com/office/drawing/2014/main" id="{B1537C06-439B-4019-8281-B14E43DF6F53}"/>
+              </a:ext>
+            </a:extLst>
+          </p:cNvPr>
+          <p:cNvCxnSpPr>
+            <a:cxnSpLocks/>
+            <a:stCxn id="2" idx="5"/>
+            <a:endCxn id="5" idx="2"/>
+          </p:cNvCxnSpPr>
+          <p:nvPr/>
+        </p:nvCxnSpPr>
+        <p:spPr>
+          <a:xfrm rot="16200000" flipH="1">
+            <a:off x="7019989" y="4523352"/>
+            <a:ext cx="426574" cy="818103"/>
+          </a:xfrm>
+          <a:prstGeom prst="curvedConnector2">
+            <a:avLst/>
+          </a:prstGeom>
+          <a:ln w="38100">
+            <a:tailEnd type="triangle"/>
+          </a:ln>
+        </p:spPr>
+        <p:style>
+          <a:lnRef idx="1">
+            <a:schemeClr val="accent1"/>
+          </a:lnRef>
+          <a:fillRef idx="0">
+            <a:schemeClr val="accent1"/>
+          </a:fillRef>
+          <a:effectRef idx="0">
+            <a:schemeClr val="accent1"/>
+          </a:effectRef>
+          <a:fontRef idx="minor">
+            <a:schemeClr val="tx1"/>
+          </a:fontRef>
+        </p:style>
+      </p:cxnSp>
+      <p:cxnSp>
+        <p:nvCxnSpPr>
+          <p:cNvPr id="25" name="Connector: Curved 24">
+            <a:extLst>
+              <a:ext uri="{FF2B5EF4-FFF2-40B4-BE49-F238E27FC236}">
+                <a16:creationId xmlns:a16="http://schemas.microsoft.com/office/drawing/2014/main" id="{CA54429C-6FC4-4A94-8FE0-A0A5A292DC21}"/>
+              </a:ext>
+            </a:extLst>
+          </p:cNvPr>
+          <p:cNvCxnSpPr>
+            <a:cxnSpLocks/>
+            <a:stCxn id="6" idx="0"/>
+            <a:endCxn id="21" idx="4"/>
+          </p:cNvCxnSpPr>
+          <p:nvPr/>
+        </p:nvCxnSpPr>
+        <p:spPr>
+          <a:xfrm rot="5400000" flipH="1" flipV="1">
+            <a:off x="9914593" y="3898111"/>
+            <a:ext cx="393230" cy="12700"/>
+          </a:xfrm>
+          <a:prstGeom prst="curvedConnector3">
+            <a:avLst>
+              <a:gd name="adj1" fmla="val 50000"/>
+            </a:avLst>
+          </a:prstGeom>
+          <a:ln w="38100">
+            <a:tailEnd type="triangle"/>
+          </a:ln>
+        </p:spPr>
+        <p:style>
+          <a:lnRef idx="1">
+            <a:schemeClr val="accent1"/>
+          </a:lnRef>
+          <a:fillRef idx="0">
+            <a:schemeClr val="accent1"/>
+          </a:fillRef>
+          <a:effectRef idx="0">
+            <a:schemeClr val="accent1"/>
+          </a:effectRef>
+          <a:fontRef idx="minor">
+            <a:schemeClr val="tx1"/>
+          </a:fontRef>
+        </p:style>
+      </p:cxnSp>
+      <p:sp>
+        <p:nvSpPr>
+          <p:cNvPr id="75" name="Rectangle: Rounded Corners 74">
+            <a:extLst>
+              <a:ext uri="{FF2B5EF4-FFF2-40B4-BE49-F238E27FC236}">
+                <a16:creationId xmlns:a16="http://schemas.microsoft.com/office/drawing/2014/main" id="{AB4EDE0F-F597-4DD8-84B8-625A9F3FB2EA}"/>
+              </a:ext>
+            </a:extLst>
+          </p:cNvPr>
+          <p:cNvSpPr/>
+          <p:nvPr/>
+        </p:nvSpPr>
+        <p:spPr>
+          <a:xfrm>
+            <a:off x="5205984" y="2027208"/>
+            <a:ext cx="5864352" cy="3666456"/>
+          </a:xfrm>
+          <a:prstGeom prst="roundRect">
+            <a:avLst/>
+          </a:prstGeom>
+          <a:noFill/>
+          <a:ln w="57150">
+            <a:prstDash val="sysDot"/>
+          </a:ln>
+        </p:spPr>
+        <p:style>
+          <a:lnRef idx="2">
+            <a:schemeClr val="accent1">
+              <a:shade val="50000"/>
+            </a:schemeClr>
+          </a:lnRef>
+          <a:fillRef idx="1">
+            <a:schemeClr val="accent1"/>
+          </a:fillRef>
+          <a:effectRef idx="0">
+            <a:schemeClr val="accent1"/>
+          </a:effectRef>
+          <a:fontRef idx="minor">
+            <a:schemeClr val="lt1"/>
+          </a:fontRef>
+        </p:style>
+        <p:txBody>
+          <a:bodyPr rtlCol="0" anchor="ctr"/>
+          <a:lstStyle/>
+          <a:p>
+            <a:pPr algn="ctr"/>
+            <a:endParaRPr lang="en-US"/>
+          </a:p>
+        </p:txBody>
+      </p:sp>
+      <p:sp>
+        <p:nvSpPr>
+          <p:cNvPr id="85" name="TextBox 84">
+            <a:extLst>
+              <a:ext uri="{FF2B5EF4-FFF2-40B4-BE49-F238E27FC236}">
+                <a16:creationId xmlns:a16="http://schemas.microsoft.com/office/drawing/2014/main" id="{9F0113B2-CF18-4901-A202-2F7B28E71F9C}"/>
+              </a:ext>
+            </a:extLst>
+          </p:cNvPr>
+          <p:cNvSpPr txBox="1"/>
+          <p:nvPr/>
+        </p:nvSpPr>
+        <p:spPr>
+          <a:xfrm>
+            <a:off x="8978921" y="5691426"/>
+            <a:ext cx="1906804" cy="369332"/>
+          </a:xfrm>
+          <a:prstGeom prst="rect">
+            <a:avLst/>
+          </a:prstGeom>
+          <a:noFill/>
+        </p:spPr>
+        <p:txBody>
+          <a:bodyPr wrap="none" rtlCol="0">
+            <a:spAutoFit/>
+          </a:bodyPr>
+          <a:lstStyle/>
+          <a:p>
+            <a:r>
+              <a:rPr lang="en-US" dirty="0"/>
+              <a:t>What we do today</a:t>
+            </a:r>
+          </a:p>
+        </p:txBody>
+      </p:sp>
+      <p:sp>
+        <p:nvSpPr>
+          <p:cNvPr id="21" name="Oval 20">
+            <a:extLst>
+              <a:ext uri="{FF2B5EF4-FFF2-40B4-BE49-F238E27FC236}">
+                <a16:creationId xmlns:a16="http://schemas.microsoft.com/office/drawing/2014/main" id="{9D6D71A2-9BE7-4CA4-9966-5A1B756D7120}"/>
+              </a:ext>
+            </a:extLst>
+          </p:cNvPr>
+          <p:cNvSpPr/>
+          <p:nvPr/>
+        </p:nvSpPr>
+        <p:spPr>
+          <a:xfrm>
+            <a:off x="9288248" y="2969976"/>
+            <a:ext cx="1645920" cy="731520"/>
+          </a:xfrm>
+          <a:prstGeom prst="ellipse">
+            <a:avLst/>
+          </a:prstGeom>
+          <a:solidFill>
+            <a:schemeClr val="accent2">
+              <a:lumMod val="40000"/>
+              <a:lumOff val="60000"/>
+            </a:schemeClr>
+          </a:solidFill>
+          <a:ln w="28575"/>
+        </p:spPr>
+        <p:style>
+          <a:lnRef idx="2">
+            <a:schemeClr val="accent1">
+              <a:shade val="50000"/>
+            </a:schemeClr>
+          </a:lnRef>
+          <a:fillRef idx="1">
+            <a:schemeClr val="accent1"/>
+          </a:fillRef>
+          <a:effectRef idx="0">
+            <a:schemeClr val="accent1"/>
+          </a:effectRef>
+          <a:fontRef idx="minor">
+            <a:schemeClr val="lt1"/>
+          </a:fontRef>
+        </p:style>
+        <p:txBody>
+          <a:bodyPr rtlCol="0" anchor="ctr"/>
+          <a:lstStyle/>
+          <a:p>
+            <a:pPr algn="ctr"/>
+            <a:r>
+              <a:rPr lang="en-US" dirty="0">
+                <a:solidFill>
+                  <a:schemeClr val="tx1"/>
+                </a:solidFill>
+              </a:rPr>
+              <a:t>Direction</a:t>
+            </a:r>
+          </a:p>
+        </p:txBody>
+      </p:sp>
+      <p:cxnSp>
+        <p:nvCxnSpPr>
+          <p:cNvPr id="22" name="Connector: Curved 21">
+            <a:extLst>
+              <a:ext uri="{FF2B5EF4-FFF2-40B4-BE49-F238E27FC236}">
+                <a16:creationId xmlns:a16="http://schemas.microsoft.com/office/drawing/2014/main" id="{F1B44C3D-E3C8-45AD-9768-257517B3CE17}"/>
+              </a:ext>
+            </a:extLst>
+          </p:cNvPr>
+          <p:cNvCxnSpPr>
+            <a:stCxn id="21" idx="0"/>
+            <a:endCxn id="4" idx="6"/>
+          </p:cNvCxnSpPr>
+          <p:nvPr/>
+        </p:nvCxnSpPr>
+        <p:spPr>
+          <a:xfrm rot="16200000" flipV="1">
+            <a:off x="9633839" y="2492607"/>
+            <a:ext cx="335994" cy="618744"/>
+          </a:xfrm>
+          <a:prstGeom prst="curvedConnector2">
+            <a:avLst/>
+          </a:prstGeom>
+          <a:ln w="38100">
+            <a:tailEnd type="triangle"/>
+          </a:ln>
+        </p:spPr>
+        <p:style>
+          <a:lnRef idx="3">
+            <a:schemeClr val="accent1"/>
+          </a:lnRef>
+          <a:fillRef idx="0">
+            <a:schemeClr val="accent1"/>
+          </a:fillRef>
+          <a:effectRef idx="2">
+            <a:schemeClr val="accent1"/>
+          </a:effectRef>
+          <a:fontRef idx="minor">
+            <a:schemeClr val="tx1"/>
+          </a:fontRef>
+        </p:style>
+      </p:cxnSp>
+      <p:sp>
+        <p:nvSpPr>
+          <p:cNvPr id="29" name="TextBox 28">
+            <a:extLst>
+              <a:ext uri="{FF2B5EF4-FFF2-40B4-BE49-F238E27FC236}">
+                <a16:creationId xmlns:a16="http://schemas.microsoft.com/office/drawing/2014/main" id="{E075943F-1931-4150-8DE2-755A8F37CBC8}"/>
+              </a:ext>
+            </a:extLst>
+          </p:cNvPr>
+          <p:cNvSpPr txBox="1"/>
+          <p:nvPr/>
+        </p:nvSpPr>
+        <p:spPr>
+          <a:xfrm>
+            <a:off x="7642328" y="5705613"/>
+            <a:ext cx="2037289" cy="369332"/>
+          </a:xfrm>
+          <a:prstGeom prst="rect">
+            <a:avLst/>
+          </a:prstGeom>
+          <a:noFill/>
+        </p:spPr>
+        <p:txBody>
+          <a:bodyPr wrap="none" rtlCol="0">
+            <a:spAutoFit/>
+          </a:bodyPr>
+          <a:lstStyle/>
+          <a:p>
+            <a:r>
+              <a:rPr lang="en-US" dirty="0"/>
+              <a:t>Accountability Loop</a:t>
             </a:r>
           </a:p>
         </p:txBody>
@@ -13085,13 +13456,466 @@
     </p:spTree>
     <p:extLst>
       <p:ext uri="{BB962C8B-B14F-4D97-AF65-F5344CB8AC3E}">
-        <p14:creationId xmlns:p14="http://schemas.microsoft.com/office/powerpoint/2010/main" val="454566563"/>
+        <p14:creationId xmlns:p14="http://schemas.microsoft.com/office/powerpoint/2010/main" val="1245690177"/>
       </p:ext>
     </p:extLst>
   </p:cSld>
   <p:clrMapOvr>
     <a:masterClrMapping/>
   </p:clrMapOvr>
+  <p:timing>
+    <p:tnLst>
+      <p:par>
+        <p:cTn id="1" dur="indefinite" restart="never" nodeType="tmRoot">
+          <p:childTnLst>
+            <p:seq concurrent="1" nextAc="seek">
+              <p:cTn id="2" dur="indefinite" nodeType="mainSeq">
+                <p:childTnLst>
+                  <p:par>
+                    <p:cTn id="3" fill="hold">
+                      <p:stCondLst>
+                        <p:cond delay="indefinite"/>
+                      </p:stCondLst>
+                      <p:childTnLst>
+                        <p:par>
+                          <p:cTn id="4" fill="hold">
+                            <p:stCondLst>
+                              <p:cond delay="0"/>
+                            </p:stCondLst>
+                            <p:childTnLst>
+                              <p:par>
+                                <p:cTn id="5" presetID="1" presetClass="entr" presetSubtype="0" fill="hold" grpId="0" nodeType="clickEffect">
+                                  <p:stCondLst>
+                                    <p:cond delay="0"/>
+                                  </p:stCondLst>
+                                  <p:childTnLst>
+                                    <p:set>
+                                      <p:cBhvr>
+                                        <p:cTn id="6" dur="1" fill="hold">
+                                          <p:stCondLst>
+                                            <p:cond delay="0"/>
+                                          </p:stCondLst>
+                                        </p:cTn>
+                                        <p:tgtEl>
+                                          <p:spTgt spid="4"/>
+                                        </p:tgtEl>
+                                        <p:attrNameLst>
+                                          <p:attrName>style.visibility</p:attrName>
+                                        </p:attrNameLst>
+                                      </p:cBhvr>
+                                      <p:to>
+                                        <p:strVal val="visible"/>
+                                      </p:to>
+                                    </p:set>
+                                  </p:childTnLst>
+                                </p:cTn>
+                              </p:par>
+                              <p:par>
+                                <p:cTn id="7" presetID="1" presetClass="entr" presetSubtype="0" fill="hold" nodeType="withEffect">
+                                  <p:stCondLst>
+                                    <p:cond delay="0"/>
+                                  </p:stCondLst>
+                                  <p:childTnLst>
+                                    <p:set>
+                                      <p:cBhvr>
+                                        <p:cTn id="8" dur="1" fill="hold">
+                                          <p:stCondLst>
+                                            <p:cond delay="0"/>
+                                          </p:stCondLst>
+                                        </p:cTn>
+                                        <p:tgtEl>
+                                          <p:spTgt spid="22"/>
+                                        </p:tgtEl>
+                                        <p:attrNameLst>
+                                          <p:attrName>style.visibility</p:attrName>
+                                        </p:attrNameLst>
+                                      </p:cBhvr>
+                                      <p:to>
+                                        <p:strVal val="visible"/>
+                                      </p:to>
+                                    </p:set>
+                                  </p:childTnLst>
+                                </p:cTn>
+                              </p:par>
+                            </p:childTnLst>
+                          </p:cTn>
+                        </p:par>
+                      </p:childTnLst>
+                    </p:cTn>
+                  </p:par>
+                  <p:par>
+                    <p:cTn id="9" fill="hold">
+                      <p:stCondLst>
+                        <p:cond delay="indefinite"/>
+                      </p:stCondLst>
+                      <p:childTnLst>
+                        <p:par>
+                          <p:cTn id="10" fill="hold">
+                            <p:stCondLst>
+                              <p:cond delay="0"/>
+                            </p:stCondLst>
+                            <p:childTnLst>
+                              <p:par>
+                                <p:cTn id="11" presetID="1" presetClass="entr" presetSubtype="0" fill="hold" grpId="0" nodeType="clickEffect">
+                                  <p:stCondLst>
+                                    <p:cond delay="0"/>
+                                  </p:stCondLst>
+                                  <p:childTnLst>
+                                    <p:set>
+                                      <p:cBhvr>
+                                        <p:cTn id="12" dur="1" fill="hold">
+                                          <p:stCondLst>
+                                            <p:cond delay="0"/>
+                                          </p:stCondLst>
+                                        </p:cTn>
+                                        <p:tgtEl>
+                                          <p:spTgt spid="2"/>
+                                        </p:tgtEl>
+                                        <p:attrNameLst>
+                                          <p:attrName>style.visibility</p:attrName>
+                                        </p:attrNameLst>
+                                      </p:cBhvr>
+                                      <p:to>
+                                        <p:strVal val="visible"/>
+                                      </p:to>
+                                    </p:set>
+                                  </p:childTnLst>
+                                </p:cTn>
+                              </p:par>
+                              <p:par>
+                                <p:cTn id="13" presetID="1" presetClass="entr" presetSubtype="0" fill="hold" nodeType="withEffect">
+                                  <p:stCondLst>
+                                    <p:cond delay="0"/>
+                                  </p:stCondLst>
+                                  <p:childTnLst>
+                                    <p:set>
+                                      <p:cBhvr>
+                                        <p:cTn id="14" dur="1" fill="hold">
+                                          <p:stCondLst>
+                                            <p:cond delay="0"/>
+                                          </p:stCondLst>
+                                        </p:cTn>
+                                        <p:tgtEl>
+                                          <p:spTgt spid="20"/>
+                                        </p:tgtEl>
+                                        <p:attrNameLst>
+                                          <p:attrName>style.visibility</p:attrName>
+                                        </p:attrNameLst>
+                                      </p:cBhvr>
+                                      <p:to>
+                                        <p:strVal val="visible"/>
+                                      </p:to>
+                                    </p:set>
+                                  </p:childTnLst>
+                                </p:cTn>
+                              </p:par>
+                            </p:childTnLst>
+                          </p:cTn>
+                        </p:par>
+                      </p:childTnLst>
+                    </p:cTn>
+                  </p:par>
+                  <p:par>
+                    <p:cTn id="15" fill="hold">
+                      <p:stCondLst>
+                        <p:cond delay="indefinite"/>
+                      </p:stCondLst>
+                      <p:childTnLst>
+                        <p:par>
+                          <p:cTn id="16" fill="hold">
+                            <p:stCondLst>
+                              <p:cond delay="0"/>
+                            </p:stCondLst>
+                            <p:childTnLst>
+                              <p:par>
+                                <p:cTn id="17" presetID="1" presetClass="entr" presetSubtype="0" fill="hold" nodeType="clickEffect">
+                                  <p:stCondLst>
+                                    <p:cond delay="0"/>
+                                  </p:stCondLst>
+                                  <p:childTnLst>
+                                    <p:set>
+                                      <p:cBhvr>
+                                        <p:cTn id="18" dur="1" fill="hold">
+                                          <p:stCondLst>
+                                            <p:cond delay="0"/>
+                                          </p:stCondLst>
+                                        </p:cTn>
+                                        <p:tgtEl>
+                                          <p:spTgt spid="24"/>
+                                        </p:tgtEl>
+                                        <p:attrNameLst>
+                                          <p:attrName>style.visibility</p:attrName>
+                                        </p:attrNameLst>
+                                      </p:cBhvr>
+                                      <p:to>
+                                        <p:strVal val="visible"/>
+                                      </p:to>
+                                    </p:set>
+                                  </p:childTnLst>
+                                </p:cTn>
+                              </p:par>
+                              <p:par>
+                                <p:cTn id="19" presetID="1" presetClass="entr" presetSubtype="0" fill="hold" grpId="0" nodeType="withEffect">
+                                  <p:stCondLst>
+                                    <p:cond delay="0"/>
+                                  </p:stCondLst>
+                                  <p:childTnLst>
+                                    <p:set>
+                                      <p:cBhvr>
+                                        <p:cTn id="20" dur="1" fill="hold">
+                                          <p:stCondLst>
+                                            <p:cond delay="0"/>
+                                          </p:stCondLst>
+                                        </p:cTn>
+                                        <p:tgtEl>
+                                          <p:spTgt spid="5"/>
+                                        </p:tgtEl>
+                                        <p:attrNameLst>
+                                          <p:attrName>style.visibility</p:attrName>
+                                        </p:attrNameLst>
+                                      </p:cBhvr>
+                                      <p:to>
+                                        <p:strVal val="visible"/>
+                                      </p:to>
+                                    </p:set>
+                                  </p:childTnLst>
+                                </p:cTn>
+                              </p:par>
+                            </p:childTnLst>
+                          </p:cTn>
+                        </p:par>
+                      </p:childTnLst>
+                    </p:cTn>
+                  </p:par>
+                  <p:par>
+                    <p:cTn id="21" fill="hold">
+                      <p:stCondLst>
+                        <p:cond delay="indefinite"/>
+                      </p:stCondLst>
+                      <p:childTnLst>
+                        <p:par>
+                          <p:cTn id="22" fill="hold">
+                            <p:stCondLst>
+                              <p:cond delay="0"/>
+                            </p:stCondLst>
+                            <p:childTnLst>
+                              <p:par>
+                                <p:cTn id="23" presetID="1" presetClass="entr" presetSubtype="0" fill="hold" nodeType="clickEffect">
+                                  <p:stCondLst>
+                                    <p:cond delay="0"/>
+                                  </p:stCondLst>
+                                  <p:childTnLst>
+                                    <p:set>
+                                      <p:cBhvr>
+                                        <p:cTn id="24" dur="1" fill="hold">
+                                          <p:stCondLst>
+                                            <p:cond delay="0"/>
+                                          </p:stCondLst>
+                                        </p:cTn>
+                                        <p:tgtEl>
+                                          <p:spTgt spid="19"/>
+                                        </p:tgtEl>
+                                        <p:attrNameLst>
+                                          <p:attrName>style.visibility</p:attrName>
+                                        </p:attrNameLst>
+                                      </p:cBhvr>
+                                      <p:to>
+                                        <p:strVal val="visible"/>
+                                      </p:to>
+                                    </p:set>
+                                  </p:childTnLst>
+                                </p:cTn>
+                              </p:par>
+                              <p:par>
+                                <p:cTn id="25" presetID="1" presetClass="entr" presetSubtype="0" fill="hold" grpId="0" nodeType="withEffect">
+                                  <p:stCondLst>
+                                    <p:cond delay="0"/>
+                                  </p:stCondLst>
+                                  <p:childTnLst>
+                                    <p:set>
+                                      <p:cBhvr>
+                                        <p:cTn id="26" dur="1" fill="hold">
+                                          <p:stCondLst>
+                                            <p:cond delay="0"/>
+                                          </p:stCondLst>
+                                        </p:cTn>
+                                        <p:tgtEl>
+                                          <p:spTgt spid="6"/>
+                                        </p:tgtEl>
+                                        <p:attrNameLst>
+                                          <p:attrName>style.visibility</p:attrName>
+                                        </p:attrNameLst>
+                                      </p:cBhvr>
+                                      <p:to>
+                                        <p:strVal val="visible"/>
+                                      </p:to>
+                                    </p:set>
+                                  </p:childTnLst>
+                                </p:cTn>
+                              </p:par>
+                              <p:par>
+                                <p:cTn id="27" presetID="1" presetClass="entr" presetSubtype="0" fill="hold" nodeType="withEffect">
+                                  <p:stCondLst>
+                                    <p:cond delay="0"/>
+                                  </p:stCondLst>
+                                  <p:childTnLst>
+                                    <p:set>
+                                      <p:cBhvr>
+                                        <p:cTn id="28" dur="1" fill="hold">
+                                          <p:stCondLst>
+                                            <p:cond delay="0"/>
+                                          </p:stCondLst>
+                                        </p:cTn>
+                                        <p:tgtEl>
+                                          <p:spTgt spid="25"/>
+                                        </p:tgtEl>
+                                        <p:attrNameLst>
+                                          <p:attrName>style.visibility</p:attrName>
+                                        </p:attrNameLst>
+                                      </p:cBhvr>
+                                      <p:to>
+                                        <p:strVal val="visible"/>
+                                      </p:to>
+                                    </p:set>
+                                  </p:childTnLst>
+                                </p:cTn>
+                              </p:par>
+                            </p:childTnLst>
+                          </p:cTn>
+                        </p:par>
+                      </p:childTnLst>
+                    </p:cTn>
+                  </p:par>
+                  <p:par>
+                    <p:cTn id="29" fill="hold">
+                      <p:stCondLst>
+                        <p:cond delay="indefinite"/>
+                      </p:stCondLst>
+                      <p:childTnLst>
+                        <p:par>
+                          <p:cTn id="30" fill="hold">
+                            <p:stCondLst>
+                              <p:cond delay="0"/>
+                            </p:stCondLst>
+                            <p:childTnLst>
+                              <p:par>
+                                <p:cTn id="31" presetID="1" presetClass="entr" presetSubtype="0" fill="hold" grpId="0" nodeType="clickEffect">
+                                  <p:stCondLst>
+                                    <p:cond delay="0"/>
+                                  </p:stCondLst>
+                                  <p:childTnLst>
+                                    <p:set>
+                                      <p:cBhvr>
+                                        <p:cTn id="32" dur="1" fill="hold">
+                                          <p:stCondLst>
+                                            <p:cond delay="0"/>
+                                          </p:stCondLst>
+                                        </p:cTn>
+                                        <p:tgtEl>
+                                          <p:spTgt spid="29"/>
+                                        </p:tgtEl>
+                                        <p:attrNameLst>
+                                          <p:attrName>style.visibility</p:attrName>
+                                        </p:attrNameLst>
+                                      </p:cBhvr>
+                                      <p:to>
+                                        <p:strVal val="visible"/>
+                                      </p:to>
+                                    </p:set>
+                                  </p:childTnLst>
+                                </p:cTn>
+                              </p:par>
+                              <p:par>
+                                <p:cTn id="33" presetID="1" presetClass="entr" presetSubtype="0" fill="hold" grpId="0" nodeType="withEffect">
+                                  <p:stCondLst>
+                                    <p:cond delay="0"/>
+                                  </p:stCondLst>
+                                  <p:childTnLst>
+                                    <p:set>
+                                      <p:cBhvr>
+                                        <p:cTn id="34" dur="1" fill="hold">
+                                          <p:stCondLst>
+                                            <p:cond delay="0"/>
+                                          </p:stCondLst>
+                                        </p:cTn>
+                                        <p:tgtEl>
+                                          <p:spTgt spid="75"/>
+                                        </p:tgtEl>
+                                        <p:attrNameLst>
+                                          <p:attrName>style.visibility</p:attrName>
+                                        </p:attrNameLst>
+                                      </p:cBhvr>
+                                      <p:to>
+                                        <p:strVal val="visible"/>
+                                      </p:to>
+                                    </p:set>
+                                  </p:childTnLst>
+                                </p:cTn>
+                              </p:par>
+                              <p:par>
+                                <p:cTn id="35" presetID="1" presetClass="exit" presetSubtype="0" fill="hold" grpId="0" nodeType="withEffect">
+                                  <p:stCondLst>
+                                    <p:cond delay="0"/>
+                                  </p:stCondLst>
+                                  <p:childTnLst>
+                                    <p:set>
+                                      <p:cBhvr>
+                                        <p:cTn id="36" dur="1" fill="hold">
+                                          <p:stCondLst>
+                                            <p:cond delay="0"/>
+                                          </p:stCondLst>
+                                        </p:cTn>
+                                        <p:tgtEl>
+                                          <p:spTgt spid="85"/>
+                                        </p:tgtEl>
+                                        <p:attrNameLst>
+                                          <p:attrName>style.visibility</p:attrName>
+                                        </p:attrNameLst>
+                                      </p:cBhvr>
+                                      <p:to>
+                                        <p:strVal val="hidden"/>
+                                      </p:to>
+                                    </p:set>
+                                  </p:childTnLst>
+                                </p:cTn>
+                              </p:par>
+                            </p:childTnLst>
+                          </p:cTn>
+                        </p:par>
+                      </p:childTnLst>
+                    </p:cTn>
+                  </p:par>
+                </p:childTnLst>
+              </p:cTn>
+              <p:prevCondLst>
+                <p:cond evt="onPrev" delay="0">
+                  <p:tgtEl>
+                    <p:sldTgt/>
+                  </p:tgtEl>
+                </p:cond>
+              </p:prevCondLst>
+              <p:nextCondLst>
+                <p:cond evt="onNext" delay="0">
+                  <p:tgtEl>
+                    <p:sldTgt/>
+                  </p:tgtEl>
+                </p:cond>
+              </p:nextCondLst>
+            </p:seq>
+          </p:childTnLst>
+        </p:cTn>
+      </p:par>
+    </p:tnLst>
+    <p:bldLst>
+      <p:bldP spid="2" grpId="0" animBg="1"/>
+      <p:bldP spid="4" grpId="0" animBg="1"/>
+      <p:bldP spid="5" grpId="0" animBg="1"/>
+      <p:bldP spid="6" grpId="0" animBg="1"/>
+      <p:bldP spid="75" grpId="0" animBg="1"/>
+      <p:bldP spid="85" grpId="0"/>
+      <p:bldP spid="29" grpId="0"/>
+    </p:bldLst>
+  </p:timing>
 </p:sld>
 </file>
 
@@ -13206,56 +14030,1107 @@
       </p:grpSpPr>
       <p:sp>
         <p:nvSpPr>
-          <p:cNvPr id="2" name="Title 1">
-            <a:extLst>
-              <a:ext uri="{FF2B5EF4-FFF2-40B4-BE49-F238E27FC236}">
-                <a16:creationId xmlns:a16="http://schemas.microsoft.com/office/drawing/2014/main" id="{EE8FC66C-88D4-4A29-B1CD-6D3D926EFAFC}"/>
-              </a:ext>
-            </a:extLst>
-          </p:cNvPr>
-          <p:cNvSpPr>
-            <a:spLocks noGrp="1"/>
-          </p:cNvSpPr>
-          <p:nvPr>
-            <p:ph type="title"/>
-          </p:nvPr>
-        </p:nvSpPr>
-        <p:spPr/>
-        <p:txBody>
-          <a:bodyPr/>
-          <a:lstStyle/>
-          <a:p>
-            <a:r>
-              <a:rPr lang="en-US" dirty="0"/>
-              <a:t>The New Approach: Ownership</a:t>
-            </a:r>
-          </a:p>
-        </p:txBody>
-      </p:sp>
-      <p:sp>
-        <p:nvSpPr>
-          <p:cNvPr id="3" name="Content Placeholder 2">
-            <a:extLst>
-              <a:ext uri="{FF2B5EF4-FFF2-40B4-BE49-F238E27FC236}">
-                <a16:creationId xmlns:a16="http://schemas.microsoft.com/office/drawing/2014/main" id="{22EA194E-24CC-433C-919B-62E66185F808}"/>
-              </a:ext>
-            </a:extLst>
-          </p:cNvPr>
-          <p:cNvSpPr>
-            <a:spLocks noGrp="1"/>
-          </p:cNvSpPr>
-          <p:nvPr>
-            <p:ph idx="1"/>
-          </p:nvPr>
-        </p:nvSpPr>
-        <p:spPr/>
-        <p:txBody>
-          <a:bodyPr/>
-          <a:lstStyle/>
-          <a:p>
-            <a:r>
-              <a:rPr lang="en-US" dirty="0"/>
-              <a:t>Show Ownership + Accountability cycles (the extension version), and walk through the new parts.</a:t>
+          <p:cNvPr id="2" name="Oval 1">
+            <a:extLst>
+              <a:ext uri="{FF2B5EF4-FFF2-40B4-BE49-F238E27FC236}">
+                <a16:creationId xmlns:a16="http://schemas.microsoft.com/office/drawing/2014/main" id="{86199DA8-4C1B-4B86-9FC7-808E0206B990}"/>
+              </a:ext>
+            </a:extLst>
+          </p:cNvPr>
+          <p:cNvSpPr/>
+          <p:nvPr/>
+        </p:nvSpPr>
+        <p:spPr>
+          <a:xfrm>
+            <a:off x="5419344" y="4094726"/>
+            <a:ext cx="1645920" cy="731520"/>
+          </a:xfrm>
+          <a:prstGeom prst="ellipse">
+            <a:avLst/>
+          </a:prstGeom>
+          <a:solidFill>
+            <a:schemeClr val="accent1">
+              <a:lumMod val="20000"/>
+              <a:lumOff val="80000"/>
+            </a:schemeClr>
+          </a:solidFill>
+          <a:ln w="28575"/>
+        </p:spPr>
+        <p:style>
+          <a:lnRef idx="2">
+            <a:schemeClr val="accent1">
+              <a:shade val="50000"/>
+            </a:schemeClr>
+          </a:lnRef>
+          <a:fillRef idx="1">
+            <a:schemeClr val="accent1"/>
+          </a:fillRef>
+          <a:effectRef idx="0">
+            <a:schemeClr val="accent1"/>
+          </a:effectRef>
+          <a:fontRef idx="minor">
+            <a:schemeClr val="lt1"/>
+          </a:fontRef>
+        </p:style>
+        <p:txBody>
+          <a:bodyPr rtlCol="0" anchor="ctr"/>
+          <a:lstStyle/>
+          <a:p>
+            <a:pPr algn="ctr"/>
+            <a:r>
+              <a:rPr lang="en-US" dirty="0">
+                <a:solidFill>
+                  <a:schemeClr val="tx1"/>
+                </a:solidFill>
+              </a:rPr>
+              <a:t>Execute</a:t>
+            </a:r>
+          </a:p>
+        </p:txBody>
+      </p:sp>
+      <p:sp>
+        <p:nvSpPr>
+          <p:cNvPr id="4" name="Oval 3">
+            <a:extLst>
+              <a:ext uri="{FF2B5EF4-FFF2-40B4-BE49-F238E27FC236}">
+                <a16:creationId xmlns:a16="http://schemas.microsoft.com/office/drawing/2014/main" id="{054D106C-15BF-448E-9A60-38A5345EAD19}"/>
+              </a:ext>
+            </a:extLst>
+          </p:cNvPr>
+          <p:cNvSpPr/>
+          <p:nvPr/>
+        </p:nvSpPr>
+        <p:spPr>
+          <a:xfrm>
+            <a:off x="7438112" y="2268222"/>
+            <a:ext cx="2054352" cy="731520"/>
+          </a:xfrm>
+          <a:prstGeom prst="ellipse">
+            <a:avLst/>
+          </a:prstGeom>
+          <a:noFill/>
+          <a:ln w="28575"/>
+        </p:spPr>
+        <p:style>
+          <a:lnRef idx="2">
+            <a:schemeClr val="accent1">
+              <a:shade val="50000"/>
+            </a:schemeClr>
+          </a:lnRef>
+          <a:fillRef idx="1">
+            <a:schemeClr val="accent1"/>
+          </a:fillRef>
+          <a:effectRef idx="0">
+            <a:schemeClr val="accent1"/>
+          </a:effectRef>
+          <a:fontRef idx="minor">
+            <a:schemeClr val="lt1"/>
+          </a:fontRef>
+        </p:style>
+        <p:txBody>
+          <a:bodyPr rtlCol="0" anchor="ctr"/>
+          <a:lstStyle/>
+          <a:p>
+            <a:pPr algn="ctr"/>
+            <a:r>
+              <a:rPr lang="en-US" dirty="0">
+                <a:solidFill>
+                  <a:schemeClr val="tx1"/>
+                </a:solidFill>
+              </a:rPr>
+              <a:t>Commitment</a:t>
+            </a:r>
+          </a:p>
+        </p:txBody>
+      </p:sp>
+      <p:sp>
+        <p:nvSpPr>
+          <p:cNvPr id="5" name="Oval 4">
+            <a:extLst>
+              <a:ext uri="{FF2B5EF4-FFF2-40B4-BE49-F238E27FC236}">
+                <a16:creationId xmlns:a16="http://schemas.microsoft.com/office/drawing/2014/main" id="{B63B4930-7C2A-46CB-B169-397B0F16E318}"/>
+              </a:ext>
+            </a:extLst>
+          </p:cNvPr>
+          <p:cNvSpPr/>
+          <p:nvPr/>
+        </p:nvSpPr>
+        <p:spPr>
+          <a:xfrm>
+            <a:off x="7642328" y="4779931"/>
+            <a:ext cx="1645920" cy="731520"/>
+          </a:xfrm>
+          <a:prstGeom prst="ellipse">
+            <a:avLst/>
+          </a:prstGeom>
+          <a:noFill/>
+          <a:ln w="28575"/>
+        </p:spPr>
+        <p:style>
+          <a:lnRef idx="2">
+            <a:schemeClr val="accent1">
+              <a:shade val="50000"/>
+            </a:schemeClr>
+          </a:lnRef>
+          <a:fillRef idx="1">
+            <a:schemeClr val="accent1"/>
+          </a:fillRef>
+          <a:effectRef idx="0">
+            <a:schemeClr val="accent1"/>
+          </a:effectRef>
+          <a:fontRef idx="minor">
+            <a:schemeClr val="lt1"/>
+          </a:fontRef>
+        </p:style>
+        <p:txBody>
+          <a:bodyPr rtlCol="0" anchor="ctr"/>
+          <a:lstStyle/>
+          <a:p>
+            <a:pPr algn="ctr"/>
+            <a:r>
+              <a:rPr lang="en-US" dirty="0">
+                <a:solidFill>
+                  <a:schemeClr val="tx1"/>
+                </a:solidFill>
+              </a:rPr>
+              <a:t>Assess</a:t>
+            </a:r>
+          </a:p>
+        </p:txBody>
+      </p:sp>
+      <p:sp>
+        <p:nvSpPr>
+          <p:cNvPr id="6" name="Oval 5">
+            <a:extLst>
+              <a:ext uri="{FF2B5EF4-FFF2-40B4-BE49-F238E27FC236}">
+                <a16:creationId xmlns:a16="http://schemas.microsoft.com/office/drawing/2014/main" id="{04F590A8-7F59-4211-B3CE-7A74FEB3714E}"/>
+              </a:ext>
+            </a:extLst>
+          </p:cNvPr>
+          <p:cNvSpPr/>
+          <p:nvPr/>
+        </p:nvSpPr>
+        <p:spPr>
+          <a:xfrm>
+            <a:off x="9288248" y="4094726"/>
+            <a:ext cx="1645920" cy="731520"/>
+          </a:xfrm>
+          <a:prstGeom prst="ellipse">
+            <a:avLst/>
+          </a:prstGeom>
+          <a:solidFill>
+            <a:schemeClr val="accent2">
+              <a:lumMod val="40000"/>
+              <a:lumOff val="60000"/>
+            </a:schemeClr>
+          </a:solidFill>
+          <a:ln w="28575"/>
+        </p:spPr>
+        <p:style>
+          <a:lnRef idx="2">
+            <a:schemeClr val="accent1">
+              <a:shade val="50000"/>
+            </a:schemeClr>
+          </a:lnRef>
+          <a:fillRef idx="1">
+            <a:schemeClr val="accent1"/>
+          </a:fillRef>
+          <a:effectRef idx="0">
+            <a:schemeClr val="accent1"/>
+          </a:effectRef>
+          <a:fontRef idx="minor">
+            <a:schemeClr val="lt1"/>
+          </a:fontRef>
+        </p:style>
+        <p:txBody>
+          <a:bodyPr rtlCol="0" anchor="ctr"/>
+          <a:lstStyle/>
+          <a:p>
+            <a:pPr algn="ctr"/>
+            <a:r>
+              <a:rPr lang="en-US" dirty="0">
+                <a:solidFill>
+                  <a:schemeClr val="tx1"/>
+                </a:solidFill>
+              </a:rPr>
+              <a:t>Feedback</a:t>
+            </a:r>
+          </a:p>
+        </p:txBody>
+      </p:sp>
+      <p:sp>
+        <p:nvSpPr>
+          <p:cNvPr id="9" name="TextBox 8">
+            <a:extLst>
+              <a:ext uri="{FF2B5EF4-FFF2-40B4-BE49-F238E27FC236}">
+                <a16:creationId xmlns:a16="http://schemas.microsoft.com/office/drawing/2014/main" id="{3A496956-7CE1-4753-8FCA-247F6A957F97}"/>
+              </a:ext>
+            </a:extLst>
+          </p:cNvPr>
+          <p:cNvSpPr txBox="1"/>
+          <p:nvPr/>
+        </p:nvSpPr>
+        <p:spPr>
+          <a:xfrm>
+            <a:off x="10268691" y="3700377"/>
+            <a:ext cx="825867" cy="369332"/>
+          </a:xfrm>
+          <a:prstGeom prst="rect">
+            <a:avLst/>
+          </a:prstGeom>
+          <a:noFill/>
+        </p:spPr>
+        <p:txBody>
+          <a:bodyPr wrap="none" rtlCol="0">
+            <a:spAutoFit/>
+          </a:bodyPr>
+          <a:lstStyle/>
+          <a:p>
+            <a:r>
+              <a:rPr lang="en-US" dirty="0">
+                <a:solidFill>
+                  <a:srgbClr val="F09456"/>
+                </a:solidFill>
+              </a:rPr>
+              <a:t>Leader</a:t>
+            </a:r>
+          </a:p>
+        </p:txBody>
+      </p:sp>
+      <p:sp>
+        <p:nvSpPr>
+          <p:cNvPr id="10" name="TextBox 9">
+            <a:extLst>
+              <a:ext uri="{FF2B5EF4-FFF2-40B4-BE49-F238E27FC236}">
+                <a16:creationId xmlns:a16="http://schemas.microsoft.com/office/drawing/2014/main" id="{174A2CEC-EB6A-41A1-B458-E3858BC6759F}"/>
+              </a:ext>
+            </a:extLst>
+          </p:cNvPr>
+          <p:cNvSpPr txBox="1"/>
+          <p:nvPr/>
+        </p:nvSpPr>
+        <p:spPr>
+          <a:xfrm>
+            <a:off x="5443566" y="3755295"/>
+            <a:ext cx="686726" cy="369332"/>
+          </a:xfrm>
+          <a:prstGeom prst="rect">
+            <a:avLst/>
+          </a:prstGeom>
+          <a:noFill/>
+        </p:spPr>
+        <p:txBody>
+          <a:bodyPr wrap="none" rtlCol="0">
+            <a:spAutoFit/>
+          </a:bodyPr>
+          <a:lstStyle/>
+          <a:p>
+            <a:r>
+              <a:rPr lang="en-US" dirty="0">
+                <a:solidFill>
+                  <a:schemeClr val="accent1">
+                    <a:lumMod val="75000"/>
+                  </a:schemeClr>
+                </a:solidFill>
+              </a:rPr>
+              <a:t>Team</a:t>
+            </a:r>
+          </a:p>
+        </p:txBody>
+      </p:sp>
+      <p:cxnSp>
+        <p:nvCxnSpPr>
+          <p:cNvPr id="19" name="Connector: Curved 18">
+            <a:extLst>
+              <a:ext uri="{FF2B5EF4-FFF2-40B4-BE49-F238E27FC236}">
+                <a16:creationId xmlns:a16="http://schemas.microsoft.com/office/drawing/2014/main" id="{CE3921C5-1C91-4967-85A7-C67AB731B4AA}"/>
+              </a:ext>
+            </a:extLst>
+          </p:cNvPr>
+          <p:cNvCxnSpPr>
+            <a:stCxn id="5" idx="6"/>
+            <a:endCxn id="6" idx="4"/>
+          </p:cNvCxnSpPr>
+          <p:nvPr/>
+        </p:nvCxnSpPr>
+        <p:spPr>
+          <a:xfrm flipV="1">
+            <a:off x="9288248" y="4826246"/>
+            <a:ext cx="822960" cy="319445"/>
+          </a:xfrm>
+          <a:prstGeom prst="curvedConnector2">
+            <a:avLst/>
+          </a:prstGeom>
+          <a:ln w="38100">
+            <a:tailEnd type="triangle"/>
+          </a:ln>
+        </p:spPr>
+        <p:style>
+          <a:lnRef idx="1">
+            <a:schemeClr val="accent1"/>
+          </a:lnRef>
+          <a:fillRef idx="0">
+            <a:schemeClr val="accent1"/>
+          </a:fillRef>
+          <a:effectRef idx="0">
+            <a:schemeClr val="accent1"/>
+          </a:effectRef>
+          <a:fontRef idx="minor">
+            <a:schemeClr val="tx1"/>
+          </a:fontRef>
+        </p:style>
+      </p:cxnSp>
+      <p:cxnSp>
+        <p:nvCxnSpPr>
+          <p:cNvPr id="20" name="Connector: Curved 19">
+            <a:extLst>
+              <a:ext uri="{FF2B5EF4-FFF2-40B4-BE49-F238E27FC236}">
+                <a16:creationId xmlns:a16="http://schemas.microsoft.com/office/drawing/2014/main" id="{C609C0A7-2BD3-437B-A7F4-49CA496BFDCD}"/>
+              </a:ext>
+            </a:extLst>
+          </p:cNvPr>
+          <p:cNvCxnSpPr>
+            <a:cxnSpLocks/>
+            <a:stCxn id="4" idx="2"/>
+            <a:endCxn id="2" idx="7"/>
+          </p:cNvCxnSpPr>
+          <p:nvPr/>
+        </p:nvCxnSpPr>
+        <p:spPr>
+          <a:xfrm rot="10800000" flipV="1">
+            <a:off x="6824226" y="2633981"/>
+            <a:ext cx="613887" cy="1567873"/>
+          </a:xfrm>
+          <a:prstGeom prst="curvedConnector2">
+            <a:avLst/>
+          </a:prstGeom>
+          <a:ln w="38100">
+            <a:tailEnd type="triangle"/>
+          </a:ln>
+        </p:spPr>
+        <p:style>
+          <a:lnRef idx="1">
+            <a:schemeClr val="accent1"/>
+          </a:lnRef>
+          <a:fillRef idx="0">
+            <a:schemeClr val="accent1"/>
+          </a:fillRef>
+          <a:effectRef idx="0">
+            <a:schemeClr val="accent1"/>
+          </a:effectRef>
+          <a:fontRef idx="minor">
+            <a:schemeClr val="tx1"/>
+          </a:fontRef>
+        </p:style>
+      </p:cxnSp>
+      <p:cxnSp>
+        <p:nvCxnSpPr>
+          <p:cNvPr id="24" name="Connector: Curved 23">
+            <a:extLst>
+              <a:ext uri="{FF2B5EF4-FFF2-40B4-BE49-F238E27FC236}">
+                <a16:creationId xmlns:a16="http://schemas.microsoft.com/office/drawing/2014/main" id="{B1537C06-439B-4019-8281-B14E43DF6F53}"/>
+              </a:ext>
+            </a:extLst>
+          </p:cNvPr>
+          <p:cNvCxnSpPr>
+            <a:cxnSpLocks/>
+            <a:stCxn id="2" idx="5"/>
+            <a:endCxn id="5" idx="2"/>
+          </p:cNvCxnSpPr>
+          <p:nvPr/>
+        </p:nvCxnSpPr>
+        <p:spPr>
+          <a:xfrm rot="16200000" flipH="1">
+            <a:off x="7019989" y="4523352"/>
+            <a:ext cx="426574" cy="818103"/>
+          </a:xfrm>
+          <a:prstGeom prst="curvedConnector2">
+            <a:avLst/>
+          </a:prstGeom>
+          <a:ln w="38100">
+            <a:tailEnd type="triangle"/>
+          </a:ln>
+        </p:spPr>
+        <p:style>
+          <a:lnRef idx="1">
+            <a:schemeClr val="accent1"/>
+          </a:lnRef>
+          <a:fillRef idx="0">
+            <a:schemeClr val="accent1"/>
+          </a:fillRef>
+          <a:effectRef idx="0">
+            <a:schemeClr val="accent1"/>
+          </a:effectRef>
+          <a:fontRef idx="minor">
+            <a:schemeClr val="tx1"/>
+          </a:fontRef>
+        </p:style>
+      </p:cxnSp>
+      <p:cxnSp>
+        <p:nvCxnSpPr>
+          <p:cNvPr id="25" name="Connector: Curved 24">
+            <a:extLst>
+              <a:ext uri="{FF2B5EF4-FFF2-40B4-BE49-F238E27FC236}">
+                <a16:creationId xmlns:a16="http://schemas.microsoft.com/office/drawing/2014/main" id="{CA54429C-6FC4-4A94-8FE0-A0A5A292DC21}"/>
+              </a:ext>
+            </a:extLst>
+          </p:cNvPr>
+          <p:cNvCxnSpPr>
+            <a:cxnSpLocks/>
+            <a:stCxn id="6" idx="0"/>
+            <a:endCxn id="21" idx="4"/>
+          </p:cNvCxnSpPr>
+          <p:nvPr/>
+        </p:nvCxnSpPr>
+        <p:spPr>
+          <a:xfrm rot="5400000" flipH="1" flipV="1">
+            <a:off x="9914593" y="3898111"/>
+            <a:ext cx="393230" cy="12700"/>
+          </a:xfrm>
+          <a:prstGeom prst="curvedConnector3">
+            <a:avLst>
+              <a:gd name="adj1" fmla="val 50000"/>
+            </a:avLst>
+          </a:prstGeom>
+          <a:ln w="38100">
+            <a:tailEnd type="triangle"/>
+          </a:ln>
+        </p:spPr>
+        <p:style>
+          <a:lnRef idx="1">
+            <a:schemeClr val="accent1"/>
+          </a:lnRef>
+          <a:fillRef idx="0">
+            <a:schemeClr val="accent1"/>
+          </a:fillRef>
+          <a:effectRef idx="0">
+            <a:schemeClr val="accent1"/>
+          </a:effectRef>
+          <a:fontRef idx="minor">
+            <a:schemeClr val="tx1"/>
+          </a:fontRef>
+        </p:style>
+      </p:cxnSp>
+      <p:sp>
+        <p:nvSpPr>
+          <p:cNvPr id="21" name="Oval 20">
+            <a:extLst>
+              <a:ext uri="{FF2B5EF4-FFF2-40B4-BE49-F238E27FC236}">
+                <a16:creationId xmlns:a16="http://schemas.microsoft.com/office/drawing/2014/main" id="{9D6D71A2-9BE7-4CA4-9966-5A1B756D7120}"/>
+              </a:ext>
+            </a:extLst>
+          </p:cNvPr>
+          <p:cNvSpPr/>
+          <p:nvPr/>
+        </p:nvSpPr>
+        <p:spPr>
+          <a:xfrm>
+            <a:off x="9288248" y="2969976"/>
+            <a:ext cx="1645920" cy="731520"/>
+          </a:xfrm>
+          <a:prstGeom prst="ellipse">
+            <a:avLst/>
+          </a:prstGeom>
+          <a:solidFill>
+            <a:schemeClr val="accent2">
+              <a:lumMod val="40000"/>
+              <a:lumOff val="60000"/>
+            </a:schemeClr>
+          </a:solidFill>
+          <a:ln w="28575"/>
+        </p:spPr>
+        <p:style>
+          <a:lnRef idx="2">
+            <a:schemeClr val="accent1">
+              <a:shade val="50000"/>
+            </a:schemeClr>
+          </a:lnRef>
+          <a:fillRef idx="1">
+            <a:schemeClr val="accent1"/>
+          </a:fillRef>
+          <a:effectRef idx="0">
+            <a:schemeClr val="accent1"/>
+          </a:effectRef>
+          <a:fontRef idx="minor">
+            <a:schemeClr val="lt1"/>
+          </a:fontRef>
+        </p:style>
+        <p:txBody>
+          <a:bodyPr rtlCol="0" anchor="ctr"/>
+          <a:lstStyle/>
+          <a:p>
+            <a:pPr algn="ctr"/>
+            <a:r>
+              <a:rPr lang="en-US" dirty="0">
+                <a:solidFill>
+                  <a:schemeClr val="tx1"/>
+                </a:solidFill>
+              </a:rPr>
+              <a:t>Direction</a:t>
+            </a:r>
+          </a:p>
+        </p:txBody>
+      </p:sp>
+      <p:cxnSp>
+        <p:nvCxnSpPr>
+          <p:cNvPr id="22" name="Connector: Curved 21">
+            <a:extLst>
+              <a:ext uri="{FF2B5EF4-FFF2-40B4-BE49-F238E27FC236}">
+                <a16:creationId xmlns:a16="http://schemas.microsoft.com/office/drawing/2014/main" id="{F1B44C3D-E3C8-45AD-9768-257517B3CE17}"/>
+              </a:ext>
+            </a:extLst>
+          </p:cNvPr>
+          <p:cNvCxnSpPr>
+            <a:stCxn id="21" idx="0"/>
+            <a:endCxn id="4" idx="6"/>
+          </p:cNvCxnSpPr>
+          <p:nvPr/>
+        </p:nvCxnSpPr>
+        <p:spPr>
+          <a:xfrm rot="16200000" flipV="1">
+            <a:off x="9633839" y="2492607"/>
+            <a:ext cx="335994" cy="618744"/>
+          </a:xfrm>
+          <a:prstGeom prst="curvedConnector2">
+            <a:avLst/>
+          </a:prstGeom>
+          <a:ln w="38100">
+            <a:tailEnd type="triangle"/>
+          </a:ln>
+        </p:spPr>
+        <p:style>
+          <a:lnRef idx="3">
+            <a:schemeClr val="accent1"/>
+          </a:lnRef>
+          <a:fillRef idx="0">
+            <a:schemeClr val="accent1"/>
+          </a:fillRef>
+          <a:effectRef idx="2">
+            <a:schemeClr val="accent1"/>
+          </a:effectRef>
+          <a:fontRef idx="minor">
+            <a:schemeClr val="tx1"/>
+          </a:fontRef>
+        </p:style>
+      </p:cxnSp>
+      <p:sp>
+        <p:nvSpPr>
+          <p:cNvPr id="16" name="Oval 15">
+            <a:extLst>
+              <a:ext uri="{FF2B5EF4-FFF2-40B4-BE49-F238E27FC236}">
+                <a16:creationId xmlns:a16="http://schemas.microsoft.com/office/drawing/2014/main" id="{F5467CAE-C6F5-4457-A3F0-44045D635ACB}"/>
+              </a:ext>
+            </a:extLst>
+          </p:cNvPr>
+          <p:cNvSpPr/>
+          <p:nvPr/>
+        </p:nvSpPr>
+        <p:spPr>
+          <a:xfrm>
+            <a:off x="2707998" y="3129012"/>
+            <a:ext cx="1645920" cy="731520"/>
+          </a:xfrm>
+          <a:prstGeom prst="ellipse">
+            <a:avLst/>
+          </a:prstGeom>
+          <a:solidFill>
+            <a:schemeClr val="accent1">
+              <a:lumMod val="20000"/>
+              <a:lumOff val="80000"/>
+            </a:schemeClr>
+          </a:solidFill>
+          <a:ln w="28575"/>
+        </p:spPr>
+        <p:style>
+          <a:lnRef idx="2">
+            <a:schemeClr val="accent1">
+              <a:shade val="50000"/>
+            </a:schemeClr>
+          </a:lnRef>
+          <a:fillRef idx="1">
+            <a:schemeClr val="accent1"/>
+          </a:fillRef>
+          <a:effectRef idx="0">
+            <a:schemeClr val="accent1"/>
+          </a:effectRef>
+          <a:fontRef idx="minor">
+            <a:schemeClr val="lt1"/>
+          </a:fontRef>
+        </p:style>
+        <p:txBody>
+          <a:bodyPr rtlCol="0" anchor="ctr"/>
+          <a:lstStyle/>
+          <a:p>
+            <a:pPr algn="ctr"/>
+            <a:r>
+              <a:rPr lang="en-US" dirty="0">
+                <a:solidFill>
+                  <a:schemeClr val="tx1"/>
+                </a:solidFill>
+              </a:rPr>
+              <a:t>Direction</a:t>
+            </a:r>
+          </a:p>
+        </p:txBody>
+      </p:sp>
+      <p:sp>
+        <p:nvSpPr>
+          <p:cNvPr id="17" name="Oval 16">
+            <a:extLst>
+              <a:ext uri="{FF2B5EF4-FFF2-40B4-BE49-F238E27FC236}">
+                <a16:creationId xmlns:a16="http://schemas.microsoft.com/office/drawing/2014/main" id="{1A03C2EE-4E91-4E16-BC96-047376D7C7D7}"/>
+              </a:ext>
+            </a:extLst>
+          </p:cNvPr>
+          <p:cNvSpPr/>
+          <p:nvPr/>
+        </p:nvSpPr>
+        <p:spPr>
+          <a:xfrm>
+            <a:off x="3908470" y="1845172"/>
+            <a:ext cx="1645920" cy="731520"/>
+          </a:xfrm>
+          <a:prstGeom prst="ellipse">
+            <a:avLst/>
+          </a:prstGeom>
+          <a:solidFill>
+            <a:schemeClr val="accent1">
+              <a:lumMod val="20000"/>
+              <a:lumOff val="80000"/>
+            </a:schemeClr>
+          </a:solidFill>
+          <a:ln w="28575"/>
+        </p:spPr>
+        <p:style>
+          <a:lnRef idx="2">
+            <a:schemeClr val="accent1">
+              <a:shade val="50000"/>
+            </a:schemeClr>
+          </a:lnRef>
+          <a:fillRef idx="1">
+            <a:schemeClr val="accent1"/>
+          </a:fillRef>
+          <a:effectRef idx="0">
+            <a:schemeClr val="accent1"/>
+          </a:effectRef>
+          <a:fontRef idx="minor">
+            <a:schemeClr val="lt1"/>
+          </a:fontRef>
+        </p:style>
+        <p:txBody>
+          <a:bodyPr rtlCol="0" anchor="ctr"/>
+          <a:lstStyle/>
+          <a:p>
+            <a:pPr algn="ctr"/>
+            <a:r>
+              <a:rPr lang="en-US" dirty="0">
+                <a:solidFill>
+                  <a:schemeClr val="tx1"/>
+                </a:solidFill>
+              </a:rPr>
+              <a:t>Assess</a:t>
+            </a:r>
+          </a:p>
+        </p:txBody>
+      </p:sp>
+      <p:sp>
+        <p:nvSpPr>
+          <p:cNvPr id="18" name="Rectangle: Rounded Corners 17">
+            <a:extLst>
+              <a:ext uri="{FF2B5EF4-FFF2-40B4-BE49-F238E27FC236}">
+                <a16:creationId xmlns:a16="http://schemas.microsoft.com/office/drawing/2014/main" id="{70B13BEE-852E-4C1E-A7DC-593751946B9E}"/>
+              </a:ext>
+            </a:extLst>
+          </p:cNvPr>
+          <p:cNvSpPr/>
+          <p:nvPr/>
+        </p:nvSpPr>
+        <p:spPr>
+          <a:xfrm>
+            <a:off x="2477723" y="1414272"/>
+            <a:ext cx="4733844" cy="3627115"/>
+          </a:xfrm>
+          <a:prstGeom prst="roundRect">
+            <a:avLst/>
+          </a:prstGeom>
+          <a:noFill/>
+          <a:ln w="57150">
+            <a:prstDash val="sysDot"/>
+          </a:ln>
+        </p:spPr>
+        <p:style>
+          <a:lnRef idx="2">
+            <a:schemeClr val="accent1">
+              <a:shade val="50000"/>
+            </a:schemeClr>
+          </a:lnRef>
+          <a:fillRef idx="1">
+            <a:schemeClr val="accent1"/>
+          </a:fillRef>
+          <a:effectRef idx="0">
+            <a:schemeClr val="accent1"/>
+          </a:effectRef>
+          <a:fontRef idx="minor">
+            <a:schemeClr val="lt1"/>
+          </a:fontRef>
+        </p:style>
+        <p:txBody>
+          <a:bodyPr rtlCol="0" anchor="ctr"/>
+          <a:lstStyle/>
+          <a:p>
+            <a:pPr algn="ctr"/>
+            <a:endParaRPr lang="en-US"/>
+          </a:p>
+        </p:txBody>
+      </p:sp>
+      <p:cxnSp>
+        <p:nvCxnSpPr>
+          <p:cNvPr id="23" name="Connector: Curved 22">
+            <a:extLst>
+              <a:ext uri="{FF2B5EF4-FFF2-40B4-BE49-F238E27FC236}">
+                <a16:creationId xmlns:a16="http://schemas.microsoft.com/office/drawing/2014/main" id="{94F89EF5-34A3-40FC-B3B1-9CFBBD3299A1}"/>
+              </a:ext>
+            </a:extLst>
+          </p:cNvPr>
+          <p:cNvCxnSpPr>
+            <a:cxnSpLocks/>
+            <a:stCxn id="2" idx="0"/>
+            <a:endCxn id="17" idx="6"/>
+          </p:cNvCxnSpPr>
+          <p:nvPr/>
+        </p:nvCxnSpPr>
+        <p:spPr>
+          <a:xfrm rot="16200000" flipV="1">
+            <a:off x="4956450" y="2808872"/>
+            <a:ext cx="1883794" cy="687914"/>
+          </a:xfrm>
+          <a:prstGeom prst="curvedConnector2">
+            <a:avLst/>
+          </a:prstGeom>
+          <a:ln w="38100">
+            <a:tailEnd type="triangle"/>
+          </a:ln>
+        </p:spPr>
+        <p:style>
+          <a:lnRef idx="1">
+            <a:schemeClr val="accent1"/>
+          </a:lnRef>
+          <a:fillRef idx="0">
+            <a:schemeClr val="accent1"/>
+          </a:fillRef>
+          <a:effectRef idx="0">
+            <a:schemeClr val="accent1"/>
+          </a:effectRef>
+          <a:fontRef idx="minor">
+            <a:schemeClr val="tx1"/>
+          </a:fontRef>
+        </p:style>
+      </p:cxnSp>
+      <p:cxnSp>
+        <p:nvCxnSpPr>
+          <p:cNvPr id="26" name="Connector: Curved 25">
+            <a:extLst>
+              <a:ext uri="{FF2B5EF4-FFF2-40B4-BE49-F238E27FC236}">
+                <a16:creationId xmlns:a16="http://schemas.microsoft.com/office/drawing/2014/main" id="{77123615-CD96-4D7D-B5A7-C53BC52B6ACA}"/>
+              </a:ext>
+            </a:extLst>
+          </p:cNvPr>
+          <p:cNvCxnSpPr>
+            <a:cxnSpLocks/>
+            <a:stCxn id="16" idx="4"/>
+            <a:endCxn id="2" idx="2"/>
+          </p:cNvCxnSpPr>
+          <p:nvPr/>
+        </p:nvCxnSpPr>
+        <p:spPr>
+          <a:xfrm rot="16200000" flipH="1">
+            <a:off x="4175174" y="3216316"/>
+            <a:ext cx="599954" cy="1888386"/>
+          </a:xfrm>
+          <a:prstGeom prst="curvedConnector2">
+            <a:avLst/>
+          </a:prstGeom>
+          <a:ln w="38100">
+            <a:tailEnd type="triangle"/>
+          </a:ln>
+        </p:spPr>
+        <p:style>
+          <a:lnRef idx="1">
+            <a:schemeClr val="accent1"/>
+          </a:lnRef>
+          <a:fillRef idx="0">
+            <a:schemeClr val="accent1"/>
+          </a:fillRef>
+          <a:effectRef idx="0">
+            <a:schemeClr val="accent1"/>
+          </a:effectRef>
+          <a:fontRef idx="minor">
+            <a:schemeClr val="tx1"/>
+          </a:fontRef>
+        </p:style>
+      </p:cxnSp>
+      <p:cxnSp>
+        <p:nvCxnSpPr>
+          <p:cNvPr id="27" name="Connector: Curved 26">
+            <a:extLst>
+              <a:ext uri="{FF2B5EF4-FFF2-40B4-BE49-F238E27FC236}">
+                <a16:creationId xmlns:a16="http://schemas.microsoft.com/office/drawing/2014/main" id="{0CFBBDE4-12D9-42F2-94D7-AC8BE054F727}"/>
+              </a:ext>
+            </a:extLst>
+          </p:cNvPr>
+          <p:cNvCxnSpPr>
+            <a:cxnSpLocks/>
+            <a:stCxn id="17" idx="2"/>
+            <a:endCxn id="16" idx="0"/>
+          </p:cNvCxnSpPr>
+          <p:nvPr/>
+        </p:nvCxnSpPr>
+        <p:spPr>
+          <a:xfrm rot="10800000" flipV="1">
+            <a:off x="3530958" y="2210932"/>
+            <a:ext cx="377512" cy="918080"/>
+          </a:xfrm>
+          <a:prstGeom prst="curvedConnector2">
+            <a:avLst/>
+          </a:prstGeom>
+          <a:ln w="38100">
+            <a:tailEnd type="triangle"/>
+          </a:ln>
+        </p:spPr>
+        <p:style>
+          <a:lnRef idx="1">
+            <a:schemeClr val="accent1"/>
+          </a:lnRef>
+          <a:fillRef idx="0">
+            <a:schemeClr val="accent1"/>
+          </a:fillRef>
+          <a:effectRef idx="0">
+            <a:schemeClr val="accent1"/>
+          </a:effectRef>
+          <a:fontRef idx="minor">
+            <a:schemeClr val="tx1"/>
+          </a:fontRef>
+        </p:style>
+      </p:cxnSp>
+      <p:sp>
+        <p:nvSpPr>
+          <p:cNvPr id="28" name="TextBox 27">
+            <a:extLst>
+              <a:ext uri="{FF2B5EF4-FFF2-40B4-BE49-F238E27FC236}">
+                <a16:creationId xmlns:a16="http://schemas.microsoft.com/office/drawing/2014/main" id="{F188771D-A16E-4BC7-A3F1-39A2DC20921C}"/>
+              </a:ext>
+            </a:extLst>
+          </p:cNvPr>
+          <p:cNvSpPr txBox="1"/>
+          <p:nvPr/>
+        </p:nvSpPr>
+        <p:spPr>
+          <a:xfrm>
+            <a:off x="2757180" y="1030077"/>
+            <a:ext cx="1717971" cy="369332"/>
+          </a:xfrm>
+          <a:prstGeom prst="rect">
+            <a:avLst/>
+          </a:prstGeom>
+          <a:noFill/>
+        </p:spPr>
+        <p:txBody>
+          <a:bodyPr wrap="none" rtlCol="0">
+            <a:spAutoFit/>
+          </a:bodyPr>
+          <a:lstStyle/>
+          <a:p>
+            <a:r>
+              <a:rPr lang="en-US" dirty="0"/>
+              <a:t>Ownership Loop</a:t>
+            </a:r>
+          </a:p>
+        </p:txBody>
+      </p:sp>
+      <p:sp>
+        <p:nvSpPr>
+          <p:cNvPr id="8" name="Multiplication Sign 7">
+            <a:extLst>
+              <a:ext uri="{FF2B5EF4-FFF2-40B4-BE49-F238E27FC236}">
+                <a16:creationId xmlns:a16="http://schemas.microsoft.com/office/drawing/2014/main" id="{28AA992C-CF03-429C-B897-38C8A0A410D2}"/>
+              </a:ext>
+            </a:extLst>
+          </p:cNvPr>
+          <p:cNvSpPr/>
+          <p:nvPr/>
+        </p:nvSpPr>
+        <p:spPr>
+          <a:xfrm>
+            <a:off x="9372247" y="2532444"/>
+            <a:ext cx="1526551" cy="1708355"/>
+          </a:xfrm>
+          <a:prstGeom prst="mathMultiply">
+            <a:avLst>
+              <a:gd name="adj1" fmla="val 8197"/>
+            </a:avLst>
+          </a:prstGeom>
+          <a:solidFill>
+            <a:srgbClr val="FF0000"/>
+          </a:solidFill>
+        </p:spPr>
+        <p:style>
+          <a:lnRef idx="2">
+            <a:schemeClr val="accent1">
+              <a:shade val="50000"/>
+            </a:schemeClr>
+          </a:lnRef>
+          <a:fillRef idx="1">
+            <a:schemeClr val="accent1"/>
+          </a:fillRef>
+          <a:effectRef idx="0">
+            <a:schemeClr val="accent1"/>
+          </a:effectRef>
+          <a:fontRef idx="minor">
+            <a:schemeClr val="lt1"/>
+          </a:fontRef>
+        </p:style>
+        <p:txBody>
+          <a:bodyPr rtlCol="0" anchor="ctr"/>
+          <a:lstStyle/>
+          <a:p>
+            <a:pPr algn="ctr"/>
+            <a:endParaRPr lang="en-US"/>
+          </a:p>
+        </p:txBody>
+      </p:sp>
+      <p:sp>
+        <p:nvSpPr>
+          <p:cNvPr id="29" name="Multiplication Sign 28">
+            <a:extLst>
+              <a:ext uri="{FF2B5EF4-FFF2-40B4-BE49-F238E27FC236}">
+                <a16:creationId xmlns:a16="http://schemas.microsoft.com/office/drawing/2014/main" id="{FC2A96D0-C3CE-46E1-8E83-158DA1B843A6}"/>
+              </a:ext>
+            </a:extLst>
+          </p:cNvPr>
+          <p:cNvSpPr/>
+          <p:nvPr/>
+        </p:nvSpPr>
+        <p:spPr>
+          <a:xfrm>
+            <a:off x="7701588" y="1786681"/>
+            <a:ext cx="1526551" cy="1708355"/>
+          </a:xfrm>
+          <a:prstGeom prst="mathMultiply">
+            <a:avLst>
+              <a:gd name="adj1" fmla="val 8197"/>
+            </a:avLst>
+          </a:prstGeom>
+          <a:solidFill>
+            <a:srgbClr val="FF0000"/>
+          </a:solidFill>
+        </p:spPr>
+        <p:style>
+          <a:lnRef idx="2">
+            <a:schemeClr val="accent1">
+              <a:shade val="50000"/>
+            </a:schemeClr>
+          </a:lnRef>
+          <a:fillRef idx="1">
+            <a:schemeClr val="accent1"/>
+          </a:fillRef>
+          <a:effectRef idx="0">
+            <a:schemeClr val="accent1"/>
+          </a:effectRef>
+          <a:fontRef idx="minor">
+            <a:schemeClr val="lt1"/>
+          </a:fontRef>
+        </p:style>
+        <p:txBody>
+          <a:bodyPr rtlCol="0" anchor="ctr"/>
+          <a:lstStyle/>
+          <a:p>
+            <a:pPr algn="ctr"/>
+            <a:endParaRPr lang="en-US"/>
+          </a:p>
+        </p:txBody>
+      </p:sp>
+      <p:sp>
+        <p:nvSpPr>
+          <p:cNvPr id="30" name="Multiplication Sign 29">
+            <a:extLst>
+              <a:ext uri="{FF2B5EF4-FFF2-40B4-BE49-F238E27FC236}">
+                <a16:creationId xmlns:a16="http://schemas.microsoft.com/office/drawing/2014/main" id="{85884AE9-289C-4309-B51A-28748A3ECC57}"/>
+              </a:ext>
+            </a:extLst>
+          </p:cNvPr>
+          <p:cNvSpPr/>
+          <p:nvPr/>
+        </p:nvSpPr>
+        <p:spPr>
+          <a:xfrm>
+            <a:off x="7706868" y="4291513"/>
+            <a:ext cx="1526551" cy="1708355"/>
+          </a:xfrm>
+          <a:prstGeom prst="mathMultiply">
+            <a:avLst>
+              <a:gd name="adj1" fmla="val 8197"/>
+            </a:avLst>
+          </a:prstGeom>
+          <a:solidFill>
+            <a:srgbClr val="FF0000"/>
+          </a:solidFill>
+        </p:spPr>
+        <p:style>
+          <a:lnRef idx="2">
+            <a:schemeClr val="accent1">
+              <a:shade val="50000"/>
+            </a:schemeClr>
+          </a:lnRef>
+          <a:fillRef idx="1">
+            <a:schemeClr val="accent1"/>
+          </a:fillRef>
+          <a:effectRef idx="0">
+            <a:schemeClr val="accent1"/>
+          </a:effectRef>
+          <a:fontRef idx="minor">
+            <a:schemeClr val="lt1"/>
+          </a:fontRef>
+        </p:style>
+        <p:txBody>
+          <a:bodyPr rtlCol="0" anchor="ctr"/>
+          <a:lstStyle/>
+          <a:p>
+            <a:pPr algn="ctr"/>
+            <a:endParaRPr lang="en-US"/>
+          </a:p>
+        </p:txBody>
+      </p:sp>
+      <p:sp>
+        <p:nvSpPr>
+          <p:cNvPr id="31" name="TextBox 30">
+            <a:extLst>
+              <a:ext uri="{FF2B5EF4-FFF2-40B4-BE49-F238E27FC236}">
+                <a16:creationId xmlns:a16="http://schemas.microsoft.com/office/drawing/2014/main" id="{BA37ED67-2098-4135-A9A9-4BE005AB882A}"/>
+              </a:ext>
+            </a:extLst>
+          </p:cNvPr>
+          <p:cNvSpPr txBox="1"/>
+          <p:nvPr/>
+        </p:nvSpPr>
+        <p:spPr>
+          <a:xfrm>
+            <a:off x="7642328" y="5705613"/>
+            <a:ext cx="2037289" cy="369332"/>
+          </a:xfrm>
+          <a:prstGeom prst="rect">
+            <a:avLst/>
+          </a:prstGeom>
+          <a:noFill/>
+        </p:spPr>
+        <p:txBody>
+          <a:bodyPr wrap="none" rtlCol="0">
+            <a:spAutoFit/>
+          </a:bodyPr>
+          <a:lstStyle/>
+          <a:p>
+            <a:r>
+              <a:rPr lang="en-US" dirty="0"/>
+              <a:t>Accountability Loop</a:t>
             </a:r>
           </a:p>
         </p:txBody>
@@ -13263,13 +15138,320 @@
     </p:spTree>
     <p:extLst>
       <p:ext uri="{BB962C8B-B14F-4D97-AF65-F5344CB8AC3E}">
-        <p14:creationId xmlns:p14="http://schemas.microsoft.com/office/powerpoint/2010/main" val="3075917672"/>
+        <p14:creationId xmlns:p14="http://schemas.microsoft.com/office/powerpoint/2010/main" val="1899980922"/>
       </p:ext>
     </p:extLst>
   </p:cSld>
   <p:clrMapOvr>
     <a:masterClrMapping/>
   </p:clrMapOvr>
+  <p:timing>
+    <p:tnLst>
+      <p:par>
+        <p:cTn id="1" dur="indefinite" restart="never" nodeType="tmRoot">
+          <p:childTnLst>
+            <p:seq concurrent="1" nextAc="seek">
+              <p:cTn id="2" dur="indefinite" nodeType="mainSeq">
+                <p:childTnLst>
+                  <p:par>
+                    <p:cTn id="3" fill="hold">
+                      <p:stCondLst>
+                        <p:cond delay="indefinite"/>
+                      </p:stCondLst>
+                      <p:childTnLst>
+                        <p:par>
+                          <p:cTn id="4" fill="hold">
+                            <p:stCondLst>
+                              <p:cond delay="0"/>
+                            </p:stCondLst>
+                            <p:childTnLst>
+                              <p:par>
+                                <p:cTn id="5" presetID="1" presetClass="entr" presetSubtype="0" fill="hold" grpId="0" nodeType="clickEffect">
+                                  <p:stCondLst>
+                                    <p:cond delay="0"/>
+                                  </p:stCondLst>
+                                  <p:childTnLst>
+                                    <p:set>
+                                      <p:cBhvr>
+                                        <p:cTn id="6" dur="1" fill="hold">
+                                          <p:stCondLst>
+                                            <p:cond delay="0"/>
+                                          </p:stCondLst>
+                                        </p:cTn>
+                                        <p:tgtEl>
+                                          <p:spTgt spid="8"/>
+                                        </p:tgtEl>
+                                        <p:attrNameLst>
+                                          <p:attrName>style.visibility</p:attrName>
+                                        </p:attrNameLst>
+                                      </p:cBhvr>
+                                      <p:to>
+                                        <p:strVal val="visible"/>
+                                      </p:to>
+                                    </p:set>
+                                  </p:childTnLst>
+                                </p:cTn>
+                              </p:par>
+                              <p:par>
+                                <p:cTn id="7" presetID="1" presetClass="entr" presetSubtype="0" fill="hold" grpId="0" nodeType="withEffect">
+                                  <p:stCondLst>
+                                    <p:cond delay="0"/>
+                                  </p:stCondLst>
+                                  <p:childTnLst>
+                                    <p:set>
+                                      <p:cBhvr>
+                                        <p:cTn id="8" dur="1" fill="hold">
+                                          <p:stCondLst>
+                                            <p:cond delay="0"/>
+                                          </p:stCondLst>
+                                        </p:cTn>
+                                        <p:tgtEl>
+                                          <p:spTgt spid="16"/>
+                                        </p:tgtEl>
+                                        <p:attrNameLst>
+                                          <p:attrName>style.visibility</p:attrName>
+                                        </p:attrNameLst>
+                                      </p:cBhvr>
+                                      <p:to>
+                                        <p:strVal val="visible"/>
+                                      </p:to>
+                                    </p:set>
+                                  </p:childTnLst>
+                                </p:cTn>
+                              </p:par>
+                            </p:childTnLst>
+                          </p:cTn>
+                        </p:par>
+                      </p:childTnLst>
+                    </p:cTn>
+                  </p:par>
+                  <p:par>
+                    <p:cTn id="9" fill="hold">
+                      <p:stCondLst>
+                        <p:cond delay="indefinite"/>
+                      </p:stCondLst>
+                      <p:childTnLst>
+                        <p:par>
+                          <p:cTn id="10" fill="hold">
+                            <p:stCondLst>
+                              <p:cond delay="0"/>
+                            </p:stCondLst>
+                            <p:childTnLst>
+                              <p:par>
+                                <p:cTn id="11" presetID="1" presetClass="entr" presetSubtype="0" fill="hold" grpId="0" nodeType="clickEffect">
+                                  <p:stCondLst>
+                                    <p:cond delay="0"/>
+                                  </p:stCondLst>
+                                  <p:childTnLst>
+                                    <p:set>
+                                      <p:cBhvr>
+                                        <p:cTn id="12" dur="1" fill="hold">
+                                          <p:stCondLst>
+                                            <p:cond delay="0"/>
+                                          </p:stCondLst>
+                                        </p:cTn>
+                                        <p:tgtEl>
+                                          <p:spTgt spid="29"/>
+                                        </p:tgtEl>
+                                        <p:attrNameLst>
+                                          <p:attrName>style.visibility</p:attrName>
+                                        </p:attrNameLst>
+                                      </p:cBhvr>
+                                      <p:to>
+                                        <p:strVal val="visible"/>
+                                      </p:to>
+                                    </p:set>
+                                  </p:childTnLst>
+                                </p:cTn>
+                              </p:par>
+                              <p:par>
+                                <p:cTn id="13" presetID="1" presetClass="entr" presetSubtype="0" fill="hold" nodeType="withEffect">
+                                  <p:stCondLst>
+                                    <p:cond delay="0"/>
+                                  </p:stCondLst>
+                                  <p:childTnLst>
+                                    <p:set>
+                                      <p:cBhvr>
+                                        <p:cTn id="14" dur="1" fill="hold">
+                                          <p:stCondLst>
+                                            <p:cond delay="0"/>
+                                          </p:stCondLst>
+                                        </p:cTn>
+                                        <p:tgtEl>
+                                          <p:spTgt spid="26"/>
+                                        </p:tgtEl>
+                                        <p:attrNameLst>
+                                          <p:attrName>style.visibility</p:attrName>
+                                        </p:attrNameLst>
+                                      </p:cBhvr>
+                                      <p:to>
+                                        <p:strVal val="visible"/>
+                                      </p:to>
+                                    </p:set>
+                                  </p:childTnLst>
+                                </p:cTn>
+                              </p:par>
+                            </p:childTnLst>
+                          </p:cTn>
+                        </p:par>
+                      </p:childTnLst>
+                    </p:cTn>
+                  </p:par>
+                  <p:par>
+                    <p:cTn id="15" fill="hold">
+                      <p:stCondLst>
+                        <p:cond delay="indefinite"/>
+                      </p:stCondLst>
+                      <p:childTnLst>
+                        <p:par>
+                          <p:cTn id="16" fill="hold">
+                            <p:stCondLst>
+                              <p:cond delay="0"/>
+                            </p:stCondLst>
+                            <p:childTnLst>
+                              <p:par>
+                                <p:cTn id="17" presetID="1" presetClass="entr" presetSubtype="0" fill="hold" grpId="0" nodeType="clickEffect">
+                                  <p:stCondLst>
+                                    <p:cond delay="0"/>
+                                  </p:stCondLst>
+                                  <p:childTnLst>
+                                    <p:set>
+                                      <p:cBhvr>
+                                        <p:cTn id="18" dur="1" fill="hold">
+                                          <p:stCondLst>
+                                            <p:cond delay="0"/>
+                                          </p:stCondLst>
+                                        </p:cTn>
+                                        <p:tgtEl>
+                                          <p:spTgt spid="30"/>
+                                        </p:tgtEl>
+                                        <p:attrNameLst>
+                                          <p:attrName>style.visibility</p:attrName>
+                                        </p:attrNameLst>
+                                      </p:cBhvr>
+                                      <p:to>
+                                        <p:strVal val="visible"/>
+                                      </p:to>
+                                    </p:set>
+                                  </p:childTnLst>
+                                </p:cTn>
+                              </p:par>
+                              <p:par>
+                                <p:cTn id="19" presetID="1" presetClass="entr" presetSubtype="0" fill="hold" nodeType="withEffect">
+                                  <p:stCondLst>
+                                    <p:cond delay="0"/>
+                                  </p:stCondLst>
+                                  <p:childTnLst>
+                                    <p:set>
+                                      <p:cBhvr>
+                                        <p:cTn id="20" dur="1" fill="hold">
+                                          <p:stCondLst>
+                                            <p:cond delay="0"/>
+                                          </p:stCondLst>
+                                        </p:cTn>
+                                        <p:tgtEl>
+                                          <p:spTgt spid="23"/>
+                                        </p:tgtEl>
+                                        <p:attrNameLst>
+                                          <p:attrName>style.visibility</p:attrName>
+                                        </p:attrNameLst>
+                                      </p:cBhvr>
+                                      <p:to>
+                                        <p:strVal val="visible"/>
+                                      </p:to>
+                                    </p:set>
+                                  </p:childTnLst>
+                                </p:cTn>
+                              </p:par>
+                              <p:par>
+                                <p:cTn id="21" presetID="1" presetClass="entr" presetSubtype="0" fill="hold" grpId="0" nodeType="withEffect">
+                                  <p:stCondLst>
+                                    <p:cond delay="0"/>
+                                  </p:stCondLst>
+                                  <p:childTnLst>
+                                    <p:set>
+                                      <p:cBhvr>
+                                        <p:cTn id="22" dur="1" fill="hold">
+                                          <p:stCondLst>
+                                            <p:cond delay="0"/>
+                                          </p:stCondLst>
+                                        </p:cTn>
+                                        <p:tgtEl>
+                                          <p:spTgt spid="17"/>
+                                        </p:tgtEl>
+                                        <p:attrNameLst>
+                                          <p:attrName>style.visibility</p:attrName>
+                                        </p:attrNameLst>
+                                      </p:cBhvr>
+                                      <p:to>
+                                        <p:strVal val="visible"/>
+                                      </p:to>
+                                    </p:set>
+                                  </p:childTnLst>
+                                </p:cTn>
+                              </p:par>
+                              <p:par>
+                                <p:cTn id="23" presetID="1" presetClass="entr" presetSubtype="0" fill="hold" nodeType="withEffect">
+                                  <p:stCondLst>
+                                    <p:cond delay="0"/>
+                                  </p:stCondLst>
+                                  <p:childTnLst>
+                                    <p:set>
+                                      <p:cBhvr>
+                                        <p:cTn id="24" dur="1" fill="hold">
+                                          <p:stCondLst>
+                                            <p:cond delay="0"/>
+                                          </p:stCondLst>
+                                        </p:cTn>
+                                        <p:tgtEl>
+                                          <p:spTgt spid="27"/>
+                                        </p:tgtEl>
+                                        <p:attrNameLst>
+                                          <p:attrName>style.visibility</p:attrName>
+                                        </p:attrNameLst>
+                                      </p:cBhvr>
+                                      <p:to>
+                                        <p:strVal val="visible"/>
+                                      </p:to>
+                                    </p:set>
+                                  </p:childTnLst>
+                                </p:cTn>
+                              </p:par>
+                            </p:childTnLst>
+                          </p:cTn>
+                        </p:par>
+                      </p:childTnLst>
+                    </p:cTn>
+                  </p:par>
+                </p:childTnLst>
+              </p:cTn>
+              <p:prevCondLst>
+                <p:cond evt="onPrev" delay="0">
+                  <p:tgtEl>
+                    <p:sldTgt/>
+                  </p:tgtEl>
+                </p:cond>
+              </p:prevCondLst>
+              <p:nextCondLst>
+                <p:cond evt="onNext" delay="0">
+                  <p:tgtEl>
+                    <p:sldTgt/>
+                  </p:tgtEl>
+                </p:cond>
+              </p:nextCondLst>
+            </p:seq>
+          </p:childTnLst>
+        </p:cTn>
+      </p:par>
+    </p:tnLst>
+    <p:bldLst>
+      <p:bldP spid="16" grpId="0" animBg="1"/>
+      <p:bldP spid="17" grpId="0" animBg="1"/>
+      <p:bldP spid="8" grpId="0" animBg="1"/>
+      <p:bldP spid="29" grpId="0" animBg="1"/>
+      <p:bldP spid="30" grpId="0" animBg="1"/>
+    </p:bldLst>
+  </p:timing>
 </p:sld>
 </file>
 
@@ -13292,56 +15474,572 @@
       </p:grpSpPr>
       <p:sp>
         <p:nvSpPr>
-          <p:cNvPr id="2" name="Title 1">
-            <a:extLst>
-              <a:ext uri="{FF2B5EF4-FFF2-40B4-BE49-F238E27FC236}">
-                <a16:creationId xmlns:a16="http://schemas.microsoft.com/office/drawing/2014/main" id="{D5C87E0C-8E96-4544-8B5B-9E819053728E}"/>
-              </a:ext>
-            </a:extLst>
-          </p:cNvPr>
-          <p:cNvSpPr>
-            <a:spLocks noGrp="1"/>
-          </p:cNvSpPr>
-          <p:nvPr>
-            <p:ph type="title"/>
-          </p:nvPr>
-        </p:nvSpPr>
-        <p:spPr/>
-        <p:txBody>
-          <a:bodyPr/>
-          <a:lstStyle/>
-          <a:p>
-            <a:r>
-              <a:rPr lang="en-US" dirty="0"/>
-              <a:t>The Ownership Loop</a:t>
-            </a:r>
-          </a:p>
-        </p:txBody>
-      </p:sp>
-      <p:sp>
-        <p:nvSpPr>
-          <p:cNvPr id="3" name="Content Placeholder 2">
-            <a:extLst>
-              <a:ext uri="{FF2B5EF4-FFF2-40B4-BE49-F238E27FC236}">
-                <a16:creationId xmlns:a16="http://schemas.microsoft.com/office/drawing/2014/main" id="{CC26DAD9-539E-4914-B1FA-58F69B0A6EC5}"/>
-              </a:ext>
-            </a:extLst>
-          </p:cNvPr>
-          <p:cNvSpPr>
-            <a:spLocks noGrp="1"/>
-          </p:cNvSpPr>
-          <p:nvPr>
-            <p:ph idx="1"/>
-          </p:nvPr>
-        </p:nvSpPr>
-        <p:spPr/>
-        <p:txBody>
-          <a:bodyPr/>
-          <a:lstStyle/>
-          <a:p>
-            <a:r>
-              <a:rPr lang="en-US" dirty="0"/>
-              <a:t>Remove the Accountability parts</a:t>
+          <p:cNvPr id="2" name="Oval 1">
+            <a:extLst>
+              <a:ext uri="{FF2B5EF4-FFF2-40B4-BE49-F238E27FC236}">
+                <a16:creationId xmlns:a16="http://schemas.microsoft.com/office/drawing/2014/main" id="{86199DA8-4C1B-4B86-9FC7-808E0206B990}"/>
+              </a:ext>
+            </a:extLst>
+          </p:cNvPr>
+          <p:cNvSpPr/>
+          <p:nvPr/>
+        </p:nvSpPr>
+        <p:spPr>
+          <a:xfrm>
+            <a:off x="5419344" y="4094726"/>
+            <a:ext cx="1645920" cy="731520"/>
+          </a:xfrm>
+          <a:prstGeom prst="ellipse">
+            <a:avLst/>
+          </a:prstGeom>
+          <a:solidFill>
+            <a:schemeClr val="accent1">
+              <a:lumMod val="20000"/>
+              <a:lumOff val="80000"/>
+            </a:schemeClr>
+          </a:solidFill>
+          <a:ln w="28575"/>
+        </p:spPr>
+        <p:style>
+          <a:lnRef idx="2">
+            <a:schemeClr val="accent1">
+              <a:shade val="50000"/>
+            </a:schemeClr>
+          </a:lnRef>
+          <a:fillRef idx="1">
+            <a:schemeClr val="accent1"/>
+          </a:fillRef>
+          <a:effectRef idx="0">
+            <a:schemeClr val="accent1"/>
+          </a:effectRef>
+          <a:fontRef idx="minor">
+            <a:schemeClr val="lt1"/>
+          </a:fontRef>
+        </p:style>
+        <p:txBody>
+          <a:bodyPr rtlCol="0" anchor="ctr"/>
+          <a:lstStyle/>
+          <a:p>
+            <a:pPr algn="ctr"/>
+            <a:r>
+              <a:rPr lang="en-US" dirty="0">
+                <a:solidFill>
+                  <a:schemeClr val="tx1"/>
+                </a:solidFill>
+              </a:rPr>
+              <a:t>Execute</a:t>
+            </a:r>
+          </a:p>
+        </p:txBody>
+      </p:sp>
+      <p:sp>
+        <p:nvSpPr>
+          <p:cNvPr id="10" name="TextBox 9">
+            <a:extLst>
+              <a:ext uri="{FF2B5EF4-FFF2-40B4-BE49-F238E27FC236}">
+                <a16:creationId xmlns:a16="http://schemas.microsoft.com/office/drawing/2014/main" id="{174A2CEC-EB6A-41A1-B458-E3858BC6759F}"/>
+              </a:ext>
+            </a:extLst>
+          </p:cNvPr>
+          <p:cNvSpPr txBox="1"/>
+          <p:nvPr/>
+        </p:nvSpPr>
+        <p:spPr>
+          <a:xfrm>
+            <a:off x="5443566" y="3755295"/>
+            <a:ext cx="686726" cy="369332"/>
+          </a:xfrm>
+          <a:prstGeom prst="rect">
+            <a:avLst/>
+          </a:prstGeom>
+          <a:noFill/>
+        </p:spPr>
+        <p:txBody>
+          <a:bodyPr wrap="none" rtlCol="0">
+            <a:spAutoFit/>
+          </a:bodyPr>
+          <a:lstStyle/>
+          <a:p>
+            <a:r>
+              <a:rPr lang="en-US" dirty="0">
+                <a:solidFill>
+                  <a:schemeClr val="accent1">
+                    <a:lumMod val="75000"/>
+                  </a:schemeClr>
+                </a:solidFill>
+              </a:rPr>
+              <a:t>Team</a:t>
+            </a:r>
+          </a:p>
+        </p:txBody>
+      </p:sp>
+      <p:sp>
+        <p:nvSpPr>
+          <p:cNvPr id="16" name="Oval 15">
+            <a:extLst>
+              <a:ext uri="{FF2B5EF4-FFF2-40B4-BE49-F238E27FC236}">
+                <a16:creationId xmlns:a16="http://schemas.microsoft.com/office/drawing/2014/main" id="{F5467CAE-C6F5-4457-A3F0-44045D635ACB}"/>
+              </a:ext>
+            </a:extLst>
+          </p:cNvPr>
+          <p:cNvSpPr/>
+          <p:nvPr/>
+        </p:nvSpPr>
+        <p:spPr>
+          <a:xfrm>
+            <a:off x="2707998" y="3129012"/>
+            <a:ext cx="1645920" cy="731520"/>
+          </a:xfrm>
+          <a:prstGeom prst="ellipse">
+            <a:avLst/>
+          </a:prstGeom>
+          <a:solidFill>
+            <a:schemeClr val="accent1">
+              <a:lumMod val="20000"/>
+              <a:lumOff val="80000"/>
+            </a:schemeClr>
+          </a:solidFill>
+          <a:ln w="28575"/>
+        </p:spPr>
+        <p:style>
+          <a:lnRef idx="2">
+            <a:schemeClr val="accent1">
+              <a:shade val="50000"/>
+            </a:schemeClr>
+          </a:lnRef>
+          <a:fillRef idx="1">
+            <a:schemeClr val="accent1"/>
+          </a:fillRef>
+          <a:effectRef idx="0">
+            <a:schemeClr val="accent1"/>
+          </a:effectRef>
+          <a:fontRef idx="minor">
+            <a:schemeClr val="lt1"/>
+          </a:fontRef>
+        </p:style>
+        <p:txBody>
+          <a:bodyPr rtlCol="0" anchor="ctr"/>
+          <a:lstStyle/>
+          <a:p>
+            <a:pPr algn="ctr"/>
+            <a:r>
+              <a:rPr lang="en-US" dirty="0">
+                <a:solidFill>
+                  <a:schemeClr val="tx1"/>
+                </a:solidFill>
+              </a:rPr>
+              <a:t>Direction</a:t>
+            </a:r>
+          </a:p>
+        </p:txBody>
+      </p:sp>
+      <p:sp>
+        <p:nvSpPr>
+          <p:cNvPr id="17" name="Oval 16">
+            <a:extLst>
+              <a:ext uri="{FF2B5EF4-FFF2-40B4-BE49-F238E27FC236}">
+                <a16:creationId xmlns:a16="http://schemas.microsoft.com/office/drawing/2014/main" id="{1A03C2EE-4E91-4E16-BC96-047376D7C7D7}"/>
+              </a:ext>
+            </a:extLst>
+          </p:cNvPr>
+          <p:cNvSpPr/>
+          <p:nvPr/>
+        </p:nvSpPr>
+        <p:spPr>
+          <a:xfrm>
+            <a:off x="3908470" y="1845172"/>
+            <a:ext cx="1645920" cy="731520"/>
+          </a:xfrm>
+          <a:prstGeom prst="ellipse">
+            <a:avLst/>
+          </a:prstGeom>
+          <a:solidFill>
+            <a:schemeClr val="accent1">
+              <a:lumMod val="20000"/>
+              <a:lumOff val="80000"/>
+            </a:schemeClr>
+          </a:solidFill>
+          <a:ln w="28575"/>
+        </p:spPr>
+        <p:style>
+          <a:lnRef idx="2">
+            <a:schemeClr val="accent1">
+              <a:shade val="50000"/>
+            </a:schemeClr>
+          </a:lnRef>
+          <a:fillRef idx="1">
+            <a:schemeClr val="accent1"/>
+          </a:fillRef>
+          <a:effectRef idx="0">
+            <a:schemeClr val="accent1"/>
+          </a:effectRef>
+          <a:fontRef idx="minor">
+            <a:schemeClr val="lt1"/>
+          </a:fontRef>
+        </p:style>
+        <p:txBody>
+          <a:bodyPr rtlCol="0" anchor="ctr"/>
+          <a:lstStyle/>
+          <a:p>
+            <a:pPr algn="ctr"/>
+            <a:r>
+              <a:rPr lang="en-US" dirty="0">
+                <a:solidFill>
+                  <a:schemeClr val="tx1"/>
+                </a:solidFill>
+              </a:rPr>
+              <a:t>Assess</a:t>
+            </a:r>
+          </a:p>
+        </p:txBody>
+      </p:sp>
+      <p:sp>
+        <p:nvSpPr>
+          <p:cNvPr id="18" name="Rectangle: Rounded Corners 17">
+            <a:extLst>
+              <a:ext uri="{FF2B5EF4-FFF2-40B4-BE49-F238E27FC236}">
+                <a16:creationId xmlns:a16="http://schemas.microsoft.com/office/drawing/2014/main" id="{70B13BEE-852E-4C1E-A7DC-593751946B9E}"/>
+              </a:ext>
+            </a:extLst>
+          </p:cNvPr>
+          <p:cNvSpPr/>
+          <p:nvPr/>
+        </p:nvSpPr>
+        <p:spPr>
+          <a:xfrm>
+            <a:off x="2477723" y="1414272"/>
+            <a:ext cx="4733844" cy="3627115"/>
+          </a:xfrm>
+          <a:prstGeom prst="roundRect">
+            <a:avLst/>
+          </a:prstGeom>
+          <a:noFill/>
+          <a:ln w="57150">
+            <a:prstDash val="sysDot"/>
+          </a:ln>
+        </p:spPr>
+        <p:style>
+          <a:lnRef idx="2">
+            <a:schemeClr val="accent1">
+              <a:shade val="50000"/>
+            </a:schemeClr>
+          </a:lnRef>
+          <a:fillRef idx="1">
+            <a:schemeClr val="accent1"/>
+          </a:fillRef>
+          <a:effectRef idx="0">
+            <a:schemeClr val="accent1"/>
+          </a:effectRef>
+          <a:fontRef idx="minor">
+            <a:schemeClr val="lt1"/>
+          </a:fontRef>
+        </p:style>
+        <p:txBody>
+          <a:bodyPr rtlCol="0" anchor="ctr"/>
+          <a:lstStyle/>
+          <a:p>
+            <a:pPr algn="ctr"/>
+            <a:endParaRPr lang="en-US"/>
+          </a:p>
+        </p:txBody>
+      </p:sp>
+      <p:cxnSp>
+        <p:nvCxnSpPr>
+          <p:cNvPr id="23" name="Connector: Curved 22">
+            <a:extLst>
+              <a:ext uri="{FF2B5EF4-FFF2-40B4-BE49-F238E27FC236}">
+                <a16:creationId xmlns:a16="http://schemas.microsoft.com/office/drawing/2014/main" id="{94F89EF5-34A3-40FC-B3B1-9CFBBD3299A1}"/>
+              </a:ext>
+            </a:extLst>
+          </p:cNvPr>
+          <p:cNvCxnSpPr>
+            <a:cxnSpLocks/>
+            <a:stCxn id="2" idx="0"/>
+            <a:endCxn id="17" idx="6"/>
+          </p:cNvCxnSpPr>
+          <p:nvPr/>
+        </p:nvCxnSpPr>
+        <p:spPr>
+          <a:xfrm rot="16200000" flipV="1">
+            <a:off x="4956450" y="2808872"/>
+            <a:ext cx="1883794" cy="687914"/>
+          </a:xfrm>
+          <a:prstGeom prst="curvedConnector2">
+            <a:avLst/>
+          </a:prstGeom>
+          <a:ln w="38100">
+            <a:tailEnd type="triangle"/>
+          </a:ln>
+        </p:spPr>
+        <p:style>
+          <a:lnRef idx="1">
+            <a:schemeClr val="accent1"/>
+          </a:lnRef>
+          <a:fillRef idx="0">
+            <a:schemeClr val="accent1"/>
+          </a:fillRef>
+          <a:effectRef idx="0">
+            <a:schemeClr val="accent1"/>
+          </a:effectRef>
+          <a:fontRef idx="minor">
+            <a:schemeClr val="tx1"/>
+          </a:fontRef>
+        </p:style>
+      </p:cxnSp>
+      <p:cxnSp>
+        <p:nvCxnSpPr>
+          <p:cNvPr id="26" name="Connector: Curved 25">
+            <a:extLst>
+              <a:ext uri="{FF2B5EF4-FFF2-40B4-BE49-F238E27FC236}">
+                <a16:creationId xmlns:a16="http://schemas.microsoft.com/office/drawing/2014/main" id="{77123615-CD96-4D7D-B5A7-C53BC52B6ACA}"/>
+              </a:ext>
+            </a:extLst>
+          </p:cNvPr>
+          <p:cNvCxnSpPr>
+            <a:cxnSpLocks/>
+            <a:stCxn id="16" idx="4"/>
+            <a:endCxn id="2" idx="2"/>
+          </p:cNvCxnSpPr>
+          <p:nvPr/>
+        </p:nvCxnSpPr>
+        <p:spPr>
+          <a:xfrm rot="16200000" flipH="1">
+            <a:off x="4175174" y="3216316"/>
+            <a:ext cx="599954" cy="1888386"/>
+          </a:xfrm>
+          <a:prstGeom prst="curvedConnector2">
+            <a:avLst/>
+          </a:prstGeom>
+          <a:ln w="38100">
+            <a:tailEnd type="triangle"/>
+          </a:ln>
+        </p:spPr>
+        <p:style>
+          <a:lnRef idx="1">
+            <a:schemeClr val="accent1"/>
+          </a:lnRef>
+          <a:fillRef idx="0">
+            <a:schemeClr val="accent1"/>
+          </a:fillRef>
+          <a:effectRef idx="0">
+            <a:schemeClr val="accent1"/>
+          </a:effectRef>
+          <a:fontRef idx="minor">
+            <a:schemeClr val="tx1"/>
+          </a:fontRef>
+        </p:style>
+      </p:cxnSp>
+      <p:cxnSp>
+        <p:nvCxnSpPr>
+          <p:cNvPr id="27" name="Connector: Curved 26">
+            <a:extLst>
+              <a:ext uri="{FF2B5EF4-FFF2-40B4-BE49-F238E27FC236}">
+                <a16:creationId xmlns:a16="http://schemas.microsoft.com/office/drawing/2014/main" id="{0CFBBDE4-12D9-42F2-94D7-AC8BE054F727}"/>
+              </a:ext>
+            </a:extLst>
+          </p:cNvPr>
+          <p:cNvCxnSpPr>
+            <a:cxnSpLocks/>
+            <a:stCxn id="17" idx="2"/>
+            <a:endCxn id="16" idx="0"/>
+          </p:cNvCxnSpPr>
+          <p:nvPr/>
+        </p:nvCxnSpPr>
+        <p:spPr>
+          <a:xfrm rot="10800000" flipV="1">
+            <a:off x="3530958" y="2210932"/>
+            <a:ext cx="377512" cy="918080"/>
+          </a:xfrm>
+          <a:prstGeom prst="curvedConnector2">
+            <a:avLst/>
+          </a:prstGeom>
+          <a:ln w="38100">
+            <a:tailEnd type="triangle"/>
+          </a:ln>
+        </p:spPr>
+        <p:style>
+          <a:lnRef idx="1">
+            <a:schemeClr val="accent1"/>
+          </a:lnRef>
+          <a:fillRef idx="0">
+            <a:schemeClr val="accent1"/>
+          </a:fillRef>
+          <a:effectRef idx="0">
+            <a:schemeClr val="accent1"/>
+          </a:effectRef>
+          <a:fontRef idx="minor">
+            <a:schemeClr val="tx1"/>
+          </a:fontRef>
+        </p:style>
+      </p:cxnSp>
+      <p:sp>
+        <p:nvSpPr>
+          <p:cNvPr id="28" name="TextBox 27">
+            <a:extLst>
+              <a:ext uri="{FF2B5EF4-FFF2-40B4-BE49-F238E27FC236}">
+                <a16:creationId xmlns:a16="http://schemas.microsoft.com/office/drawing/2014/main" id="{F188771D-A16E-4BC7-A3F1-39A2DC20921C}"/>
+              </a:ext>
+            </a:extLst>
+          </p:cNvPr>
+          <p:cNvSpPr txBox="1"/>
+          <p:nvPr/>
+        </p:nvSpPr>
+        <p:spPr>
+          <a:xfrm>
+            <a:off x="2757180" y="1030077"/>
+            <a:ext cx="1717971" cy="369332"/>
+          </a:xfrm>
+          <a:prstGeom prst="rect">
+            <a:avLst/>
+          </a:prstGeom>
+          <a:noFill/>
+        </p:spPr>
+        <p:txBody>
+          <a:bodyPr wrap="none" rtlCol="0">
+            <a:spAutoFit/>
+          </a:bodyPr>
+          <a:lstStyle/>
+          <a:p>
+            <a:r>
+              <a:rPr lang="en-US" dirty="0"/>
+              <a:t>Ownership Loop</a:t>
+            </a:r>
+          </a:p>
+        </p:txBody>
+      </p:sp>
+      <p:sp>
+        <p:nvSpPr>
+          <p:cNvPr id="31" name="Left Brace 30">
+            <a:extLst>
+              <a:ext uri="{FF2B5EF4-FFF2-40B4-BE49-F238E27FC236}">
+                <a16:creationId xmlns:a16="http://schemas.microsoft.com/office/drawing/2014/main" id="{B020C7AC-1AFB-4D5F-B9CF-D98D749EF8AF}"/>
+              </a:ext>
+            </a:extLst>
+          </p:cNvPr>
+          <p:cNvSpPr/>
+          <p:nvPr/>
+        </p:nvSpPr>
+        <p:spPr>
+          <a:xfrm flipH="1">
+            <a:off x="7294022" y="1149830"/>
+            <a:ext cx="1255776" cy="4267258"/>
+          </a:xfrm>
+          <a:prstGeom prst="leftBrace">
+            <a:avLst/>
+          </a:prstGeom>
+          <a:ln w="57150">
+            <a:solidFill>
+              <a:schemeClr val="accent2"/>
+            </a:solidFill>
+          </a:ln>
+        </p:spPr>
+        <p:style>
+          <a:lnRef idx="1">
+            <a:schemeClr val="accent1"/>
+          </a:lnRef>
+          <a:fillRef idx="0">
+            <a:schemeClr val="accent1"/>
+          </a:fillRef>
+          <a:effectRef idx="0">
+            <a:schemeClr val="accent1"/>
+          </a:effectRef>
+          <a:fontRef idx="minor">
+            <a:schemeClr val="tx1"/>
+          </a:fontRef>
+        </p:style>
+        <p:txBody>
+          <a:bodyPr rtlCol="0" anchor="ctr"/>
+          <a:lstStyle/>
+          <a:p>
+            <a:pPr algn="ctr"/>
+            <a:endParaRPr lang="en-US"/>
+          </a:p>
+        </p:txBody>
+      </p:sp>
+      <p:sp>
+        <p:nvSpPr>
+          <p:cNvPr id="32" name="TextBox 31">
+            <a:extLst>
+              <a:ext uri="{FF2B5EF4-FFF2-40B4-BE49-F238E27FC236}">
+                <a16:creationId xmlns:a16="http://schemas.microsoft.com/office/drawing/2014/main" id="{4299AF5E-2E2C-4709-A55D-B168B3059B61}"/>
+              </a:ext>
+            </a:extLst>
+          </p:cNvPr>
+          <p:cNvSpPr txBox="1"/>
+          <p:nvPr/>
+        </p:nvSpPr>
+        <p:spPr>
+          <a:xfrm flipH="1">
+            <a:off x="8461321" y="2300640"/>
+            <a:ext cx="825867" cy="369332"/>
+          </a:xfrm>
+          <a:prstGeom prst="rect">
+            <a:avLst/>
+          </a:prstGeom>
+          <a:noFill/>
+        </p:spPr>
+        <p:txBody>
+          <a:bodyPr wrap="none" rtlCol="0">
+            <a:spAutoFit/>
+          </a:bodyPr>
+          <a:lstStyle/>
+          <a:p>
+            <a:r>
+              <a:rPr lang="en-US" dirty="0">
+                <a:solidFill>
+                  <a:srgbClr val="F09456"/>
+                </a:solidFill>
+              </a:rPr>
+              <a:t>Leader</a:t>
+            </a:r>
+          </a:p>
+        </p:txBody>
+      </p:sp>
+      <p:sp>
+        <p:nvSpPr>
+          <p:cNvPr id="33" name="TextBox 32">
+            <a:extLst>
+              <a:ext uri="{FF2B5EF4-FFF2-40B4-BE49-F238E27FC236}">
+                <a16:creationId xmlns:a16="http://schemas.microsoft.com/office/drawing/2014/main" id="{5A1E13BC-3FBB-4305-BC25-67B915B70E55}"/>
+              </a:ext>
+            </a:extLst>
+          </p:cNvPr>
+          <p:cNvSpPr txBox="1"/>
+          <p:nvPr/>
+        </p:nvSpPr>
+        <p:spPr>
+          <a:xfrm flipH="1">
+            <a:off x="8857487" y="2960293"/>
+            <a:ext cx="893643" cy="646331"/>
+          </a:xfrm>
+          <a:prstGeom prst="rect">
+            <a:avLst/>
+          </a:prstGeom>
+          <a:noFill/>
+        </p:spPr>
+        <p:txBody>
+          <a:bodyPr wrap="none" rtlCol="0">
+            <a:spAutoFit/>
+          </a:bodyPr>
+          <a:lstStyle/>
+          <a:p>
+            <a:r>
+              <a:rPr lang="en-US" dirty="0">
+                <a:solidFill>
+                  <a:schemeClr val="accent2"/>
+                </a:solidFill>
+              </a:rPr>
+              <a:t>Mentor</a:t>
+            </a:r>
+          </a:p>
+          <a:p>
+            <a:r>
+              <a:rPr lang="en-US" dirty="0">
+                <a:solidFill>
+                  <a:schemeClr val="accent2"/>
+                </a:solidFill>
+              </a:rPr>
+              <a:t>Coach</a:t>
             </a:r>
           </a:p>
         </p:txBody>
@@ -13349,7 +16047,7 @@
     </p:spTree>
     <p:extLst>
       <p:ext uri="{BB962C8B-B14F-4D97-AF65-F5344CB8AC3E}">
-        <p14:creationId xmlns:p14="http://schemas.microsoft.com/office/powerpoint/2010/main" val="1464780440"/>
+        <p14:creationId xmlns:p14="http://schemas.microsoft.com/office/powerpoint/2010/main" val="1494923518"/>
       </p:ext>
     </p:extLst>
   </p:cSld>
